--- a/slides/Tag-2_1-Bestandteile_Models.pptx
+++ b/slides/Tag-2_1-Bestandteile_Models.pptx
@@ -6,23 +6,25 @@
     <p:sldMasterId id="2147483649" r:id="rId2"/>
   </p:sldMasterIdLst>
   <p:notesMasterIdLst>
-    <p:notesMasterId r:id="rId14"/>
+    <p:notesMasterId r:id="rId16"/>
   </p:notesMasterIdLst>
   <p:handoutMasterIdLst>
-    <p:handoutMasterId r:id="rId15"/>
+    <p:handoutMasterId r:id="rId17"/>
   </p:handoutMasterIdLst>
   <p:sldIdLst>
     <p:sldId id="587" r:id="rId3"/>
     <p:sldId id="484" r:id="rId4"/>
     <p:sldId id="510" r:id="rId5"/>
     <p:sldId id="502" r:id="rId6"/>
-    <p:sldId id="500" r:id="rId7"/>
-    <p:sldId id="503" r:id="rId8"/>
-    <p:sldId id="504" r:id="rId9"/>
-    <p:sldId id="505" r:id="rId10"/>
-    <p:sldId id="507" r:id="rId11"/>
-    <p:sldId id="501" r:id="rId12"/>
-    <p:sldId id="509" r:id="rId13"/>
+    <p:sldId id="588" r:id="rId7"/>
+    <p:sldId id="589" r:id="rId8"/>
+    <p:sldId id="500" r:id="rId9"/>
+    <p:sldId id="503" r:id="rId10"/>
+    <p:sldId id="504" r:id="rId11"/>
+    <p:sldId id="505" r:id="rId12"/>
+    <p:sldId id="507" r:id="rId13"/>
+    <p:sldId id="501" r:id="rId14"/>
+    <p:sldId id="509" r:id="rId15"/>
   </p:sldIdLst>
   <p:sldSz cx="9144000" cy="6858000" type="screen4x3"/>
   <p:notesSz cx="6784975" cy="9921875"/>
@@ -182,10 +184,6 @@
     </p:ext>
   </p:extLst>
 </p:presentation>
-</file>
-
-<file path=ppt/revisionInfo.xml><?xml version="1.0" encoding="utf-8"?>
-<p1510:revInfo xmlns:a="http://schemas.openxmlformats.org/drawingml/2006/main" xmlns:r="http://schemas.openxmlformats.org/officeDocument/2006/relationships" xmlns:p1510="http://schemas.microsoft.com/office/powerpoint/2015/10/main"/>
 </file>
 
 <file path=ppt/handoutMasters/handoutMaster1.xml><?xml version="1.0" encoding="utf-8"?>
@@ -4935,7 +4933,7 @@
               <a:pPr algn="ctr">
                 <a:defRPr/>
               </a:pPr>
-              <a:t>16.06.2017</a:t>
+              <a:t>12.03.2019</a:t>
             </a:fld>
             <a:endParaRPr lang="de-DE" sz="1000" dirty="0">
               <a:solidFill>
@@ -6830,6 +6828,936 @@
               <a:buNone/>
             </a:pPr>
             <a:r>
+              <a:rPr lang="de-DE" sz="2000" b="1" dirty="0"/>
+              <a:t>… </a:t>
+            </a:r>
+            <a:r>
+              <a:rPr lang="de-DE" sz="2000" b="1" dirty="0" err="1"/>
+              <a:t>CompoundPropertyModel</a:t>
+            </a:r>
+            <a:endParaRPr lang="de-DE" sz="2000" b="1" dirty="0"/>
+          </a:p>
+          <a:p>
+            <a:pPr marL="0" indent="0">
+              <a:buNone/>
+            </a:pPr>
+            <a:endParaRPr lang="de-DE" sz="2000" b="1" dirty="0"/>
+          </a:p>
+          <a:p>
+            <a:pPr marL="0" lvl="0" indent="0">
+              <a:spcBef>
+                <a:spcPct val="0"/>
+              </a:spcBef>
+              <a:buClrTx/>
+              <a:buNone/>
+            </a:pPr>
+            <a:r>
+              <a:rPr lang="de-DE" altLang="de-DE" sz="1600" dirty="0">
+                <a:solidFill>
+                  <a:srgbClr val="000000"/>
+                </a:solidFill>
+                <a:latin typeface="Consolas" panose="020B0609020204030204" pitchFamily="49" charset="0"/>
+                <a:cs typeface="Consolas" panose="020B0609020204030204" pitchFamily="49" charset="0"/>
+              </a:rPr>
+              <a:t>Person </a:t>
+            </a:r>
+            <a:r>
+              <a:rPr lang="de-DE" altLang="de-DE" sz="1600" dirty="0" err="1">
+                <a:solidFill>
+                  <a:srgbClr val="000000"/>
+                </a:solidFill>
+                <a:latin typeface="Consolas" panose="020B0609020204030204" pitchFamily="49" charset="0"/>
+                <a:cs typeface="Consolas" panose="020B0609020204030204" pitchFamily="49" charset="0"/>
+              </a:rPr>
+              <a:t>person</a:t>
+            </a:r>
+            <a:r>
+              <a:rPr lang="de-DE" altLang="de-DE" sz="1600" dirty="0">
+                <a:solidFill>
+                  <a:srgbClr val="000000"/>
+                </a:solidFill>
+                <a:latin typeface="Consolas" panose="020B0609020204030204" pitchFamily="49" charset="0"/>
+                <a:cs typeface="Consolas" panose="020B0609020204030204" pitchFamily="49" charset="0"/>
+              </a:rPr>
+              <a:t> = </a:t>
+            </a:r>
+            <a:r>
+              <a:rPr lang="de-DE" altLang="de-DE" sz="1600" b="1" dirty="0" err="1">
+                <a:solidFill>
+                  <a:srgbClr val="000080"/>
+                </a:solidFill>
+                <a:latin typeface="Consolas" panose="020B0609020204030204" pitchFamily="49" charset="0"/>
+                <a:cs typeface="Consolas" panose="020B0609020204030204" pitchFamily="49" charset="0"/>
+              </a:rPr>
+              <a:t>new</a:t>
+            </a:r>
+            <a:r>
+              <a:rPr lang="de-DE" altLang="de-DE" sz="1600" b="1" dirty="0">
+                <a:solidFill>
+                  <a:srgbClr val="000080"/>
+                </a:solidFill>
+                <a:latin typeface="Consolas" panose="020B0609020204030204" pitchFamily="49" charset="0"/>
+                <a:cs typeface="Consolas" panose="020B0609020204030204" pitchFamily="49" charset="0"/>
+              </a:rPr>
+              <a:t> </a:t>
+            </a:r>
+            <a:r>
+              <a:rPr lang="de-DE" altLang="de-DE" sz="1600" dirty="0">
+                <a:solidFill>
+                  <a:srgbClr val="000000"/>
+                </a:solidFill>
+                <a:latin typeface="Consolas" panose="020B0609020204030204" pitchFamily="49" charset="0"/>
+                <a:cs typeface="Consolas" panose="020B0609020204030204" pitchFamily="49" charset="0"/>
+              </a:rPr>
+              <a:t>Person(</a:t>
+            </a:r>
+            <a:r>
+              <a:rPr lang="de-DE" altLang="de-DE" sz="1600" b="1" dirty="0">
+                <a:solidFill>
+                  <a:srgbClr val="008000"/>
+                </a:solidFill>
+                <a:latin typeface="Consolas" panose="020B0609020204030204" pitchFamily="49" charset="0"/>
+                <a:cs typeface="Consolas" panose="020B0609020204030204" pitchFamily="49" charset="0"/>
+              </a:rPr>
+              <a:t>"John"</a:t>
+            </a:r>
+            <a:r>
+              <a:rPr lang="de-DE" altLang="de-DE" sz="1600" dirty="0">
+                <a:solidFill>
+                  <a:srgbClr val="000000"/>
+                </a:solidFill>
+                <a:latin typeface="Consolas" panose="020B0609020204030204" pitchFamily="49" charset="0"/>
+                <a:cs typeface="Consolas" panose="020B0609020204030204" pitchFamily="49" charset="0"/>
+              </a:rPr>
+              <a:t>, </a:t>
+            </a:r>
+            <a:r>
+              <a:rPr lang="de-DE" altLang="de-DE" sz="1600" b="1" dirty="0">
+                <a:solidFill>
+                  <a:srgbClr val="008000"/>
+                </a:solidFill>
+                <a:latin typeface="Consolas" panose="020B0609020204030204" pitchFamily="49" charset="0"/>
+                <a:cs typeface="Consolas" panose="020B0609020204030204" pitchFamily="49" charset="0"/>
+              </a:rPr>
+              <a:t>"Smith"</a:t>
+            </a:r>
+            <a:r>
+              <a:rPr lang="de-DE" altLang="de-DE" sz="1600" dirty="0">
+                <a:solidFill>
+                  <a:srgbClr val="000000"/>
+                </a:solidFill>
+                <a:latin typeface="Consolas" panose="020B0609020204030204" pitchFamily="49" charset="0"/>
+                <a:cs typeface="Consolas" panose="020B0609020204030204" pitchFamily="49" charset="0"/>
+              </a:rPr>
+              <a:t>);</a:t>
+            </a:r>
+            <a:br>
+              <a:rPr lang="de-DE" altLang="de-DE" sz="1600" dirty="0">
+                <a:solidFill>
+                  <a:srgbClr val="000000"/>
+                </a:solidFill>
+                <a:latin typeface="Consolas" panose="020B0609020204030204" pitchFamily="49" charset="0"/>
+                <a:cs typeface="Consolas" panose="020B0609020204030204" pitchFamily="49" charset="0"/>
+              </a:rPr>
+            </a:br>
+            <a:r>
+              <a:rPr lang="de-DE" altLang="de-DE" sz="1600" dirty="0" err="1">
+                <a:solidFill>
+                  <a:srgbClr val="000000"/>
+                </a:solidFill>
+                <a:latin typeface="Consolas" panose="020B0609020204030204" pitchFamily="49" charset="0"/>
+                <a:cs typeface="Consolas" panose="020B0609020204030204" pitchFamily="49" charset="0"/>
+              </a:rPr>
+              <a:t>setDefaultModel</a:t>
+            </a:r>
+            <a:r>
+              <a:rPr lang="de-DE" altLang="de-DE" sz="1600" dirty="0">
+                <a:solidFill>
+                  <a:srgbClr val="000000"/>
+                </a:solidFill>
+                <a:latin typeface="Consolas" panose="020B0609020204030204" pitchFamily="49" charset="0"/>
+                <a:cs typeface="Consolas" panose="020B0609020204030204" pitchFamily="49" charset="0"/>
+              </a:rPr>
+              <a:t>(</a:t>
+            </a:r>
+            <a:r>
+              <a:rPr lang="de-DE" altLang="de-DE" sz="1600" b="1" dirty="0" err="1">
+                <a:solidFill>
+                  <a:srgbClr val="000080"/>
+                </a:solidFill>
+                <a:latin typeface="Consolas" panose="020B0609020204030204" pitchFamily="49" charset="0"/>
+                <a:cs typeface="Consolas" panose="020B0609020204030204" pitchFamily="49" charset="0"/>
+              </a:rPr>
+              <a:t>new</a:t>
+            </a:r>
+            <a:r>
+              <a:rPr lang="de-DE" altLang="de-DE" sz="1600" b="1" dirty="0">
+                <a:solidFill>
+                  <a:srgbClr val="000080"/>
+                </a:solidFill>
+                <a:latin typeface="Consolas" panose="020B0609020204030204" pitchFamily="49" charset="0"/>
+                <a:cs typeface="Consolas" panose="020B0609020204030204" pitchFamily="49" charset="0"/>
+              </a:rPr>
+              <a:t> </a:t>
+            </a:r>
+            <a:r>
+              <a:rPr lang="de-DE" altLang="de-DE" sz="1600" dirty="0" err="1">
+                <a:solidFill>
+                  <a:srgbClr val="000000"/>
+                </a:solidFill>
+                <a:latin typeface="Consolas" panose="020B0609020204030204" pitchFamily="49" charset="0"/>
+                <a:cs typeface="Consolas" panose="020B0609020204030204" pitchFamily="49" charset="0"/>
+              </a:rPr>
+              <a:t>CompoundPropertyModel</a:t>
+            </a:r>
+            <a:r>
+              <a:rPr lang="de-DE" altLang="de-DE" sz="1600" dirty="0">
+                <a:solidFill>
+                  <a:srgbClr val="000000"/>
+                </a:solidFill>
+                <a:latin typeface="Consolas" panose="020B0609020204030204" pitchFamily="49" charset="0"/>
+                <a:cs typeface="Consolas" panose="020B0609020204030204" pitchFamily="49" charset="0"/>
+              </a:rPr>
+              <a:t>(</a:t>
+            </a:r>
+            <a:r>
+              <a:rPr lang="de-DE" altLang="de-DE" sz="1600" dirty="0" err="1">
+                <a:solidFill>
+                  <a:srgbClr val="000000"/>
+                </a:solidFill>
+                <a:latin typeface="Consolas" panose="020B0609020204030204" pitchFamily="49" charset="0"/>
+                <a:cs typeface="Consolas" panose="020B0609020204030204" pitchFamily="49" charset="0"/>
+              </a:rPr>
+              <a:t>person</a:t>
+            </a:r>
+            <a:r>
+              <a:rPr lang="de-DE" altLang="de-DE" sz="1600" dirty="0">
+                <a:solidFill>
+                  <a:srgbClr val="000000"/>
+                </a:solidFill>
+                <a:latin typeface="Consolas" panose="020B0609020204030204" pitchFamily="49" charset="0"/>
+                <a:cs typeface="Consolas" panose="020B0609020204030204" pitchFamily="49" charset="0"/>
+              </a:rPr>
+              <a:t>));</a:t>
+            </a:r>
+            <a:br>
+              <a:rPr lang="de-DE" altLang="de-DE" sz="1600" dirty="0">
+                <a:solidFill>
+                  <a:srgbClr val="000000"/>
+                </a:solidFill>
+                <a:latin typeface="Consolas" panose="020B0609020204030204" pitchFamily="49" charset="0"/>
+                <a:cs typeface="Consolas" panose="020B0609020204030204" pitchFamily="49" charset="0"/>
+              </a:rPr>
+            </a:br>
+            <a:br>
+              <a:rPr lang="de-DE" altLang="de-DE" sz="1600" dirty="0">
+                <a:solidFill>
+                  <a:srgbClr val="000000"/>
+                </a:solidFill>
+                <a:latin typeface="Consolas" panose="020B0609020204030204" pitchFamily="49" charset="0"/>
+                <a:cs typeface="Consolas" panose="020B0609020204030204" pitchFamily="49" charset="0"/>
+              </a:rPr>
+            </a:br>
+            <a:r>
+              <a:rPr lang="de-DE" altLang="de-DE" sz="1600" dirty="0" err="1">
+                <a:solidFill>
+                  <a:srgbClr val="000000"/>
+                </a:solidFill>
+                <a:latin typeface="Consolas" panose="020B0609020204030204" pitchFamily="49" charset="0"/>
+                <a:cs typeface="Consolas" panose="020B0609020204030204" pitchFamily="49" charset="0"/>
+              </a:rPr>
+              <a:t>add</a:t>
+            </a:r>
+            <a:r>
+              <a:rPr lang="de-DE" altLang="de-DE" sz="1600" dirty="0">
+                <a:solidFill>
+                  <a:srgbClr val="000000"/>
+                </a:solidFill>
+                <a:latin typeface="Consolas" panose="020B0609020204030204" pitchFamily="49" charset="0"/>
+                <a:cs typeface="Consolas" panose="020B0609020204030204" pitchFamily="49" charset="0"/>
+              </a:rPr>
+              <a:t>(</a:t>
+            </a:r>
+            <a:r>
+              <a:rPr lang="de-DE" altLang="de-DE" sz="1600" b="1" dirty="0" err="1">
+                <a:solidFill>
+                  <a:srgbClr val="000080"/>
+                </a:solidFill>
+                <a:latin typeface="Consolas" panose="020B0609020204030204" pitchFamily="49" charset="0"/>
+                <a:cs typeface="Consolas" panose="020B0609020204030204" pitchFamily="49" charset="0"/>
+              </a:rPr>
+              <a:t>new</a:t>
+            </a:r>
+            <a:r>
+              <a:rPr lang="de-DE" altLang="de-DE" sz="1600" b="1" dirty="0">
+                <a:solidFill>
+                  <a:srgbClr val="000080"/>
+                </a:solidFill>
+                <a:latin typeface="Consolas" panose="020B0609020204030204" pitchFamily="49" charset="0"/>
+                <a:cs typeface="Consolas" panose="020B0609020204030204" pitchFamily="49" charset="0"/>
+              </a:rPr>
+              <a:t> </a:t>
+            </a:r>
+            <a:r>
+              <a:rPr lang="de-DE" altLang="de-DE" sz="1600" dirty="0">
+                <a:solidFill>
+                  <a:srgbClr val="000000"/>
+                </a:solidFill>
+                <a:latin typeface="Consolas" panose="020B0609020204030204" pitchFamily="49" charset="0"/>
+                <a:cs typeface="Consolas" panose="020B0609020204030204" pitchFamily="49" charset="0"/>
+              </a:rPr>
+              <a:t>Label(</a:t>
+            </a:r>
+            <a:r>
+              <a:rPr lang="de-DE" altLang="de-DE" sz="1600" b="1" dirty="0">
+                <a:solidFill>
+                  <a:srgbClr val="008000"/>
+                </a:solidFill>
+                <a:latin typeface="Consolas" panose="020B0609020204030204" pitchFamily="49" charset="0"/>
+                <a:cs typeface="Consolas" panose="020B0609020204030204" pitchFamily="49" charset="0"/>
+              </a:rPr>
+              <a:t>"</a:t>
+            </a:r>
+            <a:r>
+              <a:rPr lang="de-DE" altLang="de-DE" sz="1600" b="1" dirty="0" err="1">
+                <a:solidFill>
+                  <a:srgbClr val="008000"/>
+                </a:solidFill>
+                <a:latin typeface="Consolas" panose="020B0609020204030204" pitchFamily="49" charset="0"/>
+                <a:cs typeface="Consolas" panose="020B0609020204030204" pitchFamily="49" charset="0"/>
+              </a:rPr>
+              <a:t>name</a:t>
+            </a:r>
+            <a:r>
+              <a:rPr lang="de-DE" altLang="de-DE" sz="1600" b="1" dirty="0">
+                <a:solidFill>
+                  <a:srgbClr val="008000"/>
+                </a:solidFill>
+                <a:latin typeface="Consolas" panose="020B0609020204030204" pitchFamily="49" charset="0"/>
+                <a:cs typeface="Consolas" panose="020B0609020204030204" pitchFamily="49" charset="0"/>
+              </a:rPr>
+              <a:t>"</a:t>
+            </a:r>
+            <a:r>
+              <a:rPr lang="de-DE" altLang="de-DE" sz="1600" dirty="0">
+                <a:solidFill>
+                  <a:srgbClr val="000000"/>
+                </a:solidFill>
+                <a:latin typeface="Consolas" panose="020B0609020204030204" pitchFamily="49" charset="0"/>
+                <a:cs typeface="Consolas" panose="020B0609020204030204" pitchFamily="49" charset="0"/>
+              </a:rPr>
+              <a:t>));</a:t>
+            </a:r>
+            <a:br>
+              <a:rPr lang="de-DE" altLang="de-DE" sz="1600" dirty="0">
+                <a:solidFill>
+                  <a:srgbClr val="000000"/>
+                </a:solidFill>
+                <a:latin typeface="Consolas" panose="020B0609020204030204" pitchFamily="49" charset="0"/>
+                <a:cs typeface="Consolas" panose="020B0609020204030204" pitchFamily="49" charset="0"/>
+              </a:rPr>
+            </a:br>
+            <a:r>
+              <a:rPr lang="de-DE" altLang="de-DE" sz="1600" dirty="0" err="1">
+                <a:solidFill>
+                  <a:srgbClr val="000000"/>
+                </a:solidFill>
+                <a:latin typeface="Consolas" panose="020B0609020204030204" pitchFamily="49" charset="0"/>
+                <a:cs typeface="Consolas" panose="020B0609020204030204" pitchFamily="49" charset="0"/>
+              </a:rPr>
+              <a:t>add</a:t>
+            </a:r>
+            <a:r>
+              <a:rPr lang="de-DE" altLang="de-DE" sz="1600" dirty="0">
+                <a:solidFill>
+                  <a:srgbClr val="000000"/>
+                </a:solidFill>
+                <a:latin typeface="Consolas" panose="020B0609020204030204" pitchFamily="49" charset="0"/>
+                <a:cs typeface="Consolas" panose="020B0609020204030204" pitchFamily="49" charset="0"/>
+              </a:rPr>
+              <a:t>(</a:t>
+            </a:r>
+            <a:r>
+              <a:rPr lang="de-DE" altLang="de-DE" sz="1600" b="1" dirty="0" err="1">
+                <a:solidFill>
+                  <a:srgbClr val="000080"/>
+                </a:solidFill>
+                <a:latin typeface="Consolas" panose="020B0609020204030204" pitchFamily="49" charset="0"/>
+                <a:cs typeface="Consolas" panose="020B0609020204030204" pitchFamily="49" charset="0"/>
+              </a:rPr>
+              <a:t>new</a:t>
+            </a:r>
+            <a:r>
+              <a:rPr lang="de-DE" altLang="de-DE" sz="1600" b="1" dirty="0">
+                <a:solidFill>
+                  <a:srgbClr val="000080"/>
+                </a:solidFill>
+                <a:latin typeface="Consolas" panose="020B0609020204030204" pitchFamily="49" charset="0"/>
+                <a:cs typeface="Consolas" panose="020B0609020204030204" pitchFamily="49" charset="0"/>
+              </a:rPr>
+              <a:t> </a:t>
+            </a:r>
+            <a:r>
+              <a:rPr lang="de-DE" altLang="de-DE" sz="1600" dirty="0">
+                <a:solidFill>
+                  <a:srgbClr val="000000"/>
+                </a:solidFill>
+                <a:latin typeface="Consolas" panose="020B0609020204030204" pitchFamily="49" charset="0"/>
+                <a:cs typeface="Consolas" panose="020B0609020204030204" pitchFamily="49" charset="0"/>
+              </a:rPr>
+              <a:t>Label(</a:t>
+            </a:r>
+            <a:r>
+              <a:rPr lang="de-DE" altLang="de-DE" sz="1600" b="1" dirty="0">
+                <a:solidFill>
+                  <a:srgbClr val="008000"/>
+                </a:solidFill>
+                <a:latin typeface="Consolas" panose="020B0609020204030204" pitchFamily="49" charset="0"/>
+                <a:cs typeface="Consolas" panose="020B0609020204030204" pitchFamily="49" charset="0"/>
+              </a:rPr>
+              <a:t>"</a:t>
+            </a:r>
+            <a:r>
+              <a:rPr lang="de-DE" altLang="de-DE" sz="1600" b="1" dirty="0" err="1">
+                <a:solidFill>
+                  <a:srgbClr val="008000"/>
+                </a:solidFill>
+                <a:latin typeface="Consolas" panose="020B0609020204030204" pitchFamily="49" charset="0"/>
+                <a:cs typeface="Consolas" panose="020B0609020204030204" pitchFamily="49" charset="0"/>
+              </a:rPr>
+              <a:t>surname</a:t>
+            </a:r>
+            <a:r>
+              <a:rPr lang="de-DE" altLang="de-DE" sz="1600" b="1" dirty="0">
+                <a:solidFill>
+                  <a:srgbClr val="008000"/>
+                </a:solidFill>
+                <a:latin typeface="Consolas" panose="020B0609020204030204" pitchFamily="49" charset="0"/>
+                <a:cs typeface="Consolas" panose="020B0609020204030204" pitchFamily="49" charset="0"/>
+              </a:rPr>
+              <a:t>"</a:t>
+            </a:r>
+            <a:r>
+              <a:rPr lang="de-DE" altLang="de-DE" sz="1600" dirty="0">
+                <a:solidFill>
+                  <a:srgbClr val="000000"/>
+                </a:solidFill>
+                <a:latin typeface="Consolas" panose="020B0609020204030204" pitchFamily="49" charset="0"/>
+                <a:cs typeface="Consolas" panose="020B0609020204030204" pitchFamily="49" charset="0"/>
+              </a:rPr>
+              <a:t>));</a:t>
+            </a:r>
+            <a:br>
+              <a:rPr lang="de-DE" altLang="de-DE" sz="1600" dirty="0">
+                <a:solidFill>
+                  <a:srgbClr val="000000"/>
+                </a:solidFill>
+                <a:latin typeface="Consolas" panose="020B0609020204030204" pitchFamily="49" charset="0"/>
+                <a:cs typeface="Consolas" panose="020B0609020204030204" pitchFamily="49" charset="0"/>
+              </a:rPr>
+            </a:br>
+            <a:r>
+              <a:rPr lang="de-DE" altLang="de-DE" sz="1600" dirty="0" err="1">
+                <a:solidFill>
+                  <a:srgbClr val="000000"/>
+                </a:solidFill>
+                <a:latin typeface="Consolas" panose="020B0609020204030204" pitchFamily="49" charset="0"/>
+                <a:cs typeface="Consolas" panose="020B0609020204030204" pitchFamily="49" charset="0"/>
+              </a:rPr>
+              <a:t>add</a:t>
+            </a:r>
+            <a:r>
+              <a:rPr lang="de-DE" altLang="de-DE" sz="1600" dirty="0">
+                <a:solidFill>
+                  <a:srgbClr val="000000"/>
+                </a:solidFill>
+                <a:latin typeface="Consolas" panose="020B0609020204030204" pitchFamily="49" charset="0"/>
+                <a:cs typeface="Consolas" panose="020B0609020204030204" pitchFamily="49" charset="0"/>
+              </a:rPr>
+              <a:t>(</a:t>
+            </a:r>
+            <a:r>
+              <a:rPr lang="de-DE" altLang="de-DE" sz="1600" b="1" dirty="0" err="1">
+                <a:solidFill>
+                  <a:srgbClr val="000080"/>
+                </a:solidFill>
+                <a:latin typeface="Consolas" panose="020B0609020204030204" pitchFamily="49" charset="0"/>
+                <a:cs typeface="Consolas" panose="020B0609020204030204" pitchFamily="49" charset="0"/>
+              </a:rPr>
+              <a:t>new</a:t>
+            </a:r>
+            <a:r>
+              <a:rPr lang="de-DE" altLang="de-DE" sz="1600" b="1" dirty="0">
+                <a:solidFill>
+                  <a:srgbClr val="000080"/>
+                </a:solidFill>
+                <a:latin typeface="Consolas" panose="020B0609020204030204" pitchFamily="49" charset="0"/>
+                <a:cs typeface="Consolas" panose="020B0609020204030204" pitchFamily="49" charset="0"/>
+              </a:rPr>
+              <a:t> </a:t>
+            </a:r>
+            <a:r>
+              <a:rPr lang="de-DE" altLang="de-DE" sz="1600" dirty="0">
+                <a:solidFill>
+                  <a:srgbClr val="000000"/>
+                </a:solidFill>
+                <a:latin typeface="Consolas" panose="020B0609020204030204" pitchFamily="49" charset="0"/>
+                <a:cs typeface="Consolas" panose="020B0609020204030204" pitchFamily="49" charset="0"/>
+              </a:rPr>
+              <a:t>Label(</a:t>
+            </a:r>
+            <a:r>
+              <a:rPr lang="de-DE" altLang="de-DE" sz="1600" b="1" dirty="0">
+                <a:solidFill>
+                  <a:srgbClr val="008000"/>
+                </a:solidFill>
+                <a:latin typeface="Consolas" panose="020B0609020204030204" pitchFamily="49" charset="0"/>
+                <a:cs typeface="Consolas" panose="020B0609020204030204" pitchFamily="49" charset="0"/>
+              </a:rPr>
+              <a:t>"</a:t>
+            </a:r>
+            <a:r>
+              <a:rPr lang="de-DE" altLang="de-DE" sz="1600" b="1" dirty="0" err="1">
+                <a:solidFill>
+                  <a:srgbClr val="008000"/>
+                </a:solidFill>
+                <a:latin typeface="Consolas" panose="020B0609020204030204" pitchFamily="49" charset="0"/>
+                <a:cs typeface="Consolas" panose="020B0609020204030204" pitchFamily="49" charset="0"/>
+              </a:rPr>
+              <a:t>address</a:t>
+            </a:r>
+            <a:r>
+              <a:rPr lang="de-DE" altLang="de-DE" sz="1600" b="1" dirty="0">
+                <a:solidFill>
+                  <a:srgbClr val="008000"/>
+                </a:solidFill>
+                <a:latin typeface="Consolas" panose="020B0609020204030204" pitchFamily="49" charset="0"/>
+                <a:cs typeface="Consolas" panose="020B0609020204030204" pitchFamily="49" charset="0"/>
+              </a:rPr>
+              <a:t>"</a:t>
+            </a:r>
+            <a:r>
+              <a:rPr lang="de-DE" altLang="de-DE" sz="1600" dirty="0">
+                <a:solidFill>
+                  <a:srgbClr val="000000"/>
+                </a:solidFill>
+                <a:latin typeface="Consolas" panose="020B0609020204030204" pitchFamily="49" charset="0"/>
+                <a:cs typeface="Consolas" panose="020B0609020204030204" pitchFamily="49" charset="0"/>
+              </a:rPr>
+              <a:t>));</a:t>
+            </a:r>
+            <a:br>
+              <a:rPr lang="de-DE" altLang="de-DE" sz="1600" dirty="0">
+                <a:solidFill>
+                  <a:srgbClr val="000000"/>
+                </a:solidFill>
+                <a:latin typeface="Consolas" panose="020B0609020204030204" pitchFamily="49" charset="0"/>
+                <a:cs typeface="Consolas" panose="020B0609020204030204" pitchFamily="49" charset="0"/>
+              </a:rPr>
+            </a:br>
+            <a:r>
+              <a:rPr lang="de-DE" altLang="de-DE" sz="1600" dirty="0" err="1">
+                <a:solidFill>
+                  <a:srgbClr val="000000"/>
+                </a:solidFill>
+                <a:latin typeface="Consolas" panose="020B0609020204030204" pitchFamily="49" charset="0"/>
+                <a:cs typeface="Consolas" panose="020B0609020204030204" pitchFamily="49" charset="0"/>
+              </a:rPr>
+              <a:t>add</a:t>
+            </a:r>
+            <a:r>
+              <a:rPr lang="de-DE" altLang="de-DE" sz="1600" dirty="0">
+                <a:solidFill>
+                  <a:srgbClr val="000000"/>
+                </a:solidFill>
+                <a:latin typeface="Consolas" panose="020B0609020204030204" pitchFamily="49" charset="0"/>
+                <a:cs typeface="Consolas" panose="020B0609020204030204" pitchFamily="49" charset="0"/>
+              </a:rPr>
+              <a:t>(</a:t>
+            </a:r>
+            <a:r>
+              <a:rPr lang="de-DE" altLang="de-DE" sz="1600" b="1" dirty="0" err="1">
+                <a:solidFill>
+                  <a:srgbClr val="000080"/>
+                </a:solidFill>
+                <a:latin typeface="Consolas" panose="020B0609020204030204" pitchFamily="49" charset="0"/>
+                <a:cs typeface="Consolas" panose="020B0609020204030204" pitchFamily="49" charset="0"/>
+              </a:rPr>
+              <a:t>new</a:t>
+            </a:r>
+            <a:r>
+              <a:rPr lang="de-DE" altLang="de-DE" sz="1600" b="1" dirty="0">
+                <a:solidFill>
+                  <a:srgbClr val="000080"/>
+                </a:solidFill>
+                <a:latin typeface="Consolas" panose="020B0609020204030204" pitchFamily="49" charset="0"/>
+                <a:cs typeface="Consolas" panose="020B0609020204030204" pitchFamily="49" charset="0"/>
+              </a:rPr>
+              <a:t> </a:t>
+            </a:r>
+            <a:r>
+              <a:rPr lang="de-DE" altLang="de-DE" sz="1600" dirty="0">
+                <a:solidFill>
+                  <a:srgbClr val="000000"/>
+                </a:solidFill>
+                <a:latin typeface="Consolas" panose="020B0609020204030204" pitchFamily="49" charset="0"/>
+                <a:cs typeface="Consolas" panose="020B0609020204030204" pitchFamily="49" charset="0"/>
+              </a:rPr>
+              <a:t>Label(</a:t>
+            </a:r>
+            <a:r>
+              <a:rPr lang="de-DE" altLang="de-DE" sz="1600" b="1" dirty="0">
+                <a:solidFill>
+                  <a:srgbClr val="008000"/>
+                </a:solidFill>
+                <a:latin typeface="Consolas" panose="020B0609020204030204" pitchFamily="49" charset="0"/>
+                <a:cs typeface="Consolas" panose="020B0609020204030204" pitchFamily="49" charset="0"/>
+              </a:rPr>
+              <a:t>"email"</a:t>
+            </a:r>
+            <a:r>
+              <a:rPr lang="de-DE" altLang="de-DE" sz="1600" dirty="0">
+                <a:solidFill>
+                  <a:srgbClr val="000000"/>
+                </a:solidFill>
+                <a:latin typeface="Consolas" panose="020B0609020204030204" pitchFamily="49" charset="0"/>
+                <a:cs typeface="Consolas" panose="020B0609020204030204" pitchFamily="49" charset="0"/>
+              </a:rPr>
+              <a:t>));</a:t>
+            </a:r>
+            <a:br>
+              <a:rPr lang="de-DE" altLang="de-DE" sz="1600" dirty="0">
+                <a:solidFill>
+                  <a:srgbClr val="000000"/>
+                </a:solidFill>
+                <a:latin typeface="Consolas" panose="020B0609020204030204" pitchFamily="49" charset="0"/>
+                <a:cs typeface="Consolas" panose="020B0609020204030204" pitchFamily="49" charset="0"/>
+              </a:rPr>
+            </a:br>
+            <a:r>
+              <a:rPr lang="de-DE" altLang="de-DE" sz="1600" dirty="0" err="1">
+                <a:solidFill>
+                  <a:srgbClr val="000000"/>
+                </a:solidFill>
+                <a:latin typeface="Consolas" panose="020B0609020204030204" pitchFamily="49" charset="0"/>
+                <a:cs typeface="Consolas" panose="020B0609020204030204" pitchFamily="49" charset="0"/>
+              </a:rPr>
+              <a:t>add</a:t>
+            </a:r>
+            <a:r>
+              <a:rPr lang="de-DE" altLang="de-DE" sz="1600" dirty="0">
+                <a:solidFill>
+                  <a:srgbClr val="000000"/>
+                </a:solidFill>
+                <a:latin typeface="Consolas" panose="020B0609020204030204" pitchFamily="49" charset="0"/>
+                <a:cs typeface="Consolas" panose="020B0609020204030204" pitchFamily="49" charset="0"/>
+              </a:rPr>
+              <a:t>(</a:t>
+            </a:r>
+            <a:r>
+              <a:rPr lang="de-DE" altLang="de-DE" sz="1600" b="1" dirty="0" err="1">
+                <a:solidFill>
+                  <a:srgbClr val="000080"/>
+                </a:solidFill>
+                <a:latin typeface="Consolas" panose="020B0609020204030204" pitchFamily="49" charset="0"/>
+                <a:cs typeface="Consolas" panose="020B0609020204030204" pitchFamily="49" charset="0"/>
+              </a:rPr>
+              <a:t>new</a:t>
+            </a:r>
+            <a:r>
+              <a:rPr lang="de-DE" altLang="de-DE" sz="1600" b="1" dirty="0">
+                <a:solidFill>
+                  <a:srgbClr val="000080"/>
+                </a:solidFill>
+                <a:latin typeface="Consolas" panose="020B0609020204030204" pitchFamily="49" charset="0"/>
+                <a:cs typeface="Consolas" panose="020B0609020204030204" pitchFamily="49" charset="0"/>
+              </a:rPr>
+              <a:t> </a:t>
+            </a:r>
+            <a:r>
+              <a:rPr lang="de-DE" altLang="de-DE" sz="1600" dirty="0">
+                <a:solidFill>
+                  <a:srgbClr val="000000"/>
+                </a:solidFill>
+                <a:latin typeface="Consolas" panose="020B0609020204030204" pitchFamily="49" charset="0"/>
+                <a:cs typeface="Consolas" panose="020B0609020204030204" pitchFamily="49" charset="0"/>
+              </a:rPr>
+              <a:t>Label(</a:t>
+            </a:r>
+            <a:r>
+              <a:rPr lang="de-DE" altLang="de-DE" sz="1600" b="1" dirty="0">
+                <a:solidFill>
+                  <a:srgbClr val="008000"/>
+                </a:solidFill>
+                <a:latin typeface="Consolas" panose="020B0609020204030204" pitchFamily="49" charset="0"/>
+                <a:cs typeface="Consolas" panose="020B0609020204030204" pitchFamily="49" charset="0"/>
+              </a:rPr>
+              <a:t>"spouse.name"</a:t>
+            </a:r>
+            <a:r>
+              <a:rPr lang="de-DE" altLang="de-DE" sz="1600" dirty="0">
+                <a:solidFill>
+                  <a:srgbClr val="000000"/>
+                </a:solidFill>
+                <a:latin typeface="Consolas" panose="020B0609020204030204" pitchFamily="49" charset="0"/>
+                <a:cs typeface="Consolas" panose="020B0609020204030204" pitchFamily="49" charset="0"/>
+              </a:rPr>
+              <a:t>));</a:t>
+            </a:r>
+            <a:endParaRPr lang="de-DE" altLang="de-DE" sz="3600" dirty="0">
+              <a:latin typeface="Consolas" panose="020B0609020204030204" pitchFamily="49" charset="0"/>
+              <a:cs typeface="Consolas" panose="020B0609020204030204" pitchFamily="49" charset="0"/>
+            </a:endParaRPr>
+          </a:p>
+        </p:txBody>
+      </p:sp>
+      <p:sp>
+        <p:nvSpPr>
+          <p:cNvPr id="17411" name="Rectangle 1062"/>
+          <p:cNvSpPr>
+            <a:spLocks noGrp="1" noChangeArrowheads="1"/>
+          </p:cNvSpPr>
+          <p:nvPr>
+            <p:ph type="title"/>
+          </p:nvPr>
+        </p:nvSpPr>
+        <p:spPr>
+          <a:xfrm>
+            <a:off x="285750" y="142875"/>
+            <a:ext cx="5654675" cy="706438"/>
+          </a:xfrm>
+        </p:spPr>
+        <p:txBody>
+          <a:bodyPr/>
+          <a:lstStyle/>
+          <a:p>
+            <a:r>
+              <a:rPr lang="de-DE" dirty="0"/>
+              <a:t>Models</a:t>
+            </a:r>
+          </a:p>
+        </p:txBody>
+      </p:sp>
+    </p:spTree>
+    <p:extLst>
+      <p:ext uri="{BB962C8B-B14F-4D97-AF65-F5344CB8AC3E}">
+        <p14:creationId xmlns:p14="http://schemas.microsoft.com/office/powerpoint/2010/main" val="2552299915"/>
+      </p:ext>
+    </p:extLst>
+  </p:cSld>
+  <p:clrMapOvr>
+    <a:masterClrMapping/>
+  </p:clrMapOvr>
+</p:sld>
+</file>
+
+<file path=ppt/slides/slide11.xml><?xml version="1.0" encoding="utf-8"?>
+<p:sld xmlns:a="http://schemas.openxmlformats.org/drawingml/2006/main" xmlns:r="http://schemas.openxmlformats.org/officeDocument/2006/relationships" xmlns:p="http://schemas.openxmlformats.org/presentationml/2006/main">
+  <p:cSld>
+    <p:spTree>
+      <p:nvGrpSpPr>
+        <p:cNvPr id="1" name=""/>
+        <p:cNvGrpSpPr/>
+        <p:nvPr/>
+      </p:nvGrpSpPr>
+      <p:grpSpPr>
+        <a:xfrm>
+          <a:off x="0" y="0"/>
+          <a:ext cx="0" cy="0"/>
+          <a:chOff x="0" y="0"/>
+          <a:chExt cx="0" cy="0"/>
+        </a:xfrm>
+      </p:grpSpPr>
+      <p:sp>
+        <p:nvSpPr>
+          <p:cNvPr id="17410" name="Inhaltsplatzhalter 2"/>
+          <p:cNvSpPr>
+            <a:spLocks noGrp="1"/>
+          </p:cNvSpPr>
+          <p:nvPr>
+            <p:ph idx="1"/>
+          </p:nvPr>
+        </p:nvSpPr>
+        <p:spPr>
+          <a:xfrm>
+            <a:off x="303213" y="1341438"/>
+            <a:ext cx="8589962" cy="4824412"/>
+          </a:xfrm>
+        </p:spPr>
+        <p:txBody>
+          <a:bodyPr/>
+          <a:lstStyle/>
+          <a:p>
+            <a:pPr marL="0" indent="0">
+              <a:buNone/>
+            </a:pPr>
+            <a:r>
+              <a:rPr lang="de-DE" sz="2000" b="1" dirty="0" err="1"/>
+              <a:t>Detachable</a:t>
+            </a:r>
+            <a:r>
+              <a:rPr lang="de-DE" sz="2000" b="1" dirty="0"/>
+              <a:t> Models</a:t>
+            </a:r>
+          </a:p>
+          <a:p>
+            <a:r>
+              <a:rPr lang="de-DE" sz="2000" dirty="0" err="1"/>
+              <a:t>Serialisierung</a:t>
+            </a:r>
+            <a:r>
+              <a:rPr lang="de-DE" sz="2000" dirty="0"/>
+              <a:t> von Models zusammen mit Pages</a:t>
+            </a:r>
+          </a:p>
+          <a:p>
+            <a:r>
+              <a:rPr lang="de-DE" sz="2000" dirty="0"/>
+              <a:t>Probleme bei unbekannten Datenobjekten</a:t>
+            </a:r>
+          </a:p>
+          <a:p>
+            <a:pPr lvl="1"/>
+            <a:r>
+              <a:rPr lang="de-DE" sz="1600" dirty="0"/>
+              <a:t>Größe</a:t>
+            </a:r>
+          </a:p>
+          <a:p>
+            <a:pPr lvl="1"/>
+            <a:r>
+              <a:rPr lang="de-DE" sz="1600" dirty="0" err="1"/>
+              <a:t>Serialisierbarkeit</a:t>
+            </a:r>
+            <a:endParaRPr lang="de-DE" sz="1600" dirty="0"/>
+          </a:p>
+          <a:p>
+            <a:r>
+              <a:rPr lang="de-DE" sz="2000" dirty="0"/>
+              <a:t>Lösung: Datenobjekte vor </a:t>
+            </a:r>
+            <a:r>
+              <a:rPr lang="de-DE" sz="2000" dirty="0" err="1"/>
+              <a:t>Serialisierung</a:t>
+            </a:r>
+            <a:r>
+              <a:rPr lang="de-DE" sz="2000" dirty="0"/>
+              <a:t> aushängen (z.B. in DB)</a:t>
+            </a:r>
+          </a:p>
+        </p:txBody>
+      </p:sp>
+      <p:sp>
+        <p:nvSpPr>
+          <p:cNvPr id="17411" name="Rectangle 1062"/>
+          <p:cNvSpPr>
+            <a:spLocks noGrp="1" noChangeArrowheads="1"/>
+          </p:cNvSpPr>
+          <p:nvPr>
+            <p:ph type="title"/>
+          </p:nvPr>
+        </p:nvSpPr>
+        <p:spPr>
+          <a:xfrm>
+            <a:off x="285750" y="142875"/>
+            <a:ext cx="5654675" cy="706438"/>
+          </a:xfrm>
+        </p:spPr>
+        <p:txBody>
+          <a:bodyPr/>
+          <a:lstStyle/>
+          <a:p>
+            <a:r>
+              <a:rPr lang="de-DE" dirty="0"/>
+              <a:t>Models</a:t>
+            </a:r>
+          </a:p>
+        </p:txBody>
+      </p:sp>
+      <p:pic>
+        <p:nvPicPr>
+          <p:cNvPr id="2" name="Grafik 1"/>
+          <p:cNvPicPr>
+            <a:picLocks noChangeAspect="1"/>
+          </p:cNvPicPr>
+          <p:nvPr/>
+        </p:nvPicPr>
+        <p:blipFill>
+          <a:blip r:embed="rId2">
+            <a:extLst>
+              <a:ext uri="{28A0092B-C50C-407E-A947-70E740481C1C}">
+                <a14:useLocalDpi xmlns:a14="http://schemas.microsoft.com/office/drawing/2010/main" val="0"/>
+              </a:ext>
+            </a:extLst>
+          </a:blip>
+          <a:stretch>
+            <a:fillRect/>
+          </a:stretch>
+        </p:blipFill>
+        <p:spPr>
+          <a:xfrm>
+            <a:off x="2987824" y="3645024"/>
+            <a:ext cx="3152775" cy="2647950"/>
+          </a:xfrm>
+          <a:prstGeom prst="rect">
+            <a:avLst/>
+          </a:prstGeom>
+        </p:spPr>
+      </p:pic>
+    </p:spTree>
+    <p:extLst>
+      <p:ext uri="{BB962C8B-B14F-4D97-AF65-F5344CB8AC3E}">
+        <p14:creationId xmlns:p14="http://schemas.microsoft.com/office/powerpoint/2010/main" val="2548015764"/>
+      </p:ext>
+    </p:extLst>
+  </p:cSld>
+  <p:clrMapOvr>
+    <a:masterClrMapping/>
+  </p:clrMapOvr>
+</p:sld>
+</file>
+
+<file path=ppt/slides/slide12.xml><?xml version="1.0" encoding="utf-8"?>
+<p:sld xmlns:a="http://schemas.openxmlformats.org/drawingml/2006/main" xmlns:r="http://schemas.openxmlformats.org/officeDocument/2006/relationships" xmlns:p="http://schemas.openxmlformats.org/presentationml/2006/main">
+  <p:cSld>
+    <p:spTree>
+      <p:nvGrpSpPr>
+        <p:cNvPr id="1" name=""/>
+        <p:cNvGrpSpPr/>
+        <p:nvPr/>
+      </p:nvGrpSpPr>
+      <p:grpSpPr>
+        <a:xfrm>
+          <a:off x="0" y="0"/>
+          <a:ext cx="0" cy="0"/>
+          <a:chOff x="0" y="0"/>
+          <a:chExt cx="0" cy="0"/>
+        </a:xfrm>
+      </p:grpSpPr>
+      <p:sp>
+        <p:nvSpPr>
+          <p:cNvPr id="17410" name="Inhaltsplatzhalter 2"/>
+          <p:cNvSpPr>
+            <a:spLocks noGrp="1"/>
+          </p:cNvSpPr>
+          <p:nvPr>
+            <p:ph idx="1"/>
+          </p:nvPr>
+        </p:nvSpPr>
+        <p:spPr>
+          <a:xfrm>
+            <a:off x="303213" y="1341438"/>
+            <a:ext cx="8589962" cy="4824412"/>
+          </a:xfrm>
+        </p:spPr>
+        <p:txBody>
+          <a:bodyPr/>
+          <a:lstStyle/>
+          <a:p>
+            <a:pPr marL="0" indent="0">
+              <a:buNone/>
+            </a:pPr>
+            <a:r>
               <a:rPr lang="de-DE" sz="2000" b="1" dirty="0" err="1"/>
               <a:t>LoadableDetachableModel</a:t>
             </a:r>
@@ -6962,7 +7890,7 @@
 </p:sld>
 </file>
 
-<file path=ppt/slides/slide11.xml><?xml version="1.0" encoding="utf-8"?>
+<file path=ppt/slides/slide13.xml><?xml version="1.0" encoding="utf-8"?>
 <p:sld xmlns:a="http://schemas.openxmlformats.org/drawingml/2006/main" xmlns:r="http://schemas.openxmlformats.org/officeDocument/2006/relationships" xmlns:p="http://schemas.openxmlformats.org/presentationml/2006/main">
   <p:cSld>
     <p:spTree>
@@ -7874,36 +8802,377 @@
               <a:buNone/>
             </a:pPr>
             <a:r>
+              <a:rPr lang="de-DE" sz="2000" b="1" dirty="0" err="1"/>
+              <a:t>IModel</a:t>
+            </a:r>
+            <a:r>
               <a:rPr lang="de-DE" sz="2000" b="1" dirty="0"/>
-              <a:t>Model </a:t>
-            </a:r>
-            <a:r>
-              <a:rPr lang="de-DE" sz="2000" b="1" dirty="0" err="1"/>
-              <a:t>Inheritance</a:t>
-            </a:r>
-            <a:endParaRPr lang="de-DE" sz="2000" b="1" dirty="0"/>
-          </a:p>
-          <a:p>
+              <a:t> mit Lambdas</a:t>
+            </a:r>
+          </a:p>
+          <a:p>
+            <a:r>
+              <a:rPr lang="de-DE" sz="2000" dirty="0" err="1"/>
+              <a:t>IModel</a:t>
+            </a:r>
             <a:r>
               <a:rPr lang="de-DE" sz="2000" dirty="0"/>
-              <a:t>Interface </a:t>
-            </a:r>
-            <a:r>
-              <a:rPr lang="de-DE" sz="2000" i="1" dirty="0" err="1"/>
-              <a:t>IComponentInheritedModel</a:t>
-            </a:r>
-            <a:endParaRPr lang="de-DE" sz="2000" i="1" dirty="0"/>
-          </a:p>
-          <a:p>
+              <a:t> ab </a:t>
+            </a:r>
+            <a:r>
+              <a:rPr lang="de-DE" sz="2000" dirty="0" err="1"/>
+              <a:t>Wicket</a:t>
+            </a:r>
             <a:r>
               <a:rPr lang="de-DE" sz="2000" dirty="0"/>
-              <a:t>Komponenten können Models an Nachfahren vererben</a:t>
-            </a:r>
+              <a:t> 8 @</a:t>
+            </a:r>
+            <a:r>
+              <a:rPr lang="de-DE" sz="2000" dirty="0" err="1"/>
+              <a:t>FunctionalInterface</a:t>
+            </a:r>
+            <a:endParaRPr lang="de-DE" sz="2000" dirty="0"/>
           </a:p>
           <a:p>
             <a:r>
               <a:rPr lang="de-DE" sz="2000" dirty="0"/>
-              <a:t>Komponente hat kein Modell → Suche bei Vorfahren</a:t>
+              <a:t>Implementierung durch Lambda oder Methodenreferenz</a:t>
+            </a:r>
+          </a:p>
+          <a:p>
+            <a:r>
+              <a:rPr lang="de-DE" sz="2000" dirty="0"/>
+              <a:t>Typsicher, unterstützt </a:t>
+            </a:r>
+            <a:r>
+              <a:rPr lang="de-DE" sz="2000" dirty="0" err="1"/>
+              <a:t>Refactorings</a:t>
+            </a:r>
+            <a:endParaRPr lang="de-DE" sz="2000" dirty="0"/>
+          </a:p>
+          <a:p>
+            <a:r>
+              <a:rPr lang="de-DE" altLang="de-DE" sz="2000" dirty="0">
+                <a:solidFill>
+                  <a:srgbClr val="000000"/>
+                </a:solidFill>
+                <a:cs typeface="Consolas" panose="020B0609020204030204" pitchFamily="49" charset="0"/>
+              </a:rPr>
+              <a:t>Read-</a:t>
+            </a:r>
+            <a:r>
+              <a:rPr lang="de-DE" altLang="de-DE" sz="2000" dirty="0" err="1">
+                <a:solidFill>
+                  <a:srgbClr val="000000"/>
+                </a:solidFill>
+                <a:cs typeface="Consolas" panose="020B0609020204030204" pitchFamily="49" charset="0"/>
+              </a:rPr>
+              <a:t>only</a:t>
+            </a:r>
+            <a:endParaRPr lang="de-DE" altLang="de-DE" sz="1600" dirty="0">
+              <a:solidFill>
+                <a:srgbClr val="000000"/>
+              </a:solidFill>
+              <a:cs typeface="Consolas" panose="020B0609020204030204" pitchFamily="49" charset="0"/>
+            </a:endParaRPr>
+          </a:p>
+          <a:p>
+            <a:pPr marL="0" lvl="0" indent="0">
+              <a:buNone/>
+            </a:pPr>
+            <a:endParaRPr lang="de-DE" altLang="de-DE" sz="1600" dirty="0">
+              <a:solidFill>
+                <a:srgbClr val="000000"/>
+              </a:solidFill>
+              <a:latin typeface="Consolas" panose="020B0609020204030204" pitchFamily="49" charset="0"/>
+              <a:cs typeface="Consolas" panose="020B0609020204030204" pitchFamily="49" charset="0"/>
+            </a:endParaRPr>
+          </a:p>
+          <a:p>
+            <a:pPr marL="0" lvl="0" indent="0">
+              <a:buNone/>
+            </a:pPr>
+            <a:r>
+              <a:rPr lang="de-DE" altLang="de-DE" sz="1600" dirty="0">
+                <a:solidFill>
+                  <a:srgbClr val="000000"/>
+                </a:solidFill>
+                <a:latin typeface="Consolas" panose="020B0609020204030204" pitchFamily="49" charset="0"/>
+                <a:cs typeface="Consolas" panose="020B0609020204030204" pitchFamily="49" charset="0"/>
+              </a:rPr>
+              <a:t>Person </a:t>
+            </a:r>
+            <a:r>
+              <a:rPr lang="de-DE" altLang="de-DE" sz="1600" dirty="0" err="1">
+                <a:solidFill>
+                  <a:srgbClr val="000000"/>
+                </a:solidFill>
+                <a:latin typeface="Consolas" panose="020B0609020204030204" pitchFamily="49" charset="0"/>
+                <a:cs typeface="Consolas" panose="020B0609020204030204" pitchFamily="49" charset="0"/>
+              </a:rPr>
+              <a:t>person</a:t>
+            </a:r>
+            <a:r>
+              <a:rPr lang="de-DE" altLang="de-DE" sz="1600" dirty="0">
+                <a:solidFill>
+                  <a:srgbClr val="000000"/>
+                </a:solidFill>
+                <a:latin typeface="Consolas" panose="020B0609020204030204" pitchFamily="49" charset="0"/>
+                <a:cs typeface="Consolas" panose="020B0609020204030204" pitchFamily="49" charset="0"/>
+              </a:rPr>
+              <a:t> = </a:t>
+            </a:r>
+            <a:r>
+              <a:rPr lang="de-DE" altLang="de-DE" sz="1600" b="1" dirty="0" err="1">
+                <a:solidFill>
+                  <a:srgbClr val="000080"/>
+                </a:solidFill>
+                <a:latin typeface="Consolas" panose="020B0609020204030204" pitchFamily="49" charset="0"/>
+                <a:cs typeface="Consolas" panose="020B0609020204030204" pitchFamily="49" charset="0"/>
+              </a:rPr>
+              <a:t>new</a:t>
+            </a:r>
+            <a:r>
+              <a:rPr lang="de-DE" altLang="de-DE" sz="1600" b="1" dirty="0">
+                <a:solidFill>
+                  <a:srgbClr val="000080"/>
+                </a:solidFill>
+                <a:latin typeface="Consolas" panose="020B0609020204030204" pitchFamily="49" charset="0"/>
+                <a:cs typeface="Consolas" panose="020B0609020204030204" pitchFamily="49" charset="0"/>
+              </a:rPr>
+              <a:t> </a:t>
+            </a:r>
+            <a:r>
+              <a:rPr lang="de-DE" altLang="de-DE" sz="1600" dirty="0">
+                <a:solidFill>
+                  <a:srgbClr val="000000"/>
+                </a:solidFill>
+                <a:latin typeface="Consolas" panose="020B0609020204030204" pitchFamily="49" charset="0"/>
+                <a:cs typeface="Consolas" panose="020B0609020204030204" pitchFamily="49" charset="0"/>
+              </a:rPr>
+              <a:t>Person();</a:t>
+            </a:r>
+            <a:br>
+              <a:rPr lang="de-DE" altLang="de-DE" sz="1600" dirty="0">
+                <a:solidFill>
+                  <a:srgbClr val="000000"/>
+                </a:solidFill>
+                <a:latin typeface="Consolas" panose="020B0609020204030204" pitchFamily="49" charset="0"/>
+                <a:cs typeface="Consolas" panose="020B0609020204030204" pitchFamily="49" charset="0"/>
+              </a:rPr>
+            </a:br>
+            <a:r>
+              <a:rPr lang="de-DE" altLang="de-DE" sz="1600" i="1" dirty="0">
+                <a:solidFill>
+                  <a:srgbClr val="808080"/>
+                </a:solidFill>
+                <a:latin typeface="Consolas" panose="020B0609020204030204" pitchFamily="49" charset="0"/>
+                <a:cs typeface="Consolas" panose="020B0609020204030204" pitchFamily="49" charset="0"/>
+              </a:rPr>
+              <a:t>//Personendaten laden...</a:t>
+            </a:r>
+            <a:br>
+              <a:rPr lang="de-DE" altLang="de-DE" sz="1600" i="1" dirty="0">
+                <a:solidFill>
+                  <a:srgbClr val="808080"/>
+                </a:solidFill>
+                <a:latin typeface="Consolas" panose="020B0609020204030204" pitchFamily="49" charset="0"/>
+                <a:cs typeface="Consolas" panose="020B0609020204030204" pitchFamily="49" charset="0"/>
+              </a:rPr>
+            </a:br>
+            <a:br>
+              <a:rPr lang="de-DE" altLang="de-DE" sz="1600" i="1" dirty="0">
+                <a:solidFill>
+                  <a:srgbClr val="808080"/>
+                </a:solidFill>
+                <a:latin typeface="Consolas" panose="020B0609020204030204" pitchFamily="49" charset="0"/>
+                <a:cs typeface="Consolas" panose="020B0609020204030204" pitchFamily="49" charset="0"/>
+              </a:rPr>
+            </a:br>
+            <a:r>
+              <a:rPr lang="de-DE" altLang="de-DE" sz="1600" dirty="0">
+                <a:solidFill>
+                  <a:srgbClr val="000000"/>
+                </a:solidFill>
+                <a:latin typeface="Consolas" panose="020B0609020204030204" pitchFamily="49" charset="0"/>
+                <a:cs typeface="Consolas" panose="020B0609020204030204" pitchFamily="49" charset="0"/>
+              </a:rPr>
+              <a:t>Label label1 = </a:t>
+            </a:r>
+            <a:r>
+              <a:rPr lang="de-DE" altLang="de-DE" sz="1600" b="1" dirty="0" err="1">
+                <a:solidFill>
+                  <a:srgbClr val="000080"/>
+                </a:solidFill>
+                <a:latin typeface="Consolas" panose="020B0609020204030204" pitchFamily="49" charset="0"/>
+                <a:cs typeface="Consolas" panose="020B0609020204030204" pitchFamily="49" charset="0"/>
+              </a:rPr>
+              <a:t>new</a:t>
+            </a:r>
+            <a:r>
+              <a:rPr lang="de-DE" altLang="de-DE" sz="1600" b="1" dirty="0">
+                <a:solidFill>
+                  <a:srgbClr val="000080"/>
+                </a:solidFill>
+                <a:latin typeface="Consolas" panose="020B0609020204030204" pitchFamily="49" charset="0"/>
+                <a:cs typeface="Consolas" panose="020B0609020204030204" pitchFamily="49" charset="0"/>
+              </a:rPr>
+              <a:t> </a:t>
+            </a:r>
+            <a:r>
+              <a:rPr lang="de-DE" altLang="de-DE" sz="1600" dirty="0">
+                <a:solidFill>
+                  <a:srgbClr val="000000"/>
+                </a:solidFill>
+                <a:latin typeface="Consolas" panose="020B0609020204030204" pitchFamily="49" charset="0"/>
+                <a:cs typeface="Consolas" panose="020B0609020204030204" pitchFamily="49" charset="0"/>
+              </a:rPr>
+              <a:t>Label(</a:t>
+            </a:r>
+            <a:r>
+              <a:rPr lang="de-DE" altLang="de-DE" sz="1600" b="1" dirty="0">
+                <a:solidFill>
+                  <a:srgbClr val="008000"/>
+                </a:solidFill>
+                <a:latin typeface="Consolas" panose="020B0609020204030204" pitchFamily="49" charset="0"/>
+                <a:cs typeface="Consolas" panose="020B0609020204030204" pitchFamily="49" charset="0"/>
+              </a:rPr>
+              <a:t>"name1"</a:t>
+            </a:r>
+            <a:r>
+              <a:rPr lang="de-DE" altLang="de-DE" sz="1600" dirty="0">
+                <a:solidFill>
+                  <a:srgbClr val="000000"/>
+                </a:solidFill>
+                <a:latin typeface="Consolas" panose="020B0609020204030204" pitchFamily="49" charset="0"/>
+                <a:cs typeface="Consolas" panose="020B0609020204030204" pitchFamily="49" charset="0"/>
+              </a:rPr>
+              <a:t>, </a:t>
+            </a:r>
+            <a:r>
+              <a:rPr lang="de-DE" altLang="de-DE" sz="1600" dirty="0" err="1">
+                <a:solidFill>
+                  <a:srgbClr val="000000"/>
+                </a:solidFill>
+                <a:latin typeface="Consolas" panose="020B0609020204030204" pitchFamily="49" charset="0"/>
+                <a:cs typeface="Consolas" panose="020B0609020204030204" pitchFamily="49" charset="0"/>
+              </a:rPr>
+              <a:t>person</a:t>
+            </a:r>
+            <a:r>
+              <a:rPr lang="de-DE" altLang="de-DE" sz="1600" dirty="0">
+                <a:solidFill>
+                  <a:srgbClr val="000000"/>
+                </a:solidFill>
+                <a:latin typeface="Consolas" panose="020B0609020204030204" pitchFamily="49" charset="0"/>
+                <a:cs typeface="Consolas" panose="020B0609020204030204" pitchFamily="49" charset="0"/>
+              </a:rPr>
+              <a:t>::</a:t>
+            </a:r>
+            <a:r>
+              <a:rPr lang="de-DE" altLang="de-DE" sz="1600" dirty="0" err="1">
+                <a:solidFill>
+                  <a:srgbClr val="000000"/>
+                </a:solidFill>
+                <a:latin typeface="Consolas" panose="020B0609020204030204" pitchFamily="49" charset="0"/>
+                <a:cs typeface="Consolas" panose="020B0609020204030204" pitchFamily="49" charset="0"/>
+              </a:rPr>
+              <a:t>name</a:t>
+            </a:r>
+            <a:r>
+              <a:rPr lang="de-DE" altLang="de-DE" sz="1600" dirty="0">
+                <a:solidFill>
+                  <a:srgbClr val="000000"/>
+                </a:solidFill>
+                <a:latin typeface="Consolas" panose="020B0609020204030204" pitchFamily="49" charset="0"/>
+                <a:cs typeface="Consolas" panose="020B0609020204030204" pitchFamily="49" charset="0"/>
+              </a:rPr>
+              <a:t>);</a:t>
+            </a:r>
+          </a:p>
+          <a:p>
+            <a:pPr marL="0" lvl="0" indent="0">
+              <a:buNone/>
+            </a:pPr>
+            <a:r>
+              <a:rPr lang="de-DE" altLang="de-DE" sz="1600" dirty="0">
+                <a:solidFill>
+                  <a:srgbClr val="000000"/>
+                </a:solidFill>
+                <a:latin typeface="Consolas" panose="020B0609020204030204" pitchFamily="49" charset="0"/>
+                <a:cs typeface="Consolas" panose="020B0609020204030204" pitchFamily="49" charset="0"/>
+              </a:rPr>
+              <a:t>Label label2 = </a:t>
+            </a:r>
+            <a:r>
+              <a:rPr lang="de-DE" altLang="de-DE" sz="1600" b="1" dirty="0" err="1">
+                <a:solidFill>
+                  <a:srgbClr val="000080"/>
+                </a:solidFill>
+                <a:latin typeface="Consolas" panose="020B0609020204030204" pitchFamily="49" charset="0"/>
+                <a:cs typeface="Consolas" panose="020B0609020204030204" pitchFamily="49" charset="0"/>
+              </a:rPr>
+              <a:t>new</a:t>
+            </a:r>
+            <a:r>
+              <a:rPr lang="de-DE" altLang="de-DE" sz="1600" b="1" dirty="0">
+                <a:solidFill>
+                  <a:srgbClr val="000080"/>
+                </a:solidFill>
+                <a:latin typeface="Consolas" panose="020B0609020204030204" pitchFamily="49" charset="0"/>
+                <a:cs typeface="Consolas" panose="020B0609020204030204" pitchFamily="49" charset="0"/>
+              </a:rPr>
+              <a:t> </a:t>
+            </a:r>
+            <a:r>
+              <a:rPr lang="de-DE" altLang="de-DE" sz="1600" dirty="0">
+                <a:solidFill>
+                  <a:srgbClr val="000000"/>
+                </a:solidFill>
+                <a:latin typeface="Consolas" panose="020B0609020204030204" pitchFamily="49" charset="0"/>
+                <a:cs typeface="Consolas" panose="020B0609020204030204" pitchFamily="49" charset="0"/>
+              </a:rPr>
+              <a:t>Label(</a:t>
+            </a:r>
+            <a:r>
+              <a:rPr lang="de-DE" altLang="de-DE" sz="1600" b="1" dirty="0">
+                <a:solidFill>
+                  <a:srgbClr val="008000"/>
+                </a:solidFill>
+                <a:latin typeface="Consolas" panose="020B0609020204030204" pitchFamily="49" charset="0"/>
+                <a:cs typeface="Consolas" panose="020B0609020204030204" pitchFamily="49" charset="0"/>
+              </a:rPr>
+              <a:t>"name2"</a:t>
+            </a:r>
+            <a:r>
+              <a:rPr lang="de-DE" altLang="de-DE" sz="1600" dirty="0">
+                <a:solidFill>
+                  <a:srgbClr val="000000"/>
+                </a:solidFill>
+                <a:latin typeface="Consolas" panose="020B0609020204030204" pitchFamily="49" charset="0"/>
+                <a:cs typeface="Consolas" panose="020B0609020204030204" pitchFamily="49" charset="0"/>
+              </a:rPr>
+              <a:t>, () -&gt; </a:t>
+            </a:r>
+            <a:r>
+              <a:rPr lang="de-DE" altLang="de-DE" sz="1600" dirty="0" err="1">
+                <a:solidFill>
+                  <a:srgbClr val="000000"/>
+                </a:solidFill>
+                <a:latin typeface="Consolas" panose="020B0609020204030204" pitchFamily="49" charset="0"/>
+                <a:cs typeface="Consolas" panose="020B0609020204030204" pitchFamily="49" charset="0"/>
+              </a:rPr>
+              <a:t>person.getName</a:t>
+            </a:r>
+            <a:r>
+              <a:rPr lang="de-DE" altLang="de-DE" sz="1600" dirty="0">
+                <a:solidFill>
+                  <a:srgbClr val="000000"/>
+                </a:solidFill>
+                <a:latin typeface="Consolas" panose="020B0609020204030204" pitchFamily="49" charset="0"/>
+                <a:cs typeface="Consolas" panose="020B0609020204030204" pitchFamily="49" charset="0"/>
+              </a:rPr>
+              <a:t>());</a:t>
             </a:r>
           </a:p>
         </p:txBody>
@@ -7938,7 +9207,7 @@
     </p:spTree>
     <p:extLst>
       <p:ext uri="{BB962C8B-B14F-4D97-AF65-F5344CB8AC3E}">
-        <p14:creationId xmlns:p14="http://schemas.microsoft.com/office/powerpoint/2010/main" val="694233647"/>
+        <p14:creationId xmlns:p14="http://schemas.microsoft.com/office/powerpoint/2010/main" val="1000227206"/>
       </p:ext>
     </p:extLst>
   </p:cSld>
@@ -7978,7 +9247,7 @@
         <p:spPr>
           <a:xfrm>
             <a:off x="303213" y="1341438"/>
-            <a:ext cx="8589962" cy="4824412"/>
+            <a:ext cx="8661275" cy="4824412"/>
           </a:xfrm>
         </p:spPr>
         <p:txBody>
@@ -7990,55 +9259,369 @@
             </a:pPr>
             <a:r>
               <a:rPr lang="de-DE" sz="2000" b="1" dirty="0" err="1"/>
-              <a:t>CompoundPropertyModel</a:t>
+              <a:t>LambdaModel</a:t>
             </a:r>
             <a:endParaRPr lang="de-DE" sz="2000" b="1" dirty="0"/>
           </a:p>
           <a:p>
             <a:r>
               <a:rPr lang="de-DE" sz="2000" dirty="0"/>
-              <a:t>Implementiert </a:t>
-            </a:r>
-            <a:r>
-              <a:rPr lang="de-DE" sz="2000" i="1" dirty="0" err="1"/>
-              <a:t>IComponentInheritedModel</a:t>
-            </a:r>
-            <a:endParaRPr lang="de-DE" sz="2000" i="1" dirty="0"/>
-          </a:p>
-          <a:p>
+              <a:t>Neu in </a:t>
+            </a:r>
+            <a:r>
+              <a:rPr lang="de-DE" sz="2000" dirty="0" err="1"/>
+              <a:t>Wicket</a:t>
+            </a:r>
             <a:r>
               <a:rPr lang="de-DE" sz="2000" dirty="0"/>
-              <a:t>Bindung üblicherweise an Container</a:t>
-            </a:r>
-            <a:endParaRPr lang="de-DE" sz="2000" i="1" dirty="0"/>
+              <a:t> 8</a:t>
+            </a:r>
           </a:p>
           <a:p>
             <a:r>
               <a:rPr lang="de-DE" sz="2000" dirty="0"/>
-              <a:t>Funktion</a:t>
-            </a:r>
-          </a:p>
-          <a:p>
-            <a:pPr lvl="1"/>
-            <a:r>
-              <a:rPr lang="de-DE" sz="1600" dirty="0"/>
-              <a:t>Fungiert als „</a:t>
-            </a:r>
-            <a:r>
-              <a:rPr lang="de-DE" sz="1600" dirty="0" err="1"/>
-              <a:t>PropertyModelFactory</a:t>
-            </a:r>
-            <a:r>
-              <a:rPr lang="de-DE" sz="1600" dirty="0"/>
-              <a:t>“</a:t>
-            </a:r>
-          </a:p>
-          <a:p>
-            <a:pPr lvl="1"/>
-            <a:r>
-              <a:rPr lang="de-DE" sz="1600" dirty="0"/>
-              <a:t>ID der Komponenten-Nachfahren bestimmt Name der Property</a:t>
-            </a:r>
+              <a:t>Alternative zu </a:t>
+            </a:r>
+            <a:r>
+              <a:rPr lang="de-DE" sz="2000" dirty="0" err="1"/>
+              <a:t>PropertyModel</a:t>
+            </a:r>
+            <a:endParaRPr lang="de-DE" sz="2000" dirty="0"/>
+          </a:p>
+          <a:p>
+            <a:r>
+              <a:rPr lang="de-DE" sz="2000" dirty="0"/>
+              <a:t>Typsicher, unterstützt </a:t>
+            </a:r>
+            <a:r>
+              <a:rPr lang="de-DE" sz="2000" dirty="0" err="1"/>
+              <a:t>Refactorings</a:t>
+            </a:r>
+            <a:endParaRPr lang="de-DE" sz="2000" dirty="0"/>
+          </a:p>
+          <a:p>
+            <a:r>
+              <a:rPr lang="de-DE" sz="2000" dirty="0"/>
+              <a:t>Höhere Performance</a:t>
+            </a:r>
+            <a:endParaRPr lang="de-DE" sz="1600" dirty="0"/>
+          </a:p>
+          <a:p>
+            <a:pPr marL="0" lvl="0" indent="0">
+              <a:buNone/>
+            </a:pPr>
+            <a:endParaRPr lang="de-DE" altLang="de-DE" sz="1600" dirty="0">
+              <a:solidFill>
+                <a:srgbClr val="000000"/>
+              </a:solidFill>
+              <a:latin typeface="Consolas" panose="020B0609020204030204" pitchFamily="49" charset="0"/>
+              <a:cs typeface="Consolas" panose="020B0609020204030204" pitchFamily="49" charset="0"/>
+            </a:endParaRPr>
+          </a:p>
+          <a:p>
+            <a:pPr marL="0" lvl="0" indent="0">
+              <a:buNone/>
+            </a:pPr>
+            <a:endParaRPr lang="de-DE" altLang="de-DE" sz="1600" dirty="0">
+              <a:solidFill>
+                <a:srgbClr val="000000"/>
+              </a:solidFill>
+              <a:latin typeface="Consolas" panose="020B0609020204030204" pitchFamily="49" charset="0"/>
+              <a:cs typeface="Consolas" panose="020B0609020204030204" pitchFamily="49" charset="0"/>
+            </a:endParaRPr>
+          </a:p>
+          <a:p>
+            <a:pPr marL="0" lvl="0" indent="0">
+              <a:buNone/>
+            </a:pPr>
+            <a:r>
+              <a:rPr lang="de-DE" altLang="de-DE" sz="1600" dirty="0">
+                <a:solidFill>
+                  <a:srgbClr val="000000"/>
+                </a:solidFill>
+                <a:latin typeface="Consolas" panose="020B0609020204030204" pitchFamily="49" charset="0"/>
+                <a:cs typeface="Consolas" panose="020B0609020204030204" pitchFamily="49" charset="0"/>
+              </a:rPr>
+              <a:t>Person </a:t>
+            </a:r>
+            <a:r>
+              <a:rPr lang="de-DE" altLang="de-DE" sz="1600" dirty="0" err="1">
+                <a:solidFill>
+                  <a:srgbClr val="000000"/>
+                </a:solidFill>
+                <a:latin typeface="Consolas" panose="020B0609020204030204" pitchFamily="49" charset="0"/>
+                <a:cs typeface="Consolas" panose="020B0609020204030204" pitchFamily="49" charset="0"/>
+              </a:rPr>
+              <a:t>person</a:t>
+            </a:r>
+            <a:r>
+              <a:rPr lang="de-DE" altLang="de-DE" sz="1600" dirty="0">
+                <a:solidFill>
+                  <a:srgbClr val="000000"/>
+                </a:solidFill>
+                <a:latin typeface="Consolas" panose="020B0609020204030204" pitchFamily="49" charset="0"/>
+                <a:cs typeface="Consolas" panose="020B0609020204030204" pitchFamily="49" charset="0"/>
+              </a:rPr>
+              <a:t> = </a:t>
+            </a:r>
+            <a:r>
+              <a:rPr lang="de-DE" altLang="de-DE" sz="1600" b="1" dirty="0" err="1">
+                <a:solidFill>
+                  <a:srgbClr val="000080"/>
+                </a:solidFill>
+                <a:latin typeface="Consolas" panose="020B0609020204030204" pitchFamily="49" charset="0"/>
+                <a:cs typeface="Consolas" panose="020B0609020204030204" pitchFamily="49" charset="0"/>
+              </a:rPr>
+              <a:t>new</a:t>
+            </a:r>
+            <a:r>
+              <a:rPr lang="de-DE" altLang="de-DE" sz="1600" b="1" dirty="0">
+                <a:solidFill>
+                  <a:srgbClr val="000080"/>
+                </a:solidFill>
+                <a:latin typeface="Consolas" panose="020B0609020204030204" pitchFamily="49" charset="0"/>
+                <a:cs typeface="Consolas" panose="020B0609020204030204" pitchFamily="49" charset="0"/>
+              </a:rPr>
+              <a:t> </a:t>
+            </a:r>
+            <a:r>
+              <a:rPr lang="de-DE" altLang="de-DE" sz="1600" dirty="0">
+                <a:solidFill>
+                  <a:srgbClr val="000000"/>
+                </a:solidFill>
+                <a:latin typeface="Consolas" panose="020B0609020204030204" pitchFamily="49" charset="0"/>
+                <a:cs typeface="Consolas" panose="020B0609020204030204" pitchFamily="49" charset="0"/>
+              </a:rPr>
+              <a:t>Person();</a:t>
+            </a:r>
+            <a:br>
+              <a:rPr lang="de-DE" altLang="de-DE" sz="1600" dirty="0">
+                <a:solidFill>
+                  <a:srgbClr val="000000"/>
+                </a:solidFill>
+                <a:latin typeface="Consolas" panose="020B0609020204030204" pitchFamily="49" charset="0"/>
+                <a:cs typeface="Consolas" panose="020B0609020204030204" pitchFamily="49" charset="0"/>
+              </a:rPr>
+            </a:br>
+            <a:r>
+              <a:rPr lang="de-DE" altLang="de-DE" sz="1600" i="1" dirty="0">
+                <a:solidFill>
+                  <a:srgbClr val="808080"/>
+                </a:solidFill>
+                <a:latin typeface="Consolas" panose="020B0609020204030204" pitchFamily="49" charset="0"/>
+                <a:cs typeface="Consolas" panose="020B0609020204030204" pitchFamily="49" charset="0"/>
+              </a:rPr>
+              <a:t>//Personendaten laden...</a:t>
+            </a:r>
+          </a:p>
+          <a:p>
+            <a:pPr marL="0" lvl="0" indent="0">
+              <a:buNone/>
+            </a:pPr>
+            <a:endParaRPr lang="de-DE" altLang="de-DE" sz="1600" i="1" dirty="0">
+              <a:solidFill>
+                <a:srgbClr val="808080"/>
+              </a:solidFill>
+              <a:latin typeface="Consolas" panose="020B0609020204030204" pitchFamily="49" charset="0"/>
+              <a:cs typeface="Consolas" panose="020B0609020204030204" pitchFamily="49" charset="0"/>
+            </a:endParaRPr>
+          </a:p>
+          <a:p>
+            <a:pPr marL="0" lvl="0" indent="0">
+              <a:buNone/>
+            </a:pPr>
+            <a:r>
+              <a:rPr lang="de-DE" altLang="de-DE" sz="1600" dirty="0" err="1">
+                <a:latin typeface="Consolas" panose="020B0609020204030204" pitchFamily="49" charset="0"/>
+                <a:cs typeface="Consolas" panose="020B0609020204030204" pitchFamily="49" charset="0"/>
+              </a:rPr>
+              <a:t>IModel</a:t>
+            </a:r>
+            <a:r>
+              <a:rPr lang="de-DE" altLang="de-DE" sz="1600" dirty="0">
+                <a:latin typeface="Consolas" panose="020B0609020204030204" pitchFamily="49" charset="0"/>
+                <a:cs typeface="Consolas" panose="020B0609020204030204" pitchFamily="49" charset="0"/>
+              </a:rPr>
+              <a:t>&lt;String&gt; </a:t>
+            </a:r>
+            <a:r>
+              <a:rPr lang="de-DE" altLang="de-DE" sz="1600" dirty="0" err="1">
+                <a:latin typeface="Consolas" panose="020B0609020204030204" pitchFamily="49" charset="0"/>
+                <a:cs typeface="Consolas" panose="020B0609020204030204" pitchFamily="49" charset="0"/>
+              </a:rPr>
+              <a:t>nameModel</a:t>
+            </a:r>
+            <a:r>
+              <a:rPr lang="de-DE" altLang="de-DE" sz="1600" dirty="0">
+                <a:latin typeface="Consolas" panose="020B0609020204030204" pitchFamily="49" charset="0"/>
+                <a:cs typeface="Consolas" panose="020B0609020204030204" pitchFamily="49" charset="0"/>
+              </a:rPr>
+              <a:t> = </a:t>
+            </a:r>
+            <a:r>
+              <a:rPr lang="de-DE" altLang="de-DE" sz="1600" dirty="0" err="1">
+                <a:latin typeface="Consolas" panose="020B0609020204030204" pitchFamily="49" charset="0"/>
+                <a:cs typeface="Consolas" panose="020B0609020204030204" pitchFamily="49" charset="0"/>
+              </a:rPr>
+              <a:t>LambdaModel.of</a:t>
+            </a:r>
+            <a:r>
+              <a:rPr lang="de-DE" altLang="de-DE" sz="1600" dirty="0">
+                <a:latin typeface="Consolas" panose="020B0609020204030204" pitchFamily="49" charset="0"/>
+                <a:cs typeface="Consolas" panose="020B0609020204030204" pitchFamily="49" charset="0"/>
+              </a:rPr>
+              <a:t>(</a:t>
+            </a:r>
+            <a:r>
+              <a:rPr lang="de-DE" altLang="de-DE" sz="1600" dirty="0" err="1">
+                <a:latin typeface="Consolas" panose="020B0609020204030204" pitchFamily="49" charset="0"/>
+                <a:cs typeface="Consolas" panose="020B0609020204030204" pitchFamily="49" charset="0"/>
+              </a:rPr>
+              <a:t>person</a:t>
+            </a:r>
+            <a:r>
+              <a:rPr lang="de-DE" altLang="de-DE" sz="1600" dirty="0">
+                <a:latin typeface="Consolas" panose="020B0609020204030204" pitchFamily="49" charset="0"/>
+                <a:cs typeface="Consolas" panose="020B0609020204030204" pitchFamily="49" charset="0"/>
+              </a:rPr>
+              <a:t>::</a:t>
+            </a:r>
+            <a:r>
+              <a:rPr lang="de-DE" altLang="de-DE" sz="1600" dirty="0" err="1">
+                <a:latin typeface="Consolas" panose="020B0609020204030204" pitchFamily="49" charset="0"/>
+                <a:cs typeface="Consolas" panose="020B0609020204030204" pitchFamily="49" charset="0"/>
+              </a:rPr>
+              <a:t>getName</a:t>
+            </a:r>
+            <a:r>
+              <a:rPr lang="de-DE" altLang="de-DE" sz="1600" dirty="0">
+                <a:latin typeface="Consolas" panose="020B0609020204030204" pitchFamily="49" charset="0"/>
+                <a:cs typeface="Consolas" panose="020B0609020204030204" pitchFamily="49" charset="0"/>
+              </a:rPr>
+              <a:t>, </a:t>
+            </a:r>
+            <a:r>
+              <a:rPr lang="de-DE" altLang="de-DE" sz="1600" dirty="0" err="1">
+                <a:latin typeface="Consolas" panose="020B0609020204030204" pitchFamily="49" charset="0"/>
+                <a:cs typeface="Consolas" panose="020B0609020204030204" pitchFamily="49" charset="0"/>
+              </a:rPr>
+              <a:t>person</a:t>
+            </a:r>
+            <a:r>
+              <a:rPr lang="de-DE" altLang="de-DE" sz="1600" dirty="0">
+                <a:latin typeface="Consolas" panose="020B0609020204030204" pitchFamily="49" charset="0"/>
+                <a:cs typeface="Consolas" panose="020B0609020204030204" pitchFamily="49" charset="0"/>
+              </a:rPr>
+              <a:t>::</a:t>
+            </a:r>
+            <a:r>
+              <a:rPr lang="de-DE" altLang="de-DE" sz="1600" dirty="0" err="1">
+                <a:latin typeface="Consolas" panose="020B0609020204030204" pitchFamily="49" charset="0"/>
+                <a:cs typeface="Consolas" panose="020B0609020204030204" pitchFamily="49" charset="0"/>
+              </a:rPr>
+              <a:t>setName</a:t>
+            </a:r>
+            <a:r>
+              <a:rPr lang="de-DE" altLang="de-DE" sz="1600" dirty="0">
+                <a:latin typeface="Consolas" panose="020B0609020204030204" pitchFamily="49" charset="0"/>
+                <a:cs typeface="Consolas" panose="020B0609020204030204" pitchFamily="49" charset="0"/>
+              </a:rPr>
+              <a:t>);</a:t>
+            </a:r>
+            <a:endParaRPr lang="de-DE" altLang="de-DE" sz="1600" i="1" dirty="0">
+              <a:solidFill>
+                <a:srgbClr val="808080"/>
+              </a:solidFill>
+              <a:latin typeface="Consolas" panose="020B0609020204030204" pitchFamily="49" charset="0"/>
+              <a:cs typeface="Consolas" panose="020B0609020204030204" pitchFamily="49" charset="0"/>
+            </a:endParaRPr>
+          </a:p>
+          <a:p>
+            <a:pPr marL="0" lvl="0" indent="0">
+              <a:buNone/>
+            </a:pPr>
+            <a:r>
+              <a:rPr lang="en-US" altLang="de-DE" sz="1600" dirty="0" err="1">
+                <a:latin typeface="Consolas" panose="020B0609020204030204" pitchFamily="49" charset="0"/>
+                <a:cs typeface="Consolas" panose="020B0609020204030204" pitchFamily="49" charset="0"/>
+              </a:rPr>
+              <a:t>TextField</a:t>
+            </a:r>
+            <a:r>
+              <a:rPr lang="en-US" altLang="de-DE" sz="1600" dirty="0">
+                <a:latin typeface="Consolas" panose="020B0609020204030204" pitchFamily="49" charset="0"/>
+                <a:cs typeface="Consolas" panose="020B0609020204030204" pitchFamily="49" charset="0"/>
+              </a:rPr>
+              <a:t>&lt;String&gt; </a:t>
+            </a:r>
+            <a:r>
+              <a:rPr lang="en-US" altLang="de-DE" sz="1600" dirty="0" err="1">
+                <a:latin typeface="Consolas" panose="020B0609020204030204" pitchFamily="49" charset="0"/>
+                <a:cs typeface="Consolas" panose="020B0609020204030204" pitchFamily="49" charset="0"/>
+              </a:rPr>
+              <a:t>textField</a:t>
+            </a:r>
+            <a:r>
+              <a:rPr lang="en-US" altLang="de-DE" sz="1600" dirty="0">
+                <a:latin typeface="Consolas" panose="020B0609020204030204" pitchFamily="49" charset="0"/>
+                <a:cs typeface="Consolas" panose="020B0609020204030204" pitchFamily="49" charset="0"/>
+              </a:rPr>
+              <a:t> = new </a:t>
+            </a:r>
+            <a:r>
+              <a:rPr lang="en-US" altLang="de-DE" sz="1600" dirty="0" err="1">
+                <a:latin typeface="Consolas" panose="020B0609020204030204" pitchFamily="49" charset="0"/>
+                <a:cs typeface="Consolas" panose="020B0609020204030204" pitchFamily="49" charset="0"/>
+              </a:rPr>
+              <a:t>TextField</a:t>
+            </a:r>
+            <a:r>
+              <a:rPr lang="en-US" altLang="de-DE" sz="1600" dirty="0">
+                <a:latin typeface="Consolas" panose="020B0609020204030204" pitchFamily="49" charset="0"/>
+                <a:cs typeface="Consolas" panose="020B0609020204030204" pitchFamily="49" charset="0"/>
+              </a:rPr>
+              <a:t>&lt;&gt;("</a:t>
+            </a:r>
+            <a:r>
+              <a:rPr lang="en-US" altLang="de-DE" sz="1600" b="1" dirty="0">
+                <a:solidFill>
+                  <a:schemeClr val="accent2">
+                    <a:lumMod val="75000"/>
+                  </a:schemeClr>
+                </a:solidFill>
+                <a:latin typeface="Consolas" panose="020B0609020204030204" pitchFamily="49" charset="0"/>
+                <a:cs typeface="Consolas" panose="020B0609020204030204" pitchFamily="49" charset="0"/>
+              </a:rPr>
+              <a:t>name</a:t>
+            </a:r>
+            <a:r>
+              <a:rPr lang="en-US" altLang="de-DE" sz="1600" dirty="0">
+                <a:latin typeface="Consolas" panose="020B0609020204030204" pitchFamily="49" charset="0"/>
+                <a:cs typeface="Consolas" panose="020B0609020204030204" pitchFamily="49" charset="0"/>
+              </a:rPr>
+              <a:t>", </a:t>
+            </a:r>
+            <a:r>
+              <a:rPr lang="de-DE" altLang="de-DE" sz="1600" dirty="0" err="1">
+                <a:latin typeface="Consolas" panose="020B0609020204030204" pitchFamily="49" charset="0"/>
+                <a:cs typeface="Consolas" panose="020B0609020204030204" pitchFamily="49" charset="0"/>
+              </a:rPr>
+              <a:t>nameModel</a:t>
+            </a:r>
+            <a:r>
+              <a:rPr lang="en-US" altLang="de-DE" sz="1600" dirty="0">
+                <a:latin typeface="Consolas" panose="020B0609020204030204" pitchFamily="49" charset="0"/>
+                <a:cs typeface="Consolas" panose="020B0609020204030204" pitchFamily="49" charset="0"/>
+              </a:rPr>
+              <a:t>);</a:t>
+            </a:r>
+            <a:endParaRPr lang="de-DE" altLang="de-DE" sz="1600" dirty="0">
+              <a:solidFill>
+                <a:srgbClr val="000000"/>
+              </a:solidFill>
+              <a:latin typeface="Consolas" panose="020B0609020204030204" pitchFamily="49" charset="0"/>
+              <a:cs typeface="Consolas" panose="020B0609020204030204" pitchFamily="49" charset="0"/>
+            </a:endParaRPr>
           </a:p>
         </p:txBody>
       </p:sp>
@@ -8072,7 +9655,7 @@
     </p:spTree>
     <p:extLst>
       <p:ext uri="{BB962C8B-B14F-4D97-AF65-F5344CB8AC3E}">
-        <p14:creationId xmlns:p14="http://schemas.microsoft.com/office/powerpoint/2010/main" val="3774607153"/>
+        <p14:creationId xmlns:p14="http://schemas.microsoft.com/office/powerpoint/2010/main" val="380141295"/>
       </p:ext>
     </p:extLst>
   </p:cSld>
@@ -8123,1074 +9706,37 @@
               <a:buNone/>
             </a:pPr>
             <a:r>
+              <a:rPr lang="de-DE" sz="2000" b="1" dirty="0"/>
+              <a:t>Model </a:t>
+            </a:r>
+            <a:r>
               <a:rPr lang="de-DE" sz="2000" b="1" dirty="0" err="1"/>
-              <a:t>PropertyModel</a:t>
-            </a:r>
-            <a:r>
-              <a:rPr lang="de-DE" sz="2000" b="1" dirty="0"/>
-              <a:t> und…</a:t>
-            </a:r>
-          </a:p>
-          <a:p>
-            <a:pPr marL="0" indent="0">
-              <a:buNone/>
-            </a:pPr>
+              <a:t>Inheritance</a:t>
+            </a:r>
             <a:endParaRPr lang="de-DE" sz="2000" b="1" dirty="0"/>
           </a:p>
           <a:p>
-            <a:pPr marL="0" lvl="0" indent="0">
-              <a:buNone/>
-            </a:pPr>
-            <a:r>
-              <a:rPr lang="de-DE" altLang="de-DE" sz="1600" dirty="0">
-                <a:solidFill>
-                  <a:srgbClr val="000000"/>
-                </a:solidFill>
-                <a:latin typeface="Consolas" panose="020B0609020204030204" pitchFamily="49" charset="0"/>
-                <a:cs typeface="Consolas" panose="020B0609020204030204" pitchFamily="49" charset="0"/>
-              </a:rPr>
-              <a:t>Person </a:t>
-            </a:r>
-            <a:r>
-              <a:rPr lang="de-DE" altLang="de-DE" sz="1600" dirty="0" err="1">
-                <a:solidFill>
-                  <a:srgbClr val="000000"/>
-                </a:solidFill>
-                <a:latin typeface="Consolas" panose="020B0609020204030204" pitchFamily="49" charset="0"/>
-                <a:cs typeface="Consolas" panose="020B0609020204030204" pitchFamily="49" charset="0"/>
-              </a:rPr>
-              <a:t>person</a:t>
-            </a:r>
-            <a:r>
-              <a:rPr lang="de-DE" altLang="de-DE" sz="1600" dirty="0">
-                <a:solidFill>
-                  <a:srgbClr val="000000"/>
-                </a:solidFill>
-                <a:latin typeface="Consolas" panose="020B0609020204030204" pitchFamily="49" charset="0"/>
-                <a:cs typeface="Consolas" panose="020B0609020204030204" pitchFamily="49" charset="0"/>
-              </a:rPr>
-              <a:t> = </a:t>
-            </a:r>
-            <a:r>
-              <a:rPr lang="de-DE" altLang="de-DE" sz="1600" b="1" dirty="0" err="1">
-                <a:solidFill>
-                  <a:srgbClr val="000080"/>
-                </a:solidFill>
-                <a:latin typeface="Consolas" panose="020B0609020204030204" pitchFamily="49" charset="0"/>
-                <a:cs typeface="Consolas" panose="020B0609020204030204" pitchFamily="49" charset="0"/>
-              </a:rPr>
-              <a:t>new</a:t>
-            </a:r>
-            <a:r>
-              <a:rPr lang="de-DE" altLang="de-DE" sz="1600" b="1" dirty="0">
-                <a:solidFill>
-                  <a:srgbClr val="000080"/>
-                </a:solidFill>
-                <a:latin typeface="Consolas" panose="020B0609020204030204" pitchFamily="49" charset="0"/>
-                <a:cs typeface="Consolas" panose="020B0609020204030204" pitchFamily="49" charset="0"/>
-              </a:rPr>
-              <a:t> </a:t>
-            </a:r>
-            <a:r>
-              <a:rPr lang="de-DE" altLang="de-DE" sz="1600" dirty="0">
-                <a:solidFill>
-                  <a:srgbClr val="000000"/>
-                </a:solidFill>
-                <a:latin typeface="Consolas" panose="020B0609020204030204" pitchFamily="49" charset="0"/>
-                <a:cs typeface="Consolas" panose="020B0609020204030204" pitchFamily="49" charset="0"/>
-              </a:rPr>
-              <a:t>Person(</a:t>
-            </a:r>
-            <a:r>
-              <a:rPr lang="de-DE" altLang="de-DE" sz="1600" b="1" dirty="0">
-                <a:solidFill>
-                  <a:srgbClr val="008000"/>
-                </a:solidFill>
-                <a:latin typeface="Consolas" panose="020B0609020204030204" pitchFamily="49" charset="0"/>
-                <a:cs typeface="Consolas" panose="020B0609020204030204" pitchFamily="49" charset="0"/>
-              </a:rPr>
-              <a:t>"John"</a:t>
-            </a:r>
-            <a:r>
-              <a:rPr lang="de-DE" altLang="de-DE" sz="1600" dirty="0">
-                <a:solidFill>
-                  <a:srgbClr val="000000"/>
-                </a:solidFill>
-                <a:latin typeface="Consolas" panose="020B0609020204030204" pitchFamily="49" charset="0"/>
-                <a:cs typeface="Consolas" panose="020B0609020204030204" pitchFamily="49" charset="0"/>
-              </a:rPr>
-              <a:t>, </a:t>
-            </a:r>
-            <a:r>
-              <a:rPr lang="de-DE" altLang="de-DE" sz="1600" b="1" dirty="0">
-                <a:solidFill>
-                  <a:srgbClr val="008000"/>
-                </a:solidFill>
-                <a:latin typeface="Consolas" panose="020B0609020204030204" pitchFamily="49" charset="0"/>
-                <a:cs typeface="Consolas" panose="020B0609020204030204" pitchFamily="49" charset="0"/>
-              </a:rPr>
-              <a:t>"Smith"</a:t>
-            </a:r>
-            <a:r>
-              <a:rPr lang="de-DE" altLang="de-DE" sz="1600" dirty="0">
-                <a:solidFill>
-                  <a:srgbClr val="000000"/>
-                </a:solidFill>
-                <a:latin typeface="Consolas" panose="020B0609020204030204" pitchFamily="49" charset="0"/>
-                <a:cs typeface="Consolas" panose="020B0609020204030204" pitchFamily="49" charset="0"/>
-              </a:rPr>
-              <a:t>);</a:t>
-            </a:r>
-          </a:p>
-          <a:p>
-            <a:pPr marL="0" lvl="0" indent="0">
-              <a:buNone/>
-            </a:pPr>
-            <a:br>
-              <a:rPr lang="de-DE" altLang="de-DE" sz="1600" dirty="0">
-                <a:solidFill>
-                  <a:srgbClr val="000000"/>
-                </a:solidFill>
-                <a:latin typeface="Consolas" panose="020B0609020204030204" pitchFamily="49" charset="0"/>
-                <a:cs typeface="Consolas" panose="020B0609020204030204" pitchFamily="49" charset="0"/>
-              </a:rPr>
-            </a:br>
-            <a:r>
-              <a:rPr lang="de-DE" altLang="de-DE" sz="1600" dirty="0" err="1">
-                <a:solidFill>
-                  <a:srgbClr val="000000"/>
-                </a:solidFill>
-                <a:latin typeface="Consolas" panose="020B0609020204030204" pitchFamily="49" charset="0"/>
-                <a:cs typeface="Consolas" panose="020B0609020204030204" pitchFamily="49" charset="0"/>
-              </a:rPr>
-              <a:t>add</a:t>
-            </a:r>
-            <a:r>
-              <a:rPr lang="de-DE" altLang="de-DE" sz="1600" dirty="0">
-                <a:solidFill>
-                  <a:srgbClr val="000000"/>
-                </a:solidFill>
-                <a:latin typeface="Consolas" panose="020B0609020204030204" pitchFamily="49" charset="0"/>
-                <a:cs typeface="Consolas" panose="020B0609020204030204" pitchFamily="49" charset="0"/>
-              </a:rPr>
-              <a:t>( </a:t>
-            </a:r>
-            <a:r>
-              <a:rPr lang="de-DE" altLang="de-DE" sz="1600" b="1" dirty="0" err="1">
-                <a:solidFill>
-                  <a:srgbClr val="000080"/>
-                </a:solidFill>
-                <a:latin typeface="Consolas" panose="020B0609020204030204" pitchFamily="49" charset="0"/>
-                <a:cs typeface="Consolas" panose="020B0609020204030204" pitchFamily="49" charset="0"/>
-              </a:rPr>
-              <a:t>new</a:t>
-            </a:r>
-            <a:r>
-              <a:rPr lang="de-DE" altLang="de-DE" sz="1600" b="1" dirty="0">
-                <a:solidFill>
-                  <a:srgbClr val="000080"/>
-                </a:solidFill>
-                <a:latin typeface="Consolas" panose="020B0609020204030204" pitchFamily="49" charset="0"/>
-                <a:cs typeface="Consolas" panose="020B0609020204030204" pitchFamily="49" charset="0"/>
-              </a:rPr>
-              <a:t> </a:t>
-            </a:r>
-            <a:r>
-              <a:rPr lang="de-DE" altLang="de-DE" sz="1600" dirty="0">
-                <a:solidFill>
-                  <a:srgbClr val="000000"/>
-                </a:solidFill>
-                <a:latin typeface="Consolas" panose="020B0609020204030204" pitchFamily="49" charset="0"/>
-                <a:cs typeface="Consolas" panose="020B0609020204030204" pitchFamily="49" charset="0"/>
-              </a:rPr>
-              <a:t>Label(</a:t>
-            </a:r>
-            <a:r>
-              <a:rPr lang="de-DE" altLang="de-DE" sz="1600" b="1" dirty="0">
-                <a:solidFill>
-                  <a:srgbClr val="008000"/>
-                </a:solidFill>
-                <a:latin typeface="Consolas" panose="020B0609020204030204" pitchFamily="49" charset="0"/>
-                <a:cs typeface="Consolas" panose="020B0609020204030204" pitchFamily="49" charset="0"/>
-              </a:rPr>
-              <a:t>"</a:t>
-            </a:r>
-            <a:r>
-              <a:rPr lang="de-DE" altLang="de-DE" sz="1600" b="1" dirty="0" err="1">
-                <a:solidFill>
-                  <a:srgbClr val="008000"/>
-                </a:solidFill>
-                <a:latin typeface="Consolas" panose="020B0609020204030204" pitchFamily="49" charset="0"/>
-                <a:cs typeface="Consolas" panose="020B0609020204030204" pitchFamily="49" charset="0"/>
-              </a:rPr>
-              <a:t>name</a:t>
-            </a:r>
-            <a:r>
-              <a:rPr lang="de-DE" altLang="de-DE" sz="1600" b="1" dirty="0">
-                <a:solidFill>
-                  <a:srgbClr val="008000"/>
-                </a:solidFill>
-                <a:latin typeface="Consolas" panose="020B0609020204030204" pitchFamily="49" charset="0"/>
-                <a:cs typeface="Consolas" panose="020B0609020204030204" pitchFamily="49" charset="0"/>
-              </a:rPr>
-              <a:t>"</a:t>
-            </a:r>
-            <a:r>
-              <a:rPr lang="de-DE" altLang="de-DE" sz="1600" dirty="0">
-                <a:solidFill>
-                  <a:srgbClr val="000000"/>
-                </a:solidFill>
-                <a:latin typeface="Consolas" panose="020B0609020204030204" pitchFamily="49" charset="0"/>
-                <a:cs typeface="Consolas" panose="020B0609020204030204" pitchFamily="49" charset="0"/>
-              </a:rPr>
-              <a:t>, </a:t>
-            </a:r>
-            <a:r>
-              <a:rPr lang="de-DE" altLang="de-DE" sz="1600" b="1" dirty="0" err="1">
-                <a:solidFill>
-                  <a:srgbClr val="000080"/>
-                </a:solidFill>
-                <a:latin typeface="Consolas" panose="020B0609020204030204" pitchFamily="49" charset="0"/>
-                <a:cs typeface="Consolas" panose="020B0609020204030204" pitchFamily="49" charset="0"/>
-              </a:rPr>
-              <a:t>new</a:t>
-            </a:r>
-            <a:r>
-              <a:rPr lang="de-DE" altLang="de-DE" sz="1600" b="1" dirty="0">
-                <a:solidFill>
-                  <a:srgbClr val="000080"/>
-                </a:solidFill>
-                <a:latin typeface="Consolas" panose="020B0609020204030204" pitchFamily="49" charset="0"/>
-                <a:cs typeface="Consolas" panose="020B0609020204030204" pitchFamily="49" charset="0"/>
-              </a:rPr>
-              <a:t> </a:t>
-            </a:r>
-            <a:r>
-              <a:rPr lang="de-DE" altLang="de-DE" sz="1600" dirty="0" err="1">
-                <a:solidFill>
-                  <a:srgbClr val="000000"/>
-                </a:solidFill>
-                <a:latin typeface="Consolas" panose="020B0609020204030204" pitchFamily="49" charset="0"/>
-                <a:cs typeface="Consolas" panose="020B0609020204030204" pitchFamily="49" charset="0"/>
-              </a:rPr>
-              <a:t>PropertyModel</a:t>
-            </a:r>
-            <a:r>
-              <a:rPr lang="de-DE" altLang="de-DE" sz="1600" dirty="0">
-                <a:solidFill>
-                  <a:srgbClr val="000000"/>
-                </a:solidFill>
-                <a:latin typeface="Consolas" panose="020B0609020204030204" pitchFamily="49" charset="0"/>
-                <a:cs typeface="Consolas" panose="020B0609020204030204" pitchFamily="49" charset="0"/>
-              </a:rPr>
-              <a:t>(</a:t>
-            </a:r>
-            <a:r>
-              <a:rPr lang="de-DE" altLang="de-DE" sz="1600" dirty="0" err="1">
-                <a:solidFill>
-                  <a:srgbClr val="000000"/>
-                </a:solidFill>
-                <a:latin typeface="Consolas" panose="020B0609020204030204" pitchFamily="49" charset="0"/>
-                <a:cs typeface="Consolas" panose="020B0609020204030204" pitchFamily="49" charset="0"/>
-              </a:rPr>
-              <a:t>person</a:t>
-            </a:r>
-            <a:r>
-              <a:rPr lang="de-DE" altLang="de-DE" sz="1600" dirty="0">
-                <a:solidFill>
-                  <a:srgbClr val="000000"/>
-                </a:solidFill>
-                <a:latin typeface="Consolas" panose="020B0609020204030204" pitchFamily="49" charset="0"/>
-                <a:cs typeface="Consolas" panose="020B0609020204030204" pitchFamily="49" charset="0"/>
-              </a:rPr>
-              <a:t>, </a:t>
-            </a:r>
-            <a:r>
-              <a:rPr lang="de-DE" altLang="de-DE" sz="1600" b="1" dirty="0">
-                <a:solidFill>
-                  <a:srgbClr val="008000"/>
-                </a:solidFill>
-                <a:latin typeface="Consolas" panose="020B0609020204030204" pitchFamily="49" charset="0"/>
-                <a:cs typeface="Consolas" panose="020B0609020204030204" pitchFamily="49" charset="0"/>
-              </a:rPr>
-              <a:t>"</a:t>
-            </a:r>
-            <a:r>
-              <a:rPr lang="de-DE" altLang="de-DE" sz="1600" b="1" dirty="0" err="1">
-                <a:solidFill>
-                  <a:srgbClr val="008000"/>
-                </a:solidFill>
-                <a:latin typeface="Consolas" panose="020B0609020204030204" pitchFamily="49" charset="0"/>
-                <a:cs typeface="Consolas" panose="020B0609020204030204" pitchFamily="49" charset="0"/>
-              </a:rPr>
-              <a:t>name</a:t>
-            </a:r>
-            <a:r>
-              <a:rPr lang="de-DE" altLang="de-DE" sz="1600" b="1" dirty="0">
-                <a:solidFill>
-                  <a:srgbClr val="008000"/>
-                </a:solidFill>
-                <a:latin typeface="Consolas" panose="020B0609020204030204" pitchFamily="49" charset="0"/>
-                <a:cs typeface="Consolas" panose="020B0609020204030204" pitchFamily="49" charset="0"/>
-              </a:rPr>
-              <a:t>"</a:t>
-            </a:r>
-            <a:r>
-              <a:rPr lang="de-DE" altLang="de-DE" sz="1600" dirty="0">
-                <a:solidFill>
-                  <a:srgbClr val="000000"/>
-                </a:solidFill>
-                <a:latin typeface="Consolas" panose="020B0609020204030204" pitchFamily="49" charset="0"/>
-                <a:cs typeface="Consolas" panose="020B0609020204030204" pitchFamily="49" charset="0"/>
-              </a:rPr>
-              <a:t>)));</a:t>
-            </a:r>
-            <a:br>
-              <a:rPr lang="de-DE" altLang="de-DE" sz="1600" dirty="0">
-                <a:solidFill>
-                  <a:srgbClr val="000000"/>
-                </a:solidFill>
-                <a:latin typeface="Consolas" panose="020B0609020204030204" pitchFamily="49" charset="0"/>
-                <a:cs typeface="Consolas" panose="020B0609020204030204" pitchFamily="49" charset="0"/>
-              </a:rPr>
-            </a:br>
-            <a:r>
-              <a:rPr lang="de-DE" altLang="de-DE" sz="1600" dirty="0" err="1">
-                <a:solidFill>
-                  <a:srgbClr val="000000"/>
-                </a:solidFill>
-                <a:latin typeface="Consolas" panose="020B0609020204030204" pitchFamily="49" charset="0"/>
-                <a:cs typeface="Consolas" panose="020B0609020204030204" pitchFamily="49" charset="0"/>
-              </a:rPr>
-              <a:t>add</a:t>
-            </a:r>
-            <a:r>
-              <a:rPr lang="de-DE" altLang="de-DE" sz="1600" dirty="0">
-                <a:solidFill>
-                  <a:srgbClr val="000000"/>
-                </a:solidFill>
-                <a:latin typeface="Consolas" panose="020B0609020204030204" pitchFamily="49" charset="0"/>
-                <a:cs typeface="Consolas" panose="020B0609020204030204" pitchFamily="49" charset="0"/>
-              </a:rPr>
-              <a:t>( </a:t>
-            </a:r>
-            <a:r>
-              <a:rPr lang="de-DE" altLang="de-DE" sz="1600" b="1" dirty="0" err="1">
-                <a:solidFill>
-                  <a:srgbClr val="000080"/>
-                </a:solidFill>
-                <a:latin typeface="Consolas" panose="020B0609020204030204" pitchFamily="49" charset="0"/>
-                <a:cs typeface="Consolas" panose="020B0609020204030204" pitchFamily="49" charset="0"/>
-              </a:rPr>
-              <a:t>new</a:t>
-            </a:r>
-            <a:r>
-              <a:rPr lang="de-DE" altLang="de-DE" sz="1600" b="1" dirty="0">
-                <a:solidFill>
-                  <a:srgbClr val="000080"/>
-                </a:solidFill>
-                <a:latin typeface="Consolas" panose="020B0609020204030204" pitchFamily="49" charset="0"/>
-                <a:cs typeface="Consolas" panose="020B0609020204030204" pitchFamily="49" charset="0"/>
-              </a:rPr>
-              <a:t> </a:t>
-            </a:r>
-            <a:r>
-              <a:rPr lang="de-DE" altLang="de-DE" sz="1600" dirty="0">
-                <a:solidFill>
-                  <a:srgbClr val="000000"/>
-                </a:solidFill>
-                <a:latin typeface="Consolas" panose="020B0609020204030204" pitchFamily="49" charset="0"/>
-                <a:cs typeface="Consolas" panose="020B0609020204030204" pitchFamily="49" charset="0"/>
-              </a:rPr>
-              <a:t>Label(</a:t>
-            </a:r>
-            <a:r>
-              <a:rPr lang="de-DE" altLang="de-DE" sz="1600" b="1" dirty="0">
-                <a:solidFill>
-                  <a:srgbClr val="008000"/>
-                </a:solidFill>
-                <a:latin typeface="Consolas" panose="020B0609020204030204" pitchFamily="49" charset="0"/>
-                <a:cs typeface="Consolas" panose="020B0609020204030204" pitchFamily="49" charset="0"/>
-              </a:rPr>
-              <a:t>"</a:t>
-            </a:r>
-            <a:r>
-              <a:rPr lang="de-DE" altLang="de-DE" sz="1600" b="1" dirty="0" err="1">
-                <a:solidFill>
-                  <a:srgbClr val="008000"/>
-                </a:solidFill>
-                <a:latin typeface="Consolas" panose="020B0609020204030204" pitchFamily="49" charset="0"/>
-                <a:cs typeface="Consolas" panose="020B0609020204030204" pitchFamily="49" charset="0"/>
-              </a:rPr>
-              <a:t>surname</a:t>
-            </a:r>
-            <a:r>
-              <a:rPr lang="de-DE" altLang="de-DE" sz="1600" b="1" dirty="0">
-                <a:solidFill>
-                  <a:srgbClr val="008000"/>
-                </a:solidFill>
-                <a:latin typeface="Consolas" panose="020B0609020204030204" pitchFamily="49" charset="0"/>
-                <a:cs typeface="Consolas" panose="020B0609020204030204" pitchFamily="49" charset="0"/>
-              </a:rPr>
-              <a:t>"</a:t>
-            </a:r>
-            <a:r>
-              <a:rPr lang="de-DE" altLang="de-DE" sz="1600" dirty="0">
-                <a:solidFill>
-                  <a:srgbClr val="000000"/>
-                </a:solidFill>
-                <a:latin typeface="Consolas" panose="020B0609020204030204" pitchFamily="49" charset="0"/>
-                <a:cs typeface="Consolas" panose="020B0609020204030204" pitchFamily="49" charset="0"/>
-              </a:rPr>
-              <a:t>, </a:t>
-            </a:r>
-            <a:r>
-              <a:rPr lang="de-DE" altLang="de-DE" sz="1600" b="1" dirty="0" err="1">
-                <a:solidFill>
-                  <a:srgbClr val="000080"/>
-                </a:solidFill>
-                <a:latin typeface="Consolas" panose="020B0609020204030204" pitchFamily="49" charset="0"/>
-                <a:cs typeface="Consolas" panose="020B0609020204030204" pitchFamily="49" charset="0"/>
-              </a:rPr>
-              <a:t>new</a:t>
-            </a:r>
-            <a:r>
-              <a:rPr lang="de-DE" altLang="de-DE" sz="1600" b="1" dirty="0">
-                <a:solidFill>
-                  <a:srgbClr val="000080"/>
-                </a:solidFill>
-                <a:latin typeface="Consolas" panose="020B0609020204030204" pitchFamily="49" charset="0"/>
-                <a:cs typeface="Consolas" panose="020B0609020204030204" pitchFamily="49" charset="0"/>
-              </a:rPr>
-              <a:t> </a:t>
-            </a:r>
-            <a:r>
-              <a:rPr lang="de-DE" altLang="de-DE" sz="1600" dirty="0" err="1">
-                <a:solidFill>
-                  <a:srgbClr val="000000"/>
-                </a:solidFill>
-                <a:latin typeface="Consolas" panose="020B0609020204030204" pitchFamily="49" charset="0"/>
-                <a:cs typeface="Consolas" panose="020B0609020204030204" pitchFamily="49" charset="0"/>
-              </a:rPr>
-              <a:t>PropertyModel</a:t>
-            </a:r>
-            <a:r>
-              <a:rPr lang="de-DE" altLang="de-DE" sz="1600" dirty="0">
-                <a:solidFill>
-                  <a:srgbClr val="000000"/>
-                </a:solidFill>
-                <a:latin typeface="Consolas" panose="020B0609020204030204" pitchFamily="49" charset="0"/>
-                <a:cs typeface="Consolas" panose="020B0609020204030204" pitchFamily="49" charset="0"/>
-              </a:rPr>
-              <a:t>(</a:t>
-            </a:r>
-            <a:r>
-              <a:rPr lang="de-DE" altLang="de-DE" sz="1600" dirty="0" err="1">
-                <a:solidFill>
-                  <a:srgbClr val="000000"/>
-                </a:solidFill>
-                <a:latin typeface="Consolas" panose="020B0609020204030204" pitchFamily="49" charset="0"/>
-                <a:cs typeface="Consolas" panose="020B0609020204030204" pitchFamily="49" charset="0"/>
-              </a:rPr>
-              <a:t>person</a:t>
-            </a:r>
-            <a:r>
-              <a:rPr lang="de-DE" altLang="de-DE" sz="1600" dirty="0">
-                <a:solidFill>
-                  <a:srgbClr val="000000"/>
-                </a:solidFill>
-                <a:latin typeface="Consolas" panose="020B0609020204030204" pitchFamily="49" charset="0"/>
-                <a:cs typeface="Consolas" panose="020B0609020204030204" pitchFamily="49" charset="0"/>
-              </a:rPr>
-              <a:t>, </a:t>
-            </a:r>
-            <a:r>
-              <a:rPr lang="de-DE" altLang="de-DE" sz="1600" b="1" dirty="0">
-                <a:solidFill>
-                  <a:srgbClr val="008000"/>
-                </a:solidFill>
-                <a:latin typeface="Consolas" panose="020B0609020204030204" pitchFamily="49" charset="0"/>
-                <a:cs typeface="Consolas" panose="020B0609020204030204" pitchFamily="49" charset="0"/>
-              </a:rPr>
-              <a:t>"</a:t>
-            </a:r>
-            <a:r>
-              <a:rPr lang="de-DE" altLang="de-DE" sz="1600" b="1" dirty="0" err="1">
-                <a:solidFill>
-                  <a:srgbClr val="008000"/>
-                </a:solidFill>
-                <a:latin typeface="Consolas" panose="020B0609020204030204" pitchFamily="49" charset="0"/>
-                <a:cs typeface="Consolas" panose="020B0609020204030204" pitchFamily="49" charset="0"/>
-              </a:rPr>
-              <a:t>surname</a:t>
-            </a:r>
-            <a:r>
-              <a:rPr lang="de-DE" altLang="de-DE" sz="1600" b="1" dirty="0">
-                <a:solidFill>
-                  <a:srgbClr val="008000"/>
-                </a:solidFill>
-                <a:latin typeface="Consolas" panose="020B0609020204030204" pitchFamily="49" charset="0"/>
-                <a:cs typeface="Consolas" panose="020B0609020204030204" pitchFamily="49" charset="0"/>
-              </a:rPr>
-              <a:t>"</a:t>
-            </a:r>
-            <a:r>
-              <a:rPr lang="de-DE" altLang="de-DE" sz="1600" dirty="0">
-                <a:solidFill>
-                  <a:srgbClr val="000000"/>
-                </a:solidFill>
-                <a:latin typeface="Consolas" panose="020B0609020204030204" pitchFamily="49" charset="0"/>
-                <a:cs typeface="Consolas" panose="020B0609020204030204" pitchFamily="49" charset="0"/>
-              </a:rPr>
-              <a:t>)));</a:t>
-            </a:r>
-            <a:br>
-              <a:rPr lang="de-DE" altLang="de-DE" sz="1600" dirty="0">
-                <a:solidFill>
-                  <a:srgbClr val="000000"/>
-                </a:solidFill>
-                <a:latin typeface="Consolas" panose="020B0609020204030204" pitchFamily="49" charset="0"/>
-                <a:cs typeface="Consolas" panose="020B0609020204030204" pitchFamily="49" charset="0"/>
-              </a:rPr>
-            </a:br>
-            <a:r>
-              <a:rPr lang="de-DE" altLang="de-DE" sz="1600" dirty="0" err="1">
-                <a:solidFill>
-                  <a:srgbClr val="000000"/>
-                </a:solidFill>
-                <a:latin typeface="Consolas" panose="020B0609020204030204" pitchFamily="49" charset="0"/>
-                <a:cs typeface="Consolas" panose="020B0609020204030204" pitchFamily="49" charset="0"/>
-              </a:rPr>
-              <a:t>add</a:t>
-            </a:r>
-            <a:r>
-              <a:rPr lang="de-DE" altLang="de-DE" sz="1600" dirty="0">
-                <a:solidFill>
-                  <a:srgbClr val="000000"/>
-                </a:solidFill>
-                <a:latin typeface="Consolas" panose="020B0609020204030204" pitchFamily="49" charset="0"/>
-                <a:cs typeface="Consolas" panose="020B0609020204030204" pitchFamily="49" charset="0"/>
-              </a:rPr>
-              <a:t>( </a:t>
-            </a:r>
-            <a:r>
-              <a:rPr lang="de-DE" altLang="de-DE" sz="1600" b="1" dirty="0" err="1">
-                <a:solidFill>
-                  <a:srgbClr val="000080"/>
-                </a:solidFill>
-                <a:latin typeface="Consolas" panose="020B0609020204030204" pitchFamily="49" charset="0"/>
-                <a:cs typeface="Consolas" panose="020B0609020204030204" pitchFamily="49" charset="0"/>
-              </a:rPr>
-              <a:t>new</a:t>
-            </a:r>
-            <a:r>
-              <a:rPr lang="de-DE" altLang="de-DE" sz="1600" b="1" dirty="0">
-                <a:solidFill>
-                  <a:srgbClr val="000080"/>
-                </a:solidFill>
-                <a:latin typeface="Consolas" panose="020B0609020204030204" pitchFamily="49" charset="0"/>
-                <a:cs typeface="Consolas" panose="020B0609020204030204" pitchFamily="49" charset="0"/>
-              </a:rPr>
-              <a:t> </a:t>
-            </a:r>
-            <a:r>
-              <a:rPr lang="de-DE" altLang="de-DE" sz="1600" dirty="0">
-                <a:solidFill>
-                  <a:srgbClr val="000000"/>
-                </a:solidFill>
-                <a:latin typeface="Consolas" panose="020B0609020204030204" pitchFamily="49" charset="0"/>
-                <a:cs typeface="Consolas" panose="020B0609020204030204" pitchFamily="49" charset="0"/>
-              </a:rPr>
-              <a:t>Label(</a:t>
-            </a:r>
-            <a:r>
-              <a:rPr lang="de-DE" altLang="de-DE" sz="1600" b="1" dirty="0">
-                <a:solidFill>
-                  <a:srgbClr val="008000"/>
-                </a:solidFill>
-                <a:latin typeface="Consolas" panose="020B0609020204030204" pitchFamily="49" charset="0"/>
-                <a:cs typeface="Consolas" panose="020B0609020204030204" pitchFamily="49" charset="0"/>
-              </a:rPr>
-              <a:t>"</a:t>
-            </a:r>
-            <a:r>
-              <a:rPr lang="de-DE" altLang="de-DE" sz="1600" b="1" dirty="0" err="1">
-                <a:solidFill>
-                  <a:srgbClr val="008000"/>
-                </a:solidFill>
-                <a:latin typeface="Consolas" panose="020B0609020204030204" pitchFamily="49" charset="0"/>
-                <a:cs typeface="Consolas" panose="020B0609020204030204" pitchFamily="49" charset="0"/>
-              </a:rPr>
-              <a:t>address</a:t>
-            </a:r>
-            <a:r>
-              <a:rPr lang="de-DE" altLang="de-DE" sz="1600" b="1" dirty="0">
-                <a:solidFill>
-                  <a:srgbClr val="008000"/>
-                </a:solidFill>
-                <a:latin typeface="Consolas" panose="020B0609020204030204" pitchFamily="49" charset="0"/>
-                <a:cs typeface="Consolas" panose="020B0609020204030204" pitchFamily="49" charset="0"/>
-              </a:rPr>
-              <a:t>"</a:t>
-            </a:r>
-            <a:r>
-              <a:rPr lang="de-DE" altLang="de-DE" sz="1600" dirty="0">
-                <a:solidFill>
-                  <a:srgbClr val="000000"/>
-                </a:solidFill>
-                <a:latin typeface="Consolas" panose="020B0609020204030204" pitchFamily="49" charset="0"/>
-                <a:cs typeface="Consolas" panose="020B0609020204030204" pitchFamily="49" charset="0"/>
-              </a:rPr>
-              <a:t>, </a:t>
-            </a:r>
-            <a:r>
-              <a:rPr lang="de-DE" altLang="de-DE" sz="1600" b="1" dirty="0" err="1">
-                <a:solidFill>
-                  <a:srgbClr val="000080"/>
-                </a:solidFill>
-                <a:latin typeface="Consolas" panose="020B0609020204030204" pitchFamily="49" charset="0"/>
-                <a:cs typeface="Consolas" panose="020B0609020204030204" pitchFamily="49" charset="0"/>
-              </a:rPr>
-              <a:t>new</a:t>
-            </a:r>
-            <a:r>
-              <a:rPr lang="de-DE" altLang="de-DE" sz="1600" b="1" dirty="0">
-                <a:solidFill>
-                  <a:srgbClr val="000080"/>
-                </a:solidFill>
-                <a:latin typeface="Consolas" panose="020B0609020204030204" pitchFamily="49" charset="0"/>
-                <a:cs typeface="Consolas" panose="020B0609020204030204" pitchFamily="49" charset="0"/>
-              </a:rPr>
-              <a:t> </a:t>
-            </a:r>
-            <a:r>
-              <a:rPr lang="de-DE" altLang="de-DE" sz="1600" dirty="0" err="1">
-                <a:solidFill>
-                  <a:srgbClr val="000000"/>
-                </a:solidFill>
-                <a:latin typeface="Consolas" panose="020B0609020204030204" pitchFamily="49" charset="0"/>
-                <a:cs typeface="Consolas" panose="020B0609020204030204" pitchFamily="49" charset="0"/>
-              </a:rPr>
-              <a:t>PropertyModel</a:t>
-            </a:r>
-            <a:r>
-              <a:rPr lang="de-DE" altLang="de-DE" sz="1600" dirty="0">
-                <a:solidFill>
-                  <a:srgbClr val="000000"/>
-                </a:solidFill>
-                <a:latin typeface="Consolas" panose="020B0609020204030204" pitchFamily="49" charset="0"/>
-                <a:cs typeface="Consolas" panose="020B0609020204030204" pitchFamily="49" charset="0"/>
-              </a:rPr>
-              <a:t>(</a:t>
-            </a:r>
-            <a:r>
-              <a:rPr lang="de-DE" altLang="de-DE" sz="1600" dirty="0" err="1">
-                <a:solidFill>
-                  <a:srgbClr val="000000"/>
-                </a:solidFill>
-                <a:latin typeface="Consolas" panose="020B0609020204030204" pitchFamily="49" charset="0"/>
-                <a:cs typeface="Consolas" panose="020B0609020204030204" pitchFamily="49" charset="0"/>
-              </a:rPr>
-              <a:t>person</a:t>
-            </a:r>
-            <a:r>
-              <a:rPr lang="de-DE" altLang="de-DE" sz="1600" dirty="0">
-                <a:solidFill>
-                  <a:srgbClr val="000000"/>
-                </a:solidFill>
-                <a:latin typeface="Consolas" panose="020B0609020204030204" pitchFamily="49" charset="0"/>
-                <a:cs typeface="Consolas" panose="020B0609020204030204" pitchFamily="49" charset="0"/>
-              </a:rPr>
-              <a:t>, </a:t>
-            </a:r>
-            <a:r>
-              <a:rPr lang="de-DE" altLang="de-DE" sz="1600" b="1" dirty="0">
-                <a:solidFill>
-                  <a:srgbClr val="008000"/>
-                </a:solidFill>
-                <a:latin typeface="Consolas" panose="020B0609020204030204" pitchFamily="49" charset="0"/>
-                <a:cs typeface="Consolas" panose="020B0609020204030204" pitchFamily="49" charset="0"/>
-              </a:rPr>
-              <a:t>"</a:t>
-            </a:r>
-            <a:r>
-              <a:rPr lang="de-DE" altLang="de-DE" sz="1600" b="1" dirty="0" err="1">
-                <a:solidFill>
-                  <a:srgbClr val="008000"/>
-                </a:solidFill>
-                <a:latin typeface="Consolas" panose="020B0609020204030204" pitchFamily="49" charset="0"/>
-                <a:cs typeface="Consolas" panose="020B0609020204030204" pitchFamily="49" charset="0"/>
-              </a:rPr>
-              <a:t>address</a:t>
-            </a:r>
-            <a:r>
-              <a:rPr lang="de-DE" altLang="de-DE" sz="1600" b="1" dirty="0">
-                <a:solidFill>
-                  <a:srgbClr val="008000"/>
-                </a:solidFill>
-                <a:latin typeface="Consolas" panose="020B0609020204030204" pitchFamily="49" charset="0"/>
-                <a:cs typeface="Consolas" panose="020B0609020204030204" pitchFamily="49" charset="0"/>
-              </a:rPr>
-              <a:t>"</a:t>
-            </a:r>
-            <a:r>
-              <a:rPr lang="de-DE" altLang="de-DE" sz="1600" dirty="0">
-                <a:solidFill>
-                  <a:srgbClr val="000000"/>
-                </a:solidFill>
-                <a:latin typeface="Consolas" panose="020B0609020204030204" pitchFamily="49" charset="0"/>
-                <a:cs typeface="Consolas" panose="020B0609020204030204" pitchFamily="49" charset="0"/>
-              </a:rPr>
-              <a:t>)));</a:t>
-            </a:r>
-            <a:br>
-              <a:rPr lang="de-DE" altLang="de-DE" sz="1600" dirty="0">
-                <a:solidFill>
-                  <a:srgbClr val="000000"/>
-                </a:solidFill>
-                <a:latin typeface="Consolas" panose="020B0609020204030204" pitchFamily="49" charset="0"/>
-                <a:cs typeface="Consolas" panose="020B0609020204030204" pitchFamily="49" charset="0"/>
-              </a:rPr>
-            </a:br>
-            <a:r>
-              <a:rPr lang="de-DE" altLang="de-DE" sz="1600" dirty="0" err="1">
-                <a:solidFill>
-                  <a:srgbClr val="000000"/>
-                </a:solidFill>
-                <a:latin typeface="Consolas" panose="020B0609020204030204" pitchFamily="49" charset="0"/>
-                <a:cs typeface="Consolas" panose="020B0609020204030204" pitchFamily="49" charset="0"/>
-              </a:rPr>
-              <a:t>add</a:t>
-            </a:r>
-            <a:r>
-              <a:rPr lang="de-DE" altLang="de-DE" sz="1600" dirty="0">
-                <a:solidFill>
-                  <a:srgbClr val="000000"/>
-                </a:solidFill>
-                <a:latin typeface="Consolas" panose="020B0609020204030204" pitchFamily="49" charset="0"/>
-                <a:cs typeface="Consolas" panose="020B0609020204030204" pitchFamily="49" charset="0"/>
-              </a:rPr>
-              <a:t>( </a:t>
-            </a:r>
-            <a:r>
-              <a:rPr lang="de-DE" altLang="de-DE" sz="1600" b="1" dirty="0" err="1">
-                <a:solidFill>
-                  <a:srgbClr val="000080"/>
-                </a:solidFill>
-                <a:latin typeface="Consolas" panose="020B0609020204030204" pitchFamily="49" charset="0"/>
-                <a:cs typeface="Consolas" panose="020B0609020204030204" pitchFamily="49" charset="0"/>
-              </a:rPr>
-              <a:t>new</a:t>
-            </a:r>
-            <a:r>
-              <a:rPr lang="de-DE" altLang="de-DE" sz="1600" b="1" dirty="0">
-                <a:solidFill>
-                  <a:srgbClr val="000080"/>
-                </a:solidFill>
-                <a:latin typeface="Consolas" panose="020B0609020204030204" pitchFamily="49" charset="0"/>
-                <a:cs typeface="Consolas" panose="020B0609020204030204" pitchFamily="49" charset="0"/>
-              </a:rPr>
-              <a:t> </a:t>
-            </a:r>
-            <a:r>
-              <a:rPr lang="de-DE" altLang="de-DE" sz="1600" dirty="0">
-                <a:solidFill>
-                  <a:srgbClr val="000000"/>
-                </a:solidFill>
-                <a:latin typeface="Consolas" panose="020B0609020204030204" pitchFamily="49" charset="0"/>
-                <a:cs typeface="Consolas" panose="020B0609020204030204" pitchFamily="49" charset="0"/>
-              </a:rPr>
-              <a:t>Label(</a:t>
-            </a:r>
-            <a:r>
-              <a:rPr lang="de-DE" altLang="de-DE" sz="1600" b="1" dirty="0">
-                <a:solidFill>
-                  <a:srgbClr val="008000"/>
-                </a:solidFill>
-                <a:latin typeface="Consolas" panose="020B0609020204030204" pitchFamily="49" charset="0"/>
-                <a:cs typeface="Consolas" panose="020B0609020204030204" pitchFamily="49" charset="0"/>
-              </a:rPr>
-              <a:t>"email"</a:t>
-            </a:r>
-            <a:r>
-              <a:rPr lang="de-DE" altLang="de-DE" sz="1600" dirty="0">
-                <a:solidFill>
-                  <a:srgbClr val="000000"/>
-                </a:solidFill>
-                <a:latin typeface="Consolas" panose="020B0609020204030204" pitchFamily="49" charset="0"/>
-                <a:cs typeface="Consolas" panose="020B0609020204030204" pitchFamily="49" charset="0"/>
-              </a:rPr>
-              <a:t>, </a:t>
-            </a:r>
-            <a:r>
-              <a:rPr lang="de-DE" altLang="de-DE" sz="1600" b="1" dirty="0" err="1">
-                <a:solidFill>
-                  <a:srgbClr val="000080"/>
-                </a:solidFill>
-                <a:latin typeface="Consolas" panose="020B0609020204030204" pitchFamily="49" charset="0"/>
-                <a:cs typeface="Consolas" panose="020B0609020204030204" pitchFamily="49" charset="0"/>
-              </a:rPr>
-              <a:t>new</a:t>
-            </a:r>
-            <a:r>
-              <a:rPr lang="de-DE" altLang="de-DE" sz="1600" b="1" dirty="0">
-                <a:solidFill>
-                  <a:srgbClr val="000080"/>
-                </a:solidFill>
-                <a:latin typeface="Consolas" panose="020B0609020204030204" pitchFamily="49" charset="0"/>
-                <a:cs typeface="Consolas" panose="020B0609020204030204" pitchFamily="49" charset="0"/>
-              </a:rPr>
-              <a:t> </a:t>
-            </a:r>
-            <a:r>
-              <a:rPr lang="de-DE" altLang="de-DE" sz="1600" dirty="0" err="1">
-                <a:solidFill>
-                  <a:srgbClr val="000000"/>
-                </a:solidFill>
-                <a:latin typeface="Consolas" panose="020B0609020204030204" pitchFamily="49" charset="0"/>
-                <a:cs typeface="Consolas" panose="020B0609020204030204" pitchFamily="49" charset="0"/>
-              </a:rPr>
-              <a:t>PropertyModel</a:t>
-            </a:r>
-            <a:r>
-              <a:rPr lang="de-DE" altLang="de-DE" sz="1600" dirty="0">
-                <a:solidFill>
-                  <a:srgbClr val="000000"/>
-                </a:solidFill>
-                <a:latin typeface="Consolas" panose="020B0609020204030204" pitchFamily="49" charset="0"/>
-                <a:cs typeface="Consolas" panose="020B0609020204030204" pitchFamily="49" charset="0"/>
-              </a:rPr>
-              <a:t>(</a:t>
-            </a:r>
-            <a:r>
-              <a:rPr lang="de-DE" altLang="de-DE" sz="1600" dirty="0" err="1">
-                <a:solidFill>
-                  <a:srgbClr val="000000"/>
-                </a:solidFill>
-                <a:latin typeface="Consolas" panose="020B0609020204030204" pitchFamily="49" charset="0"/>
-                <a:cs typeface="Consolas" panose="020B0609020204030204" pitchFamily="49" charset="0"/>
-              </a:rPr>
-              <a:t>person</a:t>
-            </a:r>
-            <a:r>
-              <a:rPr lang="de-DE" altLang="de-DE" sz="1600" dirty="0">
-                <a:solidFill>
-                  <a:srgbClr val="000000"/>
-                </a:solidFill>
-                <a:latin typeface="Consolas" panose="020B0609020204030204" pitchFamily="49" charset="0"/>
-                <a:cs typeface="Consolas" panose="020B0609020204030204" pitchFamily="49" charset="0"/>
-              </a:rPr>
-              <a:t>, </a:t>
-            </a:r>
-            <a:r>
-              <a:rPr lang="de-DE" altLang="de-DE" sz="1600" b="1" dirty="0">
-                <a:solidFill>
-                  <a:srgbClr val="008000"/>
-                </a:solidFill>
-                <a:latin typeface="Consolas" panose="020B0609020204030204" pitchFamily="49" charset="0"/>
-                <a:cs typeface="Consolas" panose="020B0609020204030204" pitchFamily="49" charset="0"/>
-              </a:rPr>
-              <a:t>"email"</a:t>
-            </a:r>
-            <a:r>
-              <a:rPr lang="de-DE" altLang="de-DE" sz="1600" dirty="0">
-                <a:solidFill>
-                  <a:srgbClr val="000000"/>
-                </a:solidFill>
-                <a:latin typeface="Consolas" panose="020B0609020204030204" pitchFamily="49" charset="0"/>
-                <a:cs typeface="Consolas" panose="020B0609020204030204" pitchFamily="49" charset="0"/>
-              </a:rPr>
-              <a:t>)));</a:t>
-            </a:r>
-            <a:br>
-              <a:rPr lang="de-DE" altLang="de-DE" sz="1600" dirty="0">
-                <a:solidFill>
-                  <a:srgbClr val="000000"/>
-                </a:solidFill>
-                <a:latin typeface="Consolas" panose="020B0609020204030204" pitchFamily="49" charset="0"/>
-                <a:cs typeface="Consolas" panose="020B0609020204030204" pitchFamily="49" charset="0"/>
-              </a:rPr>
-            </a:br>
-            <a:r>
-              <a:rPr lang="de-DE" altLang="de-DE" sz="1600" dirty="0" err="1">
-                <a:solidFill>
-                  <a:srgbClr val="000000"/>
-                </a:solidFill>
-                <a:latin typeface="Consolas" panose="020B0609020204030204" pitchFamily="49" charset="0"/>
-                <a:cs typeface="Consolas" panose="020B0609020204030204" pitchFamily="49" charset="0"/>
-              </a:rPr>
-              <a:t>add</a:t>
-            </a:r>
-            <a:r>
-              <a:rPr lang="de-DE" altLang="de-DE" sz="1600" dirty="0">
-                <a:solidFill>
-                  <a:srgbClr val="000000"/>
-                </a:solidFill>
-                <a:latin typeface="Consolas" panose="020B0609020204030204" pitchFamily="49" charset="0"/>
-                <a:cs typeface="Consolas" panose="020B0609020204030204" pitchFamily="49" charset="0"/>
-              </a:rPr>
-              <a:t>( </a:t>
-            </a:r>
-            <a:r>
-              <a:rPr lang="de-DE" altLang="de-DE" sz="1600" b="1" dirty="0" err="1">
-                <a:solidFill>
-                  <a:srgbClr val="000080"/>
-                </a:solidFill>
-                <a:latin typeface="Consolas" panose="020B0609020204030204" pitchFamily="49" charset="0"/>
-                <a:cs typeface="Consolas" panose="020B0609020204030204" pitchFamily="49" charset="0"/>
-              </a:rPr>
-              <a:t>new</a:t>
-            </a:r>
-            <a:r>
-              <a:rPr lang="de-DE" altLang="de-DE" sz="1600" b="1" dirty="0">
-                <a:solidFill>
-                  <a:srgbClr val="000080"/>
-                </a:solidFill>
-                <a:latin typeface="Consolas" panose="020B0609020204030204" pitchFamily="49" charset="0"/>
-                <a:cs typeface="Consolas" panose="020B0609020204030204" pitchFamily="49" charset="0"/>
-              </a:rPr>
-              <a:t> </a:t>
-            </a:r>
-            <a:r>
-              <a:rPr lang="de-DE" altLang="de-DE" sz="1600" dirty="0">
-                <a:solidFill>
-                  <a:srgbClr val="000000"/>
-                </a:solidFill>
-                <a:latin typeface="Consolas" panose="020B0609020204030204" pitchFamily="49" charset="0"/>
-                <a:cs typeface="Consolas" panose="020B0609020204030204" pitchFamily="49" charset="0"/>
-              </a:rPr>
-              <a:t>Label(</a:t>
-            </a:r>
-            <a:r>
-              <a:rPr lang="de-DE" altLang="de-DE" sz="1600" b="1" dirty="0">
-                <a:solidFill>
-                  <a:srgbClr val="008000"/>
-                </a:solidFill>
-                <a:latin typeface="Consolas" panose="020B0609020204030204" pitchFamily="49" charset="0"/>
-                <a:cs typeface="Consolas" panose="020B0609020204030204" pitchFamily="49" charset="0"/>
-              </a:rPr>
-              <a:t>"</a:t>
-            </a:r>
-            <a:r>
-              <a:rPr lang="de-DE" altLang="de-DE" sz="1600" b="1" dirty="0" err="1">
-                <a:solidFill>
-                  <a:srgbClr val="008000"/>
-                </a:solidFill>
-                <a:latin typeface="Consolas" panose="020B0609020204030204" pitchFamily="49" charset="0"/>
-                <a:cs typeface="Consolas" panose="020B0609020204030204" pitchFamily="49" charset="0"/>
-              </a:rPr>
-              <a:t>spouseName</a:t>
-            </a:r>
-            <a:r>
-              <a:rPr lang="de-DE" altLang="de-DE" sz="1600" b="1" dirty="0">
-                <a:solidFill>
-                  <a:srgbClr val="008000"/>
-                </a:solidFill>
-                <a:latin typeface="Consolas" panose="020B0609020204030204" pitchFamily="49" charset="0"/>
-                <a:cs typeface="Consolas" panose="020B0609020204030204" pitchFamily="49" charset="0"/>
-              </a:rPr>
-              <a:t>"</a:t>
-            </a:r>
-            <a:r>
-              <a:rPr lang="de-DE" altLang="de-DE" sz="1600" dirty="0">
-                <a:solidFill>
-                  <a:srgbClr val="000000"/>
-                </a:solidFill>
-                <a:latin typeface="Consolas" panose="020B0609020204030204" pitchFamily="49" charset="0"/>
-                <a:cs typeface="Consolas" panose="020B0609020204030204" pitchFamily="49" charset="0"/>
-              </a:rPr>
-              <a:t>, </a:t>
-            </a:r>
-            <a:r>
-              <a:rPr lang="de-DE" altLang="de-DE" sz="1600" b="1" dirty="0" err="1">
-                <a:solidFill>
-                  <a:srgbClr val="000080"/>
-                </a:solidFill>
-                <a:latin typeface="Consolas" panose="020B0609020204030204" pitchFamily="49" charset="0"/>
-                <a:cs typeface="Consolas" panose="020B0609020204030204" pitchFamily="49" charset="0"/>
-              </a:rPr>
-              <a:t>new</a:t>
-            </a:r>
-            <a:r>
-              <a:rPr lang="de-DE" altLang="de-DE" sz="1600" b="1" dirty="0">
-                <a:solidFill>
-                  <a:srgbClr val="000080"/>
-                </a:solidFill>
-                <a:latin typeface="Consolas" panose="020B0609020204030204" pitchFamily="49" charset="0"/>
-                <a:cs typeface="Consolas" panose="020B0609020204030204" pitchFamily="49" charset="0"/>
-              </a:rPr>
-              <a:t> </a:t>
-            </a:r>
-            <a:r>
-              <a:rPr lang="de-DE" altLang="de-DE" sz="1600" dirty="0" err="1">
-                <a:solidFill>
-                  <a:srgbClr val="000000"/>
-                </a:solidFill>
-                <a:latin typeface="Consolas" panose="020B0609020204030204" pitchFamily="49" charset="0"/>
-                <a:cs typeface="Consolas" panose="020B0609020204030204" pitchFamily="49" charset="0"/>
-              </a:rPr>
-              <a:t>PropertyModel</a:t>
-            </a:r>
-            <a:r>
-              <a:rPr lang="de-DE" altLang="de-DE" sz="1600" dirty="0">
-                <a:solidFill>
-                  <a:srgbClr val="000000"/>
-                </a:solidFill>
-                <a:latin typeface="Consolas" panose="020B0609020204030204" pitchFamily="49" charset="0"/>
-                <a:cs typeface="Consolas" panose="020B0609020204030204" pitchFamily="49" charset="0"/>
-              </a:rPr>
-              <a:t>(</a:t>
-            </a:r>
-            <a:r>
-              <a:rPr lang="de-DE" altLang="de-DE" sz="1600" dirty="0" err="1">
-                <a:solidFill>
-                  <a:srgbClr val="000000"/>
-                </a:solidFill>
-                <a:latin typeface="Consolas" panose="020B0609020204030204" pitchFamily="49" charset="0"/>
-                <a:cs typeface="Consolas" panose="020B0609020204030204" pitchFamily="49" charset="0"/>
-              </a:rPr>
-              <a:t>person</a:t>
-            </a:r>
-            <a:r>
-              <a:rPr lang="de-DE" altLang="de-DE" sz="1600" dirty="0">
-                <a:solidFill>
-                  <a:srgbClr val="000000"/>
-                </a:solidFill>
-                <a:latin typeface="Consolas" panose="020B0609020204030204" pitchFamily="49" charset="0"/>
-                <a:cs typeface="Consolas" panose="020B0609020204030204" pitchFamily="49" charset="0"/>
-              </a:rPr>
-              <a:t>, </a:t>
-            </a:r>
-            <a:r>
-              <a:rPr lang="de-DE" altLang="de-DE" sz="1600" b="1" dirty="0">
-                <a:solidFill>
-                  <a:srgbClr val="008000"/>
-                </a:solidFill>
-                <a:latin typeface="Consolas" panose="020B0609020204030204" pitchFamily="49" charset="0"/>
-                <a:cs typeface="Consolas" panose="020B0609020204030204" pitchFamily="49" charset="0"/>
-              </a:rPr>
-              <a:t>"spouse.name"</a:t>
-            </a:r>
-            <a:r>
-              <a:rPr lang="de-DE" altLang="de-DE" sz="1600" dirty="0">
-                <a:solidFill>
-                  <a:srgbClr val="000000"/>
-                </a:solidFill>
-                <a:latin typeface="Consolas" panose="020B0609020204030204" pitchFamily="49" charset="0"/>
-                <a:cs typeface="Consolas" panose="020B0609020204030204" pitchFamily="49" charset="0"/>
-              </a:rPr>
-              <a:t>)));</a:t>
-            </a:r>
-            <a:endParaRPr lang="de-DE" altLang="de-DE" sz="1600" dirty="0">
-              <a:latin typeface="Consolas" panose="020B0609020204030204" pitchFamily="49" charset="0"/>
-              <a:cs typeface="Consolas" panose="020B0609020204030204" pitchFamily="49" charset="0"/>
-            </a:endParaRPr>
-          </a:p>
-          <a:p>
-            <a:pPr marL="0" indent="0">
-              <a:buNone/>
-            </a:pPr>
-            <a:endParaRPr lang="de-DE" sz="2000" b="1" dirty="0"/>
+            <a:r>
+              <a:rPr lang="de-DE" sz="2000" dirty="0"/>
+              <a:t>Interface </a:t>
+            </a:r>
+            <a:r>
+              <a:rPr lang="de-DE" sz="2000" i="1" dirty="0" err="1"/>
+              <a:t>IComponentInheritedModel</a:t>
+            </a:r>
+            <a:endParaRPr lang="de-DE" sz="2000" i="1" dirty="0"/>
+          </a:p>
+          <a:p>
+            <a:r>
+              <a:rPr lang="de-DE" sz="2000" dirty="0"/>
+              <a:t>Komponenten können Models an Nachfahren vererben</a:t>
+            </a:r>
+          </a:p>
+          <a:p>
+            <a:r>
+              <a:rPr lang="de-DE" sz="2000" dirty="0"/>
+              <a:t>Komponente hat kein Modell → Suche bei Vorfahren</a:t>
+            </a:r>
           </a:p>
         </p:txBody>
       </p:sp>
@@ -9224,7 +9770,7 @@
     </p:spTree>
     <p:extLst>
       <p:ext uri="{BB962C8B-B14F-4D97-AF65-F5344CB8AC3E}">
-        <p14:creationId xmlns:p14="http://schemas.microsoft.com/office/powerpoint/2010/main" val="514522632"/>
+        <p14:creationId xmlns:p14="http://schemas.microsoft.com/office/powerpoint/2010/main" val="694233647"/>
       </p:ext>
     </p:extLst>
   </p:cSld>
@@ -9275,686 +9821,56 @@
               <a:buNone/>
             </a:pPr>
             <a:r>
-              <a:rPr lang="de-DE" sz="2000" b="1" dirty="0"/>
-              <a:t>… </a:t>
-            </a:r>
-            <a:r>
               <a:rPr lang="de-DE" sz="2000" b="1" dirty="0" err="1"/>
               <a:t>CompoundPropertyModel</a:t>
             </a:r>
             <a:endParaRPr lang="de-DE" sz="2000" b="1" dirty="0"/>
           </a:p>
           <a:p>
-            <a:pPr marL="0" indent="0">
-              <a:buNone/>
-            </a:pPr>
-            <a:endParaRPr lang="de-DE" sz="2000" b="1" dirty="0"/>
-          </a:p>
-          <a:p>
-            <a:pPr marL="0" lvl="0" indent="0">
-              <a:spcBef>
-                <a:spcPct val="0"/>
-              </a:spcBef>
-              <a:buClrTx/>
-              <a:buNone/>
-            </a:pPr>
-            <a:r>
-              <a:rPr lang="de-DE" altLang="de-DE" sz="1600" dirty="0">
-                <a:solidFill>
-                  <a:srgbClr val="000000"/>
-                </a:solidFill>
-                <a:latin typeface="Consolas" panose="020B0609020204030204" pitchFamily="49" charset="0"/>
-                <a:cs typeface="Consolas" panose="020B0609020204030204" pitchFamily="49" charset="0"/>
-              </a:rPr>
-              <a:t>Person </a:t>
-            </a:r>
-            <a:r>
-              <a:rPr lang="de-DE" altLang="de-DE" sz="1600" dirty="0" err="1">
-                <a:solidFill>
-                  <a:srgbClr val="000000"/>
-                </a:solidFill>
-                <a:latin typeface="Consolas" panose="020B0609020204030204" pitchFamily="49" charset="0"/>
-                <a:cs typeface="Consolas" panose="020B0609020204030204" pitchFamily="49" charset="0"/>
-              </a:rPr>
-              <a:t>person</a:t>
-            </a:r>
-            <a:r>
-              <a:rPr lang="de-DE" altLang="de-DE" sz="1600" dirty="0">
-                <a:solidFill>
-                  <a:srgbClr val="000000"/>
-                </a:solidFill>
-                <a:latin typeface="Consolas" panose="020B0609020204030204" pitchFamily="49" charset="0"/>
-                <a:cs typeface="Consolas" panose="020B0609020204030204" pitchFamily="49" charset="0"/>
-              </a:rPr>
-              <a:t> = </a:t>
-            </a:r>
-            <a:r>
-              <a:rPr lang="de-DE" altLang="de-DE" sz="1600" b="1" dirty="0" err="1">
-                <a:solidFill>
-                  <a:srgbClr val="000080"/>
-                </a:solidFill>
-                <a:latin typeface="Consolas" panose="020B0609020204030204" pitchFamily="49" charset="0"/>
-                <a:cs typeface="Consolas" panose="020B0609020204030204" pitchFamily="49" charset="0"/>
-              </a:rPr>
-              <a:t>new</a:t>
-            </a:r>
-            <a:r>
-              <a:rPr lang="de-DE" altLang="de-DE" sz="1600" b="1" dirty="0">
-                <a:solidFill>
-                  <a:srgbClr val="000080"/>
-                </a:solidFill>
-                <a:latin typeface="Consolas" panose="020B0609020204030204" pitchFamily="49" charset="0"/>
-                <a:cs typeface="Consolas" panose="020B0609020204030204" pitchFamily="49" charset="0"/>
-              </a:rPr>
-              <a:t> </a:t>
-            </a:r>
-            <a:r>
-              <a:rPr lang="de-DE" altLang="de-DE" sz="1600" dirty="0">
-                <a:solidFill>
-                  <a:srgbClr val="000000"/>
-                </a:solidFill>
-                <a:latin typeface="Consolas" panose="020B0609020204030204" pitchFamily="49" charset="0"/>
-                <a:cs typeface="Consolas" panose="020B0609020204030204" pitchFamily="49" charset="0"/>
-              </a:rPr>
-              <a:t>Person(</a:t>
-            </a:r>
-            <a:r>
-              <a:rPr lang="de-DE" altLang="de-DE" sz="1600" b="1" dirty="0">
-                <a:solidFill>
-                  <a:srgbClr val="008000"/>
-                </a:solidFill>
-                <a:latin typeface="Consolas" panose="020B0609020204030204" pitchFamily="49" charset="0"/>
-                <a:cs typeface="Consolas" panose="020B0609020204030204" pitchFamily="49" charset="0"/>
-              </a:rPr>
-              <a:t>"John"</a:t>
-            </a:r>
-            <a:r>
-              <a:rPr lang="de-DE" altLang="de-DE" sz="1600" dirty="0">
-                <a:solidFill>
-                  <a:srgbClr val="000000"/>
-                </a:solidFill>
-                <a:latin typeface="Consolas" panose="020B0609020204030204" pitchFamily="49" charset="0"/>
-                <a:cs typeface="Consolas" panose="020B0609020204030204" pitchFamily="49" charset="0"/>
-              </a:rPr>
-              <a:t>, </a:t>
-            </a:r>
-            <a:r>
-              <a:rPr lang="de-DE" altLang="de-DE" sz="1600" b="1" dirty="0">
-                <a:solidFill>
-                  <a:srgbClr val="008000"/>
-                </a:solidFill>
-                <a:latin typeface="Consolas" panose="020B0609020204030204" pitchFamily="49" charset="0"/>
-                <a:cs typeface="Consolas" panose="020B0609020204030204" pitchFamily="49" charset="0"/>
-              </a:rPr>
-              <a:t>"Smith"</a:t>
-            </a:r>
-            <a:r>
-              <a:rPr lang="de-DE" altLang="de-DE" sz="1600" dirty="0">
-                <a:solidFill>
-                  <a:srgbClr val="000000"/>
-                </a:solidFill>
-                <a:latin typeface="Consolas" panose="020B0609020204030204" pitchFamily="49" charset="0"/>
-                <a:cs typeface="Consolas" panose="020B0609020204030204" pitchFamily="49" charset="0"/>
-              </a:rPr>
-              <a:t>);</a:t>
-            </a:r>
-            <a:br>
-              <a:rPr lang="de-DE" altLang="de-DE" sz="1600" dirty="0">
-                <a:solidFill>
-                  <a:srgbClr val="000000"/>
-                </a:solidFill>
-                <a:latin typeface="Consolas" panose="020B0609020204030204" pitchFamily="49" charset="0"/>
-                <a:cs typeface="Consolas" panose="020B0609020204030204" pitchFamily="49" charset="0"/>
-              </a:rPr>
-            </a:br>
-            <a:r>
-              <a:rPr lang="de-DE" altLang="de-DE" sz="1600" dirty="0" err="1">
-                <a:solidFill>
-                  <a:srgbClr val="000000"/>
-                </a:solidFill>
-                <a:latin typeface="Consolas" panose="020B0609020204030204" pitchFamily="49" charset="0"/>
-                <a:cs typeface="Consolas" panose="020B0609020204030204" pitchFamily="49" charset="0"/>
-              </a:rPr>
-              <a:t>setDefaultModel</a:t>
-            </a:r>
-            <a:r>
-              <a:rPr lang="de-DE" altLang="de-DE" sz="1600" dirty="0">
-                <a:solidFill>
-                  <a:srgbClr val="000000"/>
-                </a:solidFill>
-                <a:latin typeface="Consolas" panose="020B0609020204030204" pitchFamily="49" charset="0"/>
-                <a:cs typeface="Consolas" panose="020B0609020204030204" pitchFamily="49" charset="0"/>
-              </a:rPr>
-              <a:t>(</a:t>
-            </a:r>
-            <a:r>
-              <a:rPr lang="de-DE" altLang="de-DE" sz="1600" b="1" dirty="0" err="1">
-                <a:solidFill>
-                  <a:srgbClr val="000080"/>
-                </a:solidFill>
-                <a:latin typeface="Consolas" panose="020B0609020204030204" pitchFamily="49" charset="0"/>
-                <a:cs typeface="Consolas" panose="020B0609020204030204" pitchFamily="49" charset="0"/>
-              </a:rPr>
-              <a:t>new</a:t>
-            </a:r>
-            <a:r>
-              <a:rPr lang="de-DE" altLang="de-DE" sz="1600" b="1" dirty="0">
-                <a:solidFill>
-                  <a:srgbClr val="000080"/>
-                </a:solidFill>
-                <a:latin typeface="Consolas" panose="020B0609020204030204" pitchFamily="49" charset="0"/>
-                <a:cs typeface="Consolas" panose="020B0609020204030204" pitchFamily="49" charset="0"/>
-              </a:rPr>
-              <a:t> </a:t>
-            </a:r>
-            <a:r>
-              <a:rPr lang="de-DE" altLang="de-DE" sz="1600" dirty="0" err="1">
-                <a:solidFill>
-                  <a:srgbClr val="000000"/>
-                </a:solidFill>
-                <a:latin typeface="Consolas" panose="020B0609020204030204" pitchFamily="49" charset="0"/>
-                <a:cs typeface="Consolas" panose="020B0609020204030204" pitchFamily="49" charset="0"/>
-              </a:rPr>
-              <a:t>CompoundPropertyModel</a:t>
-            </a:r>
-            <a:r>
-              <a:rPr lang="de-DE" altLang="de-DE" sz="1600" dirty="0">
-                <a:solidFill>
-                  <a:srgbClr val="000000"/>
-                </a:solidFill>
-                <a:latin typeface="Consolas" panose="020B0609020204030204" pitchFamily="49" charset="0"/>
-                <a:cs typeface="Consolas" panose="020B0609020204030204" pitchFamily="49" charset="0"/>
-              </a:rPr>
-              <a:t>(</a:t>
-            </a:r>
-            <a:r>
-              <a:rPr lang="de-DE" altLang="de-DE" sz="1600" dirty="0" err="1">
-                <a:solidFill>
-                  <a:srgbClr val="000000"/>
-                </a:solidFill>
-                <a:latin typeface="Consolas" panose="020B0609020204030204" pitchFamily="49" charset="0"/>
-                <a:cs typeface="Consolas" panose="020B0609020204030204" pitchFamily="49" charset="0"/>
-              </a:rPr>
-              <a:t>person</a:t>
-            </a:r>
-            <a:r>
-              <a:rPr lang="de-DE" altLang="de-DE" sz="1600" dirty="0">
-                <a:solidFill>
-                  <a:srgbClr val="000000"/>
-                </a:solidFill>
-                <a:latin typeface="Consolas" panose="020B0609020204030204" pitchFamily="49" charset="0"/>
-                <a:cs typeface="Consolas" panose="020B0609020204030204" pitchFamily="49" charset="0"/>
-              </a:rPr>
-              <a:t>));</a:t>
-            </a:r>
-            <a:br>
-              <a:rPr lang="de-DE" altLang="de-DE" sz="1600" dirty="0">
-                <a:solidFill>
-                  <a:srgbClr val="000000"/>
-                </a:solidFill>
-                <a:latin typeface="Consolas" panose="020B0609020204030204" pitchFamily="49" charset="0"/>
-                <a:cs typeface="Consolas" panose="020B0609020204030204" pitchFamily="49" charset="0"/>
-              </a:rPr>
-            </a:br>
-            <a:br>
-              <a:rPr lang="de-DE" altLang="de-DE" sz="1600" dirty="0">
-                <a:solidFill>
-                  <a:srgbClr val="000000"/>
-                </a:solidFill>
-                <a:latin typeface="Consolas" panose="020B0609020204030204" pitchFamily="49" charset="0"/>
-                <a:cs typeface="Consolas" panose="020B0609020204030204" pitchFamily="49" charset="0"/>
-              </a:rPr>
-            </a:br>
-            <a:r>
-              <a:rPr lang="de-DE" altLang="de-DE" sz="1600" dirty="0" err="1">
-                <a:solidFill>
-                  <a:srgbClr val="000000"/>
-                </a:solidFill>
-                <a:latin typeface="Consolas" panose="020B0609020204030204" pitchFamily="49" charset="0"/>
-                <a:cs typeface="Consolas" panose="020B0609020204030204" pitchFamily="49" charset="0"/>
-              </a:rPr>
-              <a:t>add</a:t>
-            </a:r>
-            <a:r>
-              <a:rPr lang="de-DE" altLang="de-DE" sz="1600" dirty="0">
-                <a:solidFill>
-                  <a:srgbClr val="000000"/>
-                </a:solidFill>
-                <a:latin typeface="Consolas" panose="020B0609020204030204" pitchFamily="49" charset="0"/>
-                <a:cs typeface="Consolas" panose="020B0609020204030204" pitchFamily="49" charset="0"/>
-              </a:rPr>
-              <a:t>(</a:t>
-            </a:r>
-            <a:r>
-              <a:rPr lang="de-DE" altLang="de-DE" sz="1600" b="1" dirty="0" err="1">
-                <a:solidFill>
-                  <a:srgbClr val="000080"/>
-                </a:solidFill>
-                <a:latin typeface="Consolas" panose="020B0609020204030204" pitchFamily="49" charset="0"/>
-                <a:cs typeface="Consolas" panose="020B0609020204030204" pitchFamily="49" charset="0"/>
-              </a:rPr>
-              <a:t>new</a:t>
-            </a:r>
-            <a:r>
-              <a:rPr lang="de-DE" altLang="de-DE" sz="1600" b="1" dirty="0">
-                <a:solidFill>
-                  <a:srgbClr val="000080"/>
-                </a:solidFill>
-                <a:latin typeface="Consolas" panose="020B0609020204030204" pitchFamily="49" charset="0"/>
-                <a:cs typeface="Consolas" panose="020B0609020204030204" pitchFamily="49" charset="0"/>
-              </a:rPr>
-              <a:t> </a:t>
-            </a:r>
-            <a:r>
-              <a:rPr lang="de-DE" altLang="de-DE" sz="1600" dirty="0">
-                <a:solidFill>
-                  <a:srgbClr val="000000"/>
-                </a:solidFill>
-                <a:latin typeface="Consolas" panose="020B0609020204030204" pitchFamily="49" charset="0"/>
-                <a:cs typeface="Consolas" panose="020B0609020204030204" pitchFamily="49" charset="0"/>
-              </a:rPr>
-              <a:t>Label(</a:t>
-            </a:r>
-            <a:r>
-              <a:rPr lang="de-DE" altLang="de-DE" sz="1600" b="1" dirty="0">
-                <a:solidFill>
-                  <a:srgbClr val="008000"/>
-                </a:solidFill>
-                <a:latin typeface="Consolas" panose="020B0609020204030204" pitchFamily="49" charset="0"/>
-                <a:cs typeface="Consolas" panose="020B0609020204030204" pitchFamily="49" charset="0"/>
-              </a:rPr>
-              <a:t>"</a:t>
-            </a:r>
-            <a:r>
-              <a:rPr lang="de-DE" altLang="de-DE" sz="1600" b="1" dirty="0" err="1">
-                <a:solidFill>
-                  <a:srgbClr val="008000"/>
-                </a:solidFill>
-                <a:latin typeface="Consolas" panose="020B0609020204030204" pitchFamily="49" charset="0"/>
-                <a:cs typeface="Consolas" panose="020B0609020204030204" pitchFamily="49" charset="0"/>
-              </a:rPr>
-              <a:t>name</a:t>
-            </a:r>
-            <a:r>
-              <a:rPr lang="de-DE" altLang="de-DE" sz="1600" b="1" dirty="0">
-                <a:solidFill>
-                  <a:srgbClr val="008000"/>
-                </a:solidFill>
-                <a:latin typeface="Consolas" panose="020B0609020204030204" pitchFamily="49" charset="0"/>
-                <a:cs typeface="Consolas" panose="020B0609020204030204" pitchFamily="49" charset="0"/>
-              </a:rPr>
-              <a:t>"</a:t>
-            </a:r>
-            <a:r>
-              <a:rPr lang="de-DE" altLang="de-DE" sz="1600" dirty="0">
-                <a:solidFill>
-                  <a:srgbClr val="000000"/>
-                </a:solidFill>
-                <a:latin typeface="Consolas" panose="020B0609020204030204" pitchFamily="49" charset="0"/>
-                <a:cs typeface="Consolas" panose="020B0609020204030204" pitchFamily="49" charset="0"/>
-              </a:rPr>
-              <a:t>));</a:t>
-            </a:r>
-            <a:br>
-              <a:rPr lang="de-DE" altLang="de-DE" sz="1600" dirty="0">
-                <a:solidFill>
-                  <a:srgbClr val="000000"/>
-                </a:solidFill>
-                <a:latin typeface="Consolas" panose="020B0609020204030204" pitchFamily="49" charset="0"/>
-                <a:cs typeface="Consolas" panose="020B0609020204030204" pitchFamily="49" charset="0"/>
-              </a:rPr>
-            </a:br>
-            <a:r>
-              <a:rPr lang="de-DE" altLang="de-DE" sz="1600" dirty="0" err="1">
-                <a:solidFill>
-                  <a:srgbClr val="000000"/>
-                </a:solidFill>
-                <a:latin typeface="Consolas" panose="020B0609020204030204" pitchFamily="49" charset="0"/>
-                <a:cs typeface="Consolas" panose="020B0609020204030204" pitchFamily="49" charset="0"/>
-              </a:rPr>
-              <a:t>add</a:t>
-            </a:r>
-            <a:r>
-              <a:rPr lang="de-DE" altLang="de-DE" sz="1600" dirty="0">
-                <a:solidFill>
-                  <a:srgbClr val="000000"/>
-                </a:solidFill>
-                <a:latin typeface="Consolas" panose="020B0609020204030204" pitchFamily="49" charset="0"/>
-                <a:cs typeface="Consolas" panose="020B0609020204030204" pitchFamily="49" charset="0"/>
-              </a:rPr>
-              <a:t>(</a:t>
-            </a:r>
-            <a:r>
-              <a:rPr lang="de-DE" altLang="de-DE" sz="1600" b="1" dirty="0" err="1">
-                <a:solidFill>
-                  <a:srgbClr val="000080"/>
-                </a:solidFill>
-                <a:latin typeface="Consolas" panose="020B0609020204030204" pitchFamily="49" charset="0"/>
-                <a:cs typeface="Consolas" panose="020B0609020204030204" pitchFamily="49" charset="0"/>
-              </a:rPr>
-              <a:t>new</a:t>
-            </a:r>
-            <a:r>
-              <a:rPr lang="de-DE" altLang="de-DE" sz="1600" b="1" dirty="0">
-                <a:solidFill>
-                  <a:srgbClr val="000080"/>
-                </a:solidFill>
-                <a:latin typeface="Consolas" panose="020B0609020204030204" pitchFamily="49" charset="0"/>
-                <a:cs typeface="Consolas" panose="020B0609020204030204" pitchFamily="49" charset="0"/>
-              </a:rPr>
-              <a:t> </a:t>
-            </a:r>
-            <a:r>
-              <a:rPr lang="de-DE" altLang="de-DE" sz="1600" dirty="0">
-                <a:solidFill>
-                  <a:srgbClr val="000000"/>
-                </a:solidFill>
-                <a:latin typeface="Consolas" panose="020B0609020204030204" pitchFamily="49" charset="0"/>
-                <a:cs typeface="Consolas" panose="020B0609020204030204" pitchFamily="49" charset="0"/>
-              </a:rPr>
-              <a:t>Label(</a:t>
-            </a:r>
-            <a:r>
-              <a:rPr lang="de-DE" altLang="de-DE" sz="1600" b="1" dirty="0">
-                <a:solidFill>
-                  <a:srgbClr val="008000"/>
-                </a:solidFill>
-                <a:latin typeface="Consolas" panose="020B0609020204030204" pitchFamily="49" charset="0"/>
-                <a:cs typeface="Consolas" panose="020B0609020204030204" pitchFamily="49" charset="0"/>
-              </a:rPr>
-              <a:t>"</a:t>
-            </a:r>
-            <a:r>
-              <a:rPr lang="de-DE" altLang="de-DE" sz="1600" b="1" dirty="0" err="1">
-                <a:solidFill>
-                  <a:srgbClr val="008000"/>
-                </a:solidFill>
-                <a:latin typeface="Consolas" panose="020B0609020204030204" pitchFamily="49" charset="0"/>
-                <a:cs typeface="Consolas" panose="020B0609020204030204" pitchFamily="49" charset="0"/>
-              </a:rPr>
-              <a:t>surname</a:t>
-            </a:r>
-            <a:r>
-              <a:rPr lang="de-DE" altLang="de-DE" sz="1600" b="1" dirty="0">
-                <a:solidFill>
-                  <a:srgbClr val="008000"/>
-                </a:solidFill>
-                <a:latin typeface="Consolas" panose="020B0609020204030204" pitchFamily="49" charset="0"/>
-                <a:cs typeface="Consolas" panose="020B0609020204030204" pitchFamily="49" charset="0"/>
-              </a:rPr>
-              <a:t>"</a:t>
-            </a:r>
-            <a:r>
-              <a:rPr lang="de-DE" altLang="de-DE" sz="1600" dirty="0">
-                <a:solidFill>
-                  <a:srgbClr val="000000"/>
-                </a:solidFill>
-                <a:latin typeface="Consolas" panose="020B0609020204030204" pitchFamily="49" charset="0"/>
-                <a:cs typeface="Consolas" panose="020B0609020204030204" pitchFamily="49" charset="0"/>
-              </a:rPr>
-              <a:t>));</a:t>
-            </a:r>
-            <a:br>
-              <a:rPr lang="de-DE" altLang="de-DE" sz="1600" dirty="0">
-                <a:solidFill>
-                  <a:srgbClr val="000000"/>
-                </a:solidFill>
-                <a:latin typeface="Consolas" panose="020B0609020204030204" pitchFamily="49" charset="0"/>
-                <a:cs typeface="Consolas" panose="020B0609020204030204" pitchFamily="49" charset="0"/>
-              </a:rPr>
-            </a:br>
-            <a:r>
-              <a:rPr lang="de-DE" altLang="de-DE" sz="1600" dirty="0" err="1">
-                <a:solidFill>
-                  <a:srgbClr val="000000"/>
-                </a:solidFill>
-                <a:latin typeface="Consolas" panose="020B0609020204030204" pitchFamily="49" charset="0"/>
-                <a:cs typeface="Consolas" panose="020B0609020204030204" pitchFamily="49" charset="0"/>
-              </a:rPr>
-              <a:t>add</a:t>
-            </a:r>
-            <a:r>
-              <a:rPr lang="de-DE" altLang="de-DE" sz="1600" dirty="0">
-                <a:solidFill>
-                  <a:srgbClr val="000000"/>
-                </a:solidFill>
-                <a:latin typeface="Consolas" panose="020B0609020204030204" pitchFamily="49" charset="0"/>
-                <a:cs typeface="Consolas" panose="020B0609020204030204" pitchFamily="49" charset="0"/>
-              </a:rPr>
-              <a:t>(</a:t>
-            </a:r>
-            <a:r>
-              <a:rPr lang="de-DE" altLang="de-DE" sz="1600" b="1" dirty="0" err="1">
-                <a:solidFill>
-                  <a:srgbClr val="000080"/>
-                </a:solidFill>
-                <a:latin typeface="Consolas" panose="020B0609020204030204" pitchFamily="49" charset="0"/>
-                <a:cs typeface="Consolas" panose="020B0609020204030204" pitchFamily="49" charset="0"/>
-              </a:rPr>
-              <a:t>new</a:t>
-            </a:r>
-            <a:r>
-              <a:rPr lang="de-DE" altLang="de-DE" sz="1600" b="1" dirty="0">
-                <a:solidFill>
-                  <a:srgbClr val="000080"/>
-                </a:solidFill>
-                <a:latin typeface="Consolas" panose="020B0609020204030204" pitchFamily="49" charset="0"/>
-                <a:cs typeface="Consolas" panose="020B0609020204030204" pitchFamily="49" charset="0"/>
-              </a:rPr>
-              <a:t> </a:t>
-            </a:r>
-            <a:r>
-              <a:rPr lang="de-DE" altLang="de-DE" sz="1600" dirty="0">
-                <a:solidFill>
-                  <a:srgbClr val="000000"/>
-                </a:solidFill>
-                <a:latin typeface="Consolas" panose="020B0609020204030204" pitchFamily="49" charset="0"/>
-                <a:cs typeface="Consolas" panose="020B0609020204030204" pitchFamily="49" charset="0"/>
-              </a:rPr>
-              <a:t>Label(</a:t>
-            </a:r>
-            <a:r>
-              <a:rPr lang="de-DE" altLang="de-DE" sz="1600" b="1" dirty="0">
-                <a:solidFill>
-                  <a:srgbClr val="008000"/>
-                </a:solidFill>
-                <a:latin typeface="Consolas" panose="020B0609020204030204" pitchFamily="49" charset="0"/>
-                <a:cs typeface="Consolas" panose="020B0609020204030204" pitchFamily="49" charset="0"/>
-              </a:rPr>
-              <a:t>"</a:t>
-            </a:r>
-            <a:r>
-              <a:rPr lang="de-DE" altLang="de-DE" sz="1600" b="1" dirty="0" err="1">
-                <a:solidFill>
-                  <a:srgbClr val="008000"/>
-                </a:solidFill>
-                <a:latin typeface="Consolas" panose="020B0609020204030204" pitchFamily="49" charset="0"/>
-                <a:cs typeface="Consolas" panose="020B0609020204030204" pitchFamily="49" charset="0"/>
-              </a:rPr>
-              <a:t>address</a:t>
-            </a:r>
-            <a:r>
-              <a:rPr lang="de-DE" altLang="de-DE" sz="1600" b="1" dirty="0">
-                <a:solidFill>
-                  <a:srgbClr val="008000"/>
-                </a:solidFill>
-                <a:latin typeface="Consolas" panose="020B0609020204030204" pitchFamily="49" charset="0"/>
-                <a:cs typeface="Consolas" panose="020B0609020204030204" pitchFamily="49" charset="0"/>
-              </a:rPr>
-              <a:t>"</a:t>
-            </a:r>
-            <a:r>
-              <a:rPr lang="de-DE" altLang="de-DE" sz="1600" dirty="0">
-                <a:solidFill>
-                  <a:srgbClr val="000000"/>
-                </a:solidFill>
-                <a:latin typeface="Consolas" panose="020B0609020204030204" pitchFamily="49" charset="0"/>
-                <a:cs typeface="Consolas" panose="020B0609020204030204" pitchFamily="49" charset="0"/>
-              </a:rPr>
-              <a:t>));</a:t>
-            </a:r>
-            <a:br>
-              <a:rPr lang="de-DE" altLang="de-DE" sz="1600" dirty="0">
-                <a:solidFill>
-                  <a:srgbClr val="000000"/>
-                </a:solidFill>
-                <a:latin typeface="Consolas" panose="020B0609020204030204" pitchFamily="49" charset="0"/>
-                <a:cs typeface="Consolas" panose="020B0609020204030204" pitchFamily="49" charset="0"/>
-              </a:rPr>
-            </a:br>
-            <a:r>
-              <a:rPr lang="de-DE" altLang="de-DE" sz="1600" dirty="0" err="1">
-                <a:solidFill>
-                  <a:srgbClr val="000000"/>
-                </a:solidFill>
-                <a:latin typeface="Consolas" panose="020B0609020204030204" pitchFamily="49" charset="0"/>
-                <a:cs typeface="Consolas" panose="020B0609020204030204" pitchFamily="49" charset="0"/>
-              </a:rPr>
-              <a:t>add</a:t>
-            </a:r>
-            <a:r>
-              <a:rPr lang="de-DE" altLang="de-DE" sz="1600" dirty="0">
-                <a:solidFill>
-                  <a:srgbClr val="000000"/>
-                </a:solidFill>
-                <a:latin typeface="Consolas" panose="020B0609020204030204" pitchFamily="49" charset="0"/>
-                <a:cs typeface="Consolas" panose="020B0609020204030204" pitchFamily="49" charset="0"/>
-              </a:rPr>
-              <a:t>(</a:t>
-            </a:r>
-            <a:r>
-              <a:rPr lang="de-DE" altLang="de-DE" sz="1600" b="1" dirty="0" err="1">
-                <a:solidFill>
-                  <a:srgbClr val="000080"/>
-                </a:solidFill>
-                <a:latin typeface="Consolas" panose="020B0609020204030204" pitchFamily="49" charset="0"/>
-                <a:cs typeface="Consolas" panose="020B0609020204030204" pitchFamily="49" charset="0"/>
-              </a:rPr>
-              <a:t>new</a:t>
-            </a:r>
-            <a:r>
-              <a:rPr lang="de-DE" altLang="de-DE" sz="1600" b="1" dirty="0">
-                <a:solidFill>
-                  <a:srgbClr val="000080"/>
-                </a:solidFill>
-                <a:latin typeface="Consolas" panose="020B0609020204030204" pitchFamily="49" charset="0"/>
-                <a:cs typeface="Consolas" panose="020B0609020204030204" pitchFamily="49" charset="0"/>
-              </a:rPr>
-              <a:t> </a:t>
-            </a:r>
-            <a:r>
-              <a:rPr lang="de-DE" altLang="de-DE" sz="1600" dirty="0">
-                <a:solidFill>
-                  <a:srgbClr val="000000"/>
-                </a:solidFill>
-                <a:latin typeface="Consolas" panose="020B0609020204030204" pitchFamily="49" charset="0"/>
-                <a:cs typeface="Consolas" panose="020B0609020204030204" pitchFamily="49" charset="0"/>
-              </a:rPr>
-              <a:t>Label(</a:t>
-            </a:r>
-            <a:r>
-              <a:rPr lang="de-DE" altLang="de-DE" sz="1600" b="1" dirty="0">
-                <a:solidFill>
-                  <a:srgbClr val="008000"/>
-                </a:solidFill>
-                <a:latin typeface="Consolas" panose="020B0609020204030204" pitchFamily="49" charset="0"/>
-                <a:cs typeface="Consolas" panose="020B0609020204030204" pitchFamily="49" charset="0"/>
-              </a:rPr>
-              <a:t>"email"</a:t>
-            </a:r>
-            <a:r>
-              <a:rPr lang="de-DE" altLang="de-DE" sz="1600" dirty="0">
-                <a:solidFill>
-                  <a:srgbClr val="000000"/>
-                </a:solidFill>
-                <a:latin typeface="Consolas" panose="020B0609020204030204" pitchFamily="49" charset="0"/>
-                <a:cs typeface="Consolas" panose="020B0609020204030204" pitchFamily="49" charset="0"/>
-              </a:rPr>
-              <a:t>));</a:t>
-            </a:r>
-            <a:br>
-              <a:rPr lang="de-DE" altLang="de-DE" sz="1600" dirty="0">
-                <a:solidFill>
-                  <a:srgbClr val="000000"/>
-                </a:solidFill>
-                <a:latin typeface="Consolas" panose="020B0609020204030204" pitchFamily="49" charset="0"/>
-                <a:cs typeface="Consolas" panose="020B0609020204030204" pitchFamily="49" charset="0"/>
-              </a:rPr>
-            </a:br>
-            <a:r>
-              <a:rPr lang="de-DE" altLang="de-DE" sz="1600" dirty="0" err="1">
-                <a:solidFill>
-                  <a:srgbClr val="000000"/>
-                </a:solidFill>
-                <a:latin typeface="Consolas" panose="020B0609020204030204" pitchFamily="49" charset="0"/>
-                <a:cs typeface="Consolas" panose="020B0609020204030204" pitchFamily="49" charset="0"/>
-              </a:rPr>
-              <a:t>add</a:t>
-            </a:r>
-            <a:r>
-              <a:rPr lang="de-DE" altLang="de-DE" sz="1600" dirty="0">
-                <a:solidFill>
-                  <a:srgbClr val="000000"/>
-                </a:solidFill>
-                <a:latin typeface="Consolas" panose="020B0609020204030204" pitchFamily="49" charset="0"/>
-                <a:cs typeface="Consolas" panose="020B0609020204030204" pitchFamily="49" charset="0"/>
-              </a:rPr>
-              <a:t>(</a:t>
-            </a:r>
-            <a:r>
-              <a:rPr lang="de-DE" altLang="de-DE" sz="1600" b="1" dirty="0" err="1">
-                <a:solidFill>
-                  <a:srgbClr val="000080"/>
-                </a:solidFill>
-                <a:latin typeface="Consolas" panose="020B0609020204030204" pitchFamily="49" charset="0"/>
-                <a:cs typeface="Consolas" panose="020B0609020204030204" pitchFamily="49" charset="0"/>
-              </a:rPr>
-              <a:t>new</a:t>
-            </a:r>
-            <a:r>
-              <a:rPr lang="de-DE" altLang="de-DE" sz="1600" b="1" dirty="0">
-                <a:solidFill>
-                  <a:srgbClr val="000080"/>
-                </a:solidFill>
-                <a:latin typeface="Consolas" panose="020B0609020204030204" pitchFamily="49" charset="0"/>
-                <a:cs typeface="Consolas" panose="020B0609020204030204" pitchFamily="49" charset="0"/>
-              </a:rPr>
-              <a:t> </a:t>
-            </a:r>
-            <a:r>
-              <a:rPr lang="de-DE" altLang="de-DE" sz="1600" dirty="0">
-                <a:solidFill>
-                  <a:srgbClr val="000000"/>
-                </a:solidFill>
-                <a:latin typeface="Consolas" panose="020B0609020204030204" pitchFamily="49" charset="0"/>
-                <a:cs typeface="Consolas" panose="020B0609020204030204" pitchFamily="49" charset="0"/>
-              </a:rPr>
-              <a:t>Label(</a:t>
-            </a:r>
-            <a:r>
-              <a:rPr lang="de-DE" altLang="de-DE" sz="1600" b="1" dirty="0">
-                <a:solidFill>
-                  <a:srgbClr val="008000"/>
-                </a:solidFill>
-                <a:latin typeface="Consolas" panose="020B0609020204030204" pitchFamily="49" charset="0"/>
-                <a:cs typeface="Consolas" panose="020B0609020204030204" pitchFamily="49" charset="0"/>
-              </a:rPr>
-              <a:t>"spouse.name"</a:t>
-            </a:r>
-            <a:r>
-              <a:rPr lang="de-DE" altLang="de-DE" sz="1600" dirty="0">
-                <a:solidFill>
-                  <a:srgbClr val="000000"/>
-                </a:solidFill>
-                <a:latin typeface="Consolas" panose="020B0609020204030204" pitchFamily="49" charset="0"/>
-                <a:cs typeface="Consolas" panose="020B0609020204030204" pitchFamily="49" charset="0"/>
-              </a:rPr>
-              <a:t>));</a:t>
-            </a:r>
-            <a:endParaRPr lang="de-DE" altLang="de-DE" sz="3600" dirty="0">
-              <a:latin typeface="Consolas" panose="020B0609020204030204" pitchFamily="49" charset="0"/>
-              <a:cs typeface="Consolas" panose="020B0609020204030204" pitchFamily="49" charset="0"/>
-            </a:endParaRPr>
+            <a:r>
+              <a:rPr lang="de-DE" sz="2000" dirty="0"/>
+              <a:t>Implementiert </a:t>
+            </a:r>
+            <a:r>
+              <a:rPr lang="de-DE" sz="2000" i="1" dirty="0" err="1"/>
+              <a:t>IComponentInheritedModel</a:t>
+            </a:r>
+            <a:endParaRPr lang="de-DE" sz="2000" i="1" dirty="0"/>
+          </a:p>
+          <a:p>
+            <a:r>
+              <a:rPr lang="de-DE" sz="2000" dirty="0"/>
+              <a:t>Bindung üblicherweise an Container</a:t>
+            </a:r>
+            <a:endParaRPr lang="de-DE" sz="2000" i="1" dirty="0"/>
+          </a:p>
+          <a:p>
+            <a:r>
+              <a:rPr lang="de-DE" sz="2000" dirty="0"/>
+              <a:t>Funktion</a:t>
+            </a:r>
+          </a:p>
+          <a:p>
+            <a:pPr lvl="1"/>
+            <a:r>
+              <a:rPr lang="de-DE" sz="1600" dirty="0"/>
+              <a:t>Fungiert als „</a:t>
+            </a:r>
+            <a:r>
+              <a:rPr lang="de-DE" sz="1600" dirty="0" err="1"/>
+              <a:t>PropertyModelFactory</a:t>
+            </a:r>
+            <a:r>
+              <a:rPr lang="de-DE" sz="1600" dirty="0"/>
+              <a:t>“</a:t>
+            </a:r>
+          </a:p>
+          <a:p>
+            <a:pPr lvl="1"/>
+            <a:r>
+              <a:rPr lang="de-DE" sz="1600" dirty="0"/>
+              <a:t>ID der Komponenten-Nachfahren bestimmt Name der Property</a:t>
+            </a:r>
           </a:p>
         </p:txBody>
       </p:sp>
@@ -9988,7 +9904,7 @@
     </p:spTree>
     <p:extLst>
       <p:ext uri="{BB962C8B-B14F-4D97-AF65-F5344CB8AC3E}">
-        <p14:creationId xmlns:p14="http://schemas.microsoft.com/office/powerpoint/2010/main" val="2552299915"/>
+        <p14:creationId xmlns:p14="http://schemas.microsoft.com/office/powerpoint/2010/main" val="3774607153"/>
       </p:ext>
     </p:extLst>
   </p:cSld>
@@ -10040,57 +9956,1073 @@
             </a:pPr>
             <a:r>
               <a:rPr lang="de-DE" sz="2000" b="1" dirty="0" err="1"/>
-              <a:t>Detachable</a:t>
+              <a:t>PropertyModel</a:t>
             </a:r>
             <a:r>
               <a:rPr lang="de-DE" sz="2000" b="1" dirty="0"/>
-              <a:t> Models</a:t>
-            </a:r>
-          </a:p>
-          <a:p>
-            <a:r>
-              <a:rPr lang="de-DE" sz="2000" dirty="0" err="1"/>
-              <a:t>Serialisierung</a:t>
-            </a:r>
-            <a:r>
-              <a:rPr lang="de-DE" sz="2000" dirty="0"/>
-              <a:t> von Models zusammen mit Pages</a:t>
-            </a:r>
-          </a:p>
-          <a:p>
-            <a:r>
-              <a:rPr lang="de-DE" sz="2000" dirty="0"/>
-              <a:t>Probleme bei unbekannten Datenobjekten</a:t>
-            </a:r>
-          </a:p>
-          <a:p>
-            <a:pPr lvl="1"/>
-            <a:r>
-              <a:rPr lang="de-DE" sz="1600" dirty="0"/>
-              <a:t>Größe</a:t>
-            </a:r>
-          </a:p>
-          <a:p>
-            <a:pPr lvl="1"/>
-            <a:r>
-              <a:rPr lang="de-DE" sz="1600" dirty="0" err="1"/>
-              <a:t>Serialisierbarkeit</a:t>
-            </a:r>
-            <a:endParaRPr lang="de-DE" sz="1600" dirty="0"/>
-          </a:p>
-          <a:p>
-            <a:r>
-              <a:rPr lang="de-DE" sz="2000" dirty="0"/>
-              <a:t>Lösung: Datenobjekte vor </a:t>
-            </a:r>
-            <a:r>
-              <a:rPr lang="de-DE" sz="2000" dirty="0" err="1"/>
-              <a:t>Serialisierung</a:t>
-            </a:r>
-            <a:r>
-              <a:rPr lang="de-DE" sz="2000" dirty="0"/>
-              <a:t> aushängen (z.B. in DB)</a:t>
-            </a:r>
+              <a:t> und…</a:t>
+            </a:r>
+          </a:p>
+          <a:p>
+            <a:pPr marL="0" indent="0">
+              <a:buNone/>
+            </a:pPr>
+            <a:endParaRPr lang="de-DE" sz="2000" b="1" dirty="0"/>
+          </a:p>
+          <a:p>
+            <a:pPr marL="0" lvl="0" indent="0">
+              <a:buNone/>
+            </a:pPr>
+            <a:r>
+              <a:rPr lang="de-DE" altLang="de-DE" sz="1600" dirty="0">
+                <a:solidFill>
+                  <a:srgbClr val="000000"/>
+                </a:solidFill>
+                <a:latin typeface="Consolas" panose="020B0609020204030204" pitchFamily="49" charset="0"/>
+                <a:cs typeface="Consolas" panose="020B0609020204030204" pitchFamily="49" charset="0"/>
+              </a:rPr>
+              <a:t>Person </a:t>
+            </a:r>
+            <a:r>
+              <a:rPr lang="de-DE" altLang="de-DE" sz="1600" dirty="0" err="1">
+                <a:solidFill>
+                  <a:srgbClr val="000000"/>
+                </a:solidFill>
+                <a:latin typeface="Consolas" panose="020B0609020204030204" pitchFamily="49" charset="0"/>
+                <a:cs typeface="Consolas" panose="020B0609020204030204" pitchFamily="49" charset="0"/>
+              </a:rPr>
+              <a:t>person</a:t>
+            </a:r>
+            <a:r>
+              <a:rPr lang="de-DE" altLang="de-DE" sz="1600" dirty="0">
+                <a:solidFill>
+                  <a:srgbClr val="000000"/>
+                </a:solidFill>
+                <a:latin typeface="Consolas" panose="020B0609020204030204" pitchFamily="49" charset="0"/>
+                <a:cs typeface="Consolas" panose="020B0609020204030204" pitchFamily="49" charset="0"/>
+              </a:rPr>
+              <a:t> = </a:t>
+            </a:r>
+            <a:r>
+              <a:rPr lang="de-DE" altLang="de-DE" sz="1600" b="1" dirty="0" err="1">
+                <a:solidFill>
+                  <a:srgbClr val="000080"/>
+                </a:solidFill>
+                <a:latin typeface="Consolas" panose="020B0609020204030204" pitchFamily="49" charset="0"/>
+                <a:cs typeface="Consolas" panose="020B0609020204030204" pitchFamily="49" charset="0"/>
+              </a:rPr>
+              <a:t>new</a:t>
+            </a:r>
+            <a:r>
+              <a:rPr lang="de-DE" altLang="de-DE" sz="1600" b="1" dirty="0">
+                <a:solidFill>
+                  <a:srgbClr val="000080"/>
+                </a:solidFill>
+                <a:latin typeface="Consolas" panose="020B0609020204030204" pitchFamily="49" charset="0"/>
+                <a:cs typeface="Consolas" panose="020B0609020204030204" pitchFamily="49" charset="0"/>
+              </a:rPr>
+              <a:t> </a:t>
+            </a:r>
+            <a:r>
+              <a:rPr lang="de-DE" altLang="de-DE" sz="1600" dirty="0">
+                <a:solidFill>
+                  <a:srgbClr val="000000"/>
+                </a:solidFill>
+                <a:latin typeface="Consolas" panose="020B0609020204030204" pitchFamily="49" charset="0"/>
+                <a:cs typeface="Consolas" panose="020B0609020204030204" pitchFamily="49" charset="0"/>
+              </a:rPr>
+              <a:t>Person(</a:t>
+            </a:r>
+            <a:r>
+              <a:rPr lang="de-DE" altLang="de-DE" sz="1600" b="1" dirty="0">
+                <a:solidFill>
+                  <a:srgbClr val="008000"/>
+                </a:solidFill>
+                <a:latin typeface="Consolas" panose="020B0609020204030204" pitchFamily="49" charset="0"/>
+                <a:cs typeface="Consolas" panose="020B0609020204030204" pitchFamily="49" charset="0"/>
+              </a:rPr>
+              <a:t>"John"</a:t>
+            </a:r>
+            <a:r>
+              <a:rPr lang="de-DE" altLang="de-DE" sz="1600" dirty="0">
+                <a:solidFill>
+                  <a:srgbClr val="000000"/>
+                </a:solidFill>
+                <a:latin typeface="Consolas" panose="020B0609020204030204" pitchFamily="49" charset="0"/>
+                <a:cs typeface="Consolas" panose="020B0609020204030204" pitchFamily="49" charset="0"/>
+              </a:rPr>
+              <a:t>, </a:t>
+            </a:r>
+            <a:r>
+              <a:rPr lang="de-DE" altLang="de-DE" sz="1600" b="1" dirty="0">
+                <a:solidFill>
+                  <a:srgbClr val="008000"/>
+                </a:solidFill>
+                <a:latin typeface="Consolas" panose="020B0609020204030204" pitchFamily="49" charset="0"/>
+                <a:cs typeface="Consolas" panose="020B0609020204030204" pitchFamily="49" charset="0"/>
+              </a:rPr>
+              <a:t>"Smith"</a:t>
+            </a:r>
+            <a:r>
+              <a:rPr lang="de-DE" altLang="de-DE" sz="1600" dirty="0">
+                <a:solidFill>
+                  <a:srgbClr val="000000"/>
+                </a:solidFill>
+                <a:latin typeface="Consolas" panose="020B0609020204030204" pitchFamily="49" charset="0"/>
+                <a:cs typeface="Consolas" panose="020B0609020204030204" pitchFamily="49" charset="0"/>
+              </a:rPr>
+              <a:t>);</a:t>
+            </a:r>
+          </a:p>
+          <a:p>
+            <a:pPr marL="0" lvl="0" indent="0">
+              <a:buNone/>
+            </a:pPr>
+            <a:br>
+              <a:rPr lang="de-DE" altLang="de-DE" sz="1600" dirty="0">
+                <a:solidFill>
+                  <a:srgbClr val="000000"/>
+                </a:solidFill>
+                <a:latin typeface="Consolas" panose="020B0609020204030204" pitchFamily="49" charset="0"/>
+                <a:cs typeface="Consolas" panose="020B0609020204030204" pitchFamily="49" charset="0"/>
+              </a:rPr>
+            </a:br>
+            <a:r>
+              <a:rPr lang="de-DE" altLang="de-DE" sz="1600" dirty="0" err="1">
+                <a:solidFill>
+                  <a:srgbClr val="000000"/>
+                </a:solidFill>
+                <a:latin typeface="Consolas" panose="020B0609020204030204" pitchFamily="49" charset="0"/>
+                <a:cs typeface="Consolas" panose="020B0609020204030204" pitchFamily="49" charset="0"/>
+              </a:rPr>
+              <a:t>add</a:t>
+            </a:r>
+            <a:r>
+              <a:rPr lang="de-DE" altLang="de-DE" sz="1600" dirty="0">
+                <a:solidFill>
+                  <a:srgbClr val="000000"/>
+                </a:solidFill>
+                <a:latin typeface="Consolas" panose="020B0609020204030204" pitchFamily="49" charset="0"/>
+                <a:cs typeface="Consolas" panose="020B0609020204030204" pitchFamily="49" charset="0"/>
+              </a:rPr>
+              <a:t>( </a:t>
+            </a:r>
+            <a:r>
+              <a:rPr lang="de-DE" altLang="de-DE" sz="1600" b="1" dirty="0" err="1">
+                <a:solidFill>
+                  <a:srgbClr val="000080"/>
+                </a:solidFill>
+                <a:latin typeface="Consolas" panose="020B0609020204030204" pitchFamily="49" charset="0"/>
+                <a:cs typeface="Consolas" panose="020B0609020204030204" pitchFamily="49" charset="0"/>
+              </a:rPr>
+              <a:t>new</a:t>
+            </a:r>
+            <a:r>
+              <a:rPr lang="de-DE" altLang="de-DE" sz="1600" b="1" dirty="0">
+                <a:solidFill>
+                  <a:srgbClr val="000080"/>
+                </a:solidFill>
+                <a:latin typeface="Consolas" panose="020B0609020204030204" pitchFamily="49" charset="0"/>
+                <a:cs typeface="Consolas" panose="020B0609020204030204" pitchFamily="49" charset="0"/>
+              </a:rPr>
+              <a:t> </a:t>
+            </a:r>
+            <a:r>
+              <a:rPr lang="de-DE" altLang="de-DE" sz="1600" dirty="0">
+                <a:solidFill>
+                  <a:srgbClr val="000000"/>
+                </a:solidFill>
+                <a:latin typeface="Consolas" panose="020B0609020204030204" pitchFamily="49" charset="0"/>
+                <a:cs typeface="Consolas" panose="020B0609020204030204" pitchFamily="49" charset="0"/>
+              </a:rPr>
+              <a:t>Label(</a:t>
+            </a:r>
+            <a:r>
+              <a:rPr lang="de-DE" altLang="de-DE" sz="1600" b="1" dirty="0">
+                <a:solidFill>
+                  <a:srgbClr val="008000"/>
+                </a:solidFill>
+                <a:latin typeface="Consolas" panose="020B0609020204030204" pitchFamily="49" charset="0"/>
+                <a:cs typeface="Consolas" panose="020B0609020204030204" pitchFamily="49" charset="0"/>
+              </a:rPr>
+              <a:t>"</a:t>
+            </a:r>
+            <a:r>
+              <a:rPr lang="de-DE" altLang="de-DE" sz="1600" b="1" dirty="0" err="1">
+                <a:solidFill>
+                  <a:srgbClr val="008000"/>
+                </a:solidFill>
+                <a:latin typeface="Consolas" panose="020B0609020204030204" pitchFamily="49" charset="0"/>
+                <a:cs typeface="Consolas" panose="020B0609020204030204" pitchFamily="49" charset="0"/>
+              </a:rPr>
+              <a:t>name</a:t>
+            </a:r>
+            <a:r>
+              <a:rPr lang="de-DE" altLang="de-DE" sz="1600" b="1" dirty="0">
+                <a:solidFill>
+                  <a:srgbClr val="008000"/>
+                </a:solidFill>
+                <a:latin typeface="Consolas" panose="020B0609020204030204" pitchFamily="49" charset="0"/>
+                <a:cs typeface="Consolas" panose="020B0609020204030204" pitchFamily="49" charset="0"/>
+              </a:rPr>
+              <a:t>"</a:t>
+            </a:r>
+            <a:r>
+              <a:rPr lang="de-DE" altLang="de-DE" sz="1600" dirty="0">
+                <a:solidFill>
+                  <a:srgbClr val="000000"/>
+                </a:solidFill>
+                <a:latin typeface="Consolas" panose="020B0609020204030204" pitchFamily="49" charset="0"/>
+                <a:cs typeface="Consolas" panose="020B0609020204030204" pitchFamily="49" charset="0"/>
+              </a:rPr>
+              <a:t>, </a:t>
+            </a:r>
+            <a:r>
+              <a:rPr lang="de-DE" altLang="de-DE" sz="1600" b="1" dirty="0" err="1">
+                <a:solidFill>
+                  <a:srgbClr val="000080"/>
+                </a:solidFill>
+                <a:latin typeface="Consolas" panose="020B0609020204030204" pitchFamily="49" charset="0"/>
+                <a:cs typeface="Consolas" panose="020B0609020204030204" pitchFamily="49" charset="0"/>
+              </a:rPr>
+              <a:t>new</a:t>
+            </a:r>
+            <a:r>
+              <a:rPr lang="de-DE" altLang="de-DE" sz="1600" b="1" dirty="0">
+                <a:solidFill>
+                  <a:srgbClr val="000080"/>
+                </a:solidFill>
+                <a:latin typeface="Consolas" panose="020B0609020204030204" pitchFamily="49" charset="0"/>
+                <a:cs typeface="Consolas" panose="020B0609020204030204" pitchFamily="49" charset="0"/>
+              </a:rPr>
+              <a:t> </a:t>
+            </a:r>
+            <a:r>
+              <a:rPr lang="de-DE" altLang="de-DE" sz="1600" dirty="0" err="1">
+                <a:solidFill>
+                  <a:srgbClr val="000000"/>
+                </a:solidFill>
+                <a:latin typeface="Consolas" panose="020B0609020204030204" pitchFamily="49" charset="0"/>
+                <a:cs typeface="Consolas" panose="020B0609020204030204" pitchFamily="49" charset="0"/>
+              </a:rPr>
+              <a:t>PropertyModel</a:t>
+            </a:r>
+            <a:r>
+              <a:rPr lang="de-DE" altLang="de-DE" sz="1600" dirty="0">
+                <a:solidFill>
+                  <a:srgbClr val="000000"/>
+                </a:solidFill>
+                <a:latin typeface="Consolas" panose="020B0609020204030204" pitchFamily="49" charset="0"/>
+                <a:cs typeface="Consolas" panose="020B0609020204030204" pitchFamily="49" charset="0"/>
+              </a:rPr>
+              <a:t>(</a:t>
+            </a:r>
+            <a:r>
+              <a:rPr lang="de-DE" altLang="de-DE" sz="1600" dirty="0" err="1">
+                <a:solidFill>
+                  <a:srgbClr val="000000"/>
+                </a:solidFill>
+                <a:latin typeface="Consolas" panose="020B0609020204030204" pitchFamily="49" charset="0"/>
+                <a:cs typeface="Consolas" panose="020B0609020204030204" pitchFamily="49" charset="0"/>
+              </a:rPr>
+              <a:t>person</a:t>
+            </a:r>
+            <a:r>
+              <a:rPr lang="de-DE" altLang="de-DE" sz="1600" dirty="0">
+                <a:solidFill>
+                  <a:srgbClr val="000000"/>
+                </a:solidFill>
+                <a:latin typeface="Consolas" panose="020B0609020204030204" pitchFamily="49" charset="0"/>
+                <a:cs typeface="Consolas" panose="020B0609020204030204" pitchFamily="49" charset="0"/>
+              </a:rPr>
+              <a:t>, </a:t>
+            </a:r>
+            <a:r>
+              <a:rPr lang="de-DE" altLang="de-DE" sz="1600" b="1" dirty="0">
+                <a:solidFill>
+                  <a:srgbClr val="008000"/>
+                </a:solidFill>
+                <a:latin typeface="Consolas" panose="020B0609020204030204" pitchFamily="49" charset="0"/>
+                <a:cs typeface="Consolas" panose="020B0609020204030204" pitchFamily="49" charset="0"/>
+              </a:rPr>
+              <a:t>"</a:t>
+            </a:r>
+            <a:r>
+              <a:rPr lang="de-DE" altLang="de-DE" sz="1600" b="1" dirty="0" err="1">
+                <a:solidFill>
+                  <a:srgbClr val="008000"/>
+                </a:solidFill>
+                <a:latin typeface="Consolas" panose="020B0609020204030204" pitchFamily="49" charset="0"/>
+                <a:cs typeface="Consolas" panose="020B0609020204030204" pitchFamily="49" charset="0"/>
+              </a:rPr>
+              <a:t>name</a:t>
+            </a:r>
+            <a:r>
+              <a:rPr lang="de-DE" altLang="de-DE" sz="1600" b="1" dirty="0">
+                <a:solidFill>
+                  <a:srgbClr val="008000"/>
+                </a:solidFill>
+                <a:latin typeface="Consolas" panose="020B0609020204030204" pitchFamily="49" charset="0"/>
+                <a:cs typeface="Consolas" panose="020B0609020204030204" pitchFamily="49" charset="0"/>
+              </a:rPr>
+              <a:t>"</a:t>
+            </a:r>
+            <a:r>
+              <a:rPr lang="de-DE" altLang="de-DE" sz="1600" dirty="0">
+                <a:solidFill>
+                  <a:srgbClr val="000000"/>
+                </a:solidFill>
+                <a:latin typeface="Consolas" panose="020B0609020204030204" pitchFamily="49" charset="0"/>
+                <a:cs typeface="Consolas" panose="020B0609020204030204" pitchFamily="49" charset="0"/>
+              </a:rPr>
+              <a:t>)));</a:t>
+            </a:r>
+            <a:br>
+              <a:rPr lang="de-DE" altLang="de-DE" sz="1600" dirty="0">
+                <a:solidFill>
+                  <a:srgbClr val="000000"/>
+                </a:solidFill>
+                <a:latin typeface="Consolas" panose="020B0609020204030204" pitchFamily="49" charset="0"/>
+                <a:cs typeface="Consolas" panose="020B0609020204030204" pitchFamily="49" charset="0"/>
+              </a:rPr>
+            </a:br>
+            <a:r>
+              <a:rPr lang="de-DE" altLang="de-DE" sz="1600" dirty="0" err="1">
+                <a:solidFill>
+                  <a:srgbClr val="000000"/>
+                </a:solidFill>
+                <a:latin typeface="Consolas" panose="020B0609020204030204" pitchFamily="49" charset="0"/>
+                <a:cs typeface="Consolas" panose="020B0609020204030204" pitchFamily="49" charset="0"/>
+              </a:rPr>
+              <a:t>add</a:t>
+            </a:r>
+            <a:r>
+              <a:rPr lang="de-DE" altLang="de-DE" sz="1600" dirty="0">
+                <a:solidFill>
+                  <a:srgbClr val="000000"/>
+                </a:solidFill>
+                <a:latin typeface="Consolas" panose="020B0609020204030204" pitchFamily="49" charset="0"/>
+                <a:cs typeface="Consolas" panose="020B0609020204030204" pitchFamily="49" charset="0"/>
+              </a:rPr>
+              <a:t>( </a:t>
+            </a:r>
+            <a:r>
+              <a:rPr lang="de-DE" altLang="de-DE" sz="1600" b="1" dirty="0" err="1">
+                <a:solidFill>
+                  <a:srgbClr val="000080"/>
+                </a:solidFill>
+                <a:latin typeface="Consolas" panose="020B0609020204030204" pitchFamily="49" charset="0"/>
+                <a:cs typeface="Consolas" panose="020B0609020204030204" pitchFamily="49" charset="0"/>
+              </a:rPr>
+              <a:t>new</a:t>
+            </a:r>
+            <a:r>
+              <a:rPr lang="de-DE" altLang="de-DE" sz="1600" b="1" dirty="0">
+                <a:solidFill>
+                  <a:srgbClr val="000080"/>
+                </a:solidFill>
+                <a:latin typeface="Consolas" panose="020B0609020204030204" pitchFamily="49" charset="0"/>
+                <a:cs typeface="Consolas" panose="020B0609020204030204" pitchFamily="49" charset="0"/>
+              </a:rPr>
+              <a:t> </a:t>
+            </a:r>
+            <a:r>
+              <a:rPr lang="de-DE" altLang="de-DE" sz="1600" dirty="0">
+                <a:solidFill>
+                  <a:srgbClr val="000000"/>
+                </a:solidFill>
+                <a:latin typeface="Consolas" panose="020B0609020204030204" pitchFamily="49" charset="0"/>
+                <a:cs typeface="Consolas" panose="020B0609020204030204" pitchFamily="49" charset="0"/>
+              </a:rPr>
+              <a:t>Label(</a:t>
+            </a:r>
+            <a:r>
+              <a:rPr lang="de-DE" altLang="de-DE" sz="1600" b="1" dirty="0">
+                <a:solidFill>
+                  <a:srgbClr val="008000"/>
+                </a:solidFill>
+                <a:latin typeface="Consolas" panose="020B0609020204030204" pitchFamily="49" charset="0"/>
+                <a:cs typeface="Consolas" panose="020B0609020204030204" pitchFamily="49" charset="0"/>
+              </a:rPr>
+              <a:t>"</a:t>
+            </a:r>
+            <a:r>
+              <a:rPr lang="de-DE" altLang="de-DE" sz="1600" b="1" dirty="0" err="1">
+                <a:solidFill>
+                  <a:srgbClr val="008000"/>
+                </a:solidFill>
+                <a:latin typeface="Consolas" panose="020B0609020204030204" pitchFamily="49" charset="0"/>
+                <a:cs typeface="Consolas" panose="020B0609020204030204" pitchFamily="49" charset="0"/>
+              </a:rPr>
+              <a:t>surname</a:t>
+            </a:r>
+            <a:r>
+              <a:rPr lang="de-DE" altLang="de-DE" sz="1600" b="1" dirty="0">
+                <a:solidFill>
+                  <a:srgbClr val="008000"/>
+                </a:solidFill>
+                <a:latin typeface="Consolas" panose="020B0609020204030204" pitchFamily="49" charset="0"/>
+                <a:cs typeface="Consolas" panose="020B0609020204030204" pitchFamily="49" charset="0"/>
+              </a:rPr>
+              <a:t>"</a:t>
+            </a:r>
+            <a:r>
+              <a:rPr lang="de-DE" altLang="de-DE" sz="1600" dirty="0">
+                <a:solidFill>
+                  <a:srgbClr val="000000"/>
+                </a:solidFill>
+                <a:latin typeface="Consolas" panose="020B0609020204030204" pitchFamily="49" charset="0"/>
+                <a:cs typeface="Consolas" panose="020B0609020204030204" pitchFamily="49" charset="0"/>
+              </a:rPr>
+              <a:t>, </a:t>
+            </a:r>
+            <a:r>
+              <a:rPr lang="de-DE" altLang="de-DE" sz="1600" b="1" dirty="0" err="1">
+                <a:solidFill>
+                  <a:srgbClr val="000080"/>
+                </a:solidFill>
+                <a:latin typeface="Consolas" panose="020B0609020204030204" pitchFamily="49" charset="0"/>
+                <a:cs typeface="Consolas" panose="020B0609020204030204" pitchFamily="49" charset="0"/>
+              </a:rPr>
+              <a:t>new</a:t>
+            </a:r>
+            <a:r>
+              <a:rPr lang="de-DE" altLang="de-DE" sz="1600" b="1" dirty="0">
+                <a:solidFill>
+                  <a:srgbClr val="000080"/>
+                </a:solidFill>
+                <a:latin typeface="Consolas" panose="020B0609020204030204" pitchFamily="49" charset="0"/>
+                <a:cs typeface="Consolas" panose="020B0609020204030204" pitchFamily="49" charset="0"/>
+              </a:rPr>
+              <a:t> </a:t>
+            </a:r>
+            <a:r>
+              <a:rPr lang="de-DE" altLang="de-DE" sz="1600" dirty="0" err="1">
+                <a:solidFill>
+                  <a:srgbClr val="000000"/>
+                </a:solidFill>
+                <a:latin typeface="Consolas" panose="020B0609020204030204" pitchFamily="49" charset="0"/>
+                <a:cs typeface="Consolas" panose="020B0609020204030204" pitchFamily="49" charset="0"/>
+              </a:rPr>
+              <a:t>PropertyModel</a:t>
+            </a:r>
+            <a:r>
+              <a:rPr lang="de-DE" altLang="de-DE" sz="1600" dirty="0">
+                <a:solidFill>
+                  <a:srgbClr val="000000"/>
+                </a:solidFill>
+                <a:latin typeface="Consolas" panose="020B0609020204030204" pitchFamily="49" charset="0"/>
+                <a:cs typeface="Consolas" panose="020B0609020204030204" pitchFamily="49" charset="0"/>
+              </a:rPr>
+              <a:t>(</a:t>
+            </a:r>
+            <a:r>
+              <a:rPr lang="de-DE" altLang="de-DE" sz="1600" dirty="0" err="1">
+                <a:solidFill>
+                  <a:srgbClr val="000000"/>
+                </a:solidFill>
+                <a:latin typeface="Consolas" panose="020B0609020204030204" pitchFamily="49" charset="0"/>
+                <a:cs typeface="Consolas" panose="020B0609020204030204" pitchFamily="49" charset="0"/>
+              </a:rPr>
+              <a:t>person</a:t>
+            </a:r>
+            <a:r>
+              <a:rPr lang="de-DE" altLang="de-DE" sz="1600" dirty="0">
+                <a:solidFill>
+                  <a:srgbClr val="000000"/>
+                </a:solidFill>
+                <a:latin typeface="Consolas" panose="020B0609020204030204" pitchFamily="49" charset="0"/>
+                <a:cs typeface="Consolas" panose="020B0609020204030204" pitchFamily="49" charset="0"/>
+              </a:rPr>
+              <a:t>, </a:t>
+            </a:r>
+            <a:r>
+              <a:rPr lang="de-DE" altLang="de-DE" sz="1600" b="1" dirty="0">
+                <a:solidFill>
+                  <a:srgbClr val="008000"/>
+                </a:solidFill>
+                <a:latin typeface="Consolas" panose="020B0609020204030204" pitchFamily="49" charset="0"/>
+                <a:cs typeface="Consolas" panose="020B0609020204030204" pitchFamily="49" charset="0"/>
+              </a:rPr>
+              <a:t>"</a:t>
+            </a:r>
+            <a:r>
+              <a:rPr lang="de-DE" altLang="de-DE" sz="1600" b="1" dirty="0" err="1">
+                <a:solidFill>
+                  <a:srgbClr val="008000"/>
+                </a:solidFill>
+                <a:latin typeface="Consolas" panose="020B0609020204030204" pitchFamily="49" charset="0"/>
+                <a:cs typeface="Consolas" panose="020B0609020204030204" pitchFamily="49" charset="0"/>
+              </a:rPr>
+              <a:t>surname</a:t>
+            </a:r>
+            <a:r>
+              <a:rPr lang="de-DE" altLang="de-DE" sz="1600" b="1" dirty="0">
+                <a:solidFill>
+                  <a:srgbClr val="008000"/>
+                </a:solidFill>
+                <a:latin typeface="Consolas" panose="020B0609020204030204" pitchFamily="49" charset="0"/>
+                <a:cs typeface="Consolas" panose="020B0609020204030204" pitchFamily="49" charset="0"/>
+              </a:rPr>
+              <a:t>"</a:t>
+            </a:r>
+            <a:r>
+              <a:rPr lang="de-DE" altLang="de-DE" sz="1600" dirty="0">
+                <a:solidFill>
+                  <a:srgbClr val="000000"/>
+                </a:solidFill>
+                <a:latin typeface="Consolas" panose="020B0609020204030204" pitchFamily="49" charset="0"/>
+                <a:cs typeface="Consolas" panose="020B0609020204030204" pitchFamily="49" charset="0"/>
+              </a:rPr>
+              <a:t>)));</a:t>
+            </a:r>
+            <a:br>
+              <a:rPr lang="de-DE" altLang="de-DE" sz="1600" dirty="0">
+                <a:solidFill>
+                  <a:srgbClr val="000000"/>
+                </a:solidFill>
+                <a:latin typeface="Consolas" panose="020B0609020204030204" pitchFamily="49" charset="0"/>
+                <a:cs typeface="Consolas" panose="020B0609020204030204" pitchFamily="49" charset="0"/>
+              </a:rPr>
+            </a:br>
+            <a:r>
+              <a:rPr lang="de-DE" altLang="de-DE" sz="1600" dirty="0" err="1">
+                <a:solidFill>
+                  <a:srgbClr val="000000"/>
+                </a:solidFill>
+                <a:latin typeface="Consolas" panose="020B0609020204030204" pitchFamily="49" charset="0"/>
+                <a:cs typeface="Consolas" panose="020B0609020204030204" pitchFamily="49" charset="0"/>
+              </a:rPr>
+              <a:t>add</a:t>
+            </a:r>
+            <a:r>
+              <a:rPr lang="de-DE" altLang="de-DE" sz="1600" dirty="0">
+                <a:solidFill>
+                  <a:srgbClr val="000000"/>
+                </a:solidFill>
+                <a:latin typeface="Consolas" panose="020B0609020204030204" pitchFamily="49" charset="0"/>
+                <a:cs typeface="Consolas" panose="020B0609020204030204" pitchFamily="49" charset="0"/>
+              </a:rPr>
+              <a:t>( </a:t>
+            </a:r>
+            <a:r>
+              <a:rPr lang="de-DE" altLang="de-DE" sz="1600" b="1" dirty="0" err="1">
+                <a:solidFill>
+                  <a:srgbClr val="000080"/>
+                </a:solidFill>
+                <a:latin typeface="Consolas" panose="020B0609020204030204" pitchFamily="49" charset="0"/>
+                <a:cs typeface="Consolas" panose="020B0609020204030204" pitchFamily="49" charset="0"/>
+              </a:rPr>
+              <a:t>new</a:t>
+            </a:r>
+            <a:r>
+              <a:rPr lang="de-DE" altLang="de-DE" sz="1600" b="1" dirty="0">
+                <a:solidFill>
+                  <a:srgbClr val="000080"/>
+                </a:solidFill>
+                <a:latin typeface="Consolas" panose="020B0609020204030204" pitchFamily="49" charset="0"/>
+                <a:cs typeface="Consolas" panose="020B0609020204030204" pitchFamily="49" charset="0"/>
+              </a:rPr>
+              <a:t> </a:t>
+            </a:r>
+            <a:r>
+              <a:rPr lang="de-DE" altLang="de-DE" sz="1600" dirty="0">
+                <a:solidFill>
+                  <a:srgbClr val="000000"/>
+                </a:solidFill>
+                <a:latin typeface="Consolas" panose="020B0609020204030204" pitchFamily="49" charset="0"/>
+                <a:cs typeface="Consolas" panose="020B0609020204030204" pitchFamily="49" charset="0"/>
+              </a:rPr>
+              <a:t>Label(</a:t>
+            </a:r>
+            <a:r>
+              <a:rPr lang="de-DE" altLang="de-DE" sz="1600" b="1" dirty="0">
+                <a:solidFill>
+                  <a:srgbClr val="008000"/>
+                </a:solidFill>
+                <a:latin typeface="Consolas" panose="020B0609020204030204" pitchFamily="49" charset="0"/>
+                <a:cs typeface="Consolas" panose="020B0609020204030204" pitchFamily="49" charset="0"/>
+              </a:rPr>
+              <a:t>"</a:t>
+            </a:r>
+            <a:r>
+              <a:rPr lang="de-DE" altLang="de-DE" sz="1600" b="1" dirty="0" err="1">
+                <a:solidFill>
+                  <a:srgbClr val="008000"/>
+                </a:solidFill>
+                <a:latin typeface="Consolas" panose="020B0609020204030204" pitchFamily="49" charset="0"/>
+                <a:cs typeface="Consolas" panose="020B0609020204030204" pitchFamily="49" charset="0"/>
+              </a:rPr>
+              <a:t>address</a:t>
+            </a:r>
+            <a:r>
+              <a:rPr lang="de-DE" altLang="de-DE" sz="1600" b="1" dirty="0">
+                <a:solidFill>
+                  <a:srgbClr val="008000"/>
+                </a:solidFill>
+                <a:latin typeface="Consolas" panose="020B0609020204030204" pitchFamily="49" charset="0"/>
+                <a:cs typeface="Consolas" panose="020B0609020204030204" pitchFamily="49" charset="0"/>
+              </a:rPr>
+              <a:t>"</a:t>
+            </a:r>
+            <a:r>
+              <a:rPr lang="de-DE" altLang="de-DE" sz="1600" dirty="0">
+                <a:solidFill>
+                  <a:srgbClr val="000000"/>
+                </a:solidFill>
+                <a:latin typeface="Consolas" panose="020B0609020204030204" pitchFamily="49" charset="0"/>
+                <a:cs typeface="Consolas" panose="020B0609020204030204" pitchFamily="49" charset="0"/>
+              </a:rPr>
+              <a:t>, </a:t>
+            </a:r>
+            <a:r>
+              <a:rPr lang="de-DE" altLang="de-DE" sz="1600" b="1" dirty="0" err="1">
+                <a:solidFill>
+                  <a:srgbClr val="000080"/>
+                </a:solidFill>
+                <a:latin typeface="Consolas" panose="020B0609020204030204" pitchFamily="49" charset="0"/>
+                <a:cs typeface="Consolas" panose="020B0609020204030204" pitchFamily="49" charset="0"/>
+              </a:rPr>
+              <a:t>new</a:t>
+            </a:r>
+            <a:r>
+              <a:rPr lang="de-DE" altLang="de-DE" sz="1600" b="1" dirty="0">
+                <a:solidFill>
+                  <a:srgbClr val="000080"/>
+                </a:solidFill>
+                <a:latin typeface="Consolas" panose="020B0609020204030204" pitchFamily="49" charset="0"/>
+                <a:cs typeface="Consolas" panose="020B0609020204030204" pitchFamily="49" charset="0"/>
+              </a:rPr>
+              <a:t> </a:t>
+            </a:r>
+            <a:r>
+              <a:rPr lang="de-DE" altLang="de-DE" sz="1600" dirty="0" err="1">
+                <a:solidFill>
+                  <a:srgbClr val="000000"/>
+                </a:solidFill>
+                <a:latin typeface="Consolas" panose="020B0609020204030204" pitchFamily="49" charset="0"/>
+                <a:cs typeface="Consolas" panose="020B0609020204030204" pitchFamily="49" charset="0"/>
+              </a:rPr>
+              <a:t>PropertyModel</a:t>
+            </a:r>
+            <a:r>
+              <a:rPr lang="de-DE" altLang="de-DE" sz="1600" dirty="0">
+                <a:solidFill>
+                  <a:srgbClr val="000000"/>
+                </a:solidFill>
+                <a:latin typeface="Consolas" panose="020B0609020204030204" pitchFamily="49" charset="0"/>
+                <a:cs typeface="Consolas" panose="020B0609020204030204" pitchFamily="49" charset="0"/>
+              </a:rPr>
+              <a:t>(</a:t>
+            </a:r>
+            <a:r>
+              <a:rPr lang="de-DE" altLang="de-DE" sz="1600" dirty="0" err="1">
+                <a:solidFill>
+                  <a:srgbClr val="000000"/>
+                </a:solidFill>
+                <a:latin typeface="Consolas" panose="020B0609020204030204" pitchFamily="49" charset="0"/>
+                <a:cs typeface="Consolas" panose="020B0609020204030204" pitchFamily="49" charset="0"/>
+              </a:rPr>
+              <a:t>person</a:t>
+            </a:r>
+            <a:r>
+              <a:rPr lang="de-DE" altLang="de-DE" sz="1600" dirty="0">
+                <a:solidFill>
+                  <a:srgbClr val="000000"/>
+                </a:solidFill>
+                <a:latin typeface="Consolas" panose="020B0609020204030204" pitchFamily="49" charset="0"/>
+                <a:cs typeface="Consolas" panose="020B0609020204030204" pitchFamily="49" charset="0"/>
+              </a:rPr>
+              <a:t>, </a:t>
+            </a:r>
+            <a:r>
+              <a:rPr lang="de-DE" altLang="de-DE" sz="1600" b="1" dirty="0">
+                <a:solidFill>
+                  <a:srgbClr val="008000"/>
+                </a:solidFill>
+                <a:latin typeface="Consolas" panose="020B0609020204030204" pitchFamily="49" charset="0"/>
+                <a:cs typeface="Consolas" panose="020B0609020204030204" pitchFamily="49" charset="0"/>
+              </a:rPr>
+              <a:t>"</a:t>
+            </a:r>
+            <a:r>
+              <a:rPr lang="de-DE" altLang="de-DE" sz="1600" b="1" dirty="0" err="1">
+                <a:solidFill>
+                  <a:srgbClr val="008000"/>
+                </a:solidFill>
+                <a:latin typeface="Consolas" panose="020B0609020204030204" pitchFamily="49" charset="0"/>
+                <a:cs typeface="Consolas" panose="020B0609020204030204" pitchFamily="49" charset="0"/>
+              </a:rPr>
+              <a:t>address</a:t>
+            </a:r>
+            <a:r>
+              <a:rPr lang="de-DE" altLang="de-DE" sz="1600" b="1" dirty="0">
+                <a:solidFill>
+                  <a:srgbClr val="008000"/>
+                </a:solidFill>
+                <a:latin typeface="Consolas" panose="020B0609020204030204" pitchFamily="49" charset="0"/>
+                <a:cs typeface="Consolas" panose="020B0609020204030204" pitchFamily="49" charset="0"/>
+              </a:rPr>
+              <a:t>"</a:t>
+            </a:r>
+            <a:r>
+              <a:rPr lang="de-DE" altLang="de-DE" sz="1600" dirty="0">
+                <a:solidFill>
+                  <a:srgbClr val="000000"/>
+                </a:solidFill>
+                <a:latin typeface="Consolas" panose="020B0609020204030204" pitchFamily="49" charset="0"/>
+                <a:cs typeface="Consolas" panose="020B0609020204030204" pitchFamily="49" charset="0"/>
+              </a:rPr>
+              <a:t>)));</a:t>
+            </a:r>
+            <a:br>
+              <a:rPr lang="de-DE" altLang="de-DE" sz="1600" dirty="0">
+                <a:solidFill>
+                  <a:srgbClr val="000000"/>
+                </a:solidFill>
+                <a:latin typeface="Consolas" panose="020B0609020204030204" pitchFamily="49" charset="0"/>
+                <a:cs typeface="Consolas" panose="020B0609020204030204" pitchFamily="49" charset="0"/>
+              </a:rPr>
+            </a:br>
+            <a:r>
+              <a:rPr lang="de-DE" altLang="de-DE" sz="1600" dirty="0" err="1">
+                <a:solidFill>
+                  <a:srgbClr val="000000"/>
+                </a:solidFill>
+                <a:latin typeface="Consolas" panose="020B0609020204030204" pitchFamily="49" charset="0"/>
+                <a:cs typeface="Consolas" panose="020B0609020204030204" pitchFamily="49" charset="0"/>
+              </a:rPr>
+              <a:t>add</a:t>
+            </a:r>
+            <a:r>
+              <a:rPr lang="de-DE" altLang="de-DE" sz="1600" dirty="0">
+                <a:solidFill>
+                  <a:srgbClr val="000000"/>
+                </a:solidFill>
+                <a:latin typeface="Consolas" panose="020B0609020204030204" pitchFamily="49" charset="0"/>
+                <a:cs typeface="Consolas" panose="020B0609020204030204" pitchFamily="49" charset="0"/>
+              </a:rPr>
+              <a:t>( </a:t>
+            </a:r>
+            <a:r>
+              <a:rPr lang="de-DE" altLang="de-DE" sz="1600" b="1" dirty="0" err="1">
+                <a:solidFill>
+                  <a:srgbClr val="000080"/>
+                </a:solidFill>
+                <a:latin typeface="Consolas" panose="020B0609020204030204" pitchFamily="49" charset="0"/>
+                <a:cs typeface="Consolas" panose="020B0609020204030204" pitchFamily="49" charset="0"/>
+              </a:rPr>
+              <a:t>new</a:t>
+            </a:r>
+            <a:r>
+              <a:rPr lang="de-DE" altLang="de-DE" sz="1600" b="1" dirty="0">
+                <a:solidFill>
+                  <a:srgbClr val="000080"/>
+                </a:solidFill>
+                <a:latin typeface="Consolas" panose="020B0609020204030204" pitchFamily="49" charset="0"/>
+                <a:cs typeface="Consolas" panose="020B0609020204030204" pitchFamily="49" charset="0"/>
+              </a:rPr>
+              <a:t> </a:t>
+            </a:r>
+            <a:r>
+              <a:rPr lang="de-DE" altLang="de-DE" sz="1600" dirty="0">
+                <a:solidFill>
+                  <a:srgbClr val="000000"/>
+                </a:solidFill>
+                <a:latin typeface="Consolas" panose="020B0609020204030204" pitchFamily="49" charset="0"/>
+                <a:cs typeface="Consolas" panose="020B0609020204030204" pitchFamily="49" charset="0"/>
+              </a:rPr>
+              <a:t>Label(</a:t>
+            </a:r>
+            <a:r>
+              <a:rPr lang="de-DE" altLang="de-DE" sz="1600" b="1" dirty="0">
+                <a:solidFill>
+                  <a:srgbClr val="008000"/>
+                </a:solidFill>
+                <a:latin typeface="Consolas" panose="020B0609020204030204" pitchFamily="49" charset="0"/>
+                <a:cs typeface="Consolas" panose="020B0609020204030204" pitchFamily="49" charset="0"/>
+              </a:rPr>
+              <a:t>"email"</a:t>
+            </a:r>
+            <a:r>
+              <a:rPr lang="de-DE" altLang="de-DE" sz="1600" dirty="0">
+                <a:solidFill>
+                  <a:srgbClr val="000000"/>
+                </a:solidFill>
+                <a:latin typeface="Consolas" panose="020B0609020204030204" pitchFamily="49" charset="0"/>
+                <a:cs typeface="Consolas" panose="020B0609020204030204" pitchFamily="49" charset="0"/>
+              </a:rPr>
+              <a:t>, </a:t>
+            </a:r>
+            <a:r>
+              <a:rPr lang="de-DE" altLang="de-DE" sz="1600" b="1" dirty="0" err="1">
+                <a:solidFill>
+                  <a:srgbClr val="000080"/>
+                </a:solidFill>
+                <a:latin typeface="Consolas" panose="020B0609020204030204" pitchFamily="49" charset="0"/>
+                <a:cs typeface="Consolas" panose="020B0609020204030204" pitchFamily="49" charset="0"/>
+              </a:rPr>
+              <a:t>new</a:t>
+            </a:r>
+            <a:r>
+              <a:rPr lang="de-DE" altLang="de-DE" sz="1600" b="1" dirty="0">
+                <a:solidFill>
+                  <a:srgbClr val="000080"/>
+                </a:solidFill>
+                <a:latin typeface="Consolas" panose="020B0609020204030204" pitchFamily="49" charset="0"/>
+                <a:cs typeface="Consolas" panose="020B0609020204030204" pitchFamily="49" charset="0"/>
+              </a:rPr>
+              <a:t> </a:t>
+            </a:r>
+            <a:r>
+              <a:rPr lang="de-DE" altLang="de-DE" sz="1600" dirty="0" err="1">
+                <a:solidFill>
+                  <a:srgbClr val="000000"/>
+                </a:solidFill>
+                <a:latin typeface="Consolas" panose="020B0609020204030204" pitchFamily="49" charset="0"/>
+                <a:cs typeface="Consolas" panose="020B0609020204030204" pitchFamily="49" charset="0"/>
+              </a:rPr>
+              <a:t>PropertyModel</a:t>
+            </a:r>
+            <a:r>
+              <a:rPr lang="de-DE" altLang="de-DE" sz="1600" dirty="0">
+                <a:solidFill>
+                  <a:srgbClr val="000000"/>
+                </a:solidFill>
+                <a:latin typeface="Consolas" panose="020B0609020204030204" pitchFamily="49" charset="0"/>
+                <a:cs typeface="Consolas" panose="020B0609020204030204" pitchFamily="49" charset="0"/>
+              </a:rPr>
+              <a:t>(</a:t>
+            </a:r>
+            <a:r>
+              <a:rPr lang="de-DE" altLang="de-DE" sz="1600" dirty="0" err="1">
+                <a:solidFill>
+                  <a:srgbClr val="000000"/>
+                </a:solidFill>
+                <a:latin typeface="Consolas" panose="020B0609020204030204" pitchFamily="49" charset="0"/>
+                <a:cs typeface="Consolas" panose="020B0609020204030204" pitchFamily="49" charset="0"/>
+              </a:rPr>
+              <a:t>person</a:t>
+            </a:r>
+            <a:r>
+              <a:rPr lang="de-DE" altLang="de-DE" sz="1600" dirty="0">
+                <a:solidFill>
+                  <a:srgbClr val="000000"/>
+                </a:solidFill>
+                <a:latin typeface="Consolas" panose="020B0609020204030204" pitchFamily="49" charset="0"/>
+                <a:cs typeface="Consolas" panose="020B0609020204030204" pitchFamily="49" charset="0"/>
+              </a:rPr>
+              <a:t>, </a:t>
+            </a:r>
+            <a:r>
+              <a:rPr lang="de-DE" altLang="de-DE" sz="1600" b="1" dirty="0">
+                <a:solidFill>
+                  <a:srgbClr val="008000"/>
+                </a:solidFill>
+                <a:latin typeface="Consolas" panose="020B0609020204030204" pitchFamily="49" charset="0"/>
+                <a:cs typeface="Consolas" panose="020B0609020204030204" pitchFamily="49" charset="0"/>
+              </a:rPr>
+              <a:t>"email"</a:t>
+            </a:r>
+            <a:r>
+              <a:rPr lang="de-DE" altLang="de-DE" sz="1600" dirty="0">
+                <a:solidFill>
+                  <a:srgbClr val="000000"/>
+                </a:solidFill>
+                <a:latin typeface="Consolas" panose="020B0609020204030204" pitchFamily="49" charset="0"/>
+                <a:cs typeface="Consolas" panose="020B0609020204030204" pitchFamily="49" charset="0"/>
+              </a:rPr>
+              <a:t>)));</a:t>
+            </a:r>
+            <a:br>
+              <a:rPr lang="de-DE" altLang="de-DE" sz="1600" dirty="0">
+                <a:solidFill>
+                  <a:srgbClr val="000000"/>
+                </a:solidFill>
+                <a:latin typeface="Consolas" panose="020B0609020204030204" pitchFamily="49" charset="0"/>
+                <a:cs typeface="Consolas" panose="020B0609020204030204" pitchFamily="49" charset="0"/>
+              </a:rPr>
+            </a:br>
+            <a:r>
+              <a:rPr lang="de-DE" altLang="de-DE" sz="1600" dirty="0" err="1">
+                <a:solidFill>
+                  <a:srgbClr val="000000"/>
+                </a:solidFill>
+                <a:latin typeface="Consolas" panose="020B0609020204030204" pitchFamily="49" charset="0"/>
+                <a:cs typeface="Consolas" panose="020B0609020204030204" pitchFamily="49" charset="0"/>
+              </a:rPr>
+              <a:t>add</a:t>
+            </a:r>
+            <a:r>
+              <a:rPr lang="de-DE" altLang="de-DE" sz="1600" dirty="0">
+                <a:solidFill>
+                  <a:srgbClr val="000000"/>
+                </a:solidFill>
+                <a:latin typeface="Consolas" panose="020B0609020204030204" pitchFamily="49" charset="0"/>
+                <a:cs typeface="Consolas" panose="020B0609020204030204" pitchFamily="49" charset="0"/>
+              </a:rPr>
+              <a:t>( </a:t>
+            </a:r>
+            <a:r>
+              <a:rPr lang="de-DE" altLang="de-DE" sz="1600" b="1" dirty="0" err="1">
+                <a:solidFill>
+                  <a:srgbClr val="000080"/>
+                </a:solidFill>
+                <a:latin typeface="Consolas" panose="020B0609020204030204" pitchFamily="49" charset="0"/>
+                <a:cs typeface="Consolas" panose="020B0609020204030204" pitchFamily="49" charset="0"/>
+              </a:rPr>
+              <a:t>new</a:t>
+            </a:r>
+            <a:r>
+              <a:rPr lang="de-DE" altLang="de-DE" sz="1600" b="1" dirty="0">
+                <a:solidFill>
+                  <a:srgbClr val="000080"/>
+                </a:solidFill>
+                <a:latin typeface="Consolas" panose="020B0609020204030204" pitchFamily="49" charset="0"/>
+                <a:cs typeface="Consolas" panose="020B0609020204030204" pitchFamily="49" charset="0"/>
+              </a:rPr>
+              <a:t> </a:t>
+            </a:r>
+            <a:r>
+              <a:rPr lang="de-DE" altLang="de-DE" sz="1600" dirty="0">
+                <a:solidFill>
+                  <a:srgbClr val="000000"/>
+                </a:solidFill>
+                <a:latin typeface="Consolas" panose="020B0609020204030204" pitchFamily="49" charset="0"/>
+                <a:cs typeface="Consolas" panose="020B0609020204030204" pitchFamily="49" charset="0"/>
+              </a:rPr>
+              <a:t>Label(</a:t>
+            </a:r>
+            <a:r>
+              <a:rPr lang="de-DE" altLang="de-DE" sz="1600" b="1" dirty="0">
+                <a:solidFill>
+                  <a:srgbClr val="008000"/>
+                </a:solidFill>
+                <a:latin typeface="Consolas" panose="020B0609020204030204" pitchFamily="49" charset="0"/>
+                <a:cs typeface="Consolas" panose="020B0609020204030204" pitchFamily="49" charset="0"/>
+              </a:rPr>
+              <a:t>"</a:t>
+            </a:r>
+            <a:r>
+              <a:rPr lang="de-DE" altLang="de-DE" sz="1600" b="1" dirty="0" err="1">
+                <a:solidFill>
+                  <a:srgbClr val="008000"/>
+                </a:solidFill>
+                <a:latin typeface="Consolas" panose="020B0609020204030204" pitchFamily="49" charset="0"/>
+                <a:cs typeface="Consolas" panose="020B0609020204030204" pitchFamily="49" charset="0"/>
+              </a:rPr>
+              <a:t>spouseName</a:t>
+            </a:r>
+            <a:r>
+              <a:rPr lang="de-DE" altLang="de-DE" sz="1600" b="1" dirty="0">
+                <a:solidFill>
+                  <a:srgbClr val="008000"/>
+                </a:solidFill>
+                <a:latin typeface="Consolas" panose="020B0609020204030204" pitchFamily="49" charset="0"/>
+                <a:cs typeface="Consolas" panose="020B0609020204030204" pitchFamily="49" charset="0"/>
+              </a:rPr>
+              <a:t>"</a:t>
+            </a:r>
+            <a:r>
+              <a:rPr lang="de-DE" altLang="de-DE" sz="1600" dirty="0">
+                <a:solidFill>
+                  <a:srgbClr val="000000"/>
+                </a:solidFill>
+                <a:latin typeface="Consolas" panose="020B0609020204030204" pitchFamily="49" charset="0"/>
+                <a:cs typeface="Consolas" panose="020B0609020204030204" pitchFamily="49" charset="0"/>
+              </a:rPr>
+              <a:t>, </a:t>
+            </a:r>
+            <a:r>
+              <a:rPr lang="de-DE" altLang="de-DE" sz="1600" b="1" dirty="0" err="1">
+                <a:solidFill>
+                  <a:srgbClr val="000080"/>
+                </a:solidFill>
+                <a:latin typeface="Consolas" panose="020B0609020204030204" pitchFamily="49" charset="0"/>
+                <a:cs typeface="Consolas" panose="020B0609020204030204" pitchFamily="49" charset="0"/>
+              </a:rPr>
+              <a:t>new</a:t>
+            </a:r>
+            <a:r>
+              <a:rPr lang="de-DE" altLang="de-DE" sz="1600" b="1" dirty="0">
+                <a:solidFill>
+                  <a:srgbClr val="000080"/>
+                </a:solidFill>
+                <a:latin typeface="Consolas" panose="020B0609020204030204" pitchFamily="49" charset="0"/>
+                <a:cs typeface="Consolas" panose="020B0609020204030204" pitchFamily="49" charset="0"/>
+              </a:rPr>
+              <a:t> </a:t>
+            </a:r>
+            <a:r>
+              <a:rPr lang="de-DE" altLang="de-DE" sz="1600" dirty="0" err="1">
+                <a:solidFill>
+                  <a:srgbClr val="000000"/>
+                </a:solidFill>
+                <a:latin typeface="Consolas" panose="020B0609020204030204" pitchFamily="49" charset="0"/>
+                <a:cs typeface="Consolas" panose="020B0609020204030204" pitchFamily="49" charset="0"/>
+              </a:rPr>
+              <a:t>PropertyModel</a:t>
+            </a:r>
+            <a:r>
+              <a:rPr lang="de-DE" altLang="de-DE" sz="1600" dirty="0">
+                <a:solidFill>
+                  <a:srgbClr val="000000"/>
+                </a:solidFill>
+                <a:latin typeface="Consolas" panose="020B0609020204030204" pitchFamily="49" charset="0"/>
+                <a:cs typeface="Consolas" panose="020B0609020204030204" pitchFamily="49" charset="0"/>
+              </a:rPr>
+              <a:t>(</a:t>
+            </a:r>
+            <a:r>
+              <a:rPr lang="de-DE" altLang="de-DE" sz="1600" dirty="0" err="1">
+                <a:solidFill>
+                  <a:srgbClr val="000000"/>
+                </a:solidFill>
+                <a:latin typeface="Consolas" panose="020B0609020204030204" pitchFamily="49" charset="0"/>
+                <a:cs typeface="Consolas" panose="020B0609020204030204" pitchFamily="49" charset="0"/>
+              </a:rPr>
+              <a:t>person</a:t>
+            </a:r>
+            <a:r>
+              <a:rPr lang="de-DE" altLang="de-DE" sz="1600" dirty="0">
+                <a:solidFill>
+                  <a:srgbClr val="000000"/>
+                </a:solidFill>
+                <a:latin typeface="Consolas" panose="020B0609020204030204" pitchFamily="49" charset="0"/>
+                <a:cs typeface="Consolas" panose="020B0609020204030204" pitchFamily="49" charset="0"/>
+              </a:rPr>
+              <a:t>, </a:t>
+            </a:r>
+            <a:r>
+              <a:rPr lang="de-DE" altLang="de-DE" sz="1600" b="1" dirty="0">
+                <a:solidFill>
+                  <a:srgbClr val="008000"/>
+                </a:solidFill>
+                <a:latin typeface="Consolas" panose="020B0609020204030204" pitchFamily="49" charset="0"/>
+                <a:cs typeface="Consolas" panose="020B0609020204030204" pitchFamily="49" charset="0"/>
+              </a:rPr>
+              <a:t>"spouse.name"</a:t>
+            </a:r>
+            <a:r>
+              <a:rPr lang="de-DE" altLang="de-DE" sz="1600" dirty="0">
+                <a:solidFill>
+                  <a:srgbClr val="000000"/>
+                </a:solidFill>
+                <a:latin typeface="Consolas" panose="020B0609020204030204" pitchFamily="49" charset="0"/>
+                <a:cs typeface="Consolas" panose="020B0609020204030204" pitchFamily="49" charset="0"/>
+              </a:rPr>
+              <a:t>)));</a:t>
+            </a:r>
+            <a:endParaRPr lang="de-DE" altLang="de-DE" sz="1600" dirty="0">
+              <a:latin typeface="Consolas" panose="020B0609020204030204" pitchFamily="49" charset="0"/>
+              <a:cs typeface="Consolas" panose="020B0609020204030204" pitchFamily="49" charset="0"/>
+            </a:endParaRPr>
+          </a:p>
+          <a:p>
+            <a:pPr marL="0" indent="0">
+              <a:buNone/>
+            </a:pPr>
+            <a:endParaRPr lang="de-DE" sz="2000" b="1" dirty="0"/>
           </a:p>
         </p:txBody>
       </p:sp>
@@ -10121,40 +11053,10 @@
           </a:p>
         </p:txBody>
       </p:sp>
-      <p:pic>
-        <p:nvPicPr>
-          <p:cNvPr id="2" name="Grafik 1"/>
-          <p:cNvPicPr>
-            <a:picLocks noChangeAspect="1"/>
-          </p:cNvPicPr>
-          <p:nvPr/>
-        </p:nvPicPr>
-        <p:blipFill>
-          <a:blip r:embed="rId2">
-            <a:extLst>
-              <a:ext uri="{28A0092B-C50C-407E-A947-70E740481C1C}">
-                <a14:useLocalDpi xmlns:a14="http://schemas.microsoft.com/office/drawing/2010/main" val="0"/>
-              </a:ext>
-            </a:extLst>
-          </a:blip>
-          <a:stretch>
-            <a:fillRect/>
-          </a:stretch>
-        </p:blipFill>
-        <p:spPr>
-          <a:xfrm>
-            <a:off x="2987824" y="3645024"/>
-            <a:ext cx="3152775" cy="2647950"/>
-          </a:xfrm>
-          <a:prstGeom prst="rect">
-            <a:avLst/>
-          </a:prstGeom>
-        </p:spPr>
-      </p:pic>
     </p:spTree>
     <p:extLst>
       <p:ext uri="{BB962C8B-B14F-4D97-AF65-F5344CB8AC3E}">
-        <p14:creationId xmlns:p14="http://schemas.microsoft.com/office/powerpoint/2010/main" val="2548015764"/>
+        <p14:creationId xmlns:p14="http://schemas.microsoft.com/office/powerpoint/2010/main" val="514522632"/>
       </p:ext>
     </p:extLst>
   </p:cSld>

--- a/slides/Tag-2_1-Bestandteile_Models.pptx
+++ b/slides/Tag-2_1-Bestandteile_Models.pptx
@@ -4933,7 +4933,7 @@
               <a:pPr algn="ctr">
                 <a:defRPr/>
               </a:pPr>
-              <a:t>12.03.2019</a:t>
+              <a:t>15.03.2019</a:t>
             </a:fld>
             <a:endParaRPr lang="de-DE" sz="1000" dirty="0">
               <a:solidFill>
@@ -9566,7 +9566,23 @@
                 <a:latin typeface="Consolas" panose="020B0609020204030204" pitchFamily="49" charset="0"/>
                 <a:cs typeface="Consolas" panose="020B0609020204030204" pitchFamily="49" charset="0"/>
               </a:rPr>
-              <a:t> = new </a:t>
+              <a:t> = </a:t>
+            </a:r>
+            <a:r>
+              <a:rPr lang="en-US" altLang="de-DE" sz="1600" b="1" dirty="0">
+                <a:solidFill>
+                  <a:srgbClr val="000080"/>
+                </a:solidFill>
+                <a:latin typeface="Consolas" panose="020B0609020204030204" pitchFamily="49" charset="0"/>
+              </a:rPr>
+              <a:t>new</a:t>
+            </a:r>
+            <a:r>
+              <a:rPr lang="en-US" altLang="de-DE" sz="1600" dirty="0">
+                <a:latin typeface="Consolas" panose="020B0609020204030204" pitchFamily="49" charset="0"/>
+                <a:cs typeface="Consolas" panose="020B0609020204030204" pitchFamily="49" charset="0"/>
+              </a:rPr>
+              <a:t> </a:t>
             </a:r>
             <a:r>
               <a:rPr lang="en-US" altLang="de-DE" sz="1600" dirty="0" err="1">

--- a/slides/Tag-2_1-Bestandteile_Models.pptx
+++ b/slides/Tag-2_1-Bestandteile_Models.pptx
@@ -7601,6 +7601,10 @@
             </a:r>
           </a:p>
           <a:p>
+            <a:pPr>
+              <a:buFont typeface="Arial" panose="020B0604020202020204" pitchFamily="34" charset="0"/>
+              <a:buChar char="•"/>
+            </a:pPr>
             <a:r>
               <a:rPr lang="de-DE" sz="2000" dirty="0" err="1"/>
               <a:t>Serialisierung</a:t>
@@ -7611,20 +7615,30 @@
             </a:r>
           </a:p>
           <a:p>
+            <a:pPr>
+              <a:buFont typeface="Arial" panose="020B0604020202020204" pitchFamily="34" charset="0"/>
+              <a:buChar char="•"/>
+            </a:pPr>
             <a:r>
               <a:rPr lang="de-DE" sz="2000" dirty="0"/>
               <a:t>Probleme bei unbekannten Datenobjekten</a:t>
             </a:r>
           </a:p>
           <a:p>
-            <a:pPr lvl="1"/>
+            <a:pPr lvl="1">
+              <a:buFont typeface="Arial" panose="020B0604020202020204" pitchFamily="34" charset="0"/>
+              <a:buChar char="•"/>
+            </a:pPr>
             <a:r>
               <a:rPr lang="de-DE" sz="1600" dirty="0"/>
               <a:t>Größe</a:t>
             </a:r>
           </a:p>
           <a:p>
-            <a:pPr lvl="1"/>
+            <a:pPr lvl="1">
+              <a:buFont typeface="Arial" panose="020B0604020202020204" pitchFamily="34" charset="0"/>
+              <a:buChar char="•"/>
+            </a:pPr>
             <a:r>
               <a:rPr lang="de-DE" sz="1600" dirty="0" err="1"/>
               <a:t>Serialisierbarkeit</a:t>
@@ -7632,6 +7646,10 @@
             <a:endParaRPr lang="de-DE" sz="1600" dirty="0"/>
           </a:p>
           <a:p>
+            <a:pPr>
+              <a:buFont typeface="Arial" panose="020B0604020202020204" pitchFamily="34" charset="0"/>
+              <a:buChar char="•"/>
+            </a:pPr>
             <a:r>
               <a:rPr lang="de-DE" sz="2000" dirty="0"/>
               <a:t>Lösung: Datenobjekte vor </a:t>
@@ -7764,12 +7782,20 @@
             <a:endParaRPr lang="de-DE" sz="2000" b="1" dirty="0"/>
           </a:p>
           <a:p>
+            <a:pPr>
+              <a:buFont typeface="Arial" panose="020B0604020202020204" pitchFamily="34" charset="0"/>
+              <a:buChar char="•"/>
+            </a:pPr>
             <a:r>
               <a:rPr lang="de-DE" sz="2000" dirty="0"/>
               <a:t>Wiederherstellung des Datenobjektes (z.B. aus DB)</a:t>
             </a:r>
           </a:p>
           <a:p>
+            <a:pPr>
+              <a:buFont typeface="Arial" panose="020B0604020202020204" pitchFamily="34" charset="0"/>
+              <a:buChar char="•"/>
+            </a:pPr>
             <a:r>
               <a:rPr lang="de-DE" sz="2000" dirty="0"/>
               <a:t>Exemplarischer Workflow in </a:t>
@@ -7781,14 +7807,20 @@
             <a:endParaRPr lang="de-DE" sz="2000" dirty="0"/>
           </a:p>
           <a:p>
-            <a:pPr lvl="1"/>
+            <a:pPr lvl="1">
+              <a:buFont typeface="Arial" panose="020B0604020202020204" pitchFamily="34" charset="0"/>
+              <a:buChar char="•"/>
+            </a:pPr>
             <a:r>
               <a:rPr lang="de-DE" sz="1600" dirty="0"/>
               <a:t>Datenobjekt aushängen, ID speichern</a:t>
             </a:r>
           </a:p>
           <a:p>
-            <a:pPr lvl="1"/>
+            <a:pPr lvl="1">
+              <a:buFont typeface="Arial" panose="020B0604020202020204" pitchFamily="34" charset="0"/>
+              <a:buChar char="•"/>
+            </a:pPr>
             <a:r>
               <a:rPr lang="de-DE" sz="1600" dirty="0"/>
               <a:t>Page und Model </a:t>
@@ -7800,7 +7832,10 @@
             <a:endParaRPr lang="de-DE" sz="1600" dirty="0"/>
           </a:p>
           <a:p>
-            <a:pPr lvl="1"/>
+            <a:pPr lvl="1">
+              <a:buFont typeface="Arial" panose="020B0604020202020204" pitchFamily="34" charset="0"/>
+              <a:buChar char="•"/>
+            </a:pPr>
             <a:r>
               <a:rPr lang="de-DE" sz="1600" dirty="0"/>
               <a:t>Page und Model </a:t>
@@ -7812,7 +7847,10 @@
             <a:endParaRPr lang="de-DE" sz="1600" dirty="0"/>
           </a:p>
           <a:p>
-            <a:pPr lvl="1"/>
+            <a:pPr lvl="1">
+              <a:buFont typeface="Arial" panose="020B0604020202020204" pitchFamily="34" charset="0"/>
+              <a:buChar char="•"/>
+            </a:pPr>
             <a:r>
               <a:rPr lang="de-DE" sz="1600" dirty="0"/>
               <a:t>Datenobjekt mit ID neu laden</a:t>
@@ -7941,6 +7979,10 @@
             <a:endParaRPr lang="de-DE" sz="2000" b="1" dirty="0"/>
           </a:p>
           <a:p>
+            <a:pPr>
+              <a:buFont typeface="Arial" panose="020B0604020202020204" pitchFamily="34" charset="0"/>
+              <a:buChar char="•"/>
+            </a:pPr>
             <a:r>
               <a:rPr lang="de-DE" sz="2000" dirty="0"/>
               <a:t>Interface </a:t>
@@ -7952,18 +7994,30 @@
             <a:endParaRPr lang="de-DE" sz="2000" i="1" dirty="0"/>
           </a:p>
           <a:p>
+            <a:pPr>
+              <a:buFont typeface="Arial" panose="020B0604020202020204" pitchFamily="34" charset="0"/>
+              <a:buChar char="•"/>
+            </a:pPr>
             <a:r>
               <a:rPr lang="de-DE" sz="2000" dirty="0"/>
               <a:t>Model als Datenobjekt eines anderen Models</a:t>
             </a:r>
           </a:p>
           <a:p>
+            <a:pPr>
+              <a:buFont typeface="Arial" panose="020B0604020202020204" pitchFamily="34" charset="0"/>
+              <a:buChar char="•"/>
+            </a:pPr>
             <a:r>
               <a:rPr lang="de-DE" sz="2000" dirty="0"/>
               <a:t>Beliebig tiefe Verkettung</a:t>
             </a:r>
           </a:p>
           <a:p>
+            <a:pPr>
+              <a:buFont typeface="Arial" panose="020B0604020202020204" pitchFamily="34" charset="0"/>
+              <a:buChar char="•"/>
+            </a:pPr>
             <a:r>
               <a:rPr lang="de-DE" sz="2000" dirty="0"/>
               <a:t>Anwendungsbeispiel: Abhängige Formularfelder</a:t>
@@ -8087,12 +8141,20 @@
             </a:r>
           </a:p>
           <a:p>
+            <a:pPr>
+              <a:buFont typeface="Arial" panose="020B0604020202020204" pitchFamily="34" charset="0"/>
+              <a:buChar char="•"/>
+            </a:pPr>
             <a:r>
               <a:rPr lang="de-DE" sz="2000" dirty="0"/>
               <a:t>Kapselung von Datenobjekten (Strings, POJOs, …)</a:t>
             </a:r>
           </a:p>
           <a:p>
+            <a:pPr>
+              <a:buFont typeface="Arial" panose="020B0604020202020204" pitchFamily="34" charset="0"/>
+              <a:buChar char="•"/>
+            </a:pPr>
             <a:r>
               <a:rPr lang="de-DE" sz="2000" b="1" dirty="0"/>
               <a:t>Data Binding</a:t>
@@ -8103,6 +8165,10 @@
             </a:r>
           </a:p>
           <a:p>
+            <a:pPr>
+              <a:buFont typeface="Arial" panose="020B0604020202020204" pitchFamily="34" charset="0"/>
+              <a:buChar char="•"/>
+            </a:pPr>
             <a:r>
               <a:rPr lang="de-DE" sz="2000" dirty="0"/>
               <a:t>Höchstens ein Model pro Komponente</a:t>
@@ -8226,6 +8292,10 @@
             </a:r>
           </a:p>
           <a:p>
+            <a:pPr>
+              <a:buFont typeface="Arial" panose="020B0604020202020204" pitchFamily="34" charset="0"/>
+              <a:buChar char="•"/>
+            </a:pPr>
             <a:r>
               <a:rPr lang="de-DE" sz="2000" dirty="0"/>
               <a:t>Convenience: </a:t>
@@ -8241,20 +8311,30 @@
             <a:endParaRPr lang="de-DE" sz="2000" dirty="0"/>
           </a:p>
           <a:p>
+            <a:pPr>
+              <a:buFont typeface="Arial" panose="020B0604020202020204" pitchFamily="34" charset="0"/>
+              <a:buChar char="•"/>
+            </a:pPr>
             <a:r>
               <a:rPr lang="de-DE" sz="2000" dirty="0"/>
               <a:t>Best Practices</a:t>
             </a:r>
           </a:p>
           <a:p>
-            <a:pPr lvl="1"/>
+            <a:pPr lvl="1">
+              <a:buFont typeface="Arial" panose="020B0604020202020204" pitchFamily="34" charset="0"/>
+              <a:buChar char="•"/>
+            </a:pPr>
             <a:r>
               <a:rPr lang="de-DE" sz="1600" dirty="0"/>
               <a:t>Immer Models für Komponenten verwenden</a:t>
             </a:r>
           </a:p>
           <a:p>
-            <a:pPr lvl="1"/>
+            <a:pPr lvl="1">
+              <a:buFont typeface="Arial" panose="020B0604020202020204" pitchFamily="34" charset="0"/>
+              <a:buChar char="•"/>
+            </a:pPr>
             <a:r>
               <a:rPr lang="de-DE" sz="1600" dirty="0"/>
               <a:t>Datenobjekte nur Auspacken, wenn benötigt</a:t>
@@ -8352,12 +8432,20 @@
             <a:endParaRPr lang="de-DE" sz="2000" b="1" dirty="0"/>
           </a:p>
           <a:p>
+            <a:pPr>
+              <a:buFont typeface="Arial" panose="020B0604020202020204" pitchFamily="34" charset="0"/>
+              <a:buChar char="•"/>
+            </a:pPr>
             <a:r>
               <a:rPr lang="de-DE" sz="2000" dirty="0"/>
               <a:t>Kapselt einzelne Property eines Fachobjektes</a:t>
             </a:r>
           </a:p>
           <a:p>
+            <a:pPr>
+              <a:buFont typeface="Arial" panose="020B0604020202020204" pitchFamily="34" charset="0"/>
+              <a:buChar char="•"/>
+            </a:pPr>
             <a:r>
               <a:rPr lang="de-DE" sz="2000" dirty="0"/>
               <a:t>Vorteile gegenüber </a:t>
@@ -8372,14 +8460,20 @@
             </a:r>
           </a:p>
           <a:p>
-            <a:pPr lvl="1"/>
+            <a:pPr lvl="1">
+              <a:buFont typeface="Arial" panose="020B0604020202020204" pitchFamily="34" charset="0"/>
+              <a:buChar char="•"/>
+            </a:pPr>
             <a:r>
               <a:rPr lang="de-DE" sz="1600" dirty="0"/>
               <a:t>Immer aktueller Wert in UI</a:t>
             </a:r>
           </a:p>
           <a:p>
-            <a:pPr lvl="1"/>
+            <a:pPr lvl="1">
+              <a:buFont typeface="Arial" panose="020B0604020202020204" pitchFamily="34" charset="0"/>
+              <a:buChar char="•"/>
+            </a:pPr>
             <a:r>
               <a:rPr lang="de-DE" sz="1600" dirty="0"/>
               <a:t>Aktualisierung der Property in Objekt</a:t>
@@ -8811,6 +8905,10 @@
             </a:r>
           </a:p>
           <a:p>
+            <a:pPr>
+              <a:buFont typeface="Arial" panose="020B0604020202020204" pitchFamily="34" charset="0"/>
+              <a:buChar char="•"/>
+            </a:pPr>
             <a:r>
               <a:rPr lang="de-DE" sz="2000" dirty="0" err="1"/>
               <a:t>IModel</a:t>
@@ -8834,12 +8932,20 @@
             <a:endParaRPr lang="de-DE" sz="2000" dirty="0"/>
           </a:p>
           <a:p>
+            <a:pPr>
+              <a:buFont typeface="Arial" panose="020B0604020202020204" pitchFamily="34" charset="0"/>
+              <a:buChar char="•"/>
+            </a:pPr>
             <a:r>
               <a:rPr lang="de-DE" sz="2000" dirty="0"/>
               <a:t>Implementierung durch Lambda oder Methodenreferenz</a:t>
             </a:r>
           </a:p>
           <a:p>
+            <a:pPr>
+              <a:buFont typeface="Arial" panose="020B0604020202020204" pitchFamily="34" charset="0"/>
+              <a:buChar char="•"/>
+            </a:pPr>
             <a:r>
               <a:rPr lang="de-DE" sz="2000" dirty="0"/>
               <a:t>Typsicher, unterstützt </a:t>
@@ -8851,6 +8957,10 @@
             <a:endParaRPr lang="de-DE" sz="2000" dirty="0"/>
           </a:p>
           <a:p>
+            <a:pPr>
+              <a:buFont typeface="Arial" panose="020B0604020202020204" pitchFamily="34" charset="0"/>
+              <a:buChar char="•"/>
+            </a:pPr>
             <a:r>
               <a:rPr lang="de-DE" altLang="de-DE" sz="2000" dirty="0">
                 <a:solidFill>
@@ -9264,6 +9374,10 @@
             <a:endParaRPr lang="de-DE" sz="2000" b="1" dirty="0"/>
           </a:p>
           <a:p>
+            <a:pPr>
+              <a:buFont typeface="Arial" panose="020B0604020202020204" pitchFamily="34" charset="0"/>
+              <a:buChar char="•"/>
+            </a:pPr>
             <a:r>
               <a:rPr lang="de-DE" sz="2000" dirty="0"/>
               <a:t>Neu in </a:t>
@@ -9278,6 +9392,10 @@
             </a:r>
           </a:p>
           <a:p>
+            <a:pPr>
+              <a:buFont typeface="Arial" panose="020B0604020202020204" pitchFamily="34" charset="0"/>
+              <a:buChar char="•"/>
+            </a:pPr>
             <a:r>
               <a:rPr lang="de-DE" sz="2000" dirty="0"/>
               <a:t>Alternative zu </a:t>
@@ -9289,6 +9407,10 @@
             <a:endParaRPr lang="de-DE" sz="2000" dirty="0"/>
           </a:p>
           <a:p>
+            <a:pPr>
+              <a:buFont typeface="Arial" panose="020B0604020202020204" pitchFamily="34" charset="0"/>
+              <a:buChar char="•"/>
+            </a:pPr>
             <a:r>
               <a:rPr lang="de-DE" sz="2000" dirty="0"/>
               <a:t>Typsicher, unterstützt </a:t>
@@ -9300,6 +9422,10 @@
             <a:endParaRPr lang="de-DE" sz="2000" dirty="0"/>
           </a:p>
           <a:p>
+            <a:pPr>
+              <a:buFont typeface="Arial" panose="020B0604020202020204" pitchFamily="34" charset="0"/>
+              <a:buChar char="•"/>
+            </a:pPr>
             <a:r>
               <a:rPr lang="de-DE" sz="2000" dirty="0"/>
               <a:t>Höhere Performance</a:t>
@@ -9732,6 +9858,10 @@
             <a:endParaRPr lang="de-DE" sz="2000" b="1" dirty="0"/>
           </a:p>
           <a:p>
+            <a:pPr>
+              <a:buFont typeface="Arial" panose="020B0604020202020204" pitchFamily="34" charset="0"/>
+              <a:buChar char="•"/>
+            </a:pPr>
             <a:r>
               <a:rPr lang="de-DE" sz="2000" dirty="0"/>
               <a:t>Interface </a:t>
@@ -9743,12 +9873,20 @@
             <a:endParaRPr lang="de-DE" sz="2000" i="1" dirty="0"/>
           </a:p>
           <a:p>
+            <a:pPr>
+              <a:buFont typeface="Arial" panose="020B0604020202020204" pitchFamily="34" charset="0"/>
+              <a:buChar char="•"/>
+            </a:pPr>
             <a:r>
               <a:rPr lang="de-DE" sz="2000" dirty="0"/>
               <a:t>Komponenten können Models an Nachfahren vererben</a:t>
             </a:r>
           </a:p>
           <a:p>
+            <a:pPr>
+              <a:buFont typeface="Arial" panose="020B0604020202020204" pitchFamily="34" charset="0"/>
+              <a:buChar char="•"/>
+            </a:pPr>
             <a:r>
               <a:rPr lang="de-DE" sz="2000" dirty="0"/>
               <a:t>Komponente hat kein Modell → Suche bei Vorfahren</a:t>
@@ -9843,6 +9981,10 @@
             <a:endParaRPr lang="de-DE" sz="2000" b="1" dirty="0"/>
           </a:p>
           <a:p>
+            <a:pPr>
+              <a:buFont typeface="Arial" panose="020B0604020202020204" pitchFamily="34" charset="0"/>
+              <a:buChar char="•"/>
+            </a:pPr>
             <a:r>
               <a:rPr lang="de-DE" sz="2000" dirty="0"/>
               <a:t>Implementiert </a:t>
@@ -9854,6 +9996,10 @@
             <a:endParaRPr lang="de-DE" sz="2000" i="1" dirty="0"/>
           </a:p>
           <a:p>
+            <a:pPr>
+              <a:buFont typeface="Arial" panose="020B0604020202020204" pitchFamily="34" charset="0"/>
+              <a:buChar char="•"/>
+            </a:pPr>
             <a:r>
               <a:rPr lang="de-DE" sz="2000" dirty="0"/>
               <a:t>Bindung üblicherweise an Container</a:t>
@@ -9861,13 +10007,20 @@
             <a:endParaRPr lang="de-DE" sz="2000" i="1" dirty="0"/>
           </a:p>
           <a:p>
+            <a:pPr>
+              <a:buFont typeface="Arial" panose="020B0604020202020204" pitchFamily="34" charset="0"/>
+              <a:buChar char="•"/>
+            </a:pPr>
             <a:r>
               <a:rPr lang="de-DE" sz="2000" dirty="0"/>
               <a:t>Funktion</a:t>
             </a:r>
           </a:p>
           <a:p>
-            <a:pPr lvl="1"/>
+            <a:pPr lvl="1">
+              <a:buFont typeface="Arial" panose="020B0604020202020204" pitchFamily="34" charset="0"/>
+              <a:buChar char="•"/>
+            </a:pPr>
             <a:r>
               <a:rPr lang="de-DE" sz="1600" dirty="0"/>
               <a:t>Fungiert als „</a:t>
@@ -9882,7 +10035,10 @@
             </a:r>
           </a:p>
           <a:p>
-            <a:pPr lvl="1"/>
+            <a:pPr lvl="1">
+              <a:buFont typeface="Arial" panose="020B0604020202020204" pitchFamily="34" charset="0"/>
+              <a:buChar char="•"/>
+            </a:pPr>
             <a:r>
               <a:rPr lang="de-DE" sz="1600" dirty="0"/>
               <a:t>ID der Komponenten-Nachfahren bestimmt Name der Property</a:t>

--- a/slides/Tag-2_1-Bestandteile_Models.pptx
+++ b/slides/Tag-2_1-Bestandteile_Models.pptx
@@ -4933,7 +4933,7 @@
               <a:pPr algn="ctr">
                 <a:defRPr/>
               </a:pPr>
-              <a:t>15.03.2019</a:t>
+              <a:t>01.03.2020</a:t>
             </a:fld>
             <a:endParaRPr lang="de-DE" sz="1000" dirty="0">
               <a:solidFill>
@@ -8020,7 +8020,27 @@
             </a:pPr>
             <a:r>
               <a:rPr lang="de-DE" sz="2000" dirty="0"/>
-              <a:t>Anwendungsbeispiel: Abhängige Formularfelder</a:t>
+              <a:t>Anwendungen</a:t>
+            </a:r>
+          </a:p>
+          <a:p>
+            <a:pPr lvl="1">
+              <a:buFont typeface="Arial" panose="020B0604020202020204" pitchFamily="34" charset="0"/>
+              <a:buChar char="•"/>
+            </a:pPr>
+            <a:r>
+              <a:rPr lang="de-DE" sz="1600" dirty="0"/>
+              <a:t>Decorator</a:t>
+            </a:r>
+          </a:p>
+          <a:p>
+            <a:pPr lvl="1">
+              <a:buFont typeface="Arial" panose="020B0604020202020204" pitchFamily="34" charset="0"/>
+              <a:buChar char="•"/>
+            </a:pPr>
+            <a:r>
+              <a:rPr lang="de-DE" sz="1600" dirty="0"/>
+              <a:t>Abhängige Formularfelder</a:t>
             </a:r>
           </a:p>
         </p:txBody>
@@ -8171,7 +8191,7 @@
             </a:pPr>
             <a:r>
               <a:rPr lang="de-DE" sz="2000" dirty="0"/>
-              <a:t>Höchstens ein Model pro Komponente</a:t>
+              <a:t>Höchstens ein (verknüpftes) Model pro Komponente</a:t>
             </a:r>
           </a:p>
         </p:txBody>
@@ -9187,7 +9207,7 @@
                 <a:latin typeface="Consolas" panose="020B0609020204030204" pitchFamily="49" charset="0"/>
                 <a:cs typeface="Consolas" panose="020B0609020204030204" pitchFamily="49" charset="0"/>
               </a:rPr>
-              <a:t>name</a:t>
+              <a:t>getName</a:t>
             </a:r>
             <a:r>
               <a:rPr lang="de-DE" altLang="de-DE" sz="1600" dirty="0">

--- a/slides/Tag-2_1-Bestandteile_Models.pptx
+++ b/slides/Tag-2_1-Bestandteile_Models.pptx
@@ -4933,7 +4933,7 @@
               <a:pPr algn="ctr">
                 <a:defRPr/>
               </a:pPr>
-              <a:t>01.03.2020</a:t>
+              <a:t>14.05.2021</a:t>
             </a:fld>
             <a:endParaRPr lang="de-DE" sz="1000" dirty="0">
               <a:solidFill>
@@ -5509,14 +5509,20 @@
               <a:defRPr/>
             </a:pPr>
             <a:r>
-              <a:rPr lang="de-DE" sz="1000" dirty="0">
+              <a:rPr lang="de-DE" sz="1000" dirty="0" smtClean="0">
                 <a:solidFill>
                   <a:schemeClr val="bg1"/>
                 </a:solidFill>
                 <a:latin typeface="Arial" charset="0"/>
               </a:rPr>
-              <a:t>Daniel Krämer</a:t>
-            </a:r>
+              <a:t>Patrick Möbius</a:t>
+            </a:r>
+            <a:endParaRPr lang="de-DE" sz="1000" dirty="0">
+              <a:solidFill>
+                <a:schemeClr val="bg1"/>
+              </a:solidFill>
+              <a:latin typeface="Arial" charset="0"/>
+            </a:endParaRPr>
           </a:p>
         </p:txBody>
       </p:sp>
@@ -7049,6 +7055,16 @@
                 <a:cs typeface="Consolas" panose="020B0609020204030204" pitchFamily="49" charset="0"/>
               </a:rPr>
             </a:br>
+            <a:r>
+              <a:rPr lang="de-DE" altLang="de-DE" sz="1600" dirty="0">
+                <a:solidFill>
+                  <a:srgbClr val="000000"/>
+                </a:solidFill>
+                <a:latin typeface="Consolas" panose="020B0609020204030204" pitchFamily="49" charset="0"/>
+                <a:cs typeface="Consolas" panose="020B0609020204030204" pitchFamily="49" charset="0"/>
+              </a:rPr>
+              <a:t/>
+            </a:r>
             <a:br>
               <a:rPr lang="de-DE" altLang="de-DE" sz="1600" dirty="0">
                 <a:solidFill>
@@ -8619,6 +8635,16 @@
                 <a:cs typeface="Consolas" panose="020B0609020204030204" pitchFamily="49" charset="0"/>
               </a:rPr>
             </a:br>
+            <a:r>
+              <a:rPr lang="de-DE" altLang="de-DE" sz="1600" i="1" dirty="0">
+                <a:solidFill>
+                  <a:srgbClr val="808080"/>
+                </a:solidFill>
+                <a:latin typeface="Consolas" panose="020B0609020204030204" pitchFamily="49" charset="0"/>
+                <a:cs typeface="Consolas" panose="020B0609020204030204" pitchFamily="49" charset="0"/>
+              </a:rPr>
+              <a:t/>
+            </a:r>
             <a:br>
               <a:rPr lang="de-DE" altLang="de-DE" sz="1600" i="1" dirty="0">
                 <a:solidFill>
@@ -9110,6 +9136,16 @@
                 <a:cs typeface="Consolas" panose="020B0609020204030204" pitchFamily="49" charset="0"/>
               </a:rPr>
             </a:br>
+            <a:r>
+              <a:rPr lang="de-DE" altLang="de-DE" sz="1600" i="1" dirty="0">
+                <a:solidFill>
+                  <a:srgbClr val="808080"/>
+                </a:solidFill>
+                <a:latin typeface="Consolas" panose="020B0609020204030204" pitchFamily="49" charset="0"/>
+                <a:cs typeface="Consolas" panose="020B0609020204030204" pitchFamily="49" charset="0"/>
+              </a:rPr>
+              <a:t/>
+            </a:r>
             <a:br>
               <a:rPr lang="de-DE" altLang="de-DE" sz="1600" i="1" dirty="0">
                 <a:solidFill>
@@ -10270,6 +10306,16 @@
             <a:pPr marL="0" lvl="0" indent="0">
               <a:buNone/>
             </a:pPr>
+            <a:r>
+              <a:rPr lang="de-DE" altLang="de-DE" sz="1600" dirty="0">
+                <a:solidFill>
+                  <a:srgbClr val="000000"/>
+                </a:solidFill>
+                <a:latin typeface="Consolas" panose="020B0609020204030204" pitchFamily="49" charset="0"/>
+                <a:cs typeface="Consolas" panose="020B0609020204030204" pitchFamily="49" charset="0"/>
+              </a:rPr>
+              <a:t/>
+            </a:r>
             <a:br>
               <a:rPr lang="de-DE" altLang="de-DE" sz="1600" dirty="0">
                 <a:solidFill>

--- a/slides/Tag-2_1-Bestandteile_Models.pptx
+++ b/slides/Tag-2_1-Bestandteile_Models.pptx
@@ -6,25 +6,26 @@
     <p:sldMasterId id="2147483649" r:id="rId2"/>
   </p:sldMasterIdLst>
   <p:notesMasterIdLst>
-    <p:notesMasterId r:id="rId16"/>
+    <p:notesMasterId r:id="rId17"/>
   </p:notesMasterIdLst>
   <p:handoutMasterIdLst>
-    <p:handoutMasterId r:id="rId17"/>
+    <p:handoutMasterId r:id="rId18"/>
   </p:handoutMasterIdLst>
   <p:sldIdLst>
-    <p:sldId id="587" r:id="rId3"/>
-    <p:sldId id="484" r:id="rId4"/>
-    <p:sldId id="510" r:id="rId5"/>
-    <p:sldId id="502" r:id="rId6"/>
-    <p:sldId id="588" r:id="rId7"/>
-    <p:sldId id="589" r:id="rId8"/>
-    <p:sldId id="500" r:id="rId9"/>
-    <p:sldId id="503" r:id="rId10"/>
-    <p:sldId id="504" r:id="rId11"/>
-    <p:sldId id="505" r:id="rId12"/>
-    <p:sldId id="507" r:id="rId13"/>
-    <p:sldId id="501" r:id="rId14"/>
-    <p:sldId id="509" r:id="rId15"/>
+    <p:sldId id="590" r:id="rId3"/>
+    <p:sldId id="587" r:id="rId4"/>
+    <p:sldId id="484" r:id="rId5"/>
+    <p:sldId id="510" r:id="rId6"/>
+    <p:sldId id="502" r:id="rId7"/>
+    <p:sldId id="588" r:id="rId8"/>
+    <p:sldId id="589" r:id="rId9"/>
+    <p:sldId id="500" r:id="rId10"/>
+    <p:sldId id="503" r:id="rId11"/>
+    <p:sldId id="504" r:id="rId12"/>
+    <p:sldId id="505" r:id="rId13"/>
+    <p:sldId id="507" r:id="rId14"/>
+    <p:sldId id="501" r:id="rId15"/>
+    <p:sldId id="509" r:id="rId16"/>
   </p:sldIdLst>
   <p:sldSz cx="9144000" cy="6858000" type="screen4x3"/>
   <p:notesSz cx="6784975" cy="9921875"/>
@@ -4933,7 +4934,7 @@
               <a:pPr algn="ctr">
                 <a:defRPr/>
               </a:pPr>
-              <a:t>14.05.2021</a:t>
+              <a:t>25.05.2021</a:t>
             </a:fld>
             <a:endParaRPr lang="de-DE" sz="1000" dirty="0">
               <a:solidFill>
@@ -6733,63 +6734,266 @@
       </p:grpSpPr>
       <p:sp>
         <p:nvSpPr>
-          <p:cNvPr id="2" name="Titel 1"/>
+          <p:cNvPr id="17410" name="Inhaltsplatzhalter 2"/>
           <p:cNvSpPr>
             <a:spLocks noGrp="1"/>
+          </p:cNvSpPr>
+          <p:nvPr>
+            <p:ph idx="1"/>
+          </p:nvPr>
+        </p:nvSpPr>
+        <p:spPr>
+          <a:xfrm>
+            <a:off x="303213" y="1341438"/>
+            <a:ext cx="8589962" cy="4824412"/>
+          </a:xfrm>
+        </p:spPr>
+        <p:txBody>
+          <a:bodyPr/>
+          <a:lstStyle/>
+          <a:p>
+            <a:pPr>
+              <a:buFont typeface="Arial" panose="020B0604020202020204" pitchFamily="34" charset="0"/>
+              <a:buChar char="•"/>
+            </a:pPr>
+            <a:r>
+              <a:rPr lang="de-DE" sz="1800" b="1" dirty="0"/>
+              <a:t>Tag 1 – Einführung</a:t>
+            </a:r>
+          </a:p>
+          <a:p>
+            <a:pPr lvl="1">
+              <a:buFont typeface="Arial" panose="020B0604020202020204" pitchFamily="34" charset="0"/>
+              <a:buChar char="•"/>
+            </a:pPr>
+            <a:r>
+              <a:rPr lang="de-DE" sz="1400" dirty="0"/>
+              <a:t>Installation</a:t>
+            </a:r>
+          </a:p>
+          <a:p>
+            <a:pPr lvl="1">
+              <a:buFont typeface="Arial" panose="020B0604020202020204" pitchFamily="34" charset="0"/>
+              <a:buChar char="•"/>
+            </a:pPr>
+            <a:r>
+              <a:rPr lang="de-DE" sz="1400" dirty="0"/>
+              <a:t>Erste Anwendung</a:t>
+            </a:r>
+          </a:p>
+          <a:p>
+            <a:pPr lvl="1">
+              <a:buFont typeface="Arial" panose="020B0604020202020204" pitchFamily="34" charset="0"/>
+              <a:buChar char="•"/>
+            </a:pPr>
+            <a:r>
+              <a:rPr lang="de-DE" sz="1400" dirty="0"/>
+              <a:t>Architektur</a:t>
+            </a:r>
+          </a:p>
+          <a:p>
+            <a:pPr lvl="1">
+              <a:buNone/>
+            </a:pPr>
+            <a:endParaRPr lang="de-DE" sz="1400" dirty="0"/>
+          </a:p>
+          <a:p>
+            <a:pPr>
+              <a:buFont typeface="Arial" panose="020B0604020202020204" pitchFamily="34" charset="0"/>
+              <a:buChar char="•"/>
+            </a:pPr>
+            <a:r>
+              <a:rPr lang="de-DE" sz="1800" b="1" dirty="0"/>
+              <a:t>Tag 2 – Entwicklung</a:t>
+            </a:r>
+          </a:p>
+          <a:p>
+            <a:pPr lvl="1">
+              <a:buFont typeface="Arial" panose="020B0604020202020204" pitchFamily="34" charset="0"/>
+              <a:buChar char="•"/>
+            </a:pPr>
+            <a:r>
+              <a:rPr lang="de-DE" sz="1400" u="sng" dirty="0"/>
+              <a:t>Models</a:t>
+            </a:r>
+          </a:p>
+          <a:p>
+            <a:pPr lvl="1">
+              <a:buFont typeface="Arial" panose="020B0604020202020204" pitchFamily="34" charset="0"/>
+              <a:buChar char="•"/>
+            </a:pPr>
+            <a:r>
+              <a:rPr lang="de-DE" sz="1400" dirty="0"/>
+              <a:t>Darstellung</a:t>
+            </a:r>
+          </a:p>
+          <a:p>
+            <a:pPr lvl="1">
+              <a:buFont typeface="Arial" panose="020B0604020202020204" pitchFamily="34" charset="0"/>
+              <a:buChar char="•"/>
+            </a:pPr>
+            <a:r>
+              <a:rPr lang="de-DE" sz="1400" dirty="0"/>
+              <a:t>Formulare</a:t>
+            </a:r>
+          </a:p>
+          <a:p>
+            <a:pPr lvl="1">
+              <a:buFont typeface="Arial" panose="020B0604020202020204" pitchFamily="34" charset="0"/>
+              <a:buChar char="•"/>
+            </a:pPr>
+            <a:r>
+              <a:rPr lang="de-DE" sz="1400" dirty="0"/>
+              <a:t>Ajax</a:t>
+            </a:r>
+          </a:p>
+          <a:p>
+            <a:pPr lvl="1">
+              <a:buNone/>
+            </a:pPr>
+            <a:endParaRPr lang="de-DE" sz="1400" dirty="0"/>
+          </a:p>
+          <a:p>
+            <a:pPr>
+              <a:buFont typeface="Arial" panose="020B0604020202020204" pitchFamily="34" charset="0"/>
+              <a:buChar char="•"/>
+            </a:pPr>
+            <a:r>
+              <a:rPr lang="de-DE" sz="1800" b="1" dirty="0"/>
+              <a:t>Tag 3 – Fortgeschrittene Themen</a:t>
+            </a:r>
+          </a:p>
+          <a:p>
+            <a:pPr lvl="1">
+              <a:buFont typeface="Arial" panose="020B0604020202020204" pitchFamily="34" charset="0"/>
+              <a:buChar char="•"/>
+            </a:pPr>
+            <a:r>
+              <a:rPr lang="de-DE" sz="1400" dirty="0"/>
+              <a:t>Tests</a:t>
+            </a:r>
+          </a:p>
+          <a:p>
+            <a:pPr lvl="1">
+              <a:buFont typeface="Arial" panose="020B0604020202020204" pitchFamily="34" charset="0"/>
+              <a:buChar char="•"/>
+            </a:pPr>
+            <a:r>
+              <a:rPr lang="de-DE" sz="1400" dirty="0"/>
+              <a:t>Security &amp; </a:t>
+            </a:r>
+            <a:r>
+              <a:rPr lang="de-DE" sz="1400" dirty="0" err="1"/>
+              <a:t>Deployment</a:t>
+            </a:r>
+            <a:endParaRPr lang="de-DE" sz="1400" dirty="0"/>
+          </a:p>
+          <a:p>
+            <a:pPr lvl="1">
+              <a:buFont typeface="Arial" panose="020B0604020202020204" pitchFamily="34" charset="0"/>
+              <a:buChar char="•"/>
+            </a:pPr>
+            <a:r>
+              <a:rPr lang="de-DE" sz="1400" dirty="0"/>
+              <a:t>Lokalisierung &amp; Internationalisierung</a:t>
+            </a:r>
+          </a:p>
+          <a:p>
+            <a:pPr lvl="1">
+              <a:buFont typeface="Arial" panose="020B0604020202020204" pitchFamily="34" charset="0"/>
+              <a:buChar char="•"/>
+            </a:pPr>
+            <a:r>
+              <a:rPr lang="de-DE" sz="1400" dirty="0"/>
+              <a:t>Performance</a:t>
+            </a:r>
+          </a:p>
+          <a:p>
+            <a:pPr lvl="1">
+              <a:buFont typeface="Arial" panose="020B0604020202020204" pitchFamily="34" charset="0"/>
+              <a:buChar char="•"/>
+            </a:pPr>
+            <a:r>
+              <a:rPr lang="de-DE" sz="1400" dirty="0"/>
+              <a:t>Best Practices</a:t>
+            </a:r>
+          </a:p>
+        </p:txBody>
+      </p:sp>
+      <p:sp>
+        <p:nvSpPr>
+          <p:cNvPr id="17411" name="Rectangle 1062"/>
+          <p:cNvSpPr>
+            <a:spLocks noGrp="1" noChangeArrowheads="1"/>
           </p:cNvSpPr>
           <p:nvPr>
             <p:ph type="title"/>
           </p:nvPr>
         </p:nvSpPr>
-        <p:spPr/>
+        <p:spPr>
+          <a:xfrm>
+            <a:off x="285750" y="142875"/>
+            <a:ext cx="5654675" cy="706438"/>
+          </a:xfrm>
+        </p:spPr>
         <p:txBody>
           <a:bodyPr/>
           <a:lstStyle/>
           <a:p>
             <a:r>
               <a:rPr lang="de-DE" dirty="0"/>
-              <a:t>Models</a:t>
+              <a:t>Agenda</a:t>
             </a:r>
           </a:p>
         </p:txBody>
       </p:sp>
-      <p:sp>
-        <p:nvSpPr>
-          <p:cNvPr id="3" name="Untertitel 2"/>
-          <p:cNvSpPr>
-            <a:spLocks noGrp="1"/>
-          </p:cNvSpPr>
-          <p:nvPr>
-            <p:ph type="body" idx="1"/>
-          </p:nvPr>
-        </p:nvSpPr>
-        <p:spPr/>
-        <p:txBody>
-          <a:bodyPr/>
-          <a:lstStyle/>
-          <a:p>
-            <a:r>
-              <a:rPr lang="de-DE" dirty="0"/>
-              <a:t>Die Bestandteile von </a:t>
-            </a:r>
-            <a:r>
-              <a:rPr lang="de-DE" dirty="0" err="1"/>
-              <a:t>Wicket</a:t>
-            </a:r>
-            <a:endParaRPr lang="de-DE" dirty="0"/>
-          </a:p>
-        </p:txBody>
-      </p:sp>
+      <p:pic>
+        <p:nvPicPr>
+          <p:cNvPr id="4" name="Grafik 3"/>
+          <p:cNvPicPr>
+            <a:picLocks noChangeAspect="1"/>
+          </p:cNvPicPr>
+          <p:nvPr/>
+        </p:nvPicPr>
+        <p:blipFill>
+          <a:blip r:embed="rId2">
+            <a:extLst>
+              <a:ext uri="{28A0092B-C50C-407E-A947-70E740481C1C}">
+                <a14:useLocalDpi xmlns:a14="http://schemas.microsoft.com/office/drawing/2010/main" val="0"/>
+              </a:ext>
+            </a:extLst>
+          </a:blip>
+          <a:stretch>
+            <a:fillRect/>
+          </a:stretch>
+        </p:blipFill>
+        <p:spPr>
+          <a:xfrm>
+            <a:off x="5868144" y="3140968"/>
+            <a:ext cx="2031746" cy="749206"/>
+          </a:xfrm>
+          <a:prstGeom prst="rect">
+            <a:avLst/>
+          </a:prstGeom>
+        </p:spPr>
+      </p:pic>
     </p:spTree>
     <p:extLst>
       <p:ext uri="{BB962C8B-B14F-4D97-AF65-F5344CB8AC3E}">
-        <p14:creationId xmlns:p14="http://schemas.microsoft.com/office/powerpoint/2010/main" val="614702079"/>
+        <p14:creationId xmlns:p14="http://schemas.microsoft.com/office/powerpoint/2010/main" val="4027097180"/>
       </p:ext>
     </p:extLst>
   </p:cSld>
   <p:clrMapOvr>
     <a:masterClrMapping/>
   </p:clrMapOvr>
+  <p:timing>
+    <p:tnLst>
+      <p:par>
+        <p:cTn id="1" dur="indefinite" restart="never" nodeType="tmRoot"/>
+      </p:par>
+    </p:tnLst>
+  </p:timing>
 </p:sld>
 </file>
 
@@ -6834,14 +7038,13 @@
               <a:buNone/>
             </a:pPr>
             <a:r>
+              <a:rPr lang="de-DE" sz="2000" b="1" dirty="0" err="1"/>
+              <a:t>PropertyModel</a:t>
+            </a:r>
+            <a:r>
               <a:rPr lang="de-DE" sz="2000" b="1" dirty="0"/>
-              <a:t>… </a:t>
-            </a:r>
-            <a:r>
-              <a:rPr lang="de-DE" sz="2000" b="1" dirty="0" err="1"/>
-              <a:t>CompoundPropertyModel</a:t>
-            </a:r>
-            <a:endParaRPr lang="de-DE" sz="2000" b="1" dirty="0"/>
+              <a:t> und…</a:t>
+            </a:r>
           </a:p>
           <a:p>
             <a:pPr marL="0" indent="0">
@@ -6851,10 +7054,6 @@
           </a:p>
           <a:p>
             <a:pPr marL="0" lvl="0" indent="0">
-              <a:spcBef>
-                <a:spcPct val="0"/>
-              </a:spcBef>
-              <a:buClrTx/>
               <a:buNone/>
             </a:pPr>
             <a:r>
@@ -6956,6 +7155,21 @@
                 <a:cs typeface="Consolas" panose="020B0609020204030204" pitchFamily="49" charset="0"/>
               </a:rPr>
               <a:t>);</a:t>
+            </a:r>
+          </a:p>
+          <a:p>
+            <a:pPr marL="0" lvl="0" indent="0">
+              <a:buNone/>
+            </a:pPr>
+            <a:r>
+              <a:rPr lang="de-DE" altLang="de-DE" sz="1600" dirty="0">
+                <a:solidFill>
+                  <a:srgbClr val="000000"/>
+                </a:solidFill>
+                <a:latin typeface="Consolas" panose="020B0609020204030204" pitchFamily="49" charset="0"/>
+                <a:cs typeface="Consolas" panose="020B0609020204030204" pitchFamily="49" charset="0"/>
+              </a:rPr>
+              <a:t/>
             </a:r>
             <a:br>
               <a:rPr lang="de-DE" altLang="de-DE" sz="1600" dirty="0">
@@ -6974,7 +7188,7 @@
                 <a:latin typeface="Consolas" panose="020B0609020204030204" pitchFamily="49" charset="0"/>
                 <a:cs typeface="Consolas" panose="020B0609020204030204" pitchFamily="49" charset="0"/>
               </a:rPr>
-              <a:t>setDefaultModel</a:t>
+              <a:t>add</a:t>
             </a:r>
             <a:r>
               <a:rPr lang="de-DE" altLang="de-DE" sz="1600" dirty="0">
@@ -6984,67 +7198,177 @@
                 <a:latin typeface="Consolas" panose="020B0609020204030204" pitchFamily="49" charset="0"/>
                 <a:cs typeface="Consolas" panose="020B0609020204030204" pitchFamily="49" charset="0"/>
               </a:rPr>
+              <a:t>( </a:t>
+            </a:r>
+            <a:r>
+              <a:rPr lang="de-DE" altLang="de-DE" sz="1600" b="1" dirty="0" err="1">
+                <a:solidFill>
+                  <a:srgbClr val="000080"/>
+                </a:solidFill>
+                <a:latin typeface="Consolas" panose="020B0609020204030204" pitchFamily="49" charset="0"/>
+                <a:cs typeface="Consolas" panose="020B0609020204030204" pitchFamily="49" charset="0"/>
+              </a:rPr>
+              <a:t>new</a:t>
+            </a:r>
+            <a:r>
+              <a:rPr lang="de-DE" altLang="de-DE" sz="1600" b="1" dirty="0">
+                <a:solidFill>
+                  <a:srgbClr val="000080"/>
+                </a:solidFill>
+                <a:latin typeface="Consolas" panose="020B0609020204030204" pitchFamily="49" charset="0"/>
+                <a:cs typeface="Consolas" panose="020B0609020204030204" pitchFamily="49" charset="0"/>
+              </a:rPr>
+              <a:t> </a:t>
+            </a:r>
+            <a:r>
+              <a:rPr lang="de-DE" altLang="de-DE" sz="1600" dirty="0">
+                <a:solidFill>
+                  <a:srgbClr val="000000"/>
+                </a:solidFill>
+                <a:latin typeface="Consolas" panose="020B0609020204030204" pitchFamily="49" charset="0"/>
+                <a:cs typeface="Consolas" panose="020B0609020204030204" pitchFamily="49" charset="0"/>
+              </a:rPr>
+              <a:t>Label(</a:t>
+            </a:r>
+            <a:r>
+              <a:rPr lang="de-DE" altLang="de-DE" sz="1600" b="1" dirty="0">
+                <a:solidFill>
+                  <a:srgbClr val="008000"/>
+                </a:solidFill>
+                <a:latin typeface="Consolas" panose="020B0609020204030204" pitchFamily="49" charset="0"/>
+                <a:cs typeface="Consolas" panose="020B0609020204030204" pitchFamily="49" charset="0"/>
+              </a:rPr>
+              <a:t>"</a:t>
+            </a:r>
+            <a:r>
+              <a:rPr lang="de-DE" altLang="de-DE" sz="1600" b="1" dirty="0" err="1">
+                <a:solidFill>
+                  <a:srgbClr val="008000"/>
+                </a:solidFill>
+                <a:latin typeface="Consolas" panose="020B0609020204030204" pitchFamily="49" charset="0"/>
+                <a:cs typeface="Consolas" panose="020B0609020204030204" pitchFamily="49" charset="0"/>
+              </a:rPr>
+              <a:t>name</a:t>
+            </a:r>
+            <a:r>
+              <a:rPr lang="de-DE" altLang="de-DE" sz="1600" b="1" dirty="0">
+                <a:solidFill>
+                  <a:srgbClr val="008000"/>
+                </a:solidFill>
+                <a:latin typeface="Consolas" panose="020B0609020204030204" pitchFamily="49" charset="0"/>
+                <a:cs typeface="Consolas" panose="020B0609020204030204" pitchFamily="49" charset="0"/>
+              </a:rPr>
+              <a:t>"</a:t>
+            </a:r>
+            <a:r>
+              <a:rPr lang="de-DE" altLang="de-DE" sz="1600" dirty="0">
+                <a:solidFill>
+                  <a:srgbClr val="000000"/>
+                </a:solidFill>
+                <a:latin typeface="Consolas" panose="020B0609020204030204" pitchFamily="49" charset="0"/>
+                <a:cs typeface="Consolas" panose="020B0609020204030204" pitchFamily="49" charset="0"/>
+              </a:rPr>
+              <a:t>, </a:t>
+            </a:r>
+            <a:r>
+              <a:rPr lang="de-DE" altLang="de-DE" sz="1600" b="1" dirty="0" err="1">
+                <a:solidFill>
+                  <a:srgbClr val="000080"/>
+                </a:solidFill>
+                <a:latin typeface="Consolas" panose="020B0609020204030204" pitchFamily="49" charset="0"/>
+                <a:cs typeface="Consolas" panose="020B0609020204030204" pitchFamily="49" charset="0"/>
+              </a:rPr>
+              <a:t>new</a:t>
+            </a:r>
+            <a:r>
+              <a:rPr lang="de-DE" altLang="de-DE" sz="1600" b="1" dirty="0">
+                <a:solidFill>
+                  <a:srgbClr val="000080"/>
+                </a:solidFill>
+                <a:latin typeface="Consolas" panose="020B0609020204030204" pitchFamily="49" charset="0"/>
+                <a:cs typeface="Consolas" panose="020B0609020204030204" pitchFamily="49" charset="0"/>
+              </a:rPr>
+              <a:t> </a:t>
+            </a:r>
+            <a:r>
+              <a:rPr lang="de-DE" altLang="de-DE" sz="1600" dirty="0" err="1">
+                <a:solidFill>
+                  <a:srgbClr val="000000"/>
+                </a:solidFill>
+                <a:latin typeface="Consolas" panose="020B0609020204030204" pitchFamily="49" charset="0"/>
+                <a:cs typeface="Consolas" panose="020B0609020204030204" pitchFamily="49" charset="0"/>
+              </a:rPr>
+              <a:t>PropertyModel</a:t>
+            </a:r>
+            <a:r>
+              <a:rPr lang="de-DE" altLang="de-DE" sz="1600" dirty="0">
+                <a:solidFill>
+                  <a:srgbClr val="000000"/>
+                </a:solidFill>
+                <a:latin typeface="Consolas" panose="020B0609020204030204" pitchFamily="49" charset="0"/>
+                <a:cs typeface="Consolas" panose="020B0609020204030204" pitchFamily="49" charset="0"/>
+              </a:rPr>
               <a:t>(</a:t>
             </a:r>
             <a:r>
+              <a:rPr lang="de-DE" altLang="de-DE" sz="1600" dirty="0" err="1">
+                <a:solidFill>
+                  <a:srgbClr val="000000"/>
+                </a:solidFill>
+                <a:latin typeface="Consolas" panose="020B0609020204030204" pitchFamily="49" charset="0"/>
+                <a:cs typeface="Consolas" panose="020B0609020204030204" pitchFamily="49" charset="0"/>
+              </a:rPr>
+              <a:t>person</a:t>
+            </a:r>
+            <a:r>
+              <a:rPr lang="de-DE" altLang="de-DE" sz="1600" dirty="0">
+                <a:solidFill>
+                  <a:srgbClr val="000000"/>
+                </a:solidFill>
+                <a:latin typeface="Consolas" panose="020B0609020204030204" pitchFamily="49" charset="0"/>
+                <a:cs typeface="Consolas" panose="020B0609020204030204" pitchFamily="49" charset="0"/>
+              </a:rPr>
+              <a:t>, </a:t>
+            </a:r>
+            <a:r>
+              <a:rPr lang="de-DE" altLang="de-DE" sz="1600" b="1" dirty="0">
+                <a:solidFill>
+                  <a:srgbClr val="008000"/>
+                </a:solidFill>
+                <a:latin typeface="Consolas" panose="020B0609020204030204" pitchFamily="49" charset="0"/>
+                <a:cs typeface="Consolas" panose="020B0609020204030204" pitchFamily="49" charset="0"/>
+              </a:rPr>
+              <a:t>"</a:t>
+            </a:r>
+            <a:r>
               <a:rPr lang="de-DE" altLang="de-DE" sz="1600" b="1" dirty="0" err="1">
                 <a:solidFill>
-                  <a:srgbClr val="000080"/>
-                </a:solidFill>
-                <a:latin typeface="Consolas" panose="020B0609020204030204" pitchFamily="49" charset="0"/>
-                <a:cs typeface="Consolas" panose="020B0609020204030204" pitchFamily="49" charset="0"/>
-              </a:rPr>
-              <a:t>new</a:t>
+                  <a:srgbClr val="008000"/>
+                </a:solidFill>
+                <a:latin typeface="Consolas" panose="020B0609020204030204" pitchFamily="49" charset="0"/>
+                <a:cs typeface="Consolas" panose="020B0609020204030204" pitchFamily="49" charset="0"/>
+              </a:rPr>
+              <a:t>name</a:t>
             </a:r>
             <a:r>
               <a:rPr lang="de-DE" altLang="de-DE" sz="1600" b="1" dirty="0">
                 <a:solidFill>
-                  <a:srgbClr val="000080"/>
-                </a:solidFill>
-                <a:latin typeface="Consolas" panose="020B0609020204030204" pitchFamily="49" charset="0"/>
-                <a:cs typeface="Consolas" panose="020B0609020204030204" pitchFamily="49" charset="0"/>
-              </a:rPr>
-              <a:t> </a:t>
-            </a:r>
-            <a:r>
-              <a:rPr lang="de-DE" altLang="de-DE" sz="1600" dirty="0" err="1">
+                  <a:srgbClr val="008000"/>
+                </a:solidFill>
+                <a:latin typeface="Consolas" panose="020B0609020204030204" pitchFamily="49" charset="0"/>
+                <a:cs typeface="Consolas" panose="020B0609020204030204" pitchFamily="49" charset="0"/>
+              </a:rPr>
+              <a:t>"</a:t>
+            </a:r>
+            <a:r>
+              <a:rPr lang="de-DE" altLang="de-DE" sz="1600" dirty="0">
                 <a:solidFill>
                   <a:srgbClr val="000000"/>
                 </a:solidFill>
                 <a:latin typeface="Consolas" panose="020B0609020204030204" pitchFamily="49" charset="0"/>
                 <a:cs typeface="Consolas" panose="020B0609020204030204" pitchFamily="49" charset="0"/>
               </a:rPr>
-              <a:t>CompoundPropertyModel</a:t>
-            </a:r>
-            <a:r>
-              <a:rPr lang="de-DE" altLang="de-DE" sz="1600" dirty="0">
-                <a:solidFill>
-                  <a:srgbClr val="000000"/>
-                </a:solidFill>
-                <a:latin typeface="Consolas" panose="020B0609020204030204" pitchFamily="49" charset="0"/>
-                <a:cs typeface="Consolas" panose="020B0609020204030204" pitchFamily="49" charset="0"/>
-              </a:rPr>
-              <a:t>(</a:t>
-            </a:r>
-            <a:r>
-              <a:rPr lang="de-DE" altLang="de-DE" sz="1600" dirty="0" err="1">
-                <a:solidFill>
-                  <a:srgbClr val="000000"/>
-                </a:solidFill>
-                <a:latin typeface="Consolas" panose="020B0609020204030204" pitchFamily="49" charset="0"/>
-                <a:cs typeface="Consolas" panose="020B0609020204030204" pitchFamily="49" charset="0"/>
-              </a:rPr>
-              <a:t>person</a:t>
-            </a:r>
-            <a:r>
-              <a:rPr lang="de-DE" altLang="de-DE" sz="1600" dirty="0">
-                <a:solidFill>
-                  <a:srgbClr val="000000"/>
-                </a:solidFill>
-                <a:latin typeface="Consolas" panose="020B0609020204030204" pitchFamily="49" charset="0"/>
-                <a:cs typeface="Consolas" panose="020B0609020204030204" pitchFamily="49" charset="0"/>
-              </a:rPr>
-              <a:t>));</a:t>
+              <a:t>)));</a:t>
             </a:r>
             <a:br>
               <a:rPr lang="de-DE" altLang="de-DE" sz="1600" dirty="0">
@@ -7056,6 +7380,16 @@
               </a:rPr>
             </a:br>
             <a:r>
+              <a:rPr lang="de-DE" altLang="de-DE" sz="1600" dirty="0" err="1">
+                <a:solidFill>
+                  <a:srgbClr val="000000"/>
+                </a:solidFill>
+                <a:latin typeface="Consolas" panose="020B0609020204030204" pitchFamily="49" charset="0"/>
+                <a:cs typeface="Consolas" panose="020B0609020204030204" pitchFamily="49" charset="0"/>
+              </a:rPr>
+              <a:t>add</a:t>
+            </a:r>
+            <a:r>
               <a:rPr lang="de-DE" altLang="de-DE" sz="1600" dirty="0">
                 <a:solidFill>
                   <a:srgbClr val="000000"/>
@@ -7063,7 +7397,177 @@
                 <a:latin typeface="Consolas" panose="020B0609020204030204" pitchFamily="49" charset="0"/>
                 <a:cs typeface="Consolas" panose="020B0609020204030204" pitchFamily="49" charset="0"/>
               </a:rPr>
-              <a:t/>
+              <a:t>( </a:t>
+            </a:r>
+            <a:r>
+              <a:rPr lang="de-DE" altLang="de-DE" sz="1600" b="1" dirty="0" err="1">
+                <a:solidFill>
+                  <a:srgbClr val="000080"/>
+                </a:solidFill>
+                <a:latin typeface="Consolas" panose="020B0609020204030204" pitchFamily="49" charset="0"/>
+                <a:cs typeface="Consolas" panose="020B0609020204030204" pitchFamily="49" charset="0"/>
+              </a:rPr>
+              <a:t>new</a:t>
+            </a:r>
+            <a:r>
+              <a:rPr lang="de-DE" altLang="de-DE" sz="1600" b="1" dirty="0">
+                <a:solidFill>
+                  <a:srgbClr val="000080"/>
+                </a:solidFill>
+                <a:latin typeface="Consolas" panose="020B0609020204030204" pitchFamily="49" charset="0"/>
+                <a:cs typeface="Consolas" panose="020B0609020204030204" pitchFamily="49" charset="0"/>
+              </a:rPr>
+              <a:t> </a:t>
+            </a:r>
+            <a:r>
+              <a:rPr lang="de-DE" altLang="de-DE" sz="1600" dirty="0">
+                <a:solidFill>
+                  <a:srgbClr val="000000"/>
+                </a:solidFill>
+                <a:latin typeface="Consolas" panose="020B0609020204030204" pitchFamily="49" charset="0"/>
+                <a:cs typeface="Consolas" panose="020B0609020204030204" pitchFamily="49" charset="0"/>
+              </a:rPr>
+              <a:t>Label(</a:t>
+            </a:r>
+            <a:r>
+              <a:rPr lang="de-DE" altLang="de-DE" sz="1600" b="1" dirty="0">
+                <a:solidFill>
+                  <a:srgbClr val="008000"/>
+                </a:solidFill>
+                <a:latin typeface="Consolas" panose="020B0609020204030204" pitchFamily="49" charset="0"/>
+                <a:cs typeface="Consolas" panose="020B0609020204030204" pitchFamily="49" charset="0"/>
+              </a:rPr>
+              <a:t>"</a:t>
+            </a:r>
+            <a:r>
+              <a:rPr lang="de-DE" altLang="de-DE" sz="1600" b="1" dirty="0" err="1">
+                <a:solidFill>
+                  <a:srgbClr val="008000"/>
+                </a:solidFill>
+                <a:latin typeface="Consolas" panose="020B0609020204030204" pitchFamily="49" charset="0"/>
+                <a:cs typeface="Consolas" panose="020B0609020204030204" pitchFamily="49" charset="0"/>
+              </a:rPr>
+              <a:t>surname</a:t>
+            </a:r>
+            <a:r>
+              <a:rPr lang="de-DE" altLang="de-DE" sz="1600" b="1" dirty="0">
+                <a:solidFill>
+                  <a:srgbClr val="008000"/>
+                </a:solidFill>
+                <a:latin typeface="Consolas" panose="020B0609020204030204" pitchFamily="49" charset="0"/>
+                <a:cs typeface="Consolas" panose="020B0609020204030204" pitchFamily="49" charset="0"/>
+              </a:rPr>
+              <a:t>"</a:t>
+            </a:r>
+            <a:r>
+              <a:rPr lang="de-DE" altLang="de-DE" sz="1600" dirty="0">
+                <a:solidFill>
+                  <a:srgbClr val="000000"/>
+                </a:solidFill>
+                <a:latin typeface="Consolas" panose="020B0609020204030204" pitchFamily="49" charset="0"/>
+                <a:cs typeface="Consolas" panose="020B0609020204030204" pitchFamily="49" charset="0"/>
+              </a:rPr>
+              <a:t>, </a:t>
+            </a:r>
+            <a:r>
+              <a:rPr lang="de-DE" altLang="de-DE" sz="1600" b="1" dirty="0" err="1">
+                <a:solidFill>
+                  <a:srgbClr val="000080"/>
+                </a:solidFill>
+                <a:latin typeface="Consolas" panose="020B0609020204030204" pitchFamily="49" charset="0"/>
+                <a:cs typeface="Consolas" panose="020B0609020204030204" pitchFamily="49" charset="0"/>
+              </a:rPr>
+              <a:t>new</a:t>
+            </a:r>
+            <a:r>
+              <a:rPr lang="de-DE" altLang="de-DE" sz="1600" b="1" dirty="0">
+                <a:solidFill>
+                  <a:srgbClr val="000080"/>
+                </a:solidFill>
+                <a:latin typeface="Consolas" panose="020B0609020204030204" pitchFamily="49" charset="0"/>
+                <a:cs typeface="Consolas" panose="020B0609020204030204" pitchFamily="49" charset="0"/>
+              </a:rPr>
+              <a:t> </a:t>
+            </a:r>
+            <a:r>
+              <a:rPr lang="de-DE" altLang="de-DE" sz="1600" dirty="0" err="1">
+                <a:solidFill>
+                  <a:srgbClr val="000000"/>
+                </a:solidFill>
+                <a:latin typeface="Consolas" panose="020B0609020204030204" pitchFamily="49" charset="0"/>
+                <a:cs typeface="Consolas" panose="020B0609020204030204" pitchFamily="49" charset="0"/>
+              </a:rPr>
+              <a:t>PropertyModel</a:t>
+            </a:r>
+            <a:r>
+              <a:rPr lang="de-DE" altLang="de-DE" sz="1600" dirty="0">
+                <a:solidFill>
+                  <a:srgbClr val="000000"/>
+                </a:solidFill>
+                <a:latin typeface="Consolas" panose="020B0609020204030204" pitchFamily="49" charset="0"/>
+                <a:cs typeface="Consolas" panose="020B0609020204030204" pitchFamily="49" charset="0"/>
+              </a:rPr>
+              <a:t>(</a:t>
+            </a:r>
+            <a:r>
+              <a:rPr lang="de-DE" altLang="de-DE" sz="1600" dirty="0" err="1">
+                <a:solidFill>
+                  <a:srgbClr val="000000"/>
+                </a:solidFill>
+                <a:latin typeface="Consolas" panose="020B0609020204030204" pitchFamily="49" charset="0"/>
+                <a:cs typeface="Consolas" panose="020B0609020204030204" pitchFamily="49" charset="0"/>
+              </a:rPr>
+              <a:t>person</a:t>
+            </a:r>
+            <a:r>
+              <a:rPr lang="de-DE" altLang="de-DE" sz="1600" dirty="0">
+                <a:solidFill>
+                  <a:srgbClr val="000000"/>
+                </a:solidFill>
+                <a:latin typeface="Consolas" panose="020B0609020204030204" pitchFamily="49" charset="0"/>
+                <a:cs typeface="Consolas" panose="020B0609020204030204" pitchFamily="49" charset="0"/>
+              </a:rPr>
+              <a:t>, </a:t>
+            </a:r>
+            <a:r>
+              <a:rPr lang="de-DE" altLang="de-DE" sz="1600" b="1" dirty="0">
+                <a:solidFill>
+                  <a:srgbClr val="008000"/>
+                </a:solidFill>
+                <a:latin typeface="Consolas" panose="020B0609020204030204" pitchFamily="49" charset="0"/>
+                <a:cs typeface="Consolas" panose="020B0609020204030204" pitchFamily="49" charset="0"/>
+              </a:rPr>
+              <a:t>"</a:t>
+            </a:r>
+            <a:r>
+              <a:rPr lang="de-DE" altLang="de-DE" sz="1600" b="1" dirty="0" err="1">
+                <a:solidFill>
+                  <a:srgbClr val="008000"/>
+                </a:solidFill>
+                <a:latin typeface="Consolas" panose="020B0609020204030204" pitchFamily="49" charset="0"/>
+                <a:cs typeface="Consolas" panose="020B0609020204030204" pitchFamily="49" charset="0"/>
+              </a:rPr>
+              <a:t>surname</a:t>
+            </a:r>
+            <a:r>
+              <a:rPr lang="de-DE" altLang="de-DE" sz="1600" b="1" dirty="0">
+                <a:solidFill>
+                  <a:srgbClr val="008000"/>
+                </a:solidFill>
+                <a:latin typeface="Consolas" panose="020B0609020204030204" pitchFamily="49" charset="0"/>
+                <a:cs typeface="Consolas" panose="020B0609020204030204" pitchFamily="49" charset="0"/>
+              </a:rPr>
+              <a:t>"</a:t>
+            </a:r>
+            <a:r>
+              <a:rPr lang="de-DE" altLang="de-DE" sz="1600" dirty="0">
+                <a:solidFill>
+                  <a:srgbClr val="000000"/>
+                </a:solidFill>
+                <a:latin typeface="Consolas" panose="020B0609020204030204" pitchFamily="49" charset="0"/>
+                <a:cs typeface="Consolas" panose="020B0609020204030204" pitchFamily="49" charset="0"/>
+              </a:rPr>
+              <a:t>)));</a:t>
             </a:r>
             <a:br>
               <a:rPr lang="de-DE" altLang="de-DE" sz="1600" dirty="0">
@@ -7092,27 +7596,167 @@
                 <a:latin typeface="Consolas" panose="020B0609020204030204" pitchFamily="49" charset="0"/>
                 <a:cs typeface="Consolas" panose="020B0609020204030204" pitchFamily="49" charset="0"/>
               </a:rPr>
+              <a:t>( </a:t>
+            </a:r>
+            <a:r>
+              <a:rPr lang="de-DE" altLang="de-DE" sz="1600" b="1" dirty="0" err="1">
+                <a:solidFill>
+                  <a:srgbClr val="000080"/>
+                </a:solidFill>
+                <a:latin typeface="Consolas" panose="020B0609020204030204" pitchFamily="49" charset="0"/>
+                <a:cs typeface="Consolas" panose="020B0609020204030204" pitchFamily="49" charset="0"/>
+              </a:rPr>
+              <a:t>new</a:t>
+            </a:r>
+            <a:r>
+              <a:rPr lang="de-DE" altLang="de-DE" sz="1600" b="1" dirty="0">
+                <a:solidFill>
+                  <a:srgbClr val="000080"/>
+                </a:solidFill>
+                <a:latin typeface="Consolas" panose="020B0609020204030204" pitchFamily="49" charset="0"/>
+                <a:cs typeface="Consolas" panose="020B0609020204030204" pitchFamily="49" charset="0"/>
+              </a:rPr>
+              <a:t> </a:t>
+            </a:r>
+            <a:r>
+              <a:rPr lang="de-DE" altLang="de-DE" sz="1600" dirty="0">
+                <a:solidFill>
+                  <a:srgbClr val="000000"/>
+                </a:solidFill>
+                <a:latin typeface="Consolas" panose="020B0609020204030204" pitchFamily="49" charset="0"/>
+                <a:cs typeface="Consolas" panose="020B0609020204030204" pitchFamily="49" charset="0"/>
+              </a:rPr>
+              <a:t>Label(</a:t>
+            </a:r>
+            <a:r>
+              <a:rPr lang="de-DE" altLang="de-DE" sz="1600" b="1" dirty="0">
+                <a:solidFill>
+                  <a:srgbClr val="008000"/>
+                </a:solidFill>
+                <a:latin typeface="Consolas" panose="020B0609020204030204" pitchFamily="49" charset="0"/>
+                <a:cs typeface="Consolas" panose="020B0609020204030204" pitchFamily="49" charset="0"/>
+              </a:rPr>
+              <a:t>"</a:t>
+            </a:r>
+            <a:r>
+              <a:rPr lang="de-DE" altLang="de-DE" sz="1600" b="1" dirty="0" err="1">
+                <a:solidFill>
+                  <a:srgbClr val="008000"/>
+                </a:solidFill>
+                <a:latin typeface="Consolas" panose="020B0609020204030204" pitchFamily="49" charset="0"/>
+                <a:cs typeface="Consolas" panose="020B0609020204030204" pitchFamily="49" charset="0"/>
+              </a:rPr>
+              <a:t>address</a:t>
+            </a:r>
+            <a:r>
+              <a:rPr lang="de-DE" altLang="de-DE" sz="1600" b="1" dirty="0">
+                <a:solidFill>
+                  <a:srgbClr val="008000"/>
+                </a:solidFill>
+                <a:latin typeface="Consolas" panose="020B0609020204030204" pitchFamily="49" charset="0"/>
+                <a:cs typeface="Consolas" panose="020B0609020204030204" pitchFamily="49" charset="0"/>
+              </a:rPr>
+              <a:t>"</a:t>
+            </a:r>
+            <a:r>
+              <a:rPr lang="de-DE" altLang="de-DE" sz="1600" dirty="0">
+                <a:solidFill>
+                  <a:srgbClr val="000000"/>
+                </a:solidFill>
+                <a:latin typeface="Consolas" panose="020B0609020204030204" pitchFamily="49" charset="0"/>
+                <a:cs typeface="Consolas" panose="020B0609020204030204" pitchFamily="49" charset="0"/>
+              </a:rPr>
+              <a:t>, </a:t>
+            </a:r>
+            <a:r>
+              <a:rPr lang="de-DE" altLang="de-DE" sz="1600" b="1" dirty="0" err="1">
+                <a:solidFill>
+                  <a:srgbClr val="000080"/>
+                </a:solidFill>
+                <a:latin typeface="Consolas" panose="020B0609020204030204" pitchFamily="49" charset="0"/>
+                <a:cs typeface="Consolas" panose="020B0609020204030204" pitchFamily="49" charset="0"/>
+              </a:rPr>
+              <a:t>new</a:t>
+            </a:r>
+            <a:r>
+              <a:rPr lang="de-DE" altLang="de-DE" sz="1600" b="1" dirty="0">
+                <a:solidFill>
+                  <a:srgbClr val="000080"/>
+                </a:solidFill>
+                <a:latin typeface="Consolas" panose="020B0609020204030204" pitchFamily="49" charset="0"/>
+                <a:cs typeface="Consolas" panose="020B0609020204030204" pitchFamily="49" charset="0"/>
+              </a:rPr>
+              <a:t> </a:t>
+            </a:r>
+            <a:r>
+              <a:rPr lang="de-DE" altLang="de-DE" sz="1600" dirty="0" err="1">
+                <a:solidFill>
+                  <a:srgbClr val="000000"/>
+                </a:solidFill>
+                <a:latin typeface="Consolas" panose="020B0609020204030204" pitchFamily="49" charset="0"/>
+                <a:cs typeface="Consolas" panose="020B0609020204030204" pitchFamily="49" charset="0"/>
+              </a:rPr>
+              <a:t>PropertyModel</a:t>
+            </a:r>
+            <a:r>
+              <a:rPr lang="de-DE" altLang="de-DE" sz="1600" dirty="0">
+                <a:solidFill>
+                  <a:srgbClr val="000000"/>
+                </a:solidFill>
+                <a:latin typeface="Consolas" panose="020B0609020204030204" pitchFamily="49" charset="0"/>
+                <a:cs typeface="Consolas" panose="020B0609020204030204" pitchFamily="49" charset="0"/>
+              </a:rPr>
               <a:t>(</a:t>
             </a:r>
             <a:r>
+              <a:rPr lang="de-DE" altLang="de-DE" sz="1600" dirty="0" err="1">
+                <a:solidFill>
+                  <a:srgbClr val="000000"/>
+                </a:solidFill>
+                <a:latin typeface="Consolas" panose="020B0609020204030204" pitchFamily="49" charset="0"/>
+                <a:cs typeface="Consolas" panose="020B0609020204030204" pitchFamily="49" charset="0"/>
+              </a:rPr>
+              <a:t>person</a:t>
+            </a:r>
+            <a:r>
+              <a:rPr lang="de-DE" altLang="de-DE" sz="1600" dirty="0">
+                <a:solidFill>
+                  <a:srgbClr val="000000"/>
+                </a:solidFill>
+                <a:latin typeface="Consolas" panose="020B0609020204030204" pitchFamily="49" charset="0"/>
+                <a:cs typeface="Consolas" panose="020B0609020204030204" pitchFamily="49" charset="0"/>
+              </a:rPr>
+              <a:t>, </a:t>
+            </a:r>
+            <a:r>
+              <a:rPr lang="de-DE" altLang="de-DE" sz="1600" b="1" dirty="0">
+                <a:solidFill>
+                  <a:srgbClr val="008000"/>
+                </a:solidFill>
+                <a:latin typeface="Consolas" panose="020B0609020204030204" pitchFamily="49" charset="0"/>
+                <a:cs typeface="Consolas" panose="020B0609020204030204" pitchFamily="49" charset="0"/>
+              </a:rPr>
+              <a:t>"</a:t>
+            </a:r>
+            <a:r>
               <a:rPr lang="de-DE" altLang="de-DE" sz="1600" b="1" dirty="0" err="1">
                 <a:solidFill>
-                  <a:srgbClr val="000080"/>
-                </a:solidFill>
-                <a:latin typeface="Consolas" panose="020B0609020204030204" pitchFamily="49" charset="0"/>
-                <a:cs typeface="Consolas" panose="020B0609020204030204" pitchFamily="49" charset="0"/>
-              </a:rPr>
-              <a:t>new</a:t>
+                  <a:srgbClr val="008000"/>
+                </a:solidFill>
+                <a:latin typeface="Consolas" panose="020B0609020204030204" pitchFamily="49" charset="0"/>
+                <a:cs typeface="Consolas" panose="020B0609020204030204" pitchFamily="49" charset="0"/>
+              </a:rPr>
+              <a:t>address</a:t>
             </a:r>
             <a:r>
               <a:rPr lang="de-DE" altLang="de-DE" sz="1600" b="1" dirty="0">
                 <a:solidFill>
-                  <a:srgbClr val="000080"/>
-                </a:solidFill>
-                <a:latin typeface="Consolas" panose="020B0609020204030204" pitchFamily="49" charset="0"/>
-                <a:cs typeface="Consolas" panose="020B0609020204030204" pitchFamily="49" charset="0"/>
-              </a:rPr>
-              <a:t> </a:t>
+                  <a:srgbClr val="008000"/>
+                </a:solidFill>
+                <a:latin typeface="Consolas" panose="020B0609020204030204" pitchFamily="49" charset="0"/>
+                <a:cs typeface="Consolas" panose="020B0609020204030204" pitchFamily="49" charset="0"/>
+              </a:rPr>
+              <a:t>"</a:t>
             </a:r>
             <a:r>
               <a:rPr lang="de-DE" altLang="de-DE" sz="1600" dirty="0">
@@ -7122,47 +7766,7 @@
                 <a:latin typeface="Consolas" panose="020B0609020204030204" pitchFamily="49" charset="0"/>
                 <a:cs typeface="Consolas" panose="020B0609020204030204" pitchFamily="49" charset="0"/>
               </a:rPr>
-              <a:t>Label(</a:t>
-            </a:r>
-            <a:r>
-              <a:rPr lang="de-DE" altLang="de-DE" sz="1600" b="1" dirty="0">
-                <a:solidFill>
-                  <a:srgbClr val="008000"/>
-                </a:solidFill>
-                <a:latin typeface="Consolas" panose="020B0609020204030204" pitchFamily="49" charset="0"/>
-                <a:cs typeface="Consolas" panose="020B0609020204030204" pitchFamily="49" charset="0"/>
-              </a:rPr>
-              <a:t>"</a:t>
-            </a:r>
-            <a:r>
-              <a:rPr lang="de-DE" altLang="de-DE" sz="1600" b="1" dirty="0" err="1">
-                <a:solidFill>
-                  <a:srgbClr val="008000"/>
-                </a:solidFill>
-                <a:latin typeface="Consolas" panose="020B0609020204030204" pitchFamily="49" charset="0"/>
-                <a:cs typeface="Consolas" panose="020B0609020204030204" pitchFamily="49" charset="0"/>
-              </a:rPr>
-              <a:t>name</a:t>
-            </a:r>
-            <a:r>
-              <a:rPr lang="de-DE" altLang="de-DE" sz="1600" b="1" dirty="0">
-                <a:solidFill>
-                  <a:srgbClr val="008000"/>
-                </a:solidFill>
-                <a:latin typeface="Consolas" panose="020B0609020204030204" pitchFamily="49" charset="0"/>
-                <a:cs typeface="Consolas" panose="020B0609020204030204" pitchFamily="49" charset="0"/>
-              </a:rPr>
-              <a:t>"</a:t>
-            </a:r>
-            <a:r>
-              <a:rPr lang="de-DE" altLang="de-DE" sz="1600" dirty="0">
-                <a:solidFill>
-                  <a:srgbClr val="000000"/>
-                </a:solidFill>
-                <a:latin typeface="Consolas" panose="020B0609020204030204" pitchFamily="49" charset="0"/>
-                <a:cs typeface="Consolas" panose="020B0609020204030204" pitchFamily="49" charset="0"/>
-              </a:rPr>
-              <a:t>));</a:t>
+              <a:t>)));</a:t>
             </a:r>
             <a:br>
               <a:rPr lang="de-DE" altLang="de-DE" sz="1600" dirty="0">
@@ -7191,27 +7795,127 @@
                 <a:latin typeface="Consolas" panose="020B0609020204030204" pitchFamily="49" charset="0"/>
                 <a:cs typeface="Consolas" panose="020B0609020204030204" pitchFamily="49" charset="0"/>
               </a:rPr>
+              <a:t>( </a:t>
+            </a:r>
+            <a:r>
+              <a:rPr lang="de-DE" altLang="de-DE" sz="1600" b="1" dirty="0" err="1">
+                <a:solidFill>
+                  <a:srgbClr val="000080"/>
+                </a:solidFill>
+                <a:latin typeface="Consolas" panose="020B0609020204030204" pitchFamily="49" charset="0"/>
+                <a:cs typeface="Consolas" panose="020B0609020204030204" pitchFamily="49" charset="0"/>
+              </a:rPr>
+              <a:t>new</a:t>
+            </a:r>
+            <a:r>
+              <a:rPr lang="de-DE" altLang="de-DE" sz="1600" b="1" dirty="0">
+                <a:solidFill>
+                  <a:srgbClr val="000080"/>
+                </a:solidFill>
+                <a:latin typeface="Consolas" panose="020B0609020204030204" pitchFamily="49" charset="0"/>
+                <a:cs typeface="Consolas" panose="020B0609020204030204" pitchFamily="49" charset="0"/>
+              </a:rPr>
+              <a:t> </a:t>
+            </a:r>
+            <a:r>
+              <a:rPr lang="de-DE" altLang="de-DE" sz="1600" dirty="0">
+                <a:solidFill>
+                  <a:srgbClr val="000000"/>
+                </a:solidFill>
+                <a:latin typeface="Consolas" panose="020B0609020204030204" pitchFamily="49" charset="0"/>
+                <a:cs typeface="Consolas" panose="020B0609020204030204" pitchFamily="49" charset="0"/>
+              </a:rPr>
+              <a:t>Label(</a:t>
+            </a:r>
+            <a:r>
+              <a:rPr lang="de-DE" altLang="de-DE" sz="1600" b="1" dirty="0">
+                <a:solidFill>
+                  <a:srgbClr val="008000"/>
+                </a:solidFill>
+                <a:latin typeface="Consolas" panose="020B0609020204030204" pitchFamily="49" charset="0"/>
+                <a:cs typeface="Consolas" panose="020B0609020204030204" pitchFamily="49" charset="0"/>
+              </a:rPr>
+              <a:t>"email"</a:t>
+            </a:r>
+            <a:r>
+              <a:rPr lang="de-DE" altLang="de-DE" sz="1600" dirty="0">
+                <a:solidFill>
+                  <a:srgbClr val="000000"/>
+                </a:solidFill>
+                <a:latin typeface="Consolas" panose="020B0609020204030204" pitchFamily="49" charset="0"/>
+                <a:cs typeface="Consolas" panose="020B0609020204030204" pitchFamily="49" charset="0"/>
+              </a:rPr>
+              <a:t>, </a:t>
+            </a:r>
+            <a:r>
+              <a:rPr lang="de-DE" altLang="de-DE" sz="1600" b="1" dirty="0" err="1">
+                <a:solidFill>
+                  <a:srgbClr val="000080"/>
+                </a:solidFill>
+                <a:latin typeface="Consolas" panose="020B0609020204030204" pitchFamily="49" charset="0"/>
+                <a:cs typeface="Consolas" panose="020B0609020204030204" pitchFamily="49" charset="0"/>
+              </a:rPr>
+              <a:t>new</a:t>
+            </a:r>
+            <a:r>
+              <a:rPr lang="de-DE" altLang="de-DE" sz="1600" b="1" dirty="0">
+                <a:solidFill>
+                  <a:srgbClr val="000080"/>
+                </a:solidFill>
+                <a:latin typeface="Consolas" panose="020B0609020204030204" pitchFamily="49" charset="0"/>
+                <a:cs typeface="Consolas" panose="020B0609020204030204" pitchFamily="49" charset="0"/>
+              </a:rPr>
+              <a:t> </a:t>
+            </a:r>
+            <a:r>
+              <a:rPr lang="de-DE" altLang="de-DE" sz="1600" dirty="0" err="1">
+                <a:solidFill>
+                  <a:srgbClr val="000000"/>
+                </a:solidFill>
+                <a:latin typeface="Consolas" panose="020B0609020204030204" pitchFamily="49" charset="0"/>
+                <a:cs typeface="Consolas" panose="020B0609020204030204" pitchFamily="49" charset="0"/>
+              </a:rPr>
+              <a:t>PropertyModel</a:t>
+            </a:r>
+            <a:r>
+              <a:rPr lang="de-DE" altLang="de-DE" sz="1600" dirty="0">
+                <a:solidFill>
+                  <a:srgbClr val="000000"/>
+                </a:solidFill>
+                <a:latin typeface="Consolas" panose="020B0609020204030204" pitchFamily="49" charset="0"/>
+                <a:cs typeface="Consolas" panose="020B0609020204030204" pitchFamily="49" charset="0"/>
+              </a:rPr>
               <a:t>(</a:t>
             </a:r>
             <a:r>
-              <a:rPr lang="de-DE" altLang="de-DE" sz="1600" b="1" dirty="0" err="1">
-                <a:solidFill>
-                  <a:srgbClr val="000080"/>
-                </a:solidFill>
-                <a:latin typeface="Consolas" panose="020B0609020204030204" pitchFamily="49" charset="0"/>
-                <a:cs typeface="Consolas" panose="020B0609020204030204" pitchFamily="49" charset="0"/>
-              </a:rPr>
-              <a:t>new</a:t>
+              <a:rPr lang="de-DE" altLang="de-DE" sz="1600" dirty="0" err="1">
+                <a:solidFill>
+                  <a:srgbClr val="000000"/>
+                </a:solidFill>
+                <a:latin typeface="Consolas" panose="020B0609020204030204" pitchFamily="49" charset="0"/>
+                <a:cs typeface="Consolas" panose="020B0609020204030204" pitchFamily="49" charset="0"/>
+              </a:rPr>
+              <a:t>person</a:t>
+            </a:r>
+            <a:r>
+              <a:rPr lang="de-DE" altLang="de-DE" sz="1600" dirty="0">
+                <a:solidFill>
+                  <a:srgbClr val="000000"/>
+                </a:solidFill>
+                <a:latin typeface="Consolas" panose="020B0609020204030204" pitchFamily="49" charset="0"/>
+                <a:cs typeface="Consolas" panose="020B0609020204030204" pitchFamily="49" charset="0"/>
+              </a:rPr>
+              <a:t>, </a:t>
             </a:r>
             <a:r>
               <a:rPr lang="de-DE" altLang="de-DE" sz="1600" b="1" dirty="0">
                 <a:solidFill>
-                  <a:srgbClr val="000080"/>
-                </a:solidFill>
-                <a:latin typeface="Consolas" panose="020B0609020204030204" pitchFamily="49" charset="0"/>
-                <a:cs typeface="Consolas" panose="020B0609020204030204" pitchFamily="49" charset="0"/>
-              </a:rPr>
-              <a:t> </a:t>
+                  <a:srgbClr val="008000"/>
+                </a:solidFill>
+                <a:latin typeface="Consolas" panose="020B0609020204030204" pitchFamily="49" charset="0"/>
+                <a:cs typeface="Consolas" panose="020B0609020204030204" pitchFamily="49" charset="0"/>
+              </a:rPr>
+              <a:t>"email"</a:t>
             </a:r>
             <a:r>
               <a:rPr lang="de-DE" altLang="de-DE" sz="1600" dirty="0">
@@ -7221,47 +7925,7 @@
                 <a:latin typeface="Consolas" panose="020B0609020204030204" pitchFamily="49" charset="0"/>
                 <a:cs typeface="Consolas" panose="020B0609020204030204" pitchFamily="49" charset="0"/>
               </a:rPr>
-              <a:t>Label(</a:t>
-            </a:r>
-            <a:r>
-              <a:rPr lang="de-DE" altLang="de-DE" sz="1600" b="1" dirty="0">
-                <a:solidFill>
-                  <a:srgbClr val="008000"/>
-                </a:solidFill>
-                <a:latin typeface="Consolas" panose="020B0609020204030204" pitchFamily="49" charset="0"/>
-                <a:cs typeface="Consolas" panose="020B0609020204030204" pitchFamily="49" charset="0"/>
-              </a:rPr>
-              <a:t>"</a:t>
-            </a:r>
-            <a:r>
-              <a:rPr lang="de-DE" altLang="de-DE" sz="1600" b="1" dirty="0" err="1">
-                <a:solidFill>
-                  <a:srgbClr val="008000"/>
-                </a:solidFill>
-                <a:latin typeface="Consolas" panose="020B0609020204030204" pitchFamily="49" charset="0"/>
-                <a:cs typeface="Consolas" panose="020B0609020204030204" pitchFamily="49" charset="0"/>
-              </a:rPr>
-              <a:t>surname</a:t>
-            </a:r>
-            <a:r>
-              <a:rPr lang="de-DE" altLang="de-DE" sz="1600" b="1" dirty="0">
-                <a:solidFill>
-                  <a:srgbClr val="008000"/>
-                </a:solidFill>
-                <a:latin typeface="Consolas" panose="020B0609020204030204" pitchFamily="49" charset="0"/>
-                <a:cs typeface="Consolas" panose="020B0609020204030204" pitchFamily="49" charset="0"/>
-              </a:rPr>
-              <a:t>"</a:t>
-            </a:r>
-            <a:r>
-              <a:rPr lang="de-DE" altLang="de-DE" sz="1600" dirty="0">
-                <a:solidFill>
-                  <a:srgbClr val="000000"/>
-                </a:solidFill>
-                <a:latin typeface="Consolas" panose="020B0609020204030204" pitchFamily="49" charset="0"/>
-                <a:cs typeface="Consolas" panose="020B0609020204030204" pitchFamily="49" charset="0"/>
-              </a:rPr>
-              <a:t>));</a:t>
+              <a:t>)));</a:t>
             </a:r>
             <a:br>
               <a:rPr lang="de-DE" altLang="de-DE" sz="1600" dirty="0">
@@ -7290,27 +7954,147 @@
                 <a:latin typeface="Consolas" panose="020B0609020204030204" pitchFamily="49" charset="0"/>
                 <a:cs typeface="Consolas" panose="020B0609020204030204" pitchFamily="49" charset="0"/>
               </a:rPr>
+              <a:t>( </a:t>
+            </a:r>
+            <a:r>
+              <a:rPr lang="de-DE" altLang="de-DE" sz="1600" b="1" dirty="0" err="1">
+                <a:solidFill>
+                  <a:srgbClr val="000080"/>
+                </a:solidFill>
+                <a:latin typeface="Consolas" panose="020B0609020204030204" pitchFamily="49" charset="0"/>
+                <a:cs typeface="Consolas" panose="020B0609020204030204" pitchFamily="49" charset="0"/>
+              </a:rPr>
+              <a:t>new</a:t>
+            </a:r>
+            <a:r>
+              <a:rPr lang="de-DE" altLang="de-DE" sz="1600" b="1" dirty="0">
+                <a:solidFill>
+                  <a:srgbClr val="000080"/>
+                </a:solidFill>
+                <a:latin typeface="Consolas" panose="020B0609020204030204" pitchFamily="49" charset="0"/>
+                <a:cs typeface="Consolas" panose="020B0609020204030204" pitchFamily="49" charset="0"/>
+              </a:rPr>
+              <a:t> </a:t>
+            </a:r>
+            <a:r>
+              <a:rPr lang="de-DE" altLang="de-DE" sz="1600" dirty="0">
+                <a:solidFill>
+                  <a:srgbClr val="000000"/>
+                </a:solidFill>
+                <a:latin typeface="Consolas" panose="020B0609020204030204" pitchFamily="49" charset="0"/>
+                <a:cs typeface="Consolas" panose="020B0609020204030204" pitchFamily="49" charset="0"/>
+              </a:rPr>
+              <a:t>Label(</a:t>
+            </a:r>
+            <a:r>
+              <a:rPr lang="de-DE" altLang="de-DE" sz="1600" b="1" dirty="0">
+                <a:solidFill>
+                  <a:srgbClr val="008000"/>
+                </a:solidFill>
+                <a:latin typeface="Consolas" panose="020B0609020204030204" pitchFamily="49" charset="0"/>
+                <a:cs typeface="Consolas" panose="020B0609020204030204" pitchFamily="49" charset="0"/>
+              </a:rPr>
+              <a:t>"</a:t>
+            </a:r>
+            <a:r>
+              <a:rPr lang="de-DE" altLang="de-DE" sz="1600" b="1" dirty="0" err="1">
+                <a:solidFill>
+                  <a:srgbClr val="008000"/>
+                </a:solidFill>
+                <a:latin typeface="Consolas" panose="020B0609020204030204" pitchFamily="49" charset="0"/>
+                <a:cs typeface="Consolas" panose="020B0609020204030204" pitchFamily="49" charset="0"/>
+              </a:rPr>
+              <a:t>spouseName</a:t>
+            </a:r>
+            <a:r>
+              <a:rPr lang="de-DE" altLang="de-DE" sz="1600" b="1" dirty="0">
+                <a:solidFill>
+                  <a:srgbClr val="008000"/>
+                </a:solidFill>
+                <a:latin typeface="Consolas" panose="020B0609020204030204" pitchFamily="49" charset="0"/>
+                <a:cs typeface="Consolas" panose="020B0609020204030204" pitchFamily="49" charset="0"/>
+              </a:rPr>
+              <a:t>"</a:t>
+            </a:r>
+            <a:r>
+              <a:rPr lang="de-DE" altLang="de-DE" sz="1600" dirty="0">
+                <a:solidFill>
+                  <a:srgbClr val="000000"/>
+                </a:solidFill>
+                <a:latin typeface="Consolas" panose="020B0609020204030204" pitchFamily="49" charset="0"/>
+                <a:cs typeface="Consolas" panose="020B0609020204030204" pitchFamily="49" charset="0"/>
+              </a:rPr>
+              <a:t>, </a:t>
+            </a:r>
+            <a:r>
+              <a:rPr lang="de-DE" altLang="de-DE" sz="1600" b="1" dirty="0" err="1">
+                <a:solidFill>
+                  <a:srgbClr val="000080"/>
+                </a:solidFill>
+                <a:latin typeface="Consolas" panose="020B0609020204030204" pitchFamily="49" charset="0"/>
+                <a:cs typeface="Consolas" panose="020B0609020204030204" pitchFamily="49" charset="0"/>
+              </a:rPr>
+              <a:t>new</a:t>
+            </a:r>
+            <a:r>
+              <a:rPr lang="de-DE" altLang="de-DE" sz="1600" b="1" dirty="0">
+                <a:solidFill>
+                  <a:srgbClr val="000080"/>
+                </a:solidFill>
+                <a:latin typeface="Consolas" panose="020B0609020204030204" pitchFamily="49" charset="0"/>
+                <a:cs typeface="Consolas" panose="020B0609020204030204" pitchFamily="49" charset="0"/>
+              </a:rPr>
+              <a:t> </a:t>
+            </a:r>
+            <a:r>
+              <a:rPr lang="de-DE" altLang="de-DE" sz="1600" dirty="0" err="1">
+                <a:solidFill>
+                  <a:srgbClr val="000000"/>
+                </a:solidFill>
+                <a:latin typeface="Consolas" panose="020B0609020204030204" pitchFamily="49" charset="0"/>
+                <a:cs typeface="Consolas" panose="020B0609020204030204" pitchFamily="49" charset="0"/>
+              </a:rPr>
+              <a:t>PropertyModel</a:t>
+            </a:r>
+            <a:r>
+              <a:rPr lang="de-DE" altLang="de-DE" sz="1600" dirty="0">
+                <a:solidFill>
+                  <a:srgbClr val="000000"/>
+                </a:solidFill>
+                <a:latin typeface="Consolas" panose="020B0609020204030204" pitchFamily="49" charset="0"/>
+                <a:cs typeface="Consolas" panose="020B0609020204030204" pitchFamily="49" charset="0"/>
+              </a:rPr>
               <a:t>(</a:t>
             </a:r>
             <a:r>
-              <a:rPr lang="de-DE" altLang="de-DE" sz="1600" b="1" dirty="0" err="1">
-                <a:solidFill>
-                  <a:srgbClr val="000080"/>
-                </a:solidFill>
-                <a:latin typeface="Consolas" panose="020B0609020204030204" pitchFamily="49" charset="0"/>
-                <a:cs typeface="Consolas" panose="020B0609020204030204" pitchFamily="49" charset="0"/>
-              </a:rPr>
-              <a:t>new</a:t>
+              <a:rPr lang="de-DE" altLang="de-DE" sz="1600" dirty="0" err="1">
+                <a:solidFill>
+                  <a:srgbClr val="000000"/>
+                </a:solidFill>
+                <a:latin typeface="Consolas" panose="020B0609020204030204" pitchFamily="49" charset="0"/>
+                <a:cs typeface="Consolas" panose="020B0609020204030204" pitchFamily="49" charset="0"/>
+              </a:rPr>
+              <a:t>person</a:t>
+            </a:r>
+            <a:r>
+              <a:rPr lang="de-DE" altLang="de-DE" sz="1600" dirty="0">
+                <a:solidFill>
+                  <a:srgbClr val="000000"/>
+                </a:solidFill>
+                <a:latin typeface="Consolas" panose="020B0609020204030204" pitchFamily="49" charset="0"/>
+                <a:cs typeface="Consolas" panose="020B0609020204030204" pitchFamily="49" charset="0"/>
+              </a:rPr>
+              <a:t>, </a:t>
             </a:r>
             <a:r>
               <a:rPr lang="de-DE" altLang="de-DE" sz="1600" b="1" dirty="0">
                 <a:solidFill>
-                  <a:srgbClr val="000080"/>
-                </a:solidFill>
-                <a:latin typeface="Consolas" panose="020B0609020204030204" pitchFamily="49" charset="0"/>
-                <a:cs typeface="Consolas" panose="020B0609020204030204" pitchFamily="49" charset="0"/>
-              </a:rPr>
-              <a:t> </a:t>
+                  <a:srgbClr val="008000"/>
+                </a:solidFill>
+                <a:latin typeface="Consolas" panose="020B0609020204030204" pitchFamily="49" charset="0"/>
+                <a:cs typeface="Consolas" panose="020B0609020204030204" pitchFamily="49" charset="0"/>
+              </a:rPr>
+              <a:t>"spouse.name"</a:t>
             </a:r>
             <a:r>
               <a:rPr lang="de-DE" altLang="de-DE" sz="1600" dirty="0">
@@ -7320,210 +8104,18 @@
                 <a:latin typeface="Consolas" panose="020B0609020204030204" pitchFamily="49" charset="0"/>
                 <a:cs typeface="Consolas" panose="020B0609020204030204" pitchFamily="49" charset="0"/>
               </a:rPr>
-              <a:t>Label(</a:t>
-            </a:r>
-            <a:r>
-              <a:rPr lang="de-DE" altLang="de-DE" sz="1600" b="1" dirty="0">
-                <a:solidFill>
-                  <a:srgbClr val="008000"/>
-                </a:solidFill>
-                <a:latin typeface="Consolas" panose="020B0609020204030204" pitchFamily="49" charset="0"/>
-                <a:cs typeface="Consolas" panose="020B0609020204030204" pitchFamily="49" charset="0"/>
-              </a:rPr>
-              <a:t>"</a:t>
-            </a:r>
-            <a:r>
-              <a:rPr lang="de-DE" altLang="de-DE" sz="1600" b="1" dirty="0" err="1">
-                <a:solidFill>
-                  <a:srgbClr val="008000"/>
-                </a:solidFill>
-                <a:latin typeface="Consolas" panose="020B0609020204030204" pitchFamily="49" charset="0"/>
-                <a:cs typeface="Consolas" panose="020B0609020204030204" pitchFamily="49" charset="0"/>
-              </a:rPr>
-              <a:t>address</a:t>
-            </a:r>
-            <a:r>
-              <a:rPr lang="de-DE" altLang="de-DE" sz="1600" b="1" dirty="0">
-                <a:solidFill>
-                  <a:srgbClr val="008000"/>
-                </a:solidFill>
-                <a:latin typeface="Consolas" panose="020B0609020204030204" pitchFamily="49" charset="0"/>
-                <a:cs typeface="Consolas" panose="020B0609020204030204" pitchFamily="49" charset="0"/>
-              </a:rPr>
-              <a:t>"</a:t>
-            </a:r>
-            <a:r>
-              <a:rPr lang="de-DE" altLang="de-DE" sz="1600" dirty="0">
-                <a:solidFill>
-                  <a:srgbClr val="000000"/>
-                </a:solidFill>
-                <a:latin typeface="Consolas" panose="020B0609020204030204" pitchFamily="49" charset="0"/>
-                <a:cs typeface="Consolas" panose="020B0609020204030204" pitchFamily="49" charset="0"/>
-              </a:rPr>
-              <a:t>));</a:t>
-            </a:r>
-            <a:br>
-              <a:rPr lang="de-DE" altLang="de-DE" sz="1600" dirty="0">
-                <a:solidFill>
-                  <a:srgbClr val="000000"/>
-                </a:solidFill>
-                <a:latin typeface="Consolas" panose="020B0609020204030204" pitchFamily="49" charset="0"/>
-                <a:cs typeface="Consolas" panose="020B0609020204030204" pitchFamily="49" charset="0"/>
-              </a:rPr>
-            </a:br>
-            <a:r>
-              <a:rPr lang="de-DE" altLang="de-DE" sz="1600" dirty="0" err="1">
-                <a:solidFill>
-                  <a:srgbClr val="000000"/>
-                </a:solidFill>
-                <a:latin typeface="Consolas" panose="020B0609020204030204" pitchFamily="49" charset="0"/>
-                <a:cs typeface="Consolas" panose="020B0609020204030204" pitchFamily="49" charset="0"/>
-              </a:rPr>
-              <a:t>add</a:t>
-            </a:r>
-            <a:r>
-              <a:rPr lang="de-DE" altLang="de-DE" sz="1600" dirty="0">
-                <a:solidFill>
-                  <a:srgbClr val="000000"/>
-                </a:solidFill>
-                <a:latin typeface="Consolas" panose="020B0609020204030204" pitchFamily="49" charset="0"/>
-                <a:cs typeface="Consolas" panose="020B0609020204030204" pitchFamily="49" charset="0"/>
-              </a:rPr>
-              <a:t>(</a:t>
-            </a:r>
-            <a:r>
-              <a:rPr lang="de-DE" altLang="de-DE" sz="1600" b="1" dirty="0" err="1">
-                <a:solidFill>
-                  <a:srgbClr val="000080"/>
-                </a:solidFill>
-                <a:latin typeface="Consolas" panose="020B0609020204030204" pitchFamily="49" charset="0"/>
-                <a:cs typeface="Consolas" panose="020B0609020204030204" pitchFamily="49" charset="0"/>
-              </a:rPr>
-              <a:t>new</a:t>
-            </a:r>
-            <a:r>
-              <a:rPr lang="de-DE" altLang="de-DE" sz="1600" b="1" dirty="0">
-                <a:solidFill>
-                  <a:srgbClr val="000080"/>
-                </a:solidFill>
-                <a:latin typeface="Consolas" panose="020B0609020204030204" pitchFamily="49" charset="0"/>
-                <a:cs typeface="Consolas" panose="020B0609020204030204" pitchFamily="49" charset="0"/>
-              </a:rPr>
-              <a:t> </a:t>
-            </a:r>
-            <a:r>
-              <a:rPr lang="de-DE" altLang="de-DE" sz="1600" dirty="0">
-                <a:solidFill>
-                  <a:srgbClr val="000000"/>
-                </a:solidFill>
-                <a:latin typeface="Consolas" panose="020B0609020204030204" pitchFamily="49" charset="0"/>
-                <a:cs typeface="Consolas" panose="020B0609020204030204" pitchFamily="49" charset="0"/>
-              </a:rPr>
-              <a:t>Label(</a:t>
-            </a:r>
-            <a:r>
-              <a:rPr lang="de-DE" altLang="de-DE" sz="1600" b="1" dirty="0">
-                <a:solidFill>
-                  <a:srgbClr val="008000"/>
-                </a:solidFill>
-                <a:latin typeface="Consolas" panose="020B0609020204030204" pitchFamily="49" charset="0"/>
-                <a:cs typeface="Consolas" panose="020B0609020204030204" pitchFamily="49" charset="0"/>
-              </a:rPr>
-              <a:t>"email"</a:t>
-            </a:r>
-            <a:r>
-              <a:rPr lang="de-DE" altLang="de-DE" sz="1600" dirty="0">
-                <a:solidFill>
-                  <a:srgbClr val="000000"/>
-                </a:solidFill>
-                <a:latin typeface="Consolas" panose="020B0609020204030204" pitchFamily="49" charset="0"/>
-                <a:cs typeface="Consolas" panose="020B0609020204030204" pitchFamily="49" charset="0"/>
-              </a:rPr>
-              <a:t>));</a:t>
-            </a:r>
-            <a:br>
-              <a:rPr lang="de-DE" altLang="de-DE" sz="1600" dirty="0">
-                <a:solidFill>
-                  <a:srgbClr val="000000"/>
-                </a:solidFill>
-                <a:latin typeface="Consolas" panose="020B0609020204030204" pitchFamily="49" charset="0"/>
-                <a:cs typeface="Consolas" panose="020B0609020204030204" pitchFamily="49" charset="0"/>
-              </a:rPr>
-            </a:br>
-            <a:r>
-              <a:rPr lang="de-DE" altLang="de-DE" sz="1600" dirty="0" err="1">
-                <a:solidFill>
-                  <a:srgbClr val="000000"/>
-                </a:solidFill>
-                <a:latin typeface="Consolas" panose="020B0609020204030204" pitchFamily="49" charset="0"/>
-                <a:cs typeface="Consolas" panose="020B0609020204030204" pitchFamily="49" charset="0"/>
-              </a:rPr>
-              <a:t>add</a:t>
-            </a:r>
-            <a:r>
-              <a:rPr lang="de-DE" altLang="de-DE" sz="1600" dirty="0">
-                <a:solidFill>
-                  <a:srgbClr val="000000"/>
-                </a:solidFill>
-                <a:latin typeface="Consolas" panose="020B0609020204030204" pitchFamily="49" charset="0"/>
-                <a:cs typeface="Consolas" panose="020B0609020204030204" pitchFamily="49" charset="0"/>
-              </a:rPr>
-              <a:t>(</a:t>
-            </a:r>
-            <a:r>
-              <a:rPr lang="de-DE" altLang="de-DE" sz="1600" b="1" dirty="0" err="1">
-                <a:solidFill>
-                  <a:srgbClr val="000080"/>
-                </a:solidFill>
-                <a:latin typeface="Consolas" panose="020B0609020204030204" pitchFamily="49" charset="0"/>
-                <a:cs typeface="Consolas" panose="020B0609020204030204" pitchFamily="49" charset="0"/>
-              </a:rPr>
-              <a:t>new</a:t>
-            </a:r>
-            <a:r>
-              <a:rPr lang="de-DE" altLang="de-DE" sz="1600" b="1" dirty="0">
-                <a:solidFill>
-                  <a:srgbClr val="000080"/>
-                </a:solidFill>
-                <a:latin typeface="Consolas" panose="020B0609020204030204" pitchFamily="49" charset="0"/>
-                <a:cs typeface="Consolas" panose="020B0609020204030204" pitchFamily="49" charset="0"/>
-              </a:rPr>
-              <a:t> </a:t>
-            </a:r>
-            <a:r>
-              <a:rPr lang="de-DE" altLang="de-DE" sz="1600" dirty="0">
-                <a:solidFill>
-                  <a:srgbClr val="000000"/>
-                </a:solidFill>
-                <a:latin typeface="Consolas" panose="020B0609020204030204" pitchFamily="49" charset="0"/>
-                <a:cs typeface="Consolas" panose="020B0609020204030204" pitchFamily="49" charset="0"/>
-              </a:rPr>
-              <a:t>Label(</a:t>
-            </a:r>
-            <a:r>
-              <a:rPr lang="de-DE" altLang="de-DE" sz="1600" b="1" dirty="0">
-                <a:solidFill>
-                  <a:srgbClr val="008000"/>
-                </a:solidFill>
-                <a:latin typeface="Consolas" panose="020B0609020204030204" pitchFamily="49" charset="0"/>
-                <a:cs typeface="Consolas" panose="020B0609020204030204" pitchFamily="49" charset="0"/>
-              </a:rPr>
-              <a:t>"spouse.name"</a:t>
-            </a:r>
-            <a:r>
-              <a:rPr lang="de-DE" altLang="de-DE" sz="1600" dirty="0">
-                <a:solidFill>
-                  <a:srgbClr val="000000"/>
-                </a:solidFill>
-                <a:latin typeface="Consolas" panose="020B0609020204030204" pitchFamily="49" charset="0"/>
-                <a:cs typeface="Consolas" panose="020B0609020204030204" pitchFamily="49" charset="0"/>
-              </a:rPr>
-              <a:t>));</a:t>
-            </a:r>
-            <a:endParaRPr lang="de-DE" altLang="de-DE" sz="3600" dirty="0">
+              <a:t>)));</a:t>
+            </a:r>
+            <a:endParaRPr lang="de-DE" altLang="de-DE" sz="1600" dirty="0">
               <a:latin typeface="Consolas" panose="020B0609020204030204" pitchFamily="49" charset="0"/>
               <a:cs typeface="Consolas" panose="020B0609020204030204" pitchFamily="49" charset="0"/>
             </a:endParaRPr>
+          </a:p>
+          <a:p>
+            <a:pPr marL="0" indent="0">
+              <a:buNone/>
+            </a:pPr>
+            <a:endParaRPr lang="de-DE" sz="2000" b="1" dirty="0"/>
           </a:p>
         </p:txBody>
       </p:sp>
@@ -7557,7 +8149,7 @@
     </p:spTree>
     <p:extLst>
       <p:ext uri="{BB962C8B-B14F-4D97-AF65-F5344CB8AC3E}">
-        <p14:creationId xmlns:p14="http://schemas.microsoft.com/office/powerpoint/2010/main" val="2552299915"/>
+        <p14:creationId xmlns:p14="http://schemas.microsoft.com/office/powerpoint/2010/main" val="514522632"/>
       </p:ext>
     </p:extLst>
   </p:cSld>
@@ -7608,6 +8200,780 @@
               <a:buNone/>
             </a:pPr>
             <a:r>
+              <a:rPr lang="de-DE" sz="2000" b="1" dirty="0"/>
+              <a:t>… </a:t>
+            </a:r>
+            <a:r>
+              <a:rPr lang="de-DE" sz="2000" b="1" dirty="0" err="1"/>
+              <a:t>CompoundPropertyModel</a:t>
+            </a:r>
+            <a:endParaRPr lang="de-DE" sz="2000" b="1" dirty="0"/>
+          </a:p>
+          <a:p>
+            <a:pPr marL="0" indent="0">
+              <a:buNone/>
+            </a:pPr>
+            <a:endParaRPr lang="de-DE" sz="2000" b="1" dirty="0"/>
+          </a:p>
+          <a:p>
+            <a:pPr marL="0" lvl="0" indent="0">
+              <a:spcBef>
+                <a:spcPct val="0"/>
+              </a:spcBef>
+              <a:buClrTx/>
+              <a:buNone/>
+            </a:pPr>
+            <a:r>
+              <a:rPr lang="de-DE" altLang="de-DE" sz="1600" dirty="0">
+                <a:solidFill>
+                  <a:srgbClr val="000000"/>
+                </a:solidFill>
+                <a:latin typeface="Consolas" panose="020B0609020204030204" pitchFamily="49" charset="0"/>
+                <a:cs typeface="Consolas" panose="020B0609020204030204" pitchFamily="49" charset="0"/>
+              </a:rPr>
+              <a:t>Person </a:t>
+            </a:r>
+            <a:r>
+              <a:rPr lang="de-DE" altLang="de-DE" sz="1600" dirty="0" err="1">
+                <a:solidFill>
+                  <a:srgbClr val="000000"/>
+                </a:solidFill>
+                <a:latin typeface="Consolas" panose="020B0609020204030204" pitchFamily="49" charset="0"/>
+                <a:cs typeface="Consolas" panose="020B0609020204030204" pitchFamily="49" charset="0"/>
+              </a:rPr>
+              <a:t>person</a:t>
+            </a:r>
+            <a:r>
+              <a:rPr lang="de-DE" altLang="de-DE" sz="1600" dirty="0">
+                <a:solidFill>
+                  <a:srgbClr val="000000"/>
+                </a:solidFill>
+                <a:latin typeface="Consolas" panose="020B0609020204030204" pitchFamily="49" charset="0"/>
+                <a:cs typeface="Consolas" panose="020B0609020204030204" pitchFamily="49" charset="0"/>
+              </a:rPr>
+              <a:t> = </a:t>
+            </a:r>
+            <a:r>
+              <a:rPr lang="de-DE" altLang="de-DE" sz="1600" b="1" dirty="0" err="1">
+                <a:solidFill>
+                  <a:srgbClr val="000080"/>
+                </a:solidFill>
+                <a:latin typeface="Consolas" panose="020B0609020204030204" pitchFamily="49" charset="0"/>
+                <a:cs typeface="Consolas" panose="020B0609020204030204" pitchFamily="49" charset="0"/>
+              </a:rPr>
+              <a:t>new</a:t>
+            </a:r>
+            <a:r>
+              <a:rPr lang="de-DE" altLang="de-DE" sz="1600" b="1" dirty="0">
+                <a:solidFill>
+                  <a:srgbClr val="000080"/>
+                </a:solidFill>
+                <a:latin typeface="Consolas" panose="020B0609020204030204" pitchFamily="49" charset="0"/>
+                <a:cs typeface="Consolas" panose="020B0609020204030204" pitchFamily="49" charset="0"/>
+              </a:rPr>
+              <a:t> </a:t>
+            </a:r>
+            <a:r>
+              <a:rPr lang="de-DE" altLang="de-DE" sz="1600" dirty="0">
+                <a:solidFill>
+                  <a:srgbClr val="000000"/>
+                </a:solidFill>
+                <a:latin typeface="Consolas" panose="020B0609020204030204" pitchFamily="49" charset="0"/>
+                <a:cs typeface="Consolas" panose="020B0609020204030204" pitchFamily="49" charset="0"/>
+              </a:rPr>
+              <a:t>Person(</a:t>
+            </a:r>
+            <a:r>
+              <a:rPr lang="de-DE" altLang="de-DE" sz="1600" b="1" dirty="0">
+                <a:solidFill>
+                  <a:srgbClr val="008000"/>
+                </a:solidFill>
+                <a:latin typeface="Consolas" panose="020B0609020204030204" pitchFamily="49" charset="0"/>
+                <a:cs typeface="Consolas" panose="020B0609020204030204" pitchFamily="49" charset="0"/>
+              </a:rPr>
+              <a:t>"John"</a:t>
+            </a:r>
+            <a:r>
+              <a:rPr lang="de-DE" altLang="de-DE" sz="1600" dirty="0">
+                <a:solidFill>
+                  <a:srgbClr val="000000"/>
+                </a:solidFill>
+                <a:latin typeface="Consolas" panose="020B0609020204030204" pitchFamily="49" charset="0"/>
+                <a:cs typeface="Consolas" panose="020B0609020204030204" pitchFamily="49" charset="0"/>
+              </a:rPr>
+              <a:t>, </a:t>
+            </a:r>
+            <a:r>
+              <a:rPr lang="de-DE" altLang="de-DE" sz="1600" b="1" dirty="0">
+                <a:solidFill>
+                  <a:srgbClr val="008000"/>
+                </a:solidFill>
+                <a:latin typeface="Consolas" panose="020B0609020204030204" pitchFamily="49" charset="0"/>
+                <a:cs typeface="Consolas" panose="020B0609020204030204" pitchFamily="49" charset="0"/>
+              </a:rPr>
+              <a:t>"Smith"</a:t>
+            </a:r>
+            <a:r>
+              <a:rPr lang="de-DE" altLang="de-DE" sz="1600" dirty="0">
+                <a:solidFill>
+                  <a:srgbClr val="000000"/>
+                </a:solidFill>
+                <a:latin typeface="Consolas" panose="020B0609020204030204" pitchFamily="49" charset="0"/>
+                <a:cs typeface="Consolas" panose="020B0609020204030204" pitchFamily="49" charset="0"/>
+              </a:rPr>
+              <a:t>);</a:t>
+            </a:r>
+            <a:br>
+              <a:rPr lang="de-DE" altLang="de-DE" sz="1600" dirty="0">
+                <a:solidFill>
+                  <a:srgbClr val="000000"/>
+                </a:solidFill>
+                <a:latin typeface="Consolas" panose="020B0609020204030204" pitchFamily="49" charset="0"/>
+                <a:cs typeface="Consolas" panose="020B0609020204030204" pitchFamily="49" charset="0"/>
+              </a:rPr>
+            </a:br>
+            <a:r>
+              <a:rPr lang="de-DE" altLang="de-DE" sz="1600" dirty="0" err="1">
+                <a:solidFill>
+                  <a:srgbClr val="000000"/>
+                </a:solidFill>
+                <a:latin typeface="Consolas" panose="020B0609020204030204" pitchFamily="49" charset="0"/>
+                <a:cs typeface="Consolas" panose="020B0609020204030204" pitchFamily="49" charset="0"/>
+              </a:rPr>
+              <a:t>setDefaultModel</a:t>
+            </a:r>
+            <a:r>
+              <a:rPr lang="de-DE" altLang="de-DE" sz="1600" dirty="0">
+                <a:solidFill>
+                  <a:srgbClr val="000000"/>
+                </a:solidFill>
+                <a:latin typeface="Consolas" panose="020B0609020204030204" pitchFamily="49" charset="0"/>
+                <a:cs typeface="Consolas" panose="020B0609020204030204" pitchFamily="49" charset="0"/>
+              </a:rPr>
+              <a:t>(</a:t>
+            </a:r>
+            <a:r>
+              <a:rPr lang="de-DE" altLang="de-DE" sz="1600" b="1" dirty="0" err="1">
+                <a:solidFill>
+                  <a:srgbClr val="000080"/>
+                </a:solidFill>
+                <a:latin typeface="Consolas" panose="020B0609020204030204" pitchFamily="49" charset="0"/>
+                <a:cs typeface="Consolas" panose="020B0609020204030204" pitchFamily="49" charset="0"/>
+              </a:rPr>
+              <a:t>new</a:t>
+            </a:r>
+            <a:r>
+              <a:rPr lang="de-DE" altLang="de-DE" sz="1600" b="1" dirty="0">
+                <a:solidFill>
+                  <a:srgbClr val="000080"/>
+                </a:solidFill>
+                <a:latin typeface="Consolas" panose="020B0609020204030204" pitchFamily="49" charset="0"/>
+                <a:cs typeface="Consolas" panose="020B0609020204030204" pitchFamily="49" charset="0"/>
+              </a:rPr>
+              <a:t> </a:t>
+            </a:r>
+            <a:r>
+              <a:rPr lang="de-DE" altLang="de-DE" sz="1600" dirty="0" err="1">
+                <a:solidFill>
+                  <a:srgbClr val="000000"/>
+                </a:solidFill>
+                <a:latin typeface="Consolas" panose="020B0609020204030204" pitchFamily="49" charset="0"/>
+                <a:cs typeface="Consolas" panose="020B0609020204030204" pitchFamily="49" charset="0"/>
+              </a:rPr>
+              <a:t>CompoundPropertyModel</a:t>
+            </a:r>
+            <a:r>
+              <a:rPr lang="de-DE" altLang="de-DE" sz="1600" dirty="0">
+                <a:solidFill>
+                  <a:srgbClr val="000000"/>
+                </a:solidFill>
+                <a:latin typeface="Consolas" panose="020B0609020204030204" pitchFamily="49" charset="0"/>
+                <a:cs typeface="Consolas" panose="020B0609020204030204" pitchFamily="49" charset="0"/>
+              </a:rPr>
+              <a:t>(</a:t>
+            </a:r>
+            <a:r>
+              <a:rPr lang="de-DE" altLang="de-DE" sz="1600" dirty="0" err="1">
+                <a:solidFill>
+                  <a:srgbClr val="000000"/>
+                </a:solidFill>
+                <a:latin typeface="Consolas" panose="020B0609020204030204" pitchFamily="49" charset="0"/>
+                <a:cs typeface="Consolas" panose="020B0609020204030204" pitchFamily="49" charset="0"/>
+              </a:rPr>
+              <a:t>person</a:t>
+            </a:r>
+            <a:r>
+              <a:rPr lang="de-DE" altLang="de-DE" sz="1600" dirty="0">
+                <a:solidFill>
+                  <a:srgbClr val="000000"/>
+                </a:solidFill>
+                <a:latin typeface="Consolas" panose="020B0609020204030204" pitchFamily="49" charset="0"/>
+                <a:cs typeface="Consolas" panose="020B0609020204030204" pitchFamily="49" charset="0"/>
+              </a:rPr>
+              <a:t>));</a:t>
+            </a:r>
+            <a:br>
+              <a:rPr lang="de-DE" altLang="de-DE" sz="1600" dirty="0">
+                <a:solidFill>
+                  <a:srgbClr val="000000"/>
+                </a:solidFill>
+                <a:latin typeface="Consolas" panose="020B0609020204030204" pitchFamily="49" charset="0"/>
+                <a:cs typeface="Consolas" panose="020B0609020204030204" pitchFamily="49" charset="0"/>
+              </a:rPr>
+            </a:br>
+            <a:r>
+              <a:rPr lang="de-DE" altLang="de-DE" sz="1600" dirty="0">
+                <a:solidFill>
+                  <a:srgbClr val="000000"/>
+                </a:solidFill>
+                <a:latin typeface="Consolas" panose="020B0609020204030204" pitchFamily="49" charset="0"/>
+                <a:cs typeface="Consolas" panose="020B0609020204030204" pitchFamily="49" charset="0"/>
+              </a:rPr>
+              <a:t/>
+            </a:r>
+            <a:br>
+              <a:rPr lang="de-DE" altLang="de-DE" sz="1600" dirty="0">
+                <a:solidFill>
+                  <a:srgbClr val="000000"/>
+                </a:solidFill>
+                <a:latin typeface="Consolas" panose="020B0609020204030204" pitchFamily="49" charset="0"/>
+                <a:cs typeface="Consolas" panose="020B0609020204030204" pitchFamily="49" charset="0"/>
+              </a:rPr>
+            </a:br>
+            <a:r>
+              <a:rPr lang="de-DE" altLang="de-DE" sz="1600" dirty="0" err="1">
+                <a:solidFill>
+                  <a:srgbClr val="000000"/>
+                </a:solidFill>
+                <a:latin typeface="Consolas" panose="020B0609020204030204" pitchFamily="49" charset="0"/>
+                <a:cs typeface="Consolas" panose="020B0609020204030204" pitchFamily="49" charset="0"/>
+              </a:rPr>
+              <a:t>add</a:t>
+            </a:r>
+            <a:r>
+              <a:rPr lang="de-DE" altLang="de-DE" sz="1600" dirty="0">
+                <a:solidFill>
+                  <a:srgbClr val="000000"/>
+                </a:solidFill>
+                <a:latin typeface="Consolas" panose="020B0609020204030204" pitchFamily="49" charset="0"/>
+                <a:cs typeface="Consolas" panose="020B0609020204030204" pitchFamily="49" charset="0"/>
+              </a:rPr>
+              <a:t>(</a:t>
+            </a:r>
+            <a:r>
+              <a:rPr lang="de-DE" altLang="de-DE" sz="1600" b="1" dirty="0" err="1">
+                <a:solidFill>
+                  <a:srgbClr val="000080"/>
+                </a:solidFill>
+                <a:latin typeface="Consolas" panose="020B0609020204030204" pitchFamily="49" charset="0"/>
+                <a:cs typeface="Consolas" panose="020B0609020204030204" pitchFamily="49" charset="0"/>
+              </a:rPr>
+              <a:t>new</a:t>
+            </a:r>
+            <a:r>
+              <a:rPr lang="de-DE" altLang="de-DE" sz="1600" b="1" dirty="0">
+                <a:solidFill>
+                  <a:srgbClr val="000080"/>
+                </a:solidFill>
+                <a:latin typeface="Consolas" panose="020B0609020204030204" pitchFamily="49" charset="0"/>
+                <a:cs typeface="Consolas" panose="020B0609020204030204" pitchFamily="49" charset="0"/>
+              </a:rPr>
+              <a:t> </a:t>
+            </a:r>
+            <a:r>
+              <a:rPr lang="de-DE" altLang="de-DE" sz="1600" dirty="0">
+                <a:solidFill>
+                  <a:srgbClr val="000000"/>
+                </a:solidFill>
+                <a:latin typeface="Consolas" panose="020B0609020204030204" pitchFamily="49" charset="0"/>
+                <a:cs typeface="Consolas" panose="020B0609020204030204" pitchFamily="49" charset="0"/>
+              </a:rPr>
+              <a:t>Label(</a:t>
+            </a:r>
+            <a:r>
+              <a:rPr lang="de-DE" altLang="de-DE" sz="1600" b="1" dirty="0">
+                <a:solidFill>
+                  <a:srgbClr val="008000"/>
+                </a:solidFill>
+                <a:latin typeface="Consolas" panose="020B0609020204030204" pitchFamily="49" charset="0"/>
+                <a:cs typeface="Consolas" panose="020B0609020204030204" pitchFamily="49" charset="0"/>
+              </a:rPr>
+              <a:t>"</a:t>
+            </a:r>
+            <a:r>
+              <a:rPr lang="de-DE" altLang="de-DE" sz="1600" b="1" dirty="0" err="1">
+                <a:solidFill>
+                  <a:srgbClr val="008000"/>
+                </a:solidFill>
+                <a:latin typeface="Consolas" panose="020B0609020204030204" pitchFamily="49" charset="0"/>
+                <a:cs typeface="Consolas" panose="020B0609020204030204" pitchFamily="49" charset="0"/>
+              </a:rPr>
+              <a:t>name</a:t>
+            </a:r>
+            <a:r>
+              <a:rPr lang="de-DE" altLang="de-DE" sz="1600" b="1" dirty="0">
+                <a:solidFill>
+                  <a:srgbClr val="008000"/>
+                </a:solidFill>
+                <a:latin typeface="Consolas" panose="020B0609020204030204" pitchFamily="49" charset="0"/>
+                <a:cs typeface="Consolas" panose="020B0609020204030204" pitchFamily="49" charset="0"/>
+              </a:rPr>
+              <a:t>"</a:t>
+            </a:r>
+            <a:r>
+              <a:rPr lang="de-DE" altLang="de-DE" sz="1600" dirty="0">
+                <a:solidFill>
+                  <a:srgbClr val="000000"/>
+                </a:solidFill>
+                <a:latin typeface="Consolas" panose="020B0609020204030204" pitchFamily="49" charset="0"/>
+                <a:cs typeface="Consolas" panose="020B0609020204030204" pitchFamily="49" charset="0"/>
+              </a:rPr>
+              <a:t>));</a:t>
+            </a:r>
+            <a:br>
+              <a:rPr lang="de-DE" altLang="de-DE" sz="1600" dirty="0">
+                <a:solidFill>
+                  <a:srgbClr val="000000"/>
+                </a:solidFill>
+                <a:latin typeface="Consolas" panose="020B0609020204030204" pitchFamily="49" charset="0"/>
+                <a:cs typeface="Consolas" panose="020B0609020204030204" pitchFamily="49" charset="0"/>
+              </a:rPr>
+            </a:br>
+            <a:r>
+              <a:rPr lang="de-DE" altLang="de-DE" sz="1600" dirty="0" err="1">
+                <a:solidFill>
+                  <a:srgbClr val="000000"/>
+                </a:solidFill>
+                <a:latin typeface="Consolas" panose="020B0609020204030204" pitchFamily="49" charset="0"/>
+                <a:cs typeface="Consolas" panose="020B0609020204030204" pitchFamily="49" charset="0"/>
+              </a:rPr>
+              <a:t>add</a:t>
+            </a:r>
+            <a:r>
+              <a:rPr lang="de-DE" altLang="de-DE" sz="1600" dirty="0">
+                <a:solidFill>
+                  <a:srgbClr val="000000"/>
+                </a:solidFill>
+                <a:latin typeface="Consolas" panose="020B0609020204030204" pitchFamily="49" charset="0"/>
+                <a:cs typeface="Consolas" panose="020B0609020204030204" pitchFamily="49" charset="0"/>
+              </a:rPr>
+              <a:t>(</a:t>
+            </a:r>
+            <a:r>
+              <a:rPr lang="de-DE" altLang="de-DE" sz="1600" b="1" dirty="0" err="1">
+                <a:solidFill>
+                  <a:srgbClr val="000080"/>
+                </a:solidFill>
+                <a:latin typeface="Consolas" panose="020B0609020204030204" pitchFamily="49" charset="0"/>
+                <a:cs typeface="Consolas" panose="020B0609020204030204" pitchFamily="49" charset="0"/>
+              </a:rPr>
+              <a:t>new</a:t>
+            </a:r>
+            <a:r>
+              <a:rPr lang="de-DE" altLang="de-DE" sz="1600" b="1" dirty="0">
+                <a:solidFill>
+                  <a:srgbClr val="000080"/>
+                </a:solidFill>
+                <a:latin typeface="Consolas" panose="020B0609020204030204" pitchFamily="49" charset="0"/>
+                <a:cs typeface="Consolas" panose="020B0609020204030204" pitchFamily="49" charset="0"/>
+              </a:rPr>
+              <a:t> </a:t>
+            </a:r>
+            <a:r>
+              <a:rPr lang="de-DE" altLang="de-DE" sz="1600" dirty="0">
+                <a:solidFill>
+                  <a:srgbClr val="000000"/>
+                </a:solidFill>
+                <a:latin typeface="Consolas" panose="020B0609020204030204" pitchFamily="49" charset="0"/>
+                <a:cs typeface="Consolas" panose="020B0609020204030204" pitchFamily="49" charset="0"/>
+              </a:rPr>
+              <a:t>Label(</a:t>
+            </a:r>
+            <a:r>
+              <a:rPr lang="de-DE" altLang="de-DE" sz="1600" b="1" dirty="0">
+                <a:solidFill>
+                  <a:srgbClr val="008000"/>
+                </a:solidFill>
+                <a:latin typeface="Consolas" panose="020B0609020204030204" pitchFamily="49" charset="0"/>
+                <a:cs typeface="Consolas" panose="020B0609020204030204" pitchFamily="49" charset="0"/>
+              </a:rPr>
+              <a:t>"</a:t>
+            </a:r>
+            <a:r>
+              <a:rPr lang="de-DE" altLang="de-DE" sz="1600" b="1" dirty="0" err="1">
+                <a:solidFill>
+                  <a:srgbClr val="008000"/>
+                </a:solidFill>
+                <a:latin typeface="Consolas" panose="020B0609020204030204" pitchFamily="49" charset="0"/>
+                <a:cs typeface="Consolas" panose="020B0609020204030204" pitchFamily="49" charset="0"/>
+              </a:rPr>
+              <a:t>surname</a:t>
+            </a:r>
+            <a:r>
+              <a:rPr lang="de-DE" altLang="de-DE" sz="1600" b="1" dirty="0">
+                <a:solidFill>
+                  <a:srgbClr val="008000"/>
+                </a:solidFill>
+                <a:latin typeface="Consolas" panose="020B0609020204030204" pitchFamily="49" charset="0"/>
+                <a:cs typeface="Consolas" panose="020B0609020204030204" pitchFamily="49" charset="0"/>
+              </a:rPr>
+              <a:t>"</a:t>
+            </a:r>
+            <a:r>
+              <a:rPr lang="de-DE" altLang="de-DE" sz="1600" dirty="0">
+                <a:solidFill>
+                  <a:srgbClr val="000000"/>
+                </a:solidFill>
+                <a:latin typeface="Consolas" panose="020B0609020204030204" pitchFamily="49" charset="0"/>
+                <a:cs typeface="Consolas" panose="020B0609020204030204" pitchFamily="49" charset="0"/>
+              </a:rPr>
+              <a:t>));</a:t>
+            </a:r>
+            <a:br>
+              <a:rPr lang="de-DE" altLang="de-DE" sz="1600" dirty="0">
+                <a:solidFill>
+                  <a:srgbClr val="000000"/>
+                </a:solidFill>
+                <a:latin typeface="Consolas" panose="020B0609020204030204" pitchFamily="49" charset="0"/>
+                <a:cs typeface="Consolas" panose="020B0609020204030204" pitchFamily="49" charset="0"/>
+              </a:rPr>
+            </a:br>
+            <a:r>
+              <a:rPr lang="de-DE" altLang="de-DE" sz="1600" dirty="0" err="1">
+                <a:solidFill>
+                  <a:srgbClr val="000000"/>
+                </a:solidFill>
+                <a:latin typeface="Consolas" panose="020B0609020204030204" pitchFamily="49" charset="0"/>
+                <a:cs typeface="Consolas" panose="020B0609020204030204" pitchFamily="49" charset="0"/>
+              </a:rPr>
+              <a:t>add</a:t>
+            </a:r>
+            <a:r>
+              <a:rPr lang="de-DE" altLang="de-DE" sz="1600" dirty="0">
+                <a:solidFill>
+                  <a:srgbClr val="000000"/>
+                </a:solidFill>
+                <a:latin typeface="Consolas" panose="020B0609020204030204" pitchFamily="49" charset="0"/>
+                <a:cs typeface="Consolas" panose="020B0609020204030204" pitchFamily="49" charset="0"/>
+              </a:rPr>
+              <a:t>(</a:t>
+            </a:r>
+            <a:r>
+              <a:rPr lang="de-DE" altLang="de-DE" sz="1600" b="1" dirty="0" err="1">
+                <a:solidFill>
+                  <a:srgbClr val="000080"/>
+                </a:solidFill>
+                <a:latin typeface="Consolas" panose="020B0609020204030204" pitchFamily="49" charset="0"/>
+                <a:cs typeface="Consolas" panose="020B0609020204030204" pitchFamily="49" charset="0"/>
+              </a:rPr>
+              <a:t>new</a:t>
+            </a:r>
+            <a:r>
+              <a:rPr lang="de-DE" altLang="de-DE" sz="1600" b="1" dirty="0">
+                <a:solidFill>
+                  <a:srgbClr val="000080"/>
+                </a:solidFill>
+                <a:latin typeface="Consolas" panose="020B0609020204030204" pitchFamily="49" charset="0"/>
+                <a:cs typeface="Consolas" panose="020B0609020204030204" pitchFamily="49" charset="0"/>
+              </a:rPr>
+              <a:t> </a:t>
+            </a:r>
+            <a:r>
+              <a:rPr lang="de-DE" altLang="de-DE" sz="1600" dirty="0">
+                <a:solidFill>
+                  <a:srgbClr val="000000"/>
+                </a:solidFill>
+                <a:latin typeface="Consolas" panose="020B0609020204030204" pitchFamily="49" charset="0"/>
+                <a:cs typeface="Consolas" panose="020B0609020204030204" pitchFamily="49" charset="0"/>
+              </a:rPr>
+              <a:t>Label(</a:t>
+            </a:r>
+            <a:r>
+              <a:rPr lang="de-DE" altLang="de-DE" sz="1600" b="1" dirty="0">
+                <a:solidFill>
+                  <a:srgbClr val="008000"/>
+                </a:solidFill>
+                <a:latin typeface="Consolas" panose="020B0609020204030204" pitchFamily="49" charset="0"/>
+                <a:cs typeface="Consolas" panose="020B0609020204030204" pitchFamily="49" charset="0"/>
+              </a:rPr>
+              <a:t>"</a:t>
+            </a:r>
+            <a:r>
+              <a:rPr lang="de-DE" altLang="de-DE" sz="1600" b="1" dirty="0" err="1">
+                <a:solidFill>
+                  <a:srgbClr val="008000"/>
+                </a:solidFill>
+                <a:latin typeface="Consolas" panose="020B0609020204030204" pitchFamily="49" charset="0"/>
+                <a:cs typeface="Consolas" panose="020B0609020204030204" pitchFamily="49" charset="0"/>
+              </a:rPr>
+              <a:t>address</a:t>
+            </a:r>
+            <a:r>
+              <a:rPr lang="de-DE" altLang="de-DE" sz="1600" b="1" dirty="0">
+                <a:solidFill>
+                  <a:srgbClr val="008000"/>
+                </a:solidFill>
+                <a:latin typeface="Consolas" panose="020B0609020204030204" pitchFamily="49" charset="0"/>
+                <a:cs typeface="Consolas" panose="020B0609020204030204" pitchFamily="49" charset="0"/>
+              </a:rPr>
+              <a:t>"</a:t>
+            </a:r>
+            <a:r>
+              <a:rPr lang="de-DE" altLang="de-DE" sz="1600" dirty="0">
+                <a:solidFill>
+                  <a:srgbClr val="000000"/>
+                </a:solidFill>
+                <a:latin typeface="Consolas" panose="020B0609020204030204" pitchFamily="49" charset="0"/>
+                <a:cs typeface="Consolas" panose="020B0609020204030204" pitchFamily="49" charset="0"/>
+              </a:rPr>
+              <a:t>));</a:t>
+            </a:r>
+            <a:br>
+              <a:rPr lang="de-DE" altLang="de-DE" sz="1600" dirty="0">
+                <a:solidFill>
+                  <a:srgbClr val="000000"/>
+                </a:solidFill>
+                <a:latin typeface="Consolas" panose="020B0609020204030204" pitchFamily="49" charset="0"/>
+                <a:cs typeface="Consolas" panose="020B0609020204030204" pitchFamily="49" charset="0"/>
+              </a:rPr>
+            </a:br>
+            <a:r>
+              <a:rPr lang="de-DE" altLang="de-DE" sz="1600" dirty="0" err="1">
+                <a:solidFill>
+                  <a:srgbClr val="000000"/>
+                </a:solidFill>
+                <a:latin typeface="Consolas" panose="020B0609020204030204" pitchFamily="49" charset="0"/>
+                <a:cs typeface="Consolas" panose="020B0609020204030204" pitchFamily="49" charset="0"/>
+              </a:rPr>
+              <a:t>add</a:t>
+            </a:r>
+            <a:r>
+              <a:rPr lang="de-DE" altLang="de-DE" sz="1600" dirty="0">
+                <a:solidFill>
+                  <a:srgbClr val="000000"/>
+                </a:solidFill>
+                <a:latin typeface="Consolas" panose="020B0609020204030204" pitchFamily="49" charset="0"/>
+                <a:cs typeface="Consolas" panose="020B0609020204030204" pitchFamily="49" charset="0"/>
+              </a:rPr>
+              <a:t>(</a:t>
+            </a:r>
+            <a:r>
+              <a:rPr lang="de-DE" altLang="de-DE" sz="1600" b="1" dirty="0" err="1">
+                <a:solidFill>
+                  <a:srgbClr val="000080"/>
+                </a:solidFill>
+                <a:latin typeface="Consolas" panose="020B0609020204030204" pitchFamily="49" charset="0"/>
+                <a:cs typeface="Consolas" panose="020B0609020204030204" pitchFamily="49" charset="0"/>
+              </a:rPr>
+              <a:t>new</a:t>
+            </a:r>
+            <a:r>
+              <a:rPr lang="de-DE" altLang="de-DE" sz="1600" b="1" dirty="0">
+                <a:solidFill>
+                  <a:srgbClr val="000080"/>
+                </a:solidFill>
+                <a:latin typeface="Consolas" panose="020B0609020204030204" pitchFamily="49" charset="0"/>
+                <a:cs typeface="Consolas" panose="020B0609020204030204" pitchFamily="49" charset="0"/>
+              </a:rPr>
+              <a:t> </a:t>
+            </a:r>
+            <a:r>
+              <a:rPr lang="de-DE" altLang="de-DE" sz="1600" dirty="0">
+                <a:solidFill>
+                  <a:srgbClr val="000000"/>
+                </a:solidFill>
+                <a:latin typeface="Consolas" panose="020B0609020204030204" pitchFamily="49" charset="0"/>
+                <a:cs typeface="Consolas" panose="020B0609020204030204" pitchFamily="49" charset="0"/>
+              </a:rPr>
+              <a:t>Label(</a:t>
+            </a:r>
+            <a:r>
+              <a:rPr lang="de-DE" altLang="de-DE" sz="1600" b="1" dirty="0">
+                <a:solidFill>
+                  <a:srgbClr val="008000"/>
+                </a:solidFill>
+                <a:latin typeface="Consolas" panose="020B0609020204030204" pitchFamily="49" charset="0"/>
+                <a:cs typeface="Consolas" panose="020B0609020204030204" pitchFamily="49" charset="0"/>
+              </a:rPr>
+              <a:t>"email"</a:t>
+            </a:r>
+            <a:r>
+              <a:rPr lang="de-DE" altLang="de-DE" sz="1600" dirty="0">
+                <a:solidFill>
+                  <a:srgbClr val="000000"/>
+                </a:solidFill>
+                <a:latin typeface="Consolas" panose="020B0609020204030204" pitchFamily="49" charset="0"/>
+                <a:cs typeface="Consolas" panose="020B0609020204030204" pitchFamily="49" charset="0"/>
+              </a:rPr>
+              <a:t>));</a:t>
+            </a:r>
+            <a:br>
+              <a:rPr lang="de-DE" altLang="de-DE" sz="1600" dirty="0">
+                <a:solidFill>
+                  <a:srgbClr val="000000"/>
+                </a:solidFill>
+                <a:latin typeface="Consolas" panose="020B0609020204030204" pitchFamily="49" charset="0"/>
+                <a:cs typeface="Consolas" panose="020B0609020204030204" pitchFamily="49" charset="0"/>
+              </a:rPr>
+            </a:br>
+            <a:r>
+              <a:rPr lang="de-DE" altLang="de-DE" sz="1600" dirty="0" err="1">
+                <a:solidFill>
+                  <a:srgbClr val="000000"/>
+                </a:solidFill>
+                <a:latin typeface="Consolas" panose="020B0609020204030204" pitchFamily="49" charset="0"/>
+                <a:cs typeface="Consolas" panose="020B0609020204030204" pitchFamily="49" charset="0"/>
+              </a:rPr>
+              <a:t>add</a:t>
+            </a:r>
+            <a:r>
+              <a:rPr lang="de-DE" altLang="de-DE" sz="1600" dirty="0">
+                <a:solidFill>
+                  <a:srgbClr val="000000"/>
+                </a:solidFill>
+                <a:latin typeface="Consolas" panose="020B0609020204030204" pitchFamily="49" charset="0"/>
+                <a:cs typeface="Consolas" panose="020B0609020204030204" pitchFamily="49" charset="0"/>
+              </a:rPr>
+              <a:t>(</a:t>
+            </a:r>
+            <a:r>
+              <a:rPr lang="de-DE" altLang="de-DE" sz="1600" b="1" dirty="0" err="1">
+                <a:solidFill>
+                  <a:srgbClr val="000080"/>
+                </a:solidFill>
+                <a:latin typeface="Consolas" panose="020B0609020204030204" pitchFamily="49" charset="0"/>
+                <a:cs typeface="Consolas" panose="020B0609020204030204" pitchFamily="49" charset="0"/>
+              </a:rPr>
+              <a:t>new</a:t>
+            </a:r>
+            <a:r>
+              <a:rPr lang="de-DE" altLang="de-DE" sz="1600" b="1" dirty="0">
+                <a:solidFill>
+                  <a:srgbClr val="000080"/>
+                </a:solidFill>
+                <a:latin typeface="Consolas" panose="020B0609020204030204" pitchFamily="49" charset="0"/>
+                <a:cs typeface="Consolas" panose="020B0609020204030204" pitchFamily="49" charset="0"/>
+              </a:rPr>
+              <a:t> </a:t>
+            </a:r>
+            <a:r>
+              <a:rPr lang="de-DE" altLang="de-DE" sz="1600" dirty="0">
+                <a:solidFill>
+                  <a:srgbClr val="000000"/>
+                </a:solidFill>
+                <a:latin typeface="Consolas" panose="020B0609020204030204" pitchFamily="49" charset="0"/>
+                <a:cs typeface="Consolas" panose="020B0609020204030204" pitchFamily="49" charset="0"/>
+              </a:rPr>
+              <a:t>Label(</a:t>
+            </a:r>
+            <a:r>
+              <a:rPr lang="de-DE" altLang="de-DE" sz="1600" b="1" dirty="0">
+                <a:solidFill>
+                  <a:srgbClr val="008000"/>
+                </a:solidFill>
+                <a:latin typeface="Consolas" panose="020B0609020204030204" pitchFamily="49" charset="0"/>
+                <a:cs typeface="Consolas" panose="020B0609020204030204" pitchFamily="49" charset="0"/>
+              </a:rPr>
+              <a:t>"spouse.name"</a:t>
+            </a:r>
+            <a:r>
+              <a:rPr lang="de-DE" altLang="de-DE" sz="1600" dirty="0">
+                <a:solidFill>
+                  <a:srgbClr val="000000"/>
+                </a:solidFill>
+                <a:latin typeface="Consolas" panose="020B0609020204030204" pitchFamily="49" charset="0"/>
+                <a:cs typeface="Consolas" panose="020B0609020204030204" pitchFamily="49" charset="0"/>
+              </a:rPr>
+              <a:t>));</a:t>
+            </a:r>
+            <a:endParaRPr lang="de-DE" altLang="de-DE" sz="3600" dirty="0">
+              <a:latin typeface="Consolas" panose="020B0609020204030204" pitchFamily="49" charset="0"/>
+              <a:cs typeface="Consolas" panose="020B0609020204030204" pitchFamily="49" charset="0"/>
+            </a:endParaRPr>
+          </a:p>
+        </p:txBody>
+      </p:sp>
+      <p:sp>
+        <p:nvSpPr>
+          <p:cNvPr id="17411" name="Rectangle 1062"/>
+          <p:cNvSpPr>
+            <a:spLocks noGrp="1" noChangeArrowheads="1"/>
+          </p:cNvSpPr>
+          <p:nvPr>
+            <p:ph type="title"/>
+          </p:nvPr>
+        </p:nvSpPr>
+        <p:spPr>
+          <a:xfrm>
+            <a:off x="285750" y="142875"/>
+            <a:ext cx="5654675" cy="706438"/>
+          </a:xfrm>
+        </p:spPr>
+        <p:txBody>
+          <a:bodyPr/>
+          <a:lstStyle/>
+          <a:p>
+            <a:r>
+              <a:rPr lang="de-DE" dirty="0"/>
+              <a:t>Models</a:t>
+            </a:r>
+          </a:p>
+        </p:txBody>
+      </p:sp>
+    </p:spTree>
+    <p:extLst>
+      <p:ext uri="{BB962C8B-B14F-4D97-AF65-F5344CB8AC3E}">
+        <p14:creationId xmlns:p14="http://schemas.microsoft.com/office/powerpoint/2010/main" val="2552299915"/>
+      </p:ext>
+    </p:extLst>
+  </p:cSld>
+  <p:clrMapOvr>
+    <a:masterClrMapping/>
+  </p:clrMapOvr>
+</p:sld>
+</file>
+
+<file path=ppt/slides/slide12.xml><?xml version="1.0" encoding="utf-8"?>
+<p:sld xmlns:a="http://schemas.openxmlformats.org/drawingml/2006/main" xmlns:r="http://schemas.openxmlformats.org/officeDocument/2006/relationships" xmlns:p="http://schemas.openxmlformats.org/presentationml/2006/main">
+  <p:cSld>
+    <p:spTree>
+      <p:nvGrpSpPr>
+        <p:cNvPr id="1" name=""/>
+        <p:cNvGrpSpPr/>
+        <p:nvPr/>
+      </p:nvGrpSpPr>
+      <p:grpSpPr>
+        <a:xfrm>
+          <a:off x="0" y="0"/>
+          <a:ext cx="0" cy="0"/>
+          <a:chOff x="0" y="0"/>
+          <a:chExt cx="0" cy="0"/>
+        </a:xfrm>
+      </p:grpSpPr>
+      <p:sp>
+        <p:nvSpPr>
+          <p:cNvPr id="17410" name="Inhaltsplatzhalter 2"/>
+          <p:cNvSpPr>
+            <a:spLocks noGrp="1"/>
+          </p:cNvSpPr>
+          <p:nvPr>
+            <p:ph idx="1"/>
+          </p:nvPr>
+        </p:nvSpPr>
+        <p:spPr>
+          <a:xfrm>
+            <a:off x="303213" y="1341438"/>
+            <a:ext cx="8589962" cy="4824412"/>
+          </a:xfrm>
+        </p:spPr>
+        <p:txBody>
+          <a:bodyPr/>
+          <a:lstStyle/>
+          <a:p>
+            <a:pPr marL="0" indent="0">
+              <a:buNone/>
+            </a:pPr>
+            <a:r>
               <a:rPr lang="de-DE" sz="2000" b="1" dirty="0" err="1"/>
               <a:t>Detachable</a:t>
             </a:r>
@@ -7751,7 +9117,7 @@
 </p:sld>
 </file>
 
-<file path=ppt/slides/slide12.xml><?xml version="1.0" encoding="utf-8"?>
+<file path=ppt/slides/slide13.xml><?xml version="1.0" encoding="utf-8"?>
 <p:sld xmlns:a="http://schemas.openxmlformats.org/drawingml/2006/main" xmlns:r="http://schemas.openxmlformats.org/officeDocument/2006/relationships" xmlns:p="http://schemas.openxmlformats.org/presentationml/2006/main">
   <p:cSld>
     <p:spTree>
@@ -7944,7 +9310,7 @@
 </p:sld>
 </file>
 
-<file path=ppt/slides/slide13.xml><?xml version="1.0" encoding="utf-8"?>
+<file path=ppt/slides/slide14.xml><?xml version="1.0" encoding="utf-8"?>
 <p:sld xmlns:a="http://schemas.openxmlformats.org/drawingml/2006/main" xmlns:r="http://schemas.openxmlformats.org/officeDocument/2006/relationships" xmlns:p="http://schemas.openxmlformats.org/presentationml/2006/main">
   <p:cSld>
     <p:spTree>
@@ -8150,6 +9516,85 @@
       </p:grpSpPr>
       <p:sp>
         <p:nvSpPr>
+          <p:cNvPr id="2" name="Titel 1"/>
+          <p:cNvSpPr>
+            <a:spLocks noGrp="1"/>
+          </p:cNvSpPr>
+          <p:nvPr>
+            <p:ph type="title"/>
+          </p:nvPr>
+        </p:nvSpPr>
+        <p:spPr/>
+        <p:txBody>
+          <a:bodyPr/>
+          <a:lstStyle/>
+          <a:p>
+            <a:r>
+              <a:rPr lang="de-DE" dirty="0"/>
+              <a:t>Models</a:t>
+            </a:r>
+          </a:p>
+        </p:txBody>
+      </p:sp>
+      <p:sp>
+        <p:nvSpPr>
+          <p:cNvPr id="3" name="Untertitel 2"/>
+          <p:cNvSpPr>
+            <a:spLocks noGrp="1"/>
+          </p:cNvSpPr>
+          <p:nvPr>
+            <p:ph type="body" idx="1"/>
+          </p:nvPr>
+        </p:nvSpPr>
+        <p:spPr/>
+        <p:txBody>
+          <a:bodyPr/>
+          <a:lstStyle/>
+          <a:p>
+            <a:r>
+              <a:rPr lang="de-DE" dirty="0"/>
+              <a:t>Die Bestandteile von </a:t>
+            </a:r>
+            <a:r>
+              <a:rPr lang="de-DE" dirty="0" err="1"/>
+              <a:t>Wicket</a:t>
+            </a:r>
+            <a:endParaRPr lang="de-DE" dirty="0"/>
+          </a:p>
+        </p:txBody>
+      </p:sp>
+    </p:spTree>
+    <p:extLst>
+      <p:ext uri="{BB962C8B-B14F-4D97-AF65-F5344CB8AC3E}">
+        <p14:creationId xmlns:p14="http://schemas.microsoft.com/office/powerpoint/2010/main" val="614702079"/>
+      </p:ext>
+    </p:extLst>
+  </p:cSld>
+  <p:clrMapOvr>
+    <a:masterClrMapping/>
+  </p:clrMapOvr>
+</p:sld>
+</file>
+
+<file path=ppt/slides/slide3.xml><?xml version="1.0" encoding="utf-8"?>
+<p:sld xmlns:a="http://schemas.openxmlformats.org/drawingml/2006/main" xmlns:r="http://schemas.openxmlformats.org/officeDocument/2006/relationships" xmlns:p="http://schemas.openxmlformats.org/presentationml/2006/main">
+  <p:cSld>
+    <p:spTree>
+      <p:nvGrpSpPr>
+        <p:cNvPr id="1" name=""/>
+        <p:cNvGrpSpPr/>
+        <p:nvPr/>
+      </p:nvGrpSpPr>
+      <p:grpSpPr>
+        <a:xfrm>
+          <a:off x="0" y="0"/>
+          <a:ext cx="0" cy="0"/>
+          <a:chOff x="0" y="0"/>
+          <a:chExt cx="0" cy="0"/>
+        </a:xfrm>
+      </p:grpSpPr>
+      <p:sp>
+        <p:nvSpPr>
           <p:cNvPr id="17410" name="Inhaltsplatzhalter 2"/>
           <p:cNvSpPr>
             <a:spLocks noGrp="1"/>
@@ -8282,145 +9727,6 @@
 </p:sld>
 </file>
 
-<file path=ppt/slides/slide3.xml><?xml version="1.0" encoding="utf-8"?>
-<p:sld xmlns:a="http://schemas.openxmlformats.org/drawingml/2006/main" xmlns:r="http://schemas.openxmlformats.org/officeDocument/2006/relationships" xmlns:p="http://schemas.openxmlformats.org/presentationml/2006/main">
-  <p:cSld>
-    <p:spTree>
-      <p:nvGrpSpPr>
-        <p:cNvPr id="1" name=""/>
-        <p:cNvGrpSpPr/>
-        <p:nvPr/>
-      </p:nvGrpSpPr>
-      <p:grpSpPr>
-        <a:xfrm>
-          <a:off x="0" y="0"/>
-          <a:ext cx="0" cy="0"/>
-          <a:chOff x="0" y="0"/>
-          <a:chExt cx="0" cy="0"/>
-        </a:xfrm>
-      </p:grpSpPr>
-      <p:sp>
-        <p:nvSpPr>
-          <p:cNvPr id="17410" name="Inhaltsplatzhalter 2"/>
-          <p:cNvSpPr>
-            <a:spLocks noGrp="1"/>
-          </p:cNvSpPr>
-          <p:nvPr>
-            <p:ph idx="1"/>
-          </p:nvPr>
-        </p:nvSpPr>
-        <p:spPr>
-          <a:xfrm>
-            <a:off x="303213" y="1341438"/>
-            <a:ext cx="8589962" cy="4824412"/>
-          </a:xfrm>
-        </p:spPr>
-        <p:txBody>
-          <a:bodyPr/>
-          <a:lstStyle/>
-          <a:p>
-            <a:pPr marL="0" indent="0">
-              <a:buNone/>
-            </a:pPr>
-            <a:r>
-              <a:rPr lang="de-DE" sz="2000" b="1" dirty="0"/>
-              <a:t>Grundlagen</a:t>
-            </a:r>
-          </a:p>
-          <a:p>
-            <a:pPr>
-              <a:buFont typeface="Arial" panose="020B0604020202020204" pitchFamily="34" charset="0"/>
-              <a:buChar char="•"/>
-            </a:pPr>
-            <a:r>
-              <a:rPr lang="de-DE" sz="2000" dirty="0"/>
-              <a:t>Convenience: </a:t>
-            </a:r>
-            <a:r>
-              <a:rPr lang="de-DE" sz="2000" i="1" dirty="0" err="1"/>
-              <a:t>Model.of</a:t>
-            </a:r>
-            <a:r>
-              <a:rPr lang="de-DE" sz="2000" i="1" dirty="0"/>
-              <a:t>(…)</a:t>
-            </a:r>
-            <a:endParaRPr lang="de-DE" sz="2000" dirty="0"/>
-          </a:p>
-          <a:p>
-            <a:pPr>
-              <a:buFont typeface="Arial" panose="020B0604020202020204" pitchFamily="34" charset="0"/>
-              <a:buChar char="•"/>
-            </a:pPr>
-            <a:r>
-              <a:rPr lang="de-DE" sz="2000" dirty="0"/>
-              <a:t>Best Practices</a:t>
-            </a:r>
-          </a:p>
-          <a:p>
-            <a:pPr lvl="1">
-              <a:buFont typeface="Arial" panose="020B0604020202020204" pitchFamily="34" charset="0"/>
-              <a:buChar char="•"/>
-            </a:pPr>
-            <a:r>
-              <a:rPr lang="de-DE" sz="1600" dirty="0"/>
-              <a:t>Immer Models für Komponenten verwenden</a:t>
-            </a:r>
-          </a:p>
-          <a:p>
-            <a:pPr lvl="1">
-              <a:buFont typeface="Arial" panose="020B0604020202020204" pitchFamily="34" charset="0"/>
-              <a:buChar char="•"/>
-            </a:pPr>
-            <a:r>
-              <a:rPr lang="de-DE" sz="1600" dirty="0"/>
-              <a:t>Datenobjekte nur Auspacken, wenn benötigt</a:t>
-            </a:r>
-          </a:p>
-          <a:p>
-            <a:endParaRPr lang="de-DE" sz="2000" i="1" dirty="0"/>
-          </a:p>
-        </p:txBody>
-      </p:sp>
-      <p:sp>
-        <p:nvSpPr>
-          <p:cNvPr id="17411" name="Rectangle 1062"/>
-          <p:cNvSpPr>
-            <a:spLocks noGrp="1" noChangeArrowheads="1"/>
-          </p:cNvSpPr>
-          <p:nvPr>
-            <p:ph type="title"/>
-          </p:nvPr>
-        </p:nvSpPr>
-        <p:spPr>
-          <a:xfrm>
-            <a:off x="285750" y="142875"/>
-            <a:ext cx="5654675" cy="706438"/>
-          </a:xfrm>
-        </p:spPr>
-        <p:txBody>
-          <a:bodyPr/>
-          <a:lstStyle/>
-          <a:p>
-            <a:r>
-              <a:rPr lang="de-DE" dirty="0"/>
-              <a:t>Models</a:t>
-            </a:r>
-          </a:p>
-        </p:txBody>
-      </p:sp>
-    </p:spTree>
-    <p:extLst>
-      <p:ext uri="{BB962C8B-B14F-4D97-AF65-F5344CB8AC3E}">
-        <p14:creationId xmlns:p14="http://schemas.microsoft.com/office/powerpoint/2010/main" val="2706446526"/>
-      </p:ext>
-    </p:extLst>
-  </p:cSld>
-  <p:clrMapOvr>
-    <a:masterClrMapping/>
-  </p:clrMapOvr>
-</p:sld>
-</file>
-
 <file path=ppt/slides/slide4.xml><?xml version="1.0" encoding="utf-8"?>
 <p:sld xmlns:a="http://schemas.openxmlformats.org/drawingml/2006/main" xmlns:r="http://schemas.openxmlformats.org/officeDocument/2006/relationships" xmlns:p="http://schemas.openxmlformats.org/presentationml/2006/main">
   <p:cSld>
@@ -8462,10 +9768,9 @@
               <a:buNone/>
             </a:pPr>
             <a:r>
-              <a:rPr lang="de-DE" sz="2000" b="1" dirty="0" err="1"/>
-              <a:t>PropertyModel</a:t>
-            </a:r>
-            <a:endParaRPr lang="de-DE" sz="2000" b="1" dirty="0"/>
+              <a:rPr lang="de-DE" sz="2000" b="1" dirty="0"/>
+              <a:t>Grundlagen</a:t>
+            </a:r>
           </a:p>
           <a:p>
             <a:pPr>
@@ -8474,8 +9779,17 @@
             </a:pPr>
             <a:r>
               <a:rPr lang="de-DE" sz="2000" dirty="0"/>
-              <a:t>Kapselt einzelne Property eines Fachobjektes</a:t>
-            </a:r>
+              <a:t>Convenience: </a:t>
+            </a:r>
+            <a:r>
+              <a:rPr lang="de-DE" sz="2000" i="1" dirty="0" err="1"/>
+              <a:t>Model.of</a:t>
+            </a:r>
+            <a:r>
+              <a:rPr lang="de-DE" sz="2000" i="1" dirty="0"/>
+              <a:t>(…)</a:t>
+            </a:r>
+            <a:endParaRPr lang="de-DE" sz="2000" dirty="0"/>
           </a:p>
           <a:p>
             <a:pPr>
@@ -8484,15 +9798,7 @@
             </a:pPr>
             <a:r>
               <a:rPr lang="de-DE" sz="2000" dirty="0"/>
-              <a:t>Vorteile gegenüber </a:t>
-            </a:r>
-            <a:r>
-              <a:rPr lang="de-DE" sz="2000" i="1" dirty="0" err="1"/>
-              <a:t>Model.of</a:t>
-            </a:r>
-            <a:r>
-              <a:rPr lang="de-DE" sz="2000" i="1" dirty="0"/>
-              <a:t>(String)</a:t>
+              <a:t>Best Practices</a:t>
             </a:r>
           </a:p>
           <a:p>
@@ -8502,7 +9808,7 @@
             </a:pPr>
             <a:r>
               <a:rPr lang="de-DE" sz="1600" dirty="0"/>
-              <a:t>Immer aktueller Wert in UI</a:t>
+              <a:t>Immer Models für Komponenten verwenden</a:t>
             </a:r>
           </a:p>
           <a:p>
@@ -8512,352 +9818,11 @@
             </a:pPr>
             <a:r>
               <a:rPr lang="de-DE" sz="1600" dirty="0"/>
-              <a:t>Aktualisierung der Property in Objekt</a:t>
-            </a:r>
-          </a:p>
-          <a:p>
-            <a:pPr lvl="1"/>
-            <a:endParaRPr lang="de-DE" sz="1600" dirty="0"/>
-          </a:p>
-          <a:p>
-            <a:pPr marL="0" lvl="0" indent="0">
-              <a:buNone/>
-            </a:pPr>
-            <a:endParaRPr lang="de-DE" altLang="de-DE" sz="1600" dirty="0">
-              <a:solidFill>
-                <a:srgbClr val="000000"/>
-              </a:solidFill>
-              <a:latin typeface="Consolas" panose="020B0609020204030204" pitchFamily="49" charset="0"/>
-              <a:cs typeface="Consolas" panose="020B0609020204030204" pitchFamily="49" charset="0"/>
-            </a:endParaRPr>
-          </a:p>
-          <a:p>
-            <a:pPr marL="0" lvl="0" indent="0">
-              <a:buNone/>
-            </a:pPr>
-            <a:endParaRPr lang="de-DE" altLang="de-DE" sz="1600" dirty="0">
-              <a:solidFill>
-                <a:srgbClr val="000000"/>
-              </a:solidFill>
-              <a:latin typeface="Consolas" panose="020B0609020204030204" pitchFamily="49" charset="0"/>
-              <a:cs typeface="Consolas" panose="020B0609020204030204" pitchFamily="49" charset="0"/>
-            </a:endParaRPr>
-          </a:p>
-          <a:p>
-            <a:pPr marL="0" lvl="0" indent="0">
-              <a:buNone/>
-            </a:pPr>
-            <a:r>
-              <a:rPr lang="de-DE" altLang="de-DE" sz="1600" dirty="0">
-                <a:solidFill>
-                  <a:srgbClr val="000000"/>
-                </a:solidFill>
-                <a:latin typeface="Consolas" panose="020B0609020204030204" pitchFamily="49" charset="0"/>
-                <a:cs typeface="Consolas" panose="020B0609020204030204" pitchFamily="49" charset="0"/>
-              </a:rPr>
-              <a:t>Person </a:t>
-            </a:r>
-            <a:r>
-              <a:rPr lang="de-DE" altLang="de-DE" sz="1600" dirty="0" err="1">
-                <a:solidFill>
-                  <a:srgbClr val="000000"/>
-                </a:solidFill>
-                <a:latin typeface="Consolas" panose="020B0609020204030204" pitchFamily="49" charset="0"/>
-                <a:cs typeface="Consolas" panose="020B0609020204030204" pitchFamily="49" charset="0"/>
-              </a:rPr>
-              <a:t>person</a:t>
-            </a:r>
-            <a:r>
-              <a:rPr lang="de-DE" altLang="de-DE" sz="1600" dirty="0">
-                <a:solidFill>
-                  <a:srgbClr val="000000"/>
-                </a:solidFill>
-                <a:latin typeface="Consolas" panose="020B0609020204030204" pitchFamily="49" charset="0"/>
-                <a:cs typeface="Consolas" panose="020B0609020204030204" pitchFamily="49" charset="0"/>
-              </a:rPr>
-              <a:t> = </a:t>
-            </a:r>
-            <a:r>
-              <a:rPr lang="de-DE" altLang="de-DE" sz="1600" b="1" dirty="0" err="1">
-                <a:solidFill>
-                  <a:srgbClr val="000080"/>
-                </a:solidFill>
-                <a:latin typeface="Consolas" panose="020B0609020204030204" pitchFamily="49" charset="0"/>
-                <a:cs typeface="Consolas" panose="020B0609020204030204" pitchFamily="49" charset="0"/>
-              </a:rPr>
-              <a:t>new</a:t>
-            </a:r>
-            <a:r>
-              <a:rPr lang="de-DE" altLang="de-DE" sz="1600" b="1" dirty="0">
-                <a:solidFill>
-                  <a:srgbClr val="000080"/>
-                </a:solidFill>
-                <a:latin typeface="Consolas" panose="020B0609020204030204" pitchFamily="49" charset="0"/>
-                <a:cs typeface="Consolas" panose="020B0609020204030204" pitchFamily="49" charset="0"/>
-              </a:rPr>
-              <a:t> </a:t>
-            </a:r>
-            <a:r>
-              <a:rPr lang="de-DE" altLang="de-DE" sz="1600" dirty="0">
-                <a:solidFill>
-                  <a:srgbClr val="000000"/>
-                </a:solidFill>
-                <a:latin typeface="Consolas" panose="020B0609020204030204" pitchFamily="49" charset="0"/>
-                <a:cs typeface="Consolas" panose="020B0609020204030204" pitchFamily="49" charset="0"/>
-              </a:rPr>
-              <a:t>Person();</a:t>
-            </a:r>
-            <a:br>
-              <a:rPr lang="de-DE" altLang="de-DE" sz="1600" dirty="0">
-                <a:solidFill>
-                  <a:srgbClr val="000000"/>
-                </a:solidFill>
-                <a:latin typeface="Consolas" panose="020B0609020204030204" pitchFamily="49" charset="0"/>
-                <a:cs typeface="Consolas" panose="020B0609020204030204" pitchFamily="49" charset="0"/>
-              </a:rPr>
-            </a:br>
-            <a:r>
-              <a:rPr lang="de-DE" altLang="de-DE" sz="1600" i="1" dirty="0">
-                <a:solidFill>
-                  <a:srgbClr val="808080"/>
-                </a:solidFill>
-                <a:latin typeface="Consolas" panose="020B0609020204030204" pitchFamily="49" charset="0"/>
-                <a:cs typeface="Consolas" panose="020B0609020204030204" pitchFamily="49" charset="0"/>
-              </a:rPr>
-              <a:t>//Personendaten laden...</a:t>
-            </a:r>
-            <a:br>
-              <a:rPr lang="de-DE" altLang="de-DE" sz="1600" i="1" dirty="0">
-                <a:solidFill>
-                  <a:srgbClr val="808080"/>
-                </a:solidFill>
-                <a:latin typeface="Consolas" panose="020B0609020204030204" pitchFamily="49" charset="0"/>
-                <a:cs typeface="Consolas" panose="020B0609020204030204" pitchFamily="49" charset="0"/>
-              </a:rPr>
-            </a:br>
-            <a:r>
-              <a:rPr lang="de-DE" altLang="de-DE" sz="1600" i="1" dirty="0">
-                <a:solidFill>
-                  <a:srgbClr val="808080"/>
-                </a:solidFill>
-                <a:latin typeface="Consolas" panose="020B0609020204030204" pitchFamily="49" charset="0"/>
-                <a:cs typeface="Consolas" panose="020B0609020204030204" pitchFamily="49" charset="0"/>
-              </a:rPr>
-              <a:t/>
-            </a:r>
-            <a:br>
-              <a:rPr lang="de-DE" altLang="de-DE" sz="1600" i="1" dirty="0">
-                <a:solidFill>
-                  <a:srgbClr val="808080"/>
-                </a:solidFill>
-                <a:latin typeface="Consolas" panose="020B0609020204030204" pitchFamily="49" charset="0"/>
-                <a:cs typeface="Consolas" panose="020B0609020204030204" pitchFamily="49" charset="0"/>
-              </a:rPr>
-            </a:br>
-            <a:r>
-              <a:rPr lang="de-DE" altLang="de-DE" sz="1600" dirty="0">
-                <a:solidFill>
-                  <a:srgbClr val="000000"/>
-                </a:solidFill>
-                <a:latin typeface="Consolas" panose="020B0609020204030204" pitchFamily="49" charset="0"/>
-                <a:cs typeface="Consolas" panose="020B0609020204030204" pitchFamily="49" charset="0"/>
-              </a:rPr>
-              <a:t>Label </a:t>
-            </a:r>
-            <a:r>
-              <a:rPr lang="de-DE" altLang="de-DE" sz="1600" dirty="0" err="1">
-                <a:solidFill>
-                  <a:srgbClr val="000000"/>
-                </a:solidFill>
-                <a:latin typeface="Consolas" panose="020B0609020204030204" pitchFamily="49" charset="0"/>
-                <a:cs typeface="Consolas" panose="020B0609020204030204" pitchFamily="49" charset="0"/>
-              </a:rPr>
-              <a:t>label</a:t>
-            </a:r>
-            <a:r>
-              <a:rPr lang="de-DE" altLang="de-DE" sz="1600" dirty="0">
-                <a:solidFill>
-                  <a:srgbClr val="000000"/>
-                </a:solidFill>
-                <a:latin typeface="Consolas" panose="020B0609020204030204" pitchFamily="49" charset="0"/>
-                <a:cs typeface="Consolas" panose="020B0609020204030204" pitchFamily="49" charset="0"/>
-              </a:rPr>
-              <a:t> = </a:t>
-            </a:r>
-            <a:r>
-              <a:rPr lang="de-DE" altLang="de-DE" sz="1600" b="1" dirty="0" err="1">
-                <a:solidFill>
-                  <a:srgbClr val="000080"/>
-                </a:solidFill>
-                <a:latin typeface="Consolas" panose="020B0609020204030204" pitchFamily="49" charset="0"/>
-                <a:cs typeface="Consolas" panose="020B0609020204030204" pitchFamily="49" charset="0"/>
-              </a:rPr>
-              <a:t>new</a:t>
-            </a:r>
-            <a:r>
-              <a:rPr lang="de-DE" altLang="de-DE" sz="1600" b="1" dirty="0">
-                <a:solidFill>
-                  <a:srgbClr val="000080"/>
-                </a:solidFill>
-                <a:latin typeface="Consolas" panose="020B0609020204030204" pitchFamily="49" charset="0"/>
-                <a:cs typeface="Consolas" panose="020B0609020204030204" pitchFamily="49" charset="0"/>
-              </a:rPr>
-              <a:t> </a:t>
-            </a:r>
-            <a:r>
-              <a:rPr lang="de-DE" altLang="de-DE" sz="1600" dirty="0">
-                <a:solidFill>
-                  <a:srgbClr val="000000"/>
-                </a:solidFill>
-                <a:latin typeface="Consolas" panose="020B0609020204030204" pitchFamily="49" charset="0"/>
-                <a:cs typeface="Consolas" panose="020B0609020204030204" pitchFamily="49" charset="0"/>
-              </a:rPr>
-              <a:t>Label(</a:t>
-            </a:r>
-            <a:r>
-              <a:rPr lang="de-DE" altLang="de-DE" sz="1600" b="1" dirty="0">
-                <a:solidFill>
-                  <a:srgbClr val="008000"/>
-                </a:solidFill>
-                <a:latin typeface="Consolas" panose="020B0609020204030204" pitchFamily="49" charset="0"/>
-                <a:cs typeface="Consolas" panose="020B0609020204030204" pitchFamily="49" charset="0"/>
-              </a:rPr>
-              <a:t>"</a:t>
-            </a:r>
-            <a:r>
-              <a:rPr lang="de-DE" altLang="de-DE" sz="1600" b="1" dirty="0" err="1">
-                <a:solidFill>
-                  <a:srgbClr val="008000"/>
-                </a:solidFill>
-                <a:latin typeface="Consolas" panose="020B0609020204030204" pitchFamily="49" charset="0"/>
-                <a:cs typeface="Consolas" panose="020B0609020204030204" pitchFamily="49" charset="0"/>
-              </a:rPr>
-              <a:t>name</a:t>
-            </a:r>
-            <a:r>
-              <a:rPr lang="de-DE" altLang="de-DE" sz="1600" b="1" dirty="0">
-                <a:solidFill>
-                  <a:srgbClr val="008000"/>
-                </a:solidFill>
-                <a:latin typeface="Consolas" panose="020B0609020204030204" pitchFamily="49" charset="0"/>
-                <a:cs typeface="Consolas" panose="020B0609020204030204" pitchFamily="49" charset="0"/>
-              </a:rPr>
-              <a:t>"</a:t>
-            </a:r>
-            <a:r>
-              <a:rPr lang="de-DE" altLang="de-DE" sz="1600" dirty="0">
-                <a:solidFill>
-                  <a:srgbClr val="000000"/>
-                </a:solidFill>
-                <a:latin typeface="Consolas" panose="020B0609020204030204" pitchFamily="49" charset="0"/>
-                <a:cs typeface="Consolas" panose="020B0609020204030204" pitchFamily="49" charset="0"/>
-              </a:rPr>
-              <a:t>, </a:t>
-            </a:r>
-            <a:r>
-              <a:rPr lang="de-DE" altLang="de-DE" sz="1600" b="1" dirty="0" err="1">
-                <a:solidFill>
-                  <a:srgbClr val="000080"/>
-                </a:solidFill>
-                <a:latin typeface="Consolas" panose="020B0609020204030204" pitchFamily="49" charset="0"/>
-                <a:cs typeface="Consolas" panose="020B0609020204030204" pitchFamily="49" charset="0"/>
-              </a:rPr>
-              <a:t>new</a:t>
-            </a:r>
-            <a:r>
-              <a:rPr lang="de-DE" altLang="de-DE" sz="1600" b="1" dirty="0">
-                <a:solidFill>
-                  <a:srgbClr val="000080"/>
-                </a:solidFill>
-                <a:latin typeface="Consolas" panose="020B0609020204030204" pitchFamily="49" charset="0"/>
-                <a:cs typeface="Consolas" panose="020B0609020204030204" pitchFamily="49" charset="0"/>
-              </a:rPr>
-              <a:t> </a:t>
-            </a:r>
-            <a:r>
-              <a:rPr lang="de-DE" altLang="de-DE" sz="1600" dirty="0" err="1">
-                <a:solidFill>
-                  <a:srgbClr val="000000"/>
-                </a:solidFill>
-                <a:latin typeface="Consolas" panose="020B0609020204030204" pitchFamily="49" charset="0"/>
-                <a:cs typeface="Consolas" panose="020B0609020204030204" pitchFamily="49" charset="0"/>
-              </a:rPr>
-              <a:t>PropertyModel</a:t>
-            </a:r>
-            <a:r>
-              <a:rPr lang="de-DE" altLang="de-DE" sz="1600" dirty="0">
-                <a:solidFill>
-                  <a:srgbClr val="000000"/>
-                </a:solidFill>
-                <a:latin typeface="Consolas" panose="020B0609020204030204" pitchFamily="49" charset="0"/>
-                <a:cs typeface="Consolas" panose="020B0609020204030204" pitchFamily="49" charset="0"/>
-              </a:rPr>
-              <a:t>(</a:t>
-            </a:r>
-            <a:r>
-              <a:rPr lang="de-DE" altLang="de-DE" sz="1600" dirty="0" err="1">
-                <a:solidFill>
-                  <a:srgbClr val="000000"/>
-                </a:solidFill>
-                <a:latin typeface="Consolas" panose="020B0609020204030204" pitchFamily="49" charset="0"/>
-                <a:cs typeface="Consolas" panose="020B0609020204030204" pitchFamily="49" charset="0"/>
-              </a:rPr>
-              <a:t>person</a:t>
-            </a:r>
-            <a:r>
-              <a:rPr lang="de-DE" altLang="de-DE" sz="1600" dirty="0">
-                <a:solidFill>
-                  <a:srgbClr val="000000"/>
-                </a:solidFill>
-                <a:latin typeface="Consolas" panose="020B0609020204030204" pitchFamily="49" charset="0"/>
-                <a:cs typeface="Consolas" panose="020B0609020204030204" pitchFamily="49" charset="0"/>
-              </a:rPr>
-              <a:t>, </a:t>
-            </a:r>
-            <a:r>
-              <a:rPr lang="de-DE" altLang="de-DE" sz="1600" b="1" dirty="0">
-                <a:solidFill>
-                  <a:srgbClr val="008000"/>
-                </a:solidFill>
-                <a:latin typeface="Consolas" panose="020B0609020204030204" pitchFamily="49" charset="0"/>
-                <a:cs typeface="Consolas" panose="020B0609020204030204" pitchFamily="49" charset="0"/>
-              </a:rPr>
-              <a:t>"</a:t>
-            </a:r>
-            <a:r>
-              <a:rPr lang="de-DE" altLang="de-DE" sz="1600" b="1" dirty="0" err="1">
-                <a:solidFill>
-                  <a:srgbClr val="008000"/>
-                </a:solidFill>
-                <a:latin typeface="Consolas" panose="020B0609020204030204" pitchFamily="49" charset="0"/>
-                <a:cs typeface="Consolas" panose="020B0609020204030204" pitchFamily="49" charset="0"/>
-              </a:rPr>
-              <a:t>name</a:t>
-            </a:r>
-            <a:r>
-              <a:rPr lang="de-DE" altLang="de-DE" sz="1600" b="1" dirty="0">
-                <a:solidFill>
-                  <a:srgbClr val="008000"/>
-                </a:solidFill>
-                <a:latin typeface="Consolas" panose="020B0609020204030204" pitchFamily="49" charset="0"/>
-                <a:cs typeface="Consolas" panose="020B0609020204030204" pitchFamily="49" charset="0"/>
-              </a:rPr>
-              <a:t>"</a:t>
-            </a:r>
-            <a:r>
-              <a:rPr lang="de-DE" altLang="de-DE" sz="1600" dirty="0">
-                <a:solidFill>
-                  <a:srgbClr val="000000"/>
-                </a:solidFill>
-                <a:latin typeface="Consolas" panose="020B0609020204030204" pitchFamily="49" charset="0"/>
-                <a:cs typeface="Consolas" panose="020B0609020204030204" pitchFamily="49" charset="0"/>
-              </a:rPr>
-              <a:t>));</a:t>
-            </a:r>
-            <a:endParaRPr lang="de-DE" altLang="de-DE" sz="1600" dirty="0">
-              <a:latin typeface="Consolas" panose="020B0609020204030204" pitchFamily="49" charset="0"/>
-              <a:cs typeface="Consolas" panose="020B0609020204030204" pitchFamily="49" charset="0"/>
-            </a:endParaRPr>
+              <a:t>Datenobjekte nur Auspacken, wenn benötigt</a:t>
+            </a:r>
+          </a:p>
+          <a:p>
+            <a:endParaRPr lang="de-DE" sz="2000" i="1" dirty="0"/>
           </a:p>
         </p:txBody>
       </p:sp>
@@ -8891,7 +9856,7 @@
     </p:spTree>
     <p:extLst>
       <p:ext uri="{BB962C8B-B14F-4D97-AF65-F5344CB8AC3E}">
-        <p14:creationId xmlns:p14="http://schemas.microsoft.com/office/powerpoint/2010/main" val="3796676675"/>
+        <p14:creationId xmlns:p14="http://schemas.microsoft.com/office/powerpoint/2010/main" val="2706446526"/>
       </p:ext>
     </p:extLst>
   </p:cSld>
@@ -8943,12 +9908,9 @@
             </a:pPr>
             <a:r>
               <a:rPr lang="de-DE" sz="2000" b="1" dirty="0" err="1"/>
-              <a:t>IModel</a:t>
-            </a:r>
-            <a:r>
-              <a:rPr lang="de-DE" sz="2000" b="1" dirty="0"/>
-              <a:t> mit Lambdas</a:t>
-            </a:r>
+              <a:t>PropertyModel</a:t>
+            </a:r>
+            <a:endParaRPr lang="de-DE" sz="2000" b="1" dirty="0"/>
           </a:p>
           <a:p>
             <a:pPr>
@@ -8956,26 +9918,9 @@
               <a:buChar char="•"/>
             </a:pPr>
             <a:r>
-              <a:rPr lang="de-DE" sz="2000" dirty="0" err="1"/>
-              <a:t>IModel</a:t>
-            </a:r>
-            <a:r>
               <a:rPr lang="de-DE" sz="2000" dirty="0"/>
-              <a:t> ab </a:t>
-            </a:r>
-            <a:r>
-              <a:rPr lang="de-DE" sz="2000" dirty="0" err="1"/>
-              <a:t>Wicket</a:t>
-            </a:r>
-            <a:r>
-              <a:rPr lang="de-DE" sz="2000" dirty="0"/>
-              <a:t> 8 @</a:t>
-            </a:r>
-            <a:r>
-              <a:rPr lang="de-DE" sz="2000" dirty="0" err="1"/>
-              <a:t>FunctionalInterface</a:t>
-            </a:r>
-            <a:endParaRPr lang="de-DE" sz="2000" dirty="0"/>
+              <a:t>Kapselt einzelne Property eines Fachobjektes</a:t>
+            </a:r>
           </a:p>
           <a:p>
             <a:pPr>
@@ -8984,53 +9929,40 @@
             </a:pPr>
             <a:r>
               <a:rPr lang="de-DE" sz="2000" dirty="0"/>
-              <a:t>Implementierung durch Lambda oder Methodenreferenz</a:t>
-            </a:r>
-          </a:p>
-          <a:p>
-            <a:pPr>
+              <a:t>Vorteile gegenüber </a:t>
+            </a:r>
+            <a:r>
+              <a:rPr lang="de-DE" sz="2000" i="1" dirty="0" err="1"/>
+              <a:t>Model.of</a:t>
+            </a:r>
+            <a:r>
+              <a:rPr lang="de-DE" sz="2000" i="1" dirty="0"/>
+              <a:t>(String)</a:t>
+            </a:r>
+          </a:p>
+          <a:p>
+            <a:pPr lvl="1">
               <a:buFont typeface="Arial" panose="020B0604020202020204" pitchFamily="34" charset="0"/>
               <a:buChar char="•"/>
             </a:pPr>
             <a:r>
-              <a:rPr lang="de-DE" sz="2000" dirty="0"/>
-              <a:t>Typsicher, unterstützt </a:t>
-            </a:r>
-            <a:r>
-              <a:rPr lang="de-DE" sz="2000" dirty="0" err="1"/>
-              <a:t>Refactorings</a:t>
-            </a:r>
-            <a:endParaRPr lang="de-DE" sz="2000" dirty="0"/>
-          </a:p>
-          <a:p>
-            <a:pPr>
+              <a:rPr lang="de-DE" sz="1600" dirty="0"/>
+              <a:t>Immer aktueller Wert in UI</a:t>
+            </a:r>
+          </a:p>
+          <a:p>
+            <a:pPr lvl="1">
               <a:buFont typeface="Arial" panose="020B0604020202020204" pitchFamily="34" charset="0"/>
               <a:buChar char="•"/>
             </a:pPr>
             <a:r>
-              <a:rPr lang="de-DE" altLang="de-DE" sz="2000" dirty="0">
-                <a:solidFill>
-                  <a:srgbClr val="000000"/>
-                </a:solidFill>
-                <a:cs typeface="Consolas" panose="020B0609020204030204" pitchFamily="49" charset="0"/>
-              </a:rPr>
-              <a:t>Read-</a:t>
-            </a:r>
-            <a:r>
-              <a:rPr lang="de-DE" altLang="de-DE" sz="2000" dirty="0" err="1">
-                <a:solidFill>
-                  <a:srgbClr val="000000"/>
-                </a:solidFill>
-                <a:cs typeface="Consolas" panose="020B0609020204030204" pitchFamily="49" charset="0"/>
-              </a:rPr>
-              <a:t>only</a:t>
-            </a:r>
-            <a:endParaRPr lang="de-DE" altLang="de-DE" sz="1600" dirty="0">
-              <a:solidFill>
-                <a:srgbClr val="000000"/>
-              </a:solidFill>
-              <a:cs typeface="Consolas" panose="020B0609020204030204" pitchFamily="49" charset="0"/>
-            </a:endParaRPr>
+              <a:rPr lang="de-DE" sz="1600" dirty="0"/>
+              <a:t>Aktualisierung der Property in Objekt</a:t>
+            </a:r>
+          </a:p>
+          <a:p>
+            <a:pPr lvl="1"/>
+            <a:endParaRPr lang="de-DE" sz="1600" dirty="0"/>
           </a:p>
           <a:p>
             <a:pPr marL="0" lvl="0" indent="0">
@@ -9048,6 +9980,18 @@
             <a:pPr marL="0" lvl="0" indent="0">
               <a:buNone/>
             </a:pPr>
+            <a:endParaRPr lang="de-DE" altLang="de-DE" sz="1600" dirty="0">
+              <a:solidFill>
+                <a:srgbClr val="000000"/>
+              </a:solidFill>
+              <a:latin typeface="Consolas" panose="020B0609020204030204" pitchFamily="49" charset="0"/>
+              <a:cs typeface="Consolas" panose="020B0609020204030204" pitchFamily="49" charset="0"/>
+            </a:endParaRPr>
+          </a:p>
+          <a:p>
+            <a:pPr marL="0" lvl="0" indent="0">
+              <a:buNone/>
+            </a:pPr>
             <a:r>
               <a:rPr lang="de-DE" altLang="de-DE" sz="1600" dirty="0">
                 <a:solidFill>
@@ -9163,7 +10107,27 @@
                 <a:latin typeface="Consolas" panose="020B0609020204030204" pitchFamily="49" charset="0"/>
                 <a:cs typeface="Consolas" panose="020B0609020204030204" pitchFamily="49" charset="0"/>
               </a:rPr>
-              <a:t>Label label1 = </a:t>
+              <a:t>Label </a:t>
+            </a:r>
+            <a:r>
+              <a:rPr lang="de-DE" altLang="de-DE" sz="1600" dirty="0" err="1">
+                <a:solidFill>
+                  <a:srgbClr val="000000"/>
+                </a:solidFill>
+                <a:latin typeface="Consolas" panose="020B0609020204030204" pitchFamily="49" charset="0"/>
+                <a:cs typeface="Consolas" panose="020B0609020204030204" pitchFamily="49" charset="0"/>
+              </a:rPr>
+              <a:t>label</a:t>
+            </a:r>
+            <a:r>
+              <a:rPr lang="de-DE" altLang="de-DE" sz="1600" dirty="0">
+                <a:solidFill>
+                  <a:srgbClr val="000000"/>
+                </a:solidFill>
+                <a:latin typeface="Consolas" panose="020B0609020204030204" pitchFamily="49" charset="0"/>
+                <a:cs typeface="Consolas" panose="020B0609020204030204" pitchFamily="49" charset="0"/>
+              </a:rPr>
+              <a:t> = </a:t>
             </a:r>
             <a:r>
               <a:rPr lang="de-DE" altLang="de-DE" sz="1600" b="1" dirty="0" err="1">
@@ -9203,7 +10167,27 @@
                 <a:latin typeface="Consolas" panose="020B0609020204030204" pitchFamily="49" charset="0"/>
                 <a:cs typeface="Consolas" panose="020B0609020204030204" pitchFamily="49" charset="0"/>
               </a:rPr>
-              <a:t>"name1"</a:t>
+              <a:t>"</a:t>
+            </a:r>
+            <a:r>
+              <a:rPr lang="de-DE" altLang="de-DE" sz="1600" b="1" dirty="0" err="1">
+                <a:solidFill>
+                  <a:srgbClr val="008000"/>
+                </a:solidFill>
+                <a:latin typeface="Consolas" panose="020B0609020204030204" pitchFamily="49" charset="0"/>
+                <a:cs typeface="Consolas" panose="020B0609020204030204" pitchFamily="49" charset="0"/>
+              </a:rPr>
+              <a:t>name</a:t>
+            </a:r>
+            <a:r>
+              <a:rPr lang="de-DE" altLang="de-DE" sz="1600" b="1" dirty="0">
+                <a:solidFill>
+                  <a:srgbClr val="008000"/>
+                </a:solidFill>
+                <a:latin typeface="Consolas" panose="020B0609020204030204" pitchFamily="49" charset="0"/>
+                <a:cs typeface="Consolas" panose="020B0609020204030204" pitchFamily="49" charset="0"/>
+              </a:rPr>
+              <a:t>"</a:t>
             </a:r>
             <a:r>
               <a:rPr lang="de-DE" altLang="de-DE" sz="1600" dirty="0">
@@ -9216,6 +10200,26 @@
               <a:t>, </a:t>
             </a:r>
             <a:r>
+              <a:rPr lang="de-DE" altLang="de-DE" sz="1600" b="1" dirty="0" err="1">
+                <a:solidFill>
+                  <a:srgbClr val="000080"/>
+                </a:solidFill>
+                <a:latin typeface="Consolas" panose="020B0609020204030204" pitchFamily="49" charset="0"/>
+                <a:cs typeface="Consolas" panose="020B0609020204030204" pitchFamily="49" charset="0"/>
+              </a:rPr>
+              <a:t>new</a:t>
+            </a:r>
+            <a:r>
+              <a:rPr lang="de-DE" altLang="de-DE" sz="1600" b="1" dirty="0">
+                <a:solidFill>
+                  <a:srgbClr val="000080"/>
+                </a:solidFill>
+                <a:latin typeface="Consolas" panose="020B0609020204030204" pitchFamily="49" charset="0"/>
+                <a:cs typeface="Consolas" panose="020B0609020204030204" pitchFamily="49" charset="0"/>
+              </a:rPr>
+              <a:t> </a:t>
+            </a:r>
+            <a:r>
               <a:rPr lang="de-DE" altLang="de-DE" sz="1600" dirty="0" err="1">
                 <a:solidFill>
                   <a:srgbClr val="000000"/>
@@ -9223,6 +10227,26 @@
                 <a:latin typeface="Consolas" panose="020B0609020204030204" pitchFamily="49" charset="0"/>
                 <a:cs typeface="Consolas" panose="020B0609020204030204" pitchFamily="49" charset="0"/>
               </a:rPr>
+              <a:t>PropertyModel</a:t>
+            </a:r>
+            <a:r>
+              <a:rPr lang="de-DE" altLang="de-DE" sz="1600" dirty="0">
+                <a:solidFill>
+                  <a:srgbClr val="000000"/>
+                </a:solidFill>
+                <a:latin typeface="Consolas" panose="020B0609020204030204" pitchFamily="49" charset="0"/>
+                <a:cs typeface="Consolas" panose="020B0609020204030204" pitchFamily="49" charset="0"/>
+              </a:rPr>
+              <a:t>(</a:t>
+            </a:r>
+            <a:r>
+              <a:rPr lang="de-DE" altLang="de-DE" sz="1600" dirty="0" err="1">
+                <a:solidFill>
+                  <a:srgbClr val="000000"/>
+                </a:solidFill>
+                <a:latin typeface="Consolas" panose="020B0609020204030204" pitchFamily="49" charset="0"/>
+                <a:cs typeface="Consolas" panose="020B0609020204030204" pitchFamily="49" charset="0"/>
+              </a:rPr>
               <a:t>person</a:t>
             </a:r>
             <a:r>
@@ -9233,113 +10257,52 @@
                 <a:latin typeface="Consolas" panose="020B0609020204030204" pitchFamily="49" charset="0"/>
                 <a:cs typeface="Consolas" panose="020B0609020204030204" pitchFamily="49" charset="0"/>
               </a:rPr>
-              <a:t>::</a:t>
-            </a:r>
-            <a:r>
-              <a:rPr lang="de-DE" altLang="de-DE" sz="1600" dirty="0" err="1">
+              <a:t>, </a:t>
+            </a:r>
+            <a:r>
+              <a:rPr lang="de-DE" altLang="de-DE" sz="1600" b="1" dirty="0">
+                <a:solidFill>
+                  <a:srgbClr val="008000"/>
+                </a:solidFill>
+                <a:latin typeface="Consolas" panose="020B0609020204030204" pitchFamily="49" charset="0"/>
+                <a:cs typeface="Consolas" panose="020B0609020204030204" pitchFamily="49" charset="0"/>
+              </a:rPr>
+              <a:t>"</a:t>
+            </a:r>
+            <a:r>
+              <a:rPr lang="de-DE" altLang="de-DE" sz="1600" b="1" dirty="0" err="1">
+                <a:solidFill>
+                  <a:srgbClr val="008000"/>
+                </a:solidFill>
+                <a:latin typeface="Consolas" panose="020B0609020204030204" pitchFamily="49" charset="0"/>
+                <a:cs typeface="Consolas" panose="020B0609020204030204" pitchFamily="49" charset="0"/>
+              </a:rPr>
+              <a:t>name</a:t>
+            </a:r>
+            <a:r>
+              <a:rPr lang="de-DE" altLang="de-DE" sz="1600" b="1" dirty="0">
+                <a:solidFill>
+                  <a:srgbClr val="008000"/>
+                </a:solidFill>
+                <a:latin typeface="Consolas" panose="020B0609020204030204" pitchFamily="49" charset="0"/>
+                <a:cs typeface="Consolas" panose="020B0609020204030204" pitchFamily="49" charset="0"/>
+              </a:rPr>
+              <a:t>"</a:t>
+            </a:r>
+            <a:r>
+              <a:rPr lang="de-DE" altLang="de-DE" sz="1600" dirty="0">
                 <a:solidFill>
                   <a:srgbClr val="000000"/>
                 </a:solidFill>
                 <a:latin typeface="Consolas" panose="020B0609020204030204" pitchFamily="49" charset="0"/>
                 <a:cs typeface="Consolas" panose="020B0609020204030204" pitchFamily="49" charset="0"/>
               </a:rPr>
-              <a:t>getName</a:t>
-            </a:r>
-            <a:r>
-              <a:rPr lang="de-DE" altLang="de-DE" sz="1600" dirty="0">
-                <a:solidFill>
-                  <a:srgbClr val="000000"/>
-                </a:solidFill>
-                <a:latin typeface="Consolas" panose="020B0609020204030204" pitchFamily="49" charset="0"/>
-                <a:cs typeface="Consolas" panose="020B0609020204030204" pitchFamily="49" charset="0"/>
-              </a:rPr>
-              <a:t>);</a:t>
-            </a:r>
-          </a:p>
-          <a:p>
-            <a:pPr marL="0" lvl="0" indent="0">
-              <a:buNone/>
-            </a:pPr>
-            <a:r>
-              <a:rPr lang="de-DE" altLang="de-DE" sz="1600" dirty="0">
-                <a:solidFill>
-                  <a:srgbClr val="000000"/>
-                </a:solidFill>
-                <a:latin typeface="Consolas" panose="020B0609020204030204" pitchFamily="49" charset="0"/>
-                <a:cs typeface="Consolas" panose="020B0609020204030204" pitchFamily="49" charset="0"/>
-              </a:rPr>
-              <a:t>Label label2 = </a:t>
-            </a:r>
-            <a:r>
-              <a:rPr lang="de-DE" altLang="de-DE" sz="1600" b="1" dirty="0" err="1">
-                <a:solidFill>
-                  <a:srgbClr val="000080"/>
-                </a:solidFill>
-                <a:latin typeface="Consolas" panose="020B0609020204030204" pitchFamily="49" charset="0"/>
-                <a:cs typeface="Consolas" panose="020B0609020204030204" pitchFamily="49" charset="0"/>
-              </a:rPr>
-              <a:t>new</a:t>
-            </a:r>
-            <a:r>
-              <a:rPr lang="de-DE" altLang="de-DE" sz="1600" b="1" dirty="0">
-                <a:solidFill>
-                  <a:srgbClr val="000080"/>
-                </a:solidFill>
-                <a:latin typeface="Consolas" panose="020B0609020204030204" pitchFamily="49" charset="0"/>
-                <a:cs typeface="Consolas" panose="020B0609020204030204" pitchFamily="49" charset="0"/>
-              </a:rPr>
-              <a:t> </a:t>
-            </a:r>
-            <a:r>
-              <a:rPr lang="de-DE" altLang="de-DE" sz="1600" dirty="0">
-                <a:solidFill>
-                  <a:srgbClr val="000000"/>
-                </a:solidFill>
-                <a:latin typeface="Consolas" panose="020B0609020204030204" pitchFamily="49" charset="0"/>
-                <a:cs typeface="Consolas" panose="020B0609020204030204" pitchFamily="49" charset="0"/>
-              </a:rPr>
-              <a:t>Label(</a:t>
-            </a:r>
-            <a:r>
-              <a:rPr lang="de-DE" altLang="de-DE" sz="1600" b="1" dirty="0">
-                <a:solidFill>
-                  <a:srgbClr val="008000"/>
-                </a:solidFill>
-                <a:latin typeface="Consolas" panose="020B0609020204030204" pitchFamily="49" charset="0"/>
-                <a:cs typeface="Consolas" panose="020B0609020204030204" pitchFamily="49" charset="0"/>
-              </a:rPr>
-              <a:t>"name2"</a:t>
-            </a:r>
-            <a:r>
-              <a:rPr lang="de-DE" altLang="de-DE" sz="1600" dirty="0">
-                <a:solidFill>
-                  <a:srgbClr val="000000"/>
-                </a:solidFill>
-                <a:latin typeface="Consolas" panose="020B0609020204030204" pitchFamily="49" charset="0"/>
-                <a:cs typeface="Consolas" panose="020B0609020204030204" pitchFamily="49" charset="0"/>
-              </a:rPr>
-              <a:t>, () -&gt; </a:t>
-            </a:r>
-            <a:r>
-              <a:rPr lang="de-DE" altLang="de-DE" sz="1600" dirty="0" err="1">
-                <a:solidFill>
-                  <a:srgbClr val="000000"/>
-                </a:solidFill>
-                <a:latin typeface="Consolas" panose="020B0609020204030204" pitchFamily="49" charset="0"/>
-                <a:cs typeface="Consolas" panose="020B0609020204030204" pitchFamily="49" charset="0"/>
-              </a:rPr>
-              <a:t>person.getName</a:t>
-            </a:r>
-            <a:r>
-              <a:rPr lang="de-DE" altLang="de-DE" sz="1600" dirty="0">
-                <a:solidFill>
-                  <a:srgbClr val="000000"/>
-                </a:solidFill>
-                <a:latin typeface="Consolas" panose="020B0609020204030204" pitchFamily="49" charset="0"/>
-                <a:cs typeface="Consolas" panose="020B0609020204030204" pitchFamily="49" charset="0"/>
-              </a:rPr>
-              <a:t>());</a:t>
-            </a:r>
+              <a:t>));</a:t>
+            </a:r>
+            <a:endParaRPr lang="de-DE" altLang="de-DE" sz="1600" dirty="0">
+              <a:latin typeface="Consolas" panose="020B0609020204030204" pitchFamily="49" charset="0"/>
+              <a:cs typeface="Consolas" panose="020B0609020204030204" pitchFamily="49" charset="0"/>
+            </a:endParaRPr>
           </a:p>
         </p:txBody>
       </p:sp>
@@ -9373,7 +10336,7 @@
     </p:spTree>
     <p:extLst>
       <p:ext uri="{BB962C8B-B14F-4D97-AF65-F5344CB8AC3E}">
-        <p14:creationId xmlns:p14="http://schemas.microsoft.com/office/powerpoint/2010/main" val="1000227206"/>
+        <p14:creationId xmlns:p14="http://schemas.microsoft.com/office/powerpoint/2010/main" val="3796676675"/>
       </p:ext>
     </p:extLst>
   </p:cSld>
@@ -9413,7 +10376,7 @@
         <p:spPr>
           <a:xfrm>
             <a:off x="303213" y="1341438"/>
-            <a:ext cx="8661275" cy="4824412"/>
+            <a:ext cx="8589962" cy="4824412"/>
           </a:xfrm>
         </p:spPr>
         <p:txBody>
@@ -9425,9 +10388,12 @@
             </a:pPr>
             <a:r>
               <a:rPr lang="de-DE" sz="2000" b="1" dirty="0" err="1"/>
-              <a:t>LambdaModel</a:t>
-            </a:r>
-            <a:endParaRPr lang="de-DE" sz="2000" b="1" dirty="0"/>
+              <a:t>IModel</a:t>
+            </a:r>
+            <a:r>
+              <a:rPr lang="de-DE" sz="2000" b="1" dirty="0"/>
+              <a:t> mit Lambdas</a:t>
+            </a:r>
           </a:p>
           <a:p>
             <a:pPr>
@@ -9435,8 +10401,12 @@
               <a:buChar char="•"/>
             </a:pPr>
             <a:r>
+              <a:rPr lang="de-DE" sz="2000" dirty="0" err="1"/>
+              <a:t>IModel</a:t>
+            </a:r>
+            <a:r>
               <a:rPr lang="de-DE" sz="2000" dirty="0"/>
-              <a:t>Neu in </a:t>
+              <a:t> ab </a:t>
             </a:r>
             <a:r>
               <a:rPr lang="de-DE" sz="2000" dirty="0" err="1"/>
@@ -9444,8 +10414,13 @@
             </a:r>
             <a:r>
               <a:rPr lang="de-DE" sz="2000" dirty="0"/>
-              <a:t> 8</a:t>
-            </a:r>
+              <a:t> 8 @</a:t>
+            </a:r>
+            <a:r>
+              <a:rPr lang="de-DE" sz="2000" dirty="0" err="1"/>
+              <a:t>FunctionalInterface</a:t>
+            </a:r>
+            <a:endParaRPr lang="de-DE" sz="2000" dirty="0"/>
           </a:p>
           <a:p>
             <a:pPr>
@@ -9454,13 +10429,8 @@
             </a:pPr>
             <a:r>
               <a:rPr lang="de-DE" sz="2000" dirty="0"/>
-              <a:t>Alternative zu </a:t>
-            </a:r>
-            <a:r>
-              <a:rPr lang="de-DE" sz="2000" dirty="0" err="1"/>
-              <a:t>PropertyModel</a:t>
-            </a:r>
-            <a:endParaRPr lang="de-DE" sz="2000" dirty="0"/>
+              <a:t>Implementierung durch Lambda oder Methodenreferenz</a:t>
+            </a:r>
           </a:p>
           <a:p>
             <a:pPr>
@@ -9483,10 +10453,29 @@
               <a:buChar char="•"/>
             </a:pPr>
             <a:r>
-              <a:rPr lang="de-DE" sz="2000" dirty="0"/>
-              <a:t>Höhere Performance</a:t>
-            </a:r>
-            <a:endParaRPr lang="de-DE" sz="1600" dirty="0"/>
+              <a:rPr lang="de-DE" altLang="de-DE" sz="2000" dirty="0">
+                <a:solidFill>
+                  <a:srgbClr val="000000"/>
+                </a:solidFill>
+                <a:cs typeface="Consolas" panose="020B0609020204030204" pitchFamily="49" charset="0"/>
+              </a:rPr>
+              <a:t>Read-</a:t>
+            </a:r>
+            <a:r>
+              <a:rPr lang="de-DE" altLang="de-DE" sz="2000" dirty="0" err="1">
+                <a:solidFill>
+                  <a:srgbClr val="000000"/>
+                </a:solidFill>
+                <a:cs typeface="Consolas" panose="020B0609020204030204" pitchFamily="49" charset="0"/>
+              </a:rPr>
+              <a:t>only</a:t>
+            </a:r>
+            <a:endParaRPr lang="de-DE" altLang="de-DE" sz="1600" dirty="0">
+              <a:solidFill>
+                <a:srgbClr val="000000"/>
+              </a:solidFill>
+              <a:cs typeface="Consolas" panose="020B0609020204030204" pitchFamily="49" charset="0"/>
+            </a:endParaRPr>
           </a:p>
           <a:p>
             <a:pPr marL="0" lvl="0" indent="0">
@@ -9504,18 +10493,6 @@
             <a:pPr marL="0" lvl="0" indent="0">
               <a:buNone/>
             </a:pPr>
-            <a:endParaRPr lang="de-DE" altLang="de-DE" sz="1600" dirty="0">
-              <a:solidFill>
-                <a:srgbClr val="000000"/>
-              </a:solidFill>
-              <a:latin typeface="Consolas" panose="020B0609020204030204" pitchFamily="49" charset="0"/>
-              <a:cs typeface="Consolas" panose="020B0609020204030204" pitchFamily="49" charset="0"/>
-            </a:endParaRPr>
-          </a:p>
-          <a:p>
-            <a:pPr marL="0" lvl="0" indent="0">
-              <a:buNone/>
-            </a:pPr>
             <a:r>
               <a:rPr lang="de-DE" altLang="de-DE" sz="1600" dirty="0">
                 <a:solidFill>
@@ -9595,231 +10572,219 @@
               </a:rPr>
               <a:t>//Personendaten laden...</a:t>
             </a:r>
+            <a:br>
+              <a:rPr lang="de-DE" altLang="de-DE" sz="1600" i="1" dirty="0">
+                <a:solidFill>
+                  <a:srgbClr val="808080"/>
+                </a:solidFill>
+                <a:latin typeface="Consolas" panose="020B0609020204030204" pitchFamily="49" charset="0"/>
+                <a:cs typeface="Consolas" panose="020B0609020204030204" pitchFamily="49" charset="0"/>
+              </a:rPr>
+            </a:br>
+            <a:r>
+              <a:rPr lang="de-DE" altLang="de-DE" sz="1600" i="1" dirty="0">
+                <a:solidFill>
+                  <a:srgbClr val="808080"/>
+                </a:solidFill>
+                <a:latin typeface="Consolas" panose="020B0609020204030204" pitchFamily="49" charset="0"/>
+                <a:cs typeface="Consolas" panose="020B0609020204030204" pitchFamily="49" charset="0"/>
+              </a:rPr>
+              <a:t/>
+            </a:r>
+            <a:br>
+              <a:rPr lang="de-DE" altLang="de-DE" sz="1600" i="1" dirty="0">
+                <a:solidFill>
+                  <a:srgbClr val="808080"/>
+                </a:solidFill>
+                <a:latin typeface="Consolas" panose="020B0609020204030204" pitchFamily="49" charset="0"/>
+                <a:cs typeface="Consolas" panose="020B0609020204030204" pitchFamily="49" charset="0"/>
+              </a:rPr>
+            </a:br>
+            <a:r>
+              <a:rPr lang="de-DE" altLang="de-DE" sz="1600" dirty="0">
+                <a:solidFill>
+                  <a:srgbClr val="000000"/>
+                </a:solidFill>
+                <a:latin typeface="Consolas" panose="020B0609020204030204" pitchFamily="49" charset="0"/>
+                <a:cs typeface="Consolas" panose="020B0609020204030204" pitchFamily="49" charset="0"/>
+              </a:rPr>
+              <a:t>Label label1 = </a:t>
+            </a:r>
+            <a:r>
+              <a:rPr lang="de-DE" altLang="de-DE" sz="1600" b="1" dirty="0" err="1">
+                <a:solidFill>
+                  <a:srgbClr val="000080"/>
+                </a:solidFill>
+                <a:latin typeface="Consolas" panose="020B0609020204030204" pitchFamily="49" charset="0"/>
+                <a:cs typeface="Consolas" panose="020B0609020204030204" pitchFamily="49" charset="0"/>
+              </a:rPr>
+              <a:t>new</a:t>
+            </a:r>
+            <a:r>
+              <a:rPr lang="de-DE" altLang="de-DE" sz="1600" b="1" dirty="0">
+                <a:solidFill>
+                  <a:srgbClr val="000080"/>
+                </a:solidFill>
+                <a:latin typeface="Consolas" panose="020B0609020204030204" pitchFamily="49" charset="0"/>
+                <a:cs typeface="Consolas" panose="020B0609020204030204" pitchFamily="49" charset="0"/>
+              </a:rPr>
+              <a:t> </a:t>
+            </a:r>
+            <a:r>
+              <a:rPr lang="de-DE" altLang="de-DE" sz="1600" dirty="0">
+                <a:solidFill>
+                  <a:srgbClr val="000000"/>
+                </a:solidFill>
+                <a:latin typeface="Consolas" panose="020B0609020204030204" pitchFamily="49" charset="0"/>
+                <a:cs typeface="Consolas" panose="020B0609020204030204" pitchFamily="49" charset="0"/>
+              </a:rPr>
+              <a:t>Label(</a:t>
+            </a:r>
+            <a:r>
+              <a:rPr lang="de-DE" altLang="de-DE" sz="1600" b="1" dirty="0">
+                <a:solidFill>
+                  <a:srgbClr val="008000"/>
+                </a:solidFill>
+                <a:latin typeface="Consolas" panose="020B0609020204030204" pitchFamily="49" charset="0"/>
+                <a:cs typeface="Consolas" panose="020B0609020204030204" pitchFamily="49" charset="0"/>
+              </a:rPr>
+              <a:t>"name1"</a:t>
+            </a:r>
+            <a:r>
+              <a:rPr lang="de-DE" altLang="de-DE" sz="1600" dirty="0">
+                <a:solidFill>
+                  <a:srgbClr val="000000"/>
+                </a:solidFill>
+                <a:latin typeface="Consolas" panose="020B0609020204030204" pitchFamily="49" charset="0"/>
+                <a:cs typeface="Consolas" panose="020B0609020204030204" pitchFamily="49" charset="0"/>
+              </a:rPr>
+              <a:t>, </a:t>
+            </a:r>
+            <a:r>
+              <a:rPr lang="de-DE" altLang="de-DE" sz="1600" dirty="0" err="1">
+                <a:solidFill>
+                  <a:srgbClr val="000000"/>
+                </a:solidFill>
+                <a:latin typeface="Consolas" panose="020B0609020204030204" pitchFamily="49" charset="0"/>
+                <a:cs typeface="Consolas" panose="020B0609020204030204" pitchFamily="49" charset="0"/>
+              </a:rPr>
+              <a:t>person</a:t>
+            </a:r>
+            <a:r>
+              <a:rPr lang="de-DE" altLang="de-DE" sz="1600" dirty="0">
+                <a:solidFill>
+                  <a:srgbClr val="000000"/>
+                </a:solidFill>
+                <a:latin typeface="Consolas" panose="020B0609020204030204" pitchFamily="49" charset="0"/>
+                <a:cs typeface="Consolas" panose="020B0609020204030204" pitchFamily="49" charset="0"/>
+              </a:rPr>
+              <a:t>::</a:t>
+            </a:r>
+            <a:r>
+              <a:rPr lang="de-DE" altLang="de-DE" sz="1600" dirty="0" err="1">
+                <a:solidFill>
+                  <a:srgbClr val="000000"/>
+                </a:solidFill>
+                <a:latin typeface="Consolas" panose="020B0609020204030204" pitchFamily="49" charset="0"/>
+                <a:cs typeface="Consolas" panose="020B0609020204030204" pitchFamily="49" charset="0"/>
+              </a:rPr>
+              <a:t>getName</a:t>
+            </a:r>
+            <a:r>
+              <a:rPr lang="de-DE" altLang="de-DE" sz="1600" dirty="0">
+                <a:solidFill>
+                  <a:srgbClr val="000000"/>
+                </a:solidFill>
+                <a:latin typeface="Consolas" panose="020B0609020204030204" pitchFamily="49" charset="0"/>
+                <a:cs typeface="Consolas" panose="020B0609020204030204" pitchFamily="49" charset="0"/>
+              </a:rPr>
+              <a:t>);</a:t>
+            </a:r>
           </a:p>
           <a:p>
             <a:pPr marL="0" lvl="0" indent="0">
               <a:buNone/>
             </a:pPr>
-            <a:endParaRPr lang="de-DE" altLang="de-DE" sz="1600" i="1" dirty="0">
-              <a:solidFill>
-                <a:srgbClr val="808080"/>
-              </a:solidFill>
-              <a:latin typeface="Consolas" panose="020B0609020204030204" pitchFamily="49" charset="0"/>
-              <a:cs typeface="Consolas" panose="020B0609020204030204" pitchFamily="49" charset="0"/>
-            </a:endParaRPr>
-          </a:p>
-          <a:p>
-            <a:pPr marL="0" lvl="0" indent="0">
-              <a:buNone/>
-            </a:pPr>
+            <a:r>
+              <a:rPr lang="de-DE" altLang="de-DE" sz="1600" dirty="0">
+                <a:solidFill>
+                  <a:srgbClr val="000000"/>
+                </a:solidFill>
+                <a:latin typeface="Consolas" panose="020B0609020204030204" pitchFamily="49" charset="0"/>
+                <a:cs typeface="Consolas" panose="020B0609020204030204" pitchFamily="49" charset="0"/>
+              </a:rPr>
+              <a:t>Label label2 = </a:t>
+            </a:r>
+            <a:r>
+              <a:rPr lang="de-DE" altLang="de-DE" sz="1600" b="1" dirty="0" err="1">
+                <a:solidFill>
+                  <a:srgbClr val="000080"/>
+                </a:solidFill>
+                <a:latin typeface="Consolas" panose="020B0609020204030204" pitchFamily="49" charset="0"/>
+                <a:cs typeface="Consolas" panose="020B0609020204030204" pitchFamily="49" charset="0"/>
+              </a:rPr>
+              <a:t>new</a:t>
+            </a:r>
+            <a:r>
+              <a:rPr lang="de-DE" altLang="de-DE" sz="1600" b="1" dirty="0">
+                <a:solidFill>
+                  <a:srgbClr val="000080"/>
+                </a:solidFill>
+                <a:latin typeface="Consolas" panose="020B0609020204030204" pitchFamily="49" charset="0"/>
+                <a:cs typeface="Consolas" panose="020B0609020204030204" pitchFamily="49" charset="0"/>
+              </a:rPr>
+              <a:t> </a:t>
+            </a:r>
+            <a:r>
+              <a:rPr lang="de-DE" altLang="de-DE" sz="1600" dirty="0">
+                <a:solidFill>
+                  <a:srgbClr val="000000"/>
+                </a:solidFill>
+                <a:latin typeface="Consolas" panose="020B0609020204030204" pitchFamily="49" charset="0"/>
+                <a:cs typeface="Consolas" panose="020B0609020204030204" pitchFamily="49" charset="0"/>
+              </a:rPr>
+              <a:t>Label(</a:t>
+            </a:r>
+            <a:r>
+              <a:rPr lang="de-DE" altLang="de-DE" sz="1600" b="1" dirty="0">
+                <a:solidFill>
+                  <a:srgbClr val="008000"/>
+                </a:solidFill>
+                <a:latin typeface="Consolas" panose="020B0609020204030204" pitchFamily="49" charset="0"/>
+                <a:cs typeface="Consolas" panose="020B0609020204030204" pitchFamily="49" charset="0"/>
+              </a:rPr>
+              <a:t>"name2"</a:t>
+            </a:r>
+            <a:r>
+              <a:rPr lang="de-DE" altLang="de-DE" sz="1600" dirty="0">
+                <a:solidFill>
+                  <a:srgbClr val="000000"/>
+                </a:solidFill>
+                <a:latin typeface="Consolas" panose="020B0609020204030204" pitchFamily="49" charset="0"/>
+                <a:cs typeface="Consolas" panose="020B0609020204030204" pitchFamily="49" charset="0"/>
+              </a:rPr>
+              <a:t>, () -&gt; </a:t>
+            </a:r>
             <a:r>
               <a:rPr lang="de-DE" altLang="de-DE" sz="1600" dirty="0" err="1">
-                <a:latin typeface="Consolas" panose="020B0609020204030204" pitchFamily="49" charset="0"/>
-                <a:cs typeface="Consolas" panose="020B0609020204030204" pitchFamily="49" charset="0"/>
-              </a:rPr>
-              <a:t>IModel</a:t>
+                <a:solidFill>
+                  <a:srgbClr val="000000"/>
+                </a:solidFill>
+                <a:latin typeface="Consolas" panose="020B0609020204030204" pitchFamily="49" charset="0"/>
+                <a:cs typeface="Consolas" panose="020B0609020204030204" pitchFamily="49" charset="0"/>
+              </a:rPr>
+              <a:t>person.getName</a:t>
             </a:r>
             <a:r>
               <a:rPr lang="de-DE" altLang="de-DE" sz="1600" dirty="0">
-                <a:latin typeface="Consolas" panose="020B0609020204030204" pitchFamily="49" charset="0"/>
-                <a:cs typeface="Consolas" panose="020B0609020204030204" pitchFamily="49" charset="0"/>
-              </a:rPr>
-              <a:t>&lt;String&gt; </a:t>
-            </a:r>
-            <a:r>
-              <a:rPr lang="de-DE" altLang="de-DE" sz="1600" dirty="0" err="1">
-                <a:latin typeface="Consolas" panose="020B0609020204030204" pitchFamily="49" charset="0"/>
-                <a:cs typeface="Consolas" panose="020B0609020204030204" pitchFamily="49" charset="0"/>
-              </a:rPr>
-              <a:t>nameModel</a:t>
-            </a:r>
-            <a:r>
-              <a:rPr lang="de-DE" altLang="de-DE" sz="1600" dirty="0">
-                <a:latin typeface="Consolas" panose="020B0609020204030204" pitchFamily="49" charset="0"/>
-                <a:cs typeface="Consolas" panose="020B0609020204030204" pitchFamily="49" charset="0"/>
-              </a:rPr>
-              <a:t> = </a:t>
-            </a:r>
-            <a:r>
-              <a:rPr lang="de-DE" altLang="de-DE" sz="1600" dirty="0" err="1">
-                <a:latin typeface="Consolas" panose="020B0609020204030204" pitchFamily="49" charset="0"/>
-                <a:cs typeface="Consolas" panose="020B0609020204030204" pitchFamily="49" charset="0"/>
-              </a:rPr>
-              <a:t>LambdaModel.of</a:t>
-            </a:r>
-            <a:r>
-              <a:rPr lang="de-DE" altLang="de-DE" sz="1600" dirty="0">
-                <a:latin typeface="Consolas" panose="020B0609020204030204" pitchFamily="49" charset="0"/>
-                <a:cs typeface="Consolas" panose="020B0609020204030204" pitchFamily="49" charset="0"/>
-              </a:rPr>
-              <a:t>(</a:t>
-            </a:r>
-            <a:r>
-              <a:rPr lang="de-DE" altLang="de-DE" sz="1600" dirty="0" err="1">
-                <a:latin typeface="Consolas" panose="020B0609020204030204" pitchFamily="49" charset="0"/>
-                <a:cs typeface="Consolas" panose="020B0609020204030204" pitchFamily="49" charset="0"/>
-              </a:rPr>
-              <a:t>person</a:t>
-            </a:r>
-            <a:r>
-              <a:rPr lang="de-DE" altLang="de-DE" sz="1600" dirty="0">
-                <a:latin typeface="Consolas" panose="020B0609020204030204" pitchFamily="49" charset="0"/>
-                <a:cs typeface="Consolas" panose="020B0609020204030204" pitchFamily="49" charset="0"/>
-              </a:rPr>
-              <a:t>::</a:t>
-            </a:r>
-            <a:r>
-              <a:rPr lang="de-DE" altLang="de-DE" sz="1600" dirty="0" err="1">
-                <a:latin typeface="Consolas" panose="020B0609020204030204" pitchFamily="49" charset="0"/>
-                <a:cs typeface="Consolas" panose="020B0609020204030204" pitchFamily="49" charset="0"/>
-              </a:rPr>
-              <a:t>getName</a:t>
-            </a:r>
-            <a:r>
-              <a:rPr lang="de-DE" altLang="de-DE" sz="1600" dirty="0">
-                <a:latin typeface="Consolas" panose="020B0609020204030204" pitchFamily="49" charset="0"/>
-                <a:cs typeface="Consolas" panose="020B0609020204030204" pitchFamily="49" charset="0"/>
-              </a:rPr>
-              <a:t>, </a:t>
-            </a:r>
-            <a:r>
-              <a:rPr lang="de-DE" altLang="de-DE" sz="1600" dirty="0" err="1">
-                <a:latin typeface="Consolas" panose="020B0609020204030204" pitchFamily="49" charset="0"/>
-                <a:cs typeface="Consolas" panose="020B0609020204030204" pitchFamily="49" charset="0"/>
-              </a:rPr>
-              <a:t>person</a:t>
-            </a:r>
-            <a:r>
-              <a:rPr lang="de-DE" altLang="de-DE" sz="1600" dirty="0">
-                <a:latin typeface="Consolas" panose="020B0609020204030204" pitchFamily="49" charset="0"/>
-                <a:cs typeface="Consolas" panose="020B0609020204030204" pitchFamily="49" charset="0"/>
-              </a:rPr>
-              <a:t>::</a:t>
-            </a:r>
-            <a:r>
-              <a:rPr lang="de-DE" altLang="de-DE" sz="1600" dirty="0" err="1">
-                <a:latin typeface="Consolas" panose="020B0609020204030204" pitchFamily="49" charset="0"/>
-                <a:cs typeface="Consolas" panose="020B0609020204030204" pitchFamily="49" charset="0"/>
-              </a:rPr>
-              <a:t>setName</a:t>
-            </a:r>
-            <a:r>
-              <a:rPr lang="de-DE" altLang="de-DE" sz="1600" dirty="0">
-                <a:latin typeface="Consolas" panose="020B0609020204030204" pitchFamily="49" charset="0"/>
-                <a:cs typeface="Consolas" panose="020B0609020204030204" pitchFamily="49" charset="0"/>
-              </a:rPr>
-              <a:t>);</a:t>
-            </a:r>
-            <a:endParaRPr lang="de-DE" altLang="de-DE" sz="1600" i="1" dirty="0">
-              <a:solidFill>
-                <a:srgbClr val="808080"/>
-              </a:solidFill>
-              <a:latin typeface="Consolas" panose="020B0609020204030204" pitchFamily="49" charset="0"/>
-              <a:cs typeface="Consolas" panose="020B0609020204030204" pitchFamily="49" charset="0"/>
-            </a:endParaRPr>
-          </a:p>
-          <a:p>
-            <a:pPr marL="0" lvl="0" indent="0">
-              <a:buNone/>
-            </a:pPr>
-            <a:r>
-              <a:rPr lang="en-US" altLang="de-DE" sz="1600" dirty="0" err="1">
-                <a:latin typeface="Consolas" panose="020B0609020204030204" pitchFamily="49" charset="0"/>
-                <a:cs typeface="Consolas" panose="020B0609020204030204" pitchFamily="49" charset="0"/>
-              </a:rPr>
-              <a:t>TextField</a:t>
-            </a:r>
-            <a:r>
-              <a:rPr lang="en-US" altLang="de-DE" sz="1600" dirty="0">
-                <a:latin typeface="Consolas" panose="020B0609020204030204" pitchFamily="49" charset="0"/>
-                <a:cs typeface="Consolas" panose="020B0609020204030204" pitchFamily="49" charset="0"/>
-              </a:rPr>
-              <a:t>&lt;String&gt; </a:t>
-            </a:r>
-            <a:r>
-              <a:rPr lang="en-US" altLang="de-DE" sz="1600" dirty="0" err="1">
-                <a:latin typeface="Consolas" panose="020B0609020204030204" pitchFamily="49" charset="0"/>
-                <a:cs typeface="Consolas" panose="020B0609020204030204" pitchFamily="49" charset="0"/>
-              </a:rPr>
-              <a:t>textField</a:t>
-            </a:r>
-            <a:r>
-              <a:rPr lang="en-US" altLang="de-DE" sz="1600" dirty="0">
-                <a:latin typeface="Consolas" panose="020B0609020204030204" pitchFamily="49" charset="0"/>
-                <a:cs typeface="Consolas" panose="020B0609020204030204" pitchFamily="49" charset="0"/>
-              </a:rPr>
-              <a:t> = </a:t>
-            </a:r>
-            <a:r>
-              <a:rPr lang="en-US" altLang="de-DE" sz="1600" b="1" dirty="0">
-                <a:solidFill>
-                  <a:srgbClr val="000080"/>
-                </a:solidFill>
-                <a:latin typeface="Consolas" panose="020B0609020204030204" pitchFamily="49" charset="0"/>
-              </a:rPr>
-              <a:t>new</a:t>
-            </a:r>
-            <a:r>
-              <a:rPr lang="en-US" altLang="de-DE" sz="1600" dirty="0">
-                <a:latin typeface="Consolas" panose="020B0609020204030204" pitchFamily="49" charset="0"/>
-                <a:cs typeface="Consolas" panose="020B0609020204030204" pitchFamily="49" charset="0"/>
-              </a:rPr>
-              <a:t> </a:t>
-            </a:r>
-            <a:r>
-              <a:rPr lang="en-US" altLang="de-DE" sz="1600" dirty="0" err="1">
-                <a:latin typeface="Consolas" panose="020B0609020204030204" pitchFamily="49" charset="0"/>
-                <a:cs typeface="Consolas" panose="020B0609020204030204" pitchFamily="49" charset="0"/>
-              </a:rPr>
-              <a:t>TextField</a:t>
-            </a:r>
-            <a:r>
-              <a:rPr lang="en-US" altLang="de-DE" sz="1600" dirty="0">
-                <a:latin typeface="Consolas" panose="020B0609020204030204" pitchFamily="49" charset="0"/>
-                <a:cs typeface="Consolas" panose="020B0609020204030204" pitchFamily="49" charset="0"/>
-              </a:rPr>
-              <a:t>&lt;&gt;("</a:t>
-            </a:r>
-            <a:r>
-              <a:rPr lang="en-US" altLang="de-DE" sz="1600" b="1" dirty="0">
-                <a:solidFill>
-                  <a:schemeClr val="accent2">
-                    <a:lumMod val="75000"/>
-                  </a:schemeClr>
-                </a:solidFill>
-                <a:latin typeface="Consolas" panose="020B0609020204030204" pitchFamily="49" charset="0"/>
-                <a:cs typeface="Consolas" panose="020B0609020204030204" pitchFamily="49" charset="0"/>
-              </a:rPr>
-              <a:t>name</a:t>
-            </a:r>
-            <a:r>
-              <a:rPr lang="en-US" altLang="de-DE" sz="1600" dirty="0">
-                <a:latin typeface="Consolas" panose="020B0609020204030204" pitchFamily="49" charset="0"/>
-                <a:cs typeface="Consolas" panose="020B0609020204030204" pitchFamily="49" charset="0"/>
-              </a:rPr>
-              <a:t>", </a:t>
-            </a:r>
-            <a:r>
-              <a:rPr lang="de-DE" altLang="de-DE" sz="1600" dirty="0" err="1">
-                <a:latin typeface="Consolas" panose="020B0609020204030204" pitchFamily="49" charset="0"/>
-                <a:cs typeface="Consolas" panose="020B0609020204030204" pitchFamily="49" charset="0"/>
-              </a:rPr>
-              <a:t>nameModel</a:t>
-            </a:r>
-            <a:r>
-              <a:rPr lang="en-US" altLang="de-DE" sz="1600" dirty="0">
-                <a:latin typeface="Consolas" panose="020B0609020204030204" pitchFamily="49" charset="0"/>
-                <a:cs typeface="Consolas" panose="020B0609020204030204" pitchFamily="49" charset="0"/>
-              </a:rPr>
-              <a:t>);</a:t>
-            </a:r>
-            <a:endParaRPr lang="de-DE" altLang="de-DE" sz="1600" dirty="0">
-              <a:solidFill>
-                <a:srgbClr val="000000"/>
-              </a:solidFill>
-              <a:latin typeface="Consolas" panose="020B0609020204030204" pitchFamily="49" charset="0"/>
-              <a:cs typeface="Consolas" panose="020B0609020204030204" pitchFamily="49" charset="0"/>
-            </a:endParaRPr>
+                <a:solidFill>
+                  <a:srgbClr val="000000"/>
+                </a:solidFill>
+                <a:latin typeface="Consolas" panose="020B0609020204030204" pitchFamily="49" charset="0"/>
+                <a:cs typeface="Consolas" panose="020B0609020204030204" pitchFamily="49" charset="0"/>
+              </a:rPr>
+              <a:t>());</a:t>
+            </a:r>
           </a:p>
         </p:txBody>
       </p:sp>
@@ -9853,7 +10818,7 @@
     </p:spTree>
     <p:extLst>
       <p:ext uri="{BB962C8B-B14F-4D97-AF65-F5344CB8AC3E}">
-        <p14:creationId xmlns:p14="http://schemas.microsoft.com/office/powerpoint/2010/main" val="380141295"/>
+        <p14:creationId xmlns:p14="http://schemas.microsoft.com/office/powerpoint/2010/main" val="1000227206"/>
       </p:ext>
     </p:extLst>
   </p:cSld>
@@ -9893,7 +10858,7 @@
         <p:spPr>
           <a:xfrm>
             <a:off x="303213" y="1341438"/>
-            <a:ext cx="8589962" cy="4824412"/>
+            <a:ext cx="8661275" cy="4824412"/>
           </a:xfrm>
         </p:spPr>
         <p:txBody>
@@ -9904,12 +10869,8 @@
               <a:buNone/>
             </a:pPr>
             <a:r>
-              <a:rPr lang="de-DE" sz="2000" b="1" dirty="0"/>
-              <a:t>Model </a:t>
-            </a:r>
-            <a:r>
               <a:rPr lang="de-DE" sz="2000" b="1" dirty="0" err="1"/>
-              <a:t>Inheritance</a:t>
+              <a:t>LambdaModel</a:t>
             </a:r>
             <a:endParaRPr lang="de-DE" sz="2000" b="1" dirty="0"/>
           </a:p>
@@ -9920,13 +10881,16 @@
             </a:pPr>
             <a:r>
               <a:rPr lang="de-DE" sz="2000" dirty="0"/>
-              <a:t>Interface </a:t>
-            </a:r>
-            <a:r>
-              <a:rPr lang="de-DE" sz="2000" i="1" dirty="0" err="1"/>
-              <a:t>IComponentInheritedModel</a:t>
-            </a:r>
-            <a:endParaRPr lang="de-DE" sz="2000" i="1" dirty="0"/>
+              <a:t>Neu in </a:t>
+            </a:r>
+            <a:r>
+              <a:rPr lang="de-DE" sz="2000" dirty="0" err="1"/>
+              <a:t>Wicket</a:t>
+            </a:r>
+            <a:r>
+              <a:rPr lang="de-DE" sz="2000" dirty="0"/>
+              <a:t> 8</a:t>
+            </a:r>
           </a:p>
           <a:p>
             <a:pPr>
@@ -9935,8 +10899,13 @@
             </a:pPr>
             <a:r>
               <a:rPr lang="de-DE" sz="2000" dirty="0"/>
-              <a:t>Komponenten können Models an Nachfahren vererben</a:t>
-            </a:r>
+              <a:t>Alternative zu </a:t>
+            </a:r>
+            <a:r>
+              <a:rPr lang="de-DE" sz="2000" dirty="0" err="1"/>
+              <a:t>PropertyModel</a:t>
+            </a:r>
+            <a:endParaRPr lang="de-DE" sz="2000" dirty="0"/>
           </a:p>
           <a:p>
             <a:pPr>
@@ -9945,8 +10914,357 @@
             </a:pPr>
             <a:r>
               <a:rPr lang="de-DE" sz="2000" dirty="0"/>
-              <a:t>Komponente hat kein Modell → Suche bei Vorfahren</a:t>
-            </a:r>
+              <a:t>Typsicher, unterstützt </a:t>
+            </a:r>
+            <a:r>
+              <a:rPr lang="de-DE" sz="2000" dirty="0" err="1"/>
+              <a:t>Refactorings</a:t>
+            </a:r>
+            <a:endParaRPr lang="de-DE" sz="2000" dirty="0"/>
+          </a:p>
+          <a:p>
+            <a:pPr>
+              <a:buFont typeface="Arial" panose="020B0604020202020204" pitchFamily="34" charset="0"/>
+              <a:buChar char="•"/>
+            </a:pPr>
+            <a:r>
+              <a:rPr lang="de-DE" sz="2000" dirty="0"/>
+              <a:t>Höhere Performance</a:t>
+            </a:r>
+            <a:endParaRPr lang="de-DE" sz="1600" dirty="0"/>
+          </a:p>
+          <a:p>
+            <a:pPr marL="0" lvl="0" indent="0">
+              <a:buNone/>
+            </a:pPr>
+            <a:endParaRPr lang="de-DE" altLang="de-DE" sz="1600" dirty="0">
+              <a:solidFill>
+                <a:srgbClr val="000000"/>
+              </a:solidFill>
+              <a:latin typeface="Consolas" panose="020B0609020204030204" pitchFamily="49" charset="0"/>
+              <a:cs typeface="Consolas" panose="020B0609020204030204" pitchFamily="49" charset="0"/>
+            </a:endParaRPr>
+          </a:p>
+          <a:p>
+            <a:pPr marL="0" lvl="0" indent="0">
+              <a:buNone/>
+            </a:pPr>
+            <a:endParaRPr lang="de-DE" altLang="de-DE" sz="1600" dirty="0">
+              <a:solidFill>
+                <a:srgbClr val="000000"/>
+              </a:solidFill>
+              <a:latin typeface="Consolas" panose="020B0609020204030204" pitchFamily="49" charset="0"/>
+              <a:cs typeface="Consolas" panose="020B0609020204030204" pitchFamily="49" charset="0"/>
+            </a:endParaRPr>
+          </a:p>
+          <a:p>
+            <a:pPr marL="0" lvl="0" indent="0">
+              <a:buNone/>
+            </a:pPr>
+            <a:r>
+              <a:rPr lang="de-DE" altLang="de-DE" sz="1600" dirty="0">
+                <a:solidFill>
+                  <a:srgbClr val="000000"/>
+                </a:solidFill>
+                <a:latin typeface="Consolas" panose="020B0609020204030204" pitchFamily="49" charset="0"/>
+                <a:cs typeface="Consolas" panose="020B0609020204030204" pitchFamily="49" charset="0"/>
+              </a:rPr>
+              <a:t>Person </a:t>
+            </a:r>
+            <a:r>
+              <a:rPr lang="de-DE" altLang="de-DE" sz="1600" dirty="0" err="1">
+                <a:solidFill>
+                  <a:srgbClr val="000000"/>
+                </a:solidFill>
+                <a:latin typeface="Consolas" panose="020B0609020204030204" pitchFamily="49" charset="0"/>
+                <a:cs typeface="Consolas" panose="020B0609020204030204" pitchFamily="49" charset="0"/>
+              </a:rPr>
+              <a:t>person</a:t>
+            </a:r>
+            <a:r>
+              <a:rPr lang="de-DE" altLang="de-DE" sz="1600" dirty="0">
+                <a:solidFill>
+                  <a:srgbClr val="000000"/>
+                </a:solidFill>
+                <a:latin typeface="Consolas" panose="020B0609020204030204" pitchFamily="49" charset="0"/>
+                <a:cs typeface="Consolas" panose="020B0609020204030204" pitchFamily="49" charset="0"/>
+              </a:rPr>
+              <a:t> = </a:t>
+            </a:r>
+            <a:r>
+              <a:rPr lang="de-DE" altLang="de-DE" sz="1600" b="1" dirty="0" err="1">
+                <a:solidFill>
+                  <a:srgbClr val="000080"/>
+                </a:solidFill>
+                <a:latin typeface="Consolas" panose="020B0609020204030204" pitchFamily="49" charset="0"/>
+                <a:cs typeface="Consolas" panose="020B0609020204030204" pitchFamily="49" charset="0"/>
+              </a:rPr>
+              <a:t>new</a:t>
+            </a:r>
+            <a:r>
+              <a:rPr lang="de-DE" altLang="de-DE" sz="1600" b="1" dirty="0">
+                <a:solidFill>
+                  <a:srgbClr val="000080"/>
+                </a:solidFill>
+                <a:latin typeface="Consolas" panose="020B0609020204030204" pitchFamily="49" charset="0"/>
+                <a:cs typeface="Consolas" panose="020B0609020204030204" pitchFamily="49" charset="0"/>
+              </a:rPr>
+              <a:t> </a:t>
+            </a:r>
+            <a:r>
+              <a:rPr lang="de-DE" altLang="de-DE" sz="1600" dirty="0">
+                <a:solidFill>
+                  <a:srgbClr val="000000"/>
+                </a:solidFill>
+                <a:latin typeface="Consolas" panose="020B0609020204030204" pitchFamily="49" charset="0"/>
+                <a:cs typeface="Consolas" panose="020B0609020204030204" pitchFamily="49" charset="0"/>
+              </a:rPr>
+              <a:t>Person();</a:t>
+            </a:r>
+            <a:br>
+              <a:rPr lang="de-DE" altLang="de-DE" sz="1600" dirty="0">
+                <a:solidFill>
+                  <a:srgbClr val="000000"/>
+                </a:solidFill>
+                <a:latin typeface="Consolas" panose="020B0609020204030204" pitchFamily="49" charset="0"/>
+                <a:cs typeface="Consolas" panose="020B0609020204030204" pitchFamily="49" charset="0"/>
+              </a:rPr>
+            </a:br>
+            <a:r>
+              <a:rPr lang="de-DE" altLang="de-DE" sz="1600" i="1" dirty="0">
+                <a:solidFill>
+                  <a:srgbClr val="808080"/>
+                </a:solidFill>
+                <a:latin typeface="Consolas" panose="020B0609020204030204" pitchFamily="49" charset="0"/>
+                <a:cs typeface="Consolas" panose="020B0609020204030204" pitchFamily="49" charset="0"/>
+              </a:rPr>
+              <a:t>//Personendaten laden...</a:t>
+            </a:r>
+          </a:p>
+          <a:p>
+            <a:pPr marL="0" lvl="0" indent="0">
+              <a:buNone/>
+            </a:pPr>
+            <a:endParaRPr lang="de-DE" altLang="de-DE" sz="1600" i="1" dirty="0">
+              <a:solidFill>
+                <a:srgbClr val="808080"/>
+              </a:solidFill>
+              <a:latin typeface="Consolas" panose="020B0609020204030204" pitchFamily="49" charset="0"/>
+              <a:cs typeface="Consolas" panose="020B0609020204030204" pitchFamily="49" charset="0"/>
+            </a:endParaRPr>
+          </a:p>
+          <a:p>
+            <a:pPr marL="0" lvl="0" indent="0">
+              <a:buNone/>
+            </a:pPr>
+            <a:r>
+              <a:rPr lang="de-DE" altLang="de-DE" sz="1600" dirty="0" err="1">
+                <a:latin typeface="Consolas" panose="020B0609020204030204" pitchFamily="49" charset="0"/>
+                <a:cs typeface="Consolas" panose="020B0609020204030204" pitchFamily="49" charset="0"/>
+              </a:rPr>
+              <a:t>IModel</a:t>
+            </a:r>
+            <a:r>
+              <a:rPr lang="de-DE" altLang="de-DE" sz="1600" dirty="0">
+                <a:latin typeface="Consolas" panose="020B0609020204030204" pitchFamily="49" charset="0"/>
+                <a:cs typeface="Consolas" panose="020B0609020204030204" pitchFamily="49" charset="0"/>
+              </a:rPr>
+              <a:t>&lt;String&gt; </a:t>
+            </a:r>
+            <a:r>
+              <a:rPr lang="de-DE" altLang="de-DE" sz="1600" dirty="0" err="1">
+                <a:latin typeface="Consolas" panose="020B0609020204030204" pitchFamily="49" charset="0"/>
+                <a:cs typeface="Consolas" panose="020B0609020204030204" pitchFamily="49" charset="0"/>
+              </a:rPr>
+              <a:t>nameModel</a:t>
+            </a:r>
+            <a:r>
+              <a:rPr lang="de-DE" altLang="de-DE" sz="1600" dirty="0">
+                <a:latin typeface="Consolas" panose="020B0609020204030204" pitchFamily="49" charset="0"/>
+                <a:cs typeface="Consolas" panose="020B0609020204030204" pitchFamily="49" charset="0"/>
+              </a:rPr>
+              <a:t> = </a:t>
+            </a:r>
+            <a:r>
+              <a:rPr lang="de-DE" altLang="de-DE" sz="1600" dirty="0" err="1">
+                <a:latin typeface="Consolas" panose="020B0609020204030204" pitchFamily="49" charset="0"/>
+                <a:cs typeface="Consolas" panose="020B0609020204030204" pitchFamily="49" charset="0"/>
+              </a:rPr>
+              <a:t>LambdaModel.of</a:t>
+            </a:r>
+            <a:r>
+              <a:rPr lang="de-DE" altLang="de-DE" sz="1600" dirty="0">
+                <a:latin typeface="Consolas" panose="020B0609020204030204" pitchFamily="49" charset="0"/>
+                <a:cs typeface="Consolas" panose="020B0609020204030204" pitchFamily="49" charset="0"/>
+              </a:rPr>
+              <a:t>(</a:t>
+            </a:r>
+            <a:r>
+              <a:rPr lang="de-DE" altLang="de-DE" sz="1600" dirty="0" err="1">
+                <a:latin typeface="Consolas" panose="020B0609020204030204" pitchFamily="49" charset="0"/>
+                <a:cs typeface="Consolas" panose="020B0609020204030204" pitchFamily="49" charset="0"/>
+              </a:rPr>
+              <a:t>person</a:t>
+            </a:r>
+            <a:r>
+              <a:rPr lang="de-DE" altLang="de-DE" sz="1600" dirty="0">
+                <a:latin typeface="Consolas" panose="020B0609020204030204" pitchFamily="49" charset="0"/>
+                <a:cs typeface="Consolas" panose="020B0609020204030204" pitchFamily="49" charset="0"/>
+              </a:rPr>
+              <a:t>::</a:t>
+            </a:r>
+            <a:r>
+              <a:rPr lang="de-DE" altLang="de-DE" sz="1600" dirty="0" err="1">
+                <a:latin typeface="Consolas" panose="020B0609020204030204" pitchFamily="49" charset="0"/>
+                <a:cs typeface="Consolas" panose="020B0609020204030204" pitchFamily="49" charset="0"/>
+              </a:rPr>
+              <a:t>getName</a:t>
+            </a:r>
+            <a:r>
+              <a:rPr lang="de-DE" altLang="de-DE" sz="1600" dirty="0">
+                <a:latin typeface="Consolas" panose="020B0609020204030204" pitchFamily="49" charset="0"/>
+                <a:cs typeface="Consolas" panose="020B0609020204030204" pitchFamily="49" charset="0"/>
+              </a:rPr>
+              <a:t>, </a:t>
+            </a:r>
+            <a:r>
+              <a:rPr lang="de-DE" altLang="de-DE" sz="1600" dirty="0" err="1">
+                <a:latin typeface="Consolas" panose="020B0609020204030204" pitchFamily="49" charset="0"/>
+                <a:cs typeface="Consolas" panose="020B0609020204030204" pitchFamily="49" charset="0"/>
+              </a:rPr>
+              <a:t>person</a:t>
+            </a:r>
+            <a:r>
+              <a:rPr lang="de-DE" altLang="de-DE" sz="1600" dirty="0">
+                <a:latin typeface="Consolas" panose="020B0609020204030204" pitchFamily="49" charset="0"/>
+                <a:cs typeface="Consolas" panose="020B0609020204030204" pitchFamily="49" charset="0"/>
+              </a:rPr>
+              <a:t>::</a:t>
+            </a:r>
+            <a:r>
+              <a:rPr lang="de-DE" altLang="de-DE" sz="1600" dirty="0" err="1">
+                <a:latin typeface="Consolas" panose="020B0609020204030204" pitchFamily="49" charset="0"/>
+                <a:cs typeface="Consolas" panose="020B0609020204030204" pitchFamily="49" charset="0"/>
+              </a:rPr>
+              <a:t>setName</a:t>
+            </a:r>
+            <a:r>
+              <a:rPr lang="de-DE" altLang="de-DE" sz="1600" dirty="0">
+                <a:latin typeface="Consolas" panose="020B0609020204030204" pitchFamily="49" charset="0"/>
+                <a:cs typeface="Consolas" panose="020B0609020204030204" pitchFamily="49" charset="0"/>
+              </a:rPr>
+              <a:t>);</a:t>
+            </a:r>
+            <a:endParaRPr lang="de-DE" altLang="de-DE" sz="1600" i="1" dirty="0">
+              <a:solidFill>
+                <a:srgbClr val="808080"/>
+              </a:solidFill>
+              <a:latin typeface="Consolas" panose="020B0609020204030204" pitchFamily="49" charset="0"/>
+              <a:cs typeface="Consolas" panose="020B0609020204030204" pitchFamily="49" charset="0"/>
+            </a:endParaRPr>
+          </a:p>
+          <a:p>
+            <a:pPr marL="0" lvl="0" indent="0">
+              <a:buNone/>
+            </a:pPr>
+            <a:r>
+              <a:rPr lang="en-US" altLang="de-DE" sz="1600" dirty="0" err="1">
+                <a:latin typeface="Consolas" panose="020B0609020204030204" pitchFamily="49" charset="0"/>
+                <a:cs typeface="Consolas" panose="020B0609020204030204" pitchFamily="49" charset="0"/>
+              </a:rPr>
+              <a:t>TextField</a:t>
+            </a:r>
+            <a:r>
+              <a:rPr lang="en-US" altLang="de-DE" sz="1600" dirty="0">
+                <a:latin typeface="Consolas" panose="020B0609020204030204" pitchFamily="49" charset="0"/>
+                <a:cs typeface="Consolas" panose="020B0609020204030204" pitchFamily="49" charset="0"/>
+              </a:rPr>
+              <a:t>&lt;String&gt; </a:t>
+            </a:r>
+            <a:r>
+              <a:rPr lang="en-US" altLang="de-DE" sz="1600" dirty="0" err="1">
+                <a:latin typeface="Consolas" panose="020B0609020204030204" pitchFamily="49" charset="0"/>
+                <a:cs typeface="Consolas" panose="020B0609020204030204" pitchFamily="49" charset="0"/>
+              </a:rPr>
+              <a:t>textField</a:t>
+            </a:r>
+            <a:r>
+              <a:rPr lang="en-US" altLang="de-DE" sz="1600" dirty="0">
+                <a:latin typeface="Consolas" panose="020B0609020204030204" pitchFamily="49" charset="0"/>
+                <a:cs typeface="Consolas" panose="020B0609020204030204" pitchFamily="49" charset="0"/>
+              </a:rPr>
+              <a:t> = </a:t>
+            </a:r>
+            <a:r>
+              <a:rPr lang="en-US" altLang="de-DE" sz="1600" b="1" dirty="0">
+                <a:solidFill>
+                  <a:srgbClr val="000080"/>
+                </a:solidFill>
+                <a:latin typeface="Consolas" panose="020B0609020204030204" pitchFamily="49" charset="0"/>
+              </a:rPr>
+              <a:t>new</a:t>
+            </a:r>
+            <a:r>
+              <a:rPr lang="en-US" altLang="de-DE" sz="1600" dirty="0">
+                <a:latin typeface="Consolas" panose="020B0609020204030204" pitchFamily="49" charset="0"/>
+                <a:cs typeface="Consolas" panose="020B0609020204030204" pitchFamily="49" charset="0"/>
+              </a:rPr>
+              <a:t> </a:t>
+            </a:r>
+            <a:r>
+              <a:rPr lang="en-US" altLang="de-DE" sz="1600" dirty="0" err="1">
+                <a:latin typeface="Consolas" panose="020B0609020204030204" pitchFamily="49" charset="0"/>
+                <a:cs typeface="Consolas" panose="020B0609020204030204" pitchFamily="49" charset="0"/>
+              </a:rPr>
+              <a:t>TextField</a:t>
+            </a:r>
+            <a:r>
+              <a:rPr lang="en-US" altLang="de-DE" sz="1600" dirty="0">
+                <a:latin typeface="Consolas" panose="020B0609020204030204" pitchFamily="49" charset="0"/>
+                <a:cs typeface="Consolas" panose="020B0609020204030204" pitchFamily="49" charset="0"/>
+              </a:rPr>
+              <a:t>&lt;&gt;("</a:t>
+            </a:r>
+            <a:r>
+              <a:rPr lang="en-US" altLang="de-DE" sz="1600" b="1" dirty="0">
+                <a:solidFill>
+                  <a:schemeClr val="accent2">
+                    <a:lumMod val="75000"/>
+                  </a:schemeClr>
+                </a:solidFill>
+                <a:latin typeface="Consolas" panose="020B0609020204030204" pitchFamily="49" charset="0"/>
+                <a:cs typeface="Consolas" panose="020B0609020204030204" pitchFamily="49" charset="0"/>
+              </a:rPr>
+              <a:t>name</a:t>
+            </a:r>
+            <a:r>
+              <a:rPr lang="en-US" altLang="de-DE" sz="1600" dirty="0">
+                <a:latin typeface="Consolas" panose="020B0609020204030204" pitchFamily="49" charset="0"/>
+                <a:cs typeface="Consolas" panose="020B0609020204030204" pitchFamily="49" charset="0"/>
+              </a:rPr>
+              <a:t>", </a:t>
+            </a:r>
+            <a:r>
+              <a:rPr lang="de-DE" altLang="de-DE" sz="1600" dirty="0" err="1">
+                <a:latin typeface="Consolas" panose="020B0609020204030204" pitchFamily="49" charset="0"/>
+                <a:cs typeface="Consolas" panose="020B0609020204030204" pitchFamily="49" charset="0"/>
+              </a:rPr>
+              <a:t>nameModel</a:t>
+            </a:r>
+            <a:r>
+              <a:rPr lang="en-US" altLang="de-DE" sz="1600" dirty="0">
+                <a:latin typeface="Consolas" panose="020B0609020204030204" pitchFamily="49" charset="0"/>
+                <a:cs typeface="Consolas" panose="020B0609020204030204" pitchFamily="49" charset="0"/>
+              </a:rPr>
+              <a:t>);</a:t>
+            </a:r>
+            <a:endParaRPr lang="de-DE" altLang="de-DE" sz="1600" dirty="0">
+              <a:solidFill>
+                <a:srgbClr val="000000"/>
+              </a:solidFill>
+              <a:latin typeface="Consolas" panose="020B0609020204030204" pitchFamily="49" charset="0"/>
+              <a:cs typeface="Consolas" panose="020B0609020204030204" pitchFamily="49" charset="0"/>
+            </a:endParaRPr>
           </a:p>
         </p:txBody>
       </p:sp>
@@ -9980,7 +11298,7 @@
     </p:spTree>
     <p:extLst>
       <p:ext uri="{BB962C8B-B14F-4D97-AF65-F5344CB8AC3E}">
-        <p14:creationId xmlns:p14="http://schemas.microsoft.com/office/powerpoint/2010/main" val="694233647"/>
+        <p14:creationId xmlns:p14="http://schemas.microsoft.com/office/powerpoint/2010/main" val="380141295"/>
       </p:ext>
     </p:extLst>
   </p:cSld>
@@ -10031,8 +11349,12 @@
               <a:buNone/>
             </a:pPr>
             <a:r>
+              <a:rPr lang="de-DE" sz="2000" b="1" dirty="0"/>
+              <a:t>Model </a:t>
+            </a:r>
+            <a:r>
               <a:rPr lang="de-DE" sz="2000" b="1" dirty="0" err="1"/>
-              <a:t>CompoundPropertyModel</a:t>
+              <a:t>Inheritance</a:t>
             </a:r>
             <a:endParaRPr lang="de-DE" sz="2000" b="1" dirty="0"/>
           </a:p>
@@ -10043,7 +11365,7 @@
             </a:pPr>
             <a:r>
               <a:rPr lang="de-DE" sz="2000" dirty="0"/>
-              <a:t>Implementiert </a:t>
+              <a:t>Interface </a:t>
             </a:r>
             <a:r>
               <a:rPr lang="de-DE" sz="2000" i="1" dirty="0" err="1"/>
@@ -10058,9 +11380,8 @@
             </a:pPr>
             <a:r>
               <a:rPr lang="de-DE" sz="2000" dirty="0"/>
-              <a:t>Bindung üblicherweise an Container</a:t>
-            </a:r>
-            <a:endParaRPr lang="de-DE" sz="2000" i="1" dirty="0"/>
+              <a:t>Komponenten können Models an Nachfahren vererben</a:t>
+            </a:r>
           </a:p>
           <a:p>
             <a:pPr>
@@ -10069,35 +11390,7 @@
             </a:pPr>
             <a:r>
               <a:rPr lang="de-DE" sz="2000" dirty="0"/>
-              <a:t>Funktion</a:t>
-            </a:r>
-          </a:p>
-          <a:p>
-            <a:pPr lvl="1">
-              <a:buFont typeface="Arial" panose="020B0604020202020204" pitchFamily="34" charset="0"/>
-              <a:buChar char="•"/>
-            </a:pPr>
-            <a:r>
-              <a:rPr lang="de-DE" sz="1600" dirty="0"/>
-              <a:t>Fungiert als „</a:t>
-            </a:r>
-            <a:r>
-              <a:rPr lang="de-DE" sz="1600" dirty="0" err="1"/>
-              <a:t>PropertyModelFactory</a:t>
-            </a:r>
-            <a:r>
-              <a:rPr lang="de-DE" sz="1600" dirty="0"/>
-              <a:t>“</a:t>
-            </a:r>
-          </a:p>
-          <a:p>
-            <a:pPr lvl="1">
-              <a:buFont typeface="Arial" panose="020B0604020202020204" pitchFamily="34" charset="0"/>
-              <a:buChar char="•"/>
-            </a:pPr>
-            <a:r>
-              <a:rPr lang="de-DE" sz="1600" dirty="0"/>
-              <a:t>ID der Komponenten-Nachfahren bestimmt Name der Property</a:t>
+              <a:t>Komponente hat kein Modell → Suche bei Vorfahren</a:t>
             </a:r>
           </a:p>
         </p:txBody>
@@ -10132,7 +11425,7 @@
     </p:spTree>
     <p:extLst>
       <p:ext uri="{BB962C8B-B14F-4D97-AF65-F5344CB8AC3E}">
-        <p14:creationId xmlns:p14="http://schemas.microsoft.com/office/powerpoint/2010/main" val="3774607153"/>
+        <p14:creationId xmlns:p14="http://schemas.microsoft.com/office/powerpoint/2010/main" val="694233647"/>
       </p:ext>
     </p:extLst>
   </p:cSld>
@@ -10184,1083 +11477,73 @@
             </a:pPr>
             <a:r>
               <a:rPr lang="de-DE" sz="2000" b="1" dirty="0" err="1"/>
-              <a:t>PropertyModel</a:t>
-            </a:r>
-            <a:r>
-              <a:rPr lang="de-DE" sz="2000" b="1" dirty="0"/>
-              <a:t> und…</a:t>
-            </a:r>
-          </a:p>
-          <a:p>
-            <a:pPr marL="0" indent="0">
-              <a:buNone/>
+              <a:t>CompoundPropertyModel</a:t>
+            </a:r>
+            <a:endParaRPr lang="de-DE" sz="2000" b="1" dirty="0"/>
+          </a:p>
+          <a:p>
+            <a:pPr>
+              <a:buFont typeface="Arial" panose="020B0604020202020204" pitchFamily="34" charset="0"/>
+              <a:buChar char="•"/>
             </a:pPr>
-            <a:endParaRPr lang="de-DE" sz="2000" b="1" dirty="0"/>
-          </a:p>
-          <a:p>
-            <a:pPr marL="0" lvl="0" indent="0">
-              <a:buNone/>
+            <a:r>
+              <a:rPr lang="de-DE" sz="2000" dirty="0"/>
+              <a:t>Implementiert </a:t>
+            </a:r>
+            <a:r>
+              <a:rPr lang="de-DE" sz="2000" i="1" dirty="0" err="1"/>
+              <a:t>IComponentInheritedModel</a:t>
+            </a:r>
+            <a:endParaRPr lang="de-DE" sz="2000" i="1" dirty="0"/>
+          </a:p>
+          <a:p>
+            <a:pPr>
+              <a:buFont typeface="Arial" panose="020B0604020202020204" pitchFamily="34" charset="0"/>
+              <a:buChar char="•"/>
             </a:pPr>
             <a:r>
-              <a:rPr lang="de-DE" altLang="de-DE" sz="1600" dirty="0">
-                <a:solidFill>
-                  <a:srgbClr val="000000"/>
-                </a:solidFill>
-                <a:latin typeface="Consolas" panose="020B0609020204030204" pitchFamily="49" charset="0"/>
-                <a:cs typeface="Consolas" panose="020B0609020204030204" pitchFamily="49" charset="0"/>
-              </a:rPr>
-              <a:t>Person </a:t>
-            </a:r>
-            <a:r>
-              <a:rPr lang="de-DE" altLang="de-DE" sz="1600" dirty="0" err="1">
-                <a:solidFill>
-                  <a:srgbClr val="000000"/>
-                </a:solidFill>
-                <a:latin typeface="Consolas" panose="020B0609020204030204" pitchFamily="49" charset="0"/>
-                <a:cs typeface="Consolas" panose="020B0609020204030204" pitchFamily="49" charset="0"/>
-              </a:rPr>
-              <a:t>person</a:t>
-            </a:r>
-            <a:r>
-              <a:rPr lang="de-DE" altLang="de-DE" sz="1600" dirty="0">
-                <a:solidFill>
-                  <a:srgbClr val="000000"/>
-                </a:solidFill>
-                <a:latin typeface="Consolas" panose="020B0609020204030204" pitchFamily="49" charset="0"/>
-                <a:cs typeface="Consolas" panose="020B0609020204030204" pitchFamily="49" charset="0"/>
-              </a:rPr>
-              <a:t> = </a:t>
-            </a:r>
-            <a:r>
-              <a:rPr lang="de-DE" altLang="de-DE" sz="1600" b="1" dirty="0" err="1">
-                <a:solidFill>
-                  <a:srgbClr val="000080"/>
-                </a:solidFill>
-                <a:latin typeface="Consolas" panose="020B0609020204030204" pitchFamily="49" charset="0"/>
-                <a:cs typeface="Consolas" panose="020B0609020204030204" pitchFamily="49" charset="0"/>
-              </a:rPr>
-              <a:t>new</a:t>
-            </a:r>
-            <a:r>
-              <a:rPr lang="de-DE" altLang="de-DE" sz="1600" b="1" dirty="0">
-                <a:solidFill>
-                  <a:srgbClr val="000080"/>
-                </a:solidFill>
-                <a:latin typeface="Consolas" panose="020B0609020204030204" pitchFamily="49" charset="0"/>
-                <a:cs typeface="Consolas" panose="020B0609020204030204" pitchFamily="49" charset="0"/>
-              </a:rPr>
-              <a:t> </a:t>
-            </a:r>
-            <a:r>
-              <a:rPr lang="de-DE" altLang="de-DE" sz="1600" dirty="0">
-                <a:solidFill>
-                  <a:srgbClr val="000000"/>
-                </a:solidFill>
-                <a:latin typeface="Consolas" panose="020B0609020204030204" pitchFamily="49" charset="0"/>
-                <a:cs typeface="Consolas" panose="020B0609020204030204" pitchFamily="49" charset="0"/>
-              </a:rPr>
-              <a:t>Person(</a:t>
-            </a:r>
-            <a:r>
-              <a:rPr lang="de-DE" altLang="de-DE" sz="1600" b="1" dirty="0">
-                <a:solidFill>
-                  <a:srgbClr val="008000"/>
-                </a:solidFill>
-                <a:latin typeface="Consolas" panose="020B0609020204030204" pitchFamily="49" charset="0"/>
-                <a:cs typeface="Consolas" panose="020B0609020204030204" pitchFamily="49" charset="0"/>
-              </a:rPr>
-              <a:t>"John"</a:t>
-            </a:r>
-            <a:r>
-              <a:rPr lang="de-DE" altLang="de-DE" sz="1600" dirty="0">
-                <a:solidFill>
-                  <a:srgbClr val="000000"/>
-                </a:solidFill>
-                <a:latin typeface="Consolas" panose="020B0609020204030204" pitchFamily="49" charset="0"/>
-                <a:cs typeface="Consolas" panose="020B0609020204030204" pitchFamily="49" charset="0"/>
-              </a:rPr>
-              <a:t>, </a:t>
-            </a:r>
-            <a:r>
-              <a:rPr lang="de-DE" altLang="de-DE" sz="1600" b="1" dirty="0">
-                <a:solidFill>
-                  <a:srgbClr val="008000"/>
-                </a:solidFill>
-                <a:latin typeface="Consolas" panose="020B0609020204030204" pitchFamily="49" charset="0"/>
-                <a:cs typeface="Consolas" panose="020B0609020204030204" pitchFamily="49" charset="0"/>
-              </a:rPr>
-              <a:t>"Smith"</a:t>
-            </a:r>
-            <a:r>
-              <a:rPr lang="de-DE" altLang="de-DE" sz="1600" dirty="0">
-                <a:solidFill>
-                  <a:srgbClr val="000000"/>
-                </a:solidFill>
-                <a:latin typeface="Consolas" panose="020B0609020204030204" pitchFamily="49" charset="0"/>
-                <a:cs typeface="Consolas" panose="020B0609020204030204" pitchFamily="49" charset="0"/>
-              </a:rPr>
-              <a:t>);</a:t>
-            </a:r>
-          </a:p>
-          <a:p>
-            <a:pPr marL="0" lvl="0" indent="0">
-              <a:buNone/>
+              <a:rPr lang="de-DE" sz="2000" dirty="0"/>
+              <a:t>Bindung üblicherweise an Container</a:t>
+            </a:r>
+            <a:endParaRPr lang="de-DE" sz="2000" i="1" dirty="0"/>
+          </a:p>
+          <a:p>
+            <a:pPr>
+              <a:buFont typeface="Arial" panose="020B0604020202020204" pitchFamily="34" charset="0"/>
+              <a:buChar char="•"/>
             </a:pPr>
             <a:r>
-              <a:rPr lang="de-DE" altLang="de-DE" sz="1600" dirty="0">
-                <a:solidFill>
-                  <a:srgbClr val="000000"/>
-                </a:solidFill>
-                <a:latin typeface="Consolas" panose="020B0609020204030204" pitchFamily="49" charset="0"/>
-                <a:cs typeface="Consolas" panose="020B0609020204030204" pitchFamily="49" charset="0"/>
-              </a:rPr>
-              <a:t/>
-            </a:r>
-            <a:br>
-              <a:rPr lang="de-DE" altLang="de-DE" sz="1600" dirty="0">
-                <a:solidFill>
-                  <a:srgbClr val="000000"/>
-                </a:solidFill>
-                <a:latin typeface="Consolas" panose="020B0609020204030204" pitchFamily="49" charset="0"/>
-                <a:cs typeface="Consolas" panose="020B0609020204030204" pitchFamily="49" charset="0"/>
-              </a:rPr>
-            </a:br>
-            <a:r>
-              <a:rPr lang="de-DE" altLang="de-DE" sz="1600" dirty="0" err="1">
-                <a:solidFill>
-                  <a:srgbClr val="000000"/>
-                </a:solidFill>
-                <a:latin typeface="Consolas" panose="020B0609020204030204" pitchFamily="49" charset="0"/>
-                <a:cs typeface="Consolas" panose="020B0609020204030204" pitchFamily="49" charset="0"/>
-              </a:rPr>
-              <a:t>add</a:t>
-            </a:r>
-            <a:r>
-              <a:rPr lang="de-DE" altLang="de-DE" sz="1600" dirty="0">
-                <a:solidFill>
-                  <a:srgbClr val="000000"/>
-                </a:solidFill>
-                <a:latin typeface="Consolas" panose="020B0609020204030204" pitchFamily="49" charset="0"/>
-                <a:cs typeface="Consolas" panose="020B0609020204030204" pitchFamily="49" charset="0"/>
-              </a:rPr>
-              <a:t>( </a:t>
-            </a:r>
-            <a:r>
-              <a:rPr lang="de-DE" altLang="de-DE" sz="1600" b="1" dirty="0" err="1">
-                <a:solidFill>
-                  <a:srgbClr val="000080"/>
-                </a:solidFill>
-                <a:latin typeface="Consolas" panose="020B0609020204030204" pitchFamily="49" charset="0"/>
-                <a:cs typeface="Consolas" panose="020B0609020204030204" pitchFamily="49" charset="0"/>
-              </a:rPr>
-              <a:t>new</a:t>
-            </a:r>
-            <a:r>
-              <a:rPr lang="de-DE" altLang="de-DE" sz="1600" b="1" dirty="0">
-                <a:solidFill>
-                  <a:srgbClr val="000080"/>
-                </a:solidFill>
-                <a:latin typeface="Consolas" panose="020B0609020204030204" pitchFamily="49" charset="0"/>
-                <a:cs typeface="Consolas" panose="020B0609020204030204" pitchFamily="49" charset="0"/>
-              </a:rPr>
-              <a:t> </a:t>
-            </a:r>
-            <a:r>
-              <a:rPr lang="de-DE" altLang="de-DE" sz="1600" dirty="0">
-                <a:solidFill>
-                  <a:srgbClr val="000000"/>
-                </a:solidFill>
-                <a:latin typeface="Consolas" panose="020B0609020204030204" pitchFamily="49" charset="0"/>
-                <a:cs typeface="Consolas" panose="020B0609020204030204" pitchFamily="49" charset="0"/>
-              </a:rPr>
-              <a:t>Label(</a:t>
-            </a:r>
-            <a:r>
-              <a:rPr lang="de-DE" altLang="de-DE" sz="1600" b="1" dirty="0">
-                <a:solidFill>
-                  <a:srgbClr val="008000"/>
-                </a:solidFill>
-                <a:latin typeface="Consolas" panose="020B0609020204030204" pitchFamily="49" charset="0"/>
-                <a:cs typeface="Consolas" panose="020B0609020204030204" pitchFamily="49" charset="0"/>
-              </a:rPr>
-              <a:t>"</a:t>
-            </a:r>
-            <a:r>
-              <a:rPr lang="de-DE" altLang="de-DE" sz="1600" b="1" dirty="0" err="1">
-                <a:solidFill>
-                  <a:srgbClr val="008000"/>
-                </a:solidFill>
-                <a:latin typeface="Consolas" panose="020B0609020204030204" pitchFamily="49" charset="0"/>
-                <a:cs typeface="Consolas" panose="020B0609020204030204" pitchFamily="49" charset="0"/>
-              </a:rPr>
-              <a:t>name</a:t>
-            </a:r>
-            <a:r>
-              <a:rPr lang="de-DE" altLang="de-DE" sz="1600" b="1" dirty="0">
-                <a:solidFill>
-                  <a:srgbClr val="008000"/>
-                </a:solidFill>
-                <a:latin typeface="Consolas" panose="020B0609020204030204" pitchFamily="49" charset="0"/>
-                <a:cs typeface="Consolas" panose="020B0609020204030204" pitchFamily="49" charset="0"/>
-              </a:rPr>
-              <a:t>"</a:t>
-            </a:r>
-            <a:r>
-              <a:rPr lang="de-DE" altLang="de-DE" sz="1600" dirty="0">
-                <a:solidFill>
-                  <a:srgbClr val="000000"/>
-                </a:solidFill>
-                <a:latin typeface="Consolas" panose="020B0609020204030204" pitchFamily="49" charset="0"/>
-                <a:cs typeface="Consolas" panose="020B0609020204030204" pitchFamily="49" charset="0"/>
-              </a:rPr>
-              <a:t>, </a:t>
-            </a:r>
-            <a:r>
-              <a:rPr lang="de-DE" altLang="de-DE" sz="1600" b="1" dirty="0" err="1">
-                <a:solidFill>
-                  <a:srgbClr val="000080"/>
-                </a:solidFill>
-                <a:latin typeface="Consolas" panose="020B0609020204030204" pitchFamily="49" charset="0"/>
-                <a:cs typeface="Consolas" panose="020B0609020204030204" pitchFamily="49" charset="0"/>
-              </a:rPr>
-              <a:t>new</a:t>
-            </a:r>
-            <a:r>
-              <a:rPr lang="de-DE" altLang="de-DE" sz="1600" b="1" dirty="0">
-                <a:solidFill>
-                  <a:srgbClr val="000080"/>
-                </a:solidFill>
-                <a:latin typeface="Consolas" panose="020B0609020204030204" pitchFamily="49" charset="0"/>
-                <a:cs typeface="Consolas" panose="020B0609020204030204" pitchFamily="49" charset="0"/>
-              </a:rPr>
-              <a:t> </a:t>
-            </a:r>
-            <a:r>
-              <a:rPr lang="de-DE" altLang="de-DE" sz="1600" dirty="0" err="1">
-                <a:solidFill>
-                  <a:srgbClr val="000000"/>
-                </a:solidFill>
-                <a:latin typeface="Consolas" panose="020B0609020204030204" pitchFamily="49" charset="0"/>
-                <a:cs typeface="Consolas" panose="020B0609020204030204" pitchFamily="49" charset="0"/>
-              </a:rPr>
-              <a:t>PropertyModel</a:t>
-            </a:r>
-            <a:r>
-              <a:rPr lang="de-DE" altLang="de-DE" sz="1600" dirty="0">
-                <a:solidFill>
-                  <a:srgbClr val="000000"/>
-                </a:solidFill>
-                <a:latin typeface="Consolas" panose="020B0609020204030204" pitchFamily="49" charset="0"/>
-                <a:cs typeface="Consolas" panose="020B0609020204030204" pitchFamily="49" charset="0"/>
-              </a:rPr>
-              <a:t>(</a:t>
-            </a:r>
-            <a:r>
-              <a:rPr lang="de-DE" altLang="de-DE" sz="1600" dirty="0" err="1">
-                <a:solidFill>
-                  <a:srgbClr val="000000"/>
-                </a:solidFill>
-                <a:latin typeface="Consolas" panose="020B0609020204030204" pitchFamily="49" charset="0"/>
-                <a:cs typeface="Consolas" panose="020B0609020204030204" pitchFamily="49" charset="0"/>
-              </a:rPr>
-              <a:t>person</a:t>
-            </a:r>
-            <a:r>
-              <a:rPr lang="de-DE" altLang="de-DE" sz="1600" dirty="0">
-                <a:solidFill>
-                  <a:srgbClr val="000000"/>
-                </a:solidFill>
-                <a:latin typeface="Consolas" panose="020B0609020204030204" pitchFamily="49" charset="0"/>
-                <a:cs typeface="Consolas" panose="020B0609020204030204" pitchFamily="49" charset="0"/>
-              </a:rPr>
-              <a:t>, </a:t>
-            </a:r>
-            <a:r>
-              <a:rPr lang="de-DE" altLang="de-DE" sz="1600" b="1" dirty="0">
-                <a:solidFill>
-                  <a:srgbClr val="008000"/>
-                </a:solidFill>
-                <a:latin typeface="Consolas" panose="020B0609020204030204" pitchFamily="49" charset="0"/>
-                <a:cs typeface="Consolas" panose="020B0609020204030204" pitchFamily="49" charset="0"/>
-              </a:rPr>
-              <a:t>"</a:t>
-            </a:r>
-            <a:r>
-              <a:rPr lang="de-DE" altLang="de-DE" sz="1600" b="1" dirty="0" err="1">
-                <a:solidFill>
-                  <a:srgbClr val="008000"/>
-                </a:solidFill>
-                <a:latin typeface="Consolas" panose="020B0609020204030204" pitchFamily="49" charset="0"/>
-                <a:cs typeface="Consolas" panose="020B0609020204030204" pitchFamily="49" charset="0"/>
-              </a:rPr>
-              <a:t>name</a:t>
-            </a:r>
-            <a:r>
-              <a:rPr lang="de-DE" altLang="de-DE" sz="1600" b="1" dirty="0">
-                <a:solidFill>
-                  <a:srgbClr val="008000"/>
-                </a:solidFill>
-                <a:latin typeface="Consolas" panose="020B0609020204030204" pitchFamily="49" charset="0"/>
-                <a:cs typeface="Consolas" panose="020B0609020204030204" pitchFamily="49" charset="0"/>
-              </a:rPr>
-              <a:t>"</a:t>
-            </a:r>
-            <a:r>
-              <a:rPr lang="de-DE" altLang="de-DE" sz="1600" dirty="0">
-                <a:solidFill>
-                  <a:srgbClr val="000000"/>
-                </a:solidFill>
-                <a:latin typeface="Consolas" panose="020B0609020204030204" pitchFamily="49" charset="0"/>
-                <a:cs typeface="Consolas" panose="020B0609020204030204" pitchFamily="49" charset="0"/>
-              </a:rPr>
-              <a:t>)));</a:t>
-            </a:r>
-            <a:br>
-              <a:rPr lang="de-DE" altLang="de-DE" sz="1600" dirty="0">
-                <a:solidFill>
-                  <a:srgbClr val="000000"/>
-                </a:solidFill>
-                <a:latin typeface="Consolas" panose="020B0609020204030204" pitchFamily="49" charset="0"/>
-                <a:cs typeface="Consolas" panose="020B0609020204030204" pitchFamily="49" charset="0"/>
-              </a:rPr>
-            </a:br>
-            <a:r>
-              <a:rPr lang="de-DE" altLang="de-DE" sz="1600" dirty="0" err="1">
-                <a:solidFill>
-                  <a:srgbClr val="000000"/>
-                </a:solidFill>
-                <a:latin typeface="Consolas" panose="020B0609020204030204" pitchFamily="49" charset="0"/>
-                <a:cs typeface="Consolas" panose="020B0609020204030204" pitchFamily="49" charset="0"/>
-              </a:rPr>
-              <a:t>add</a:t>
-            </a:r>
-            <a:r>
-              <a:rPr lang="de-DE" altLang="de-DE" sz="1600" dirty="0">
-                <a:solidFill>
-                  <a:srgbClr val="000000"/>
-                </a:solidFill>
-                <a:latin typeface="Consolas" panose="020B0609020204030204" pitchFamily="49" charset="0"/>
-                <a:cs typeface="Consolas" panose="020B0609020204030204" pitchFamily="49" charset="0"/>
-              </a:rPr>
-              <a:t>( </a:t>
-            </a:r>
-            <a:r>
-              <a:rPr lang="de-DE" altLang="de-DE" sz="1600" b="1" dirty="0" err="1">
-                <a:solidFill>
-                  <a:srgbClr val="000080"/>
-                </a:solidFill>
-                <a:latin typeface="Consolas" panose="020B0609020204030204" pitchFamily="49" charset="0"/>
-                <a:cs typeface="Consolas" panose="020B0609020204030204" pitchFamily="49" charset="0"/>
-              </a:rPr>
-              <a:t>new</a:t>
-            </a:r>
-            <a:r>
-              <a:rPr lang="de-DE" altLang="de-DE" sz="1600" b="1" dirty="0">
-                <a:solidFill>
-                  <a:srgbClr val="000080"/>
-                </a:solidFill>
-                <a:latin typeface="Consolas" panose="020B0609020204030204" pitchFamily="49" charset="0"/>
-                <a:cs typeface="Consolas" panose="020B0609020204030204" pitchFamily="49" charset="0"/>
-              </a:rPr>
-              <a:t> </a:t>
-            </a:r>
-            <a:r>
-              <a:rPr lang="de-DE" altLang="de-DE" sz="1600" dirty="0">
-                <a:solidFill>
-                  <a:srgbClr val="000000"/>
-                </a:solidFill>
-                <a:latin typeface="Consolas" panose="020B0609020204030204" pitchFamily="49" charset="0"/>
-                <a:cs typeface="Consolas" panose="020B0609020204030204" pitchFamily="49" charset="0"/>
-              </a:rPr>
-              <a:t>Label(</a:t>
-            </a:r>
-            <a:r>
-              <a:rPr lang="de-DE" altLang="de-DE" sz="1600" b="1" dirty="0">
-                <a:solidFill>
-                  <a:srgbClr val="008000"/>
-                </a:solidFill>
-                <a:latin typeface="Consolas" panose="020B0609020204030204" pitchFamily="49" charset="0"/>
-                <a:cs typeface="Consolas" panose="020B0609020204030204" pitchFamily="49" charset="0"/>
-              </a:rPr>
-              <a:t>"</a:t>
-            </a:r>
-            <a:r>
-              <a:rPr lang="de-DE" altLang="de-DE" sz="1600" b="1" dirty="0" err="1">
-                <a:solidFill>
-                  <a:srgbClr val="008000"/>
-                </a:solidFill>
-                <a:latin typeface="Consolas" panose="020B0609020204030204" pitchFamily="49" charset="0"/>
-                <a:cs typeface="Consolas" panose="020B0609020204030204" pitchFamily="49" charset="0"/>
-              </a:rPr>
-              <a:t>surname</a:t>
-            </a:r>
-            <a:r>
-              <a:rPr lang="de-DE" altLang="de-DE" sz="1600" b="1" dirty="0">
-                <a:solidFill>
-                  <a:srgbClr val="008000"/>
-                </a:solidFill>
-                <a:latin typeface="Consolas" panose="020B0609020204030204" pitchFamily="49" charset="0"/>
-                <a:cs typeface="Consolas" panose="020B0609020204030204" pitchFamily="49" charset="0"/>
-              </a:rPr>
-              <a:t>"</a:t>
-            </a:r>
-            <a:r>
-              <a:rPr lang="de-DE" altLang="de-DE" sz="1600" dirty="0">
-                <a:solidFill>
-                  <a:srgbClr val="000000"/>
-                </a:solidFill>
-                <a:latin typeface="Consolas" panose="020B0609020204030204" pitchFamily="49" charset="0"/>
-                <a:cs typeface="Consolas" panose="020B0609020204030204" pitchFamily="49" charset="0"/>
-              </a:rPr>
-              <a:t>, </a:t>
-            </a:r>
-            <a:r>
-              <a:rPr lang="de-DE" altLang="de-DE" sz="1600" b="1" dirty="0" err="1">
-                <a:solidFill>
-                  <a:srgbClr val="000080"/>
-                </a:solidFill>
-                <a:latin typeface="Consolas" panose="020B0609020204030204" pitchFamily="49" charset="0"/>
-                <a:cs typeface="Consolas" panose="020B0609020204030204" pitchFamily="49" charset="0"/>
-              </a:rPr>
-              <a:t>new</a:t>
-            </a:r>
-            <a:r>
-              <a:rPr lang="de-DE" altLang="de-DE" sz="1600" b="1" dirty="0">
-                <a:solidFill>
-                  <a:srgbClr val="000080"/>
-                </a:solidFill>
-                <a:latin typeface="Consolas" panose="020B0609020204030204" pitchFamily="49" charset="0"/>
-                <a:cs typeface="Consolas" panose="020B0609020204030204" pitchFamily="49" charset="0"/>
-              </a:rPr>
-              <a:t> </a:t>
-            </a:r>
-            <a:r>
-              <a:rPr lang="de-DE" altLang="de-DE" sz="1600" dirty="0" err="1">
-                <a:solidFill>
-                  <a:srgbClr val="000000"/>
-                </a:solidFill>
-                <a:latin typeface="Consolas" panose="020B0609020204030204" pitchFamily="49" charset="0"/>
-                <a:cs typeface="Consolas" panose="020B0609020204030204" pitchFamily="49" charset="0"/>
-              </a:rPr>
-              <a:t>PropertyModel</a:t>
-            </a:r>
-            <a:r>
-              <a:rPr lang="de-DE" altLang="de-DE" sz="1600" dirty="0">
-                <a:solidFill>
-                  <a:srgbClr val="000000"/>
-                </a:solidFill>
-                <a:latin typeface="Consolas" panose="020B0609020204030204" pitchFamily="49" charset="0"/>
-                <a:cs typeface="Consolas" panose="020B0609020204030204" pitchFamily="49" charset="0"/>
-              </a:rPr>
-              <a:t>(</a:t>
-            </a:r>
-            <a:r>
-              <a:rPr lang="de-DE" altLang="de-DE" sz="1600" dirty="0" err="1">
-                <a:solidFill>
-                  <a:srgbClr val="000000"/>
-                </a:solidFill>
-                <a:latin typeface="Consolas" panose="020B0609020204030204" pitchFamily="49" charset="0"/>
-                <a:cs typeface="Consolas" panose="020B0609020204030204" pitchFamily="49" charset="0"/>
-              </a:rPr>
-              <a:t>person</a:t>
-            </a:r>
-            <a:r>
-              <a:rPr lang="de-DE" altLang="de-DE" sz="1600" dirty="0">
-                <a:solidFill>
-                  <a:srgbClr val="000000"/>
-                </a:solidFill>
-                <a:latin typeface="Consolas" panose="020B0609020204030204" pitchFamily="49" charset="0"/>
-                <a:cs typeface="Consolas" panose="020B0609020204030204" pitchFamily="49" charset="0"/>
-              </a:rPr>
-              <a:t>, </a:t>
-            </a:r>
-            <a:r>
-              <a:rPr lang="de-DE" altLang="de-DE" sz="1600" b="1" dirty="0">
-                <a:solidFill>
-                  <a:srgbClr val="008000"/>
-                </a:solidFill>
-                <a:latin typeface="Consolas" panose="020B0609020204030204" pitchFamily="49" charset="0"/>
-                <a:cs typeface="Consolas" panose="020B0609020204030204" pitchFamily="49" charset="0"/>
-              </a:rPr>
-              <a:t>"</a:t>
-            </a:r>
-            <a:r>
-              <a:rPr lang="de-DE" altLang="de-DE" sz="1600" b="1" dirty="0" err="1">
-                <a:solidFill>
-                  <a:srgbClr val="008000"/>
-                </a:solidFill>
-                <a:latin typeface="Consolas" panose="020B0609020204030204" pitchFamily="49" charset="0"/>
-                <a:cs typeface="Consolas" panose="020B0609020204030204" pitchFamily="49" charset="0"/>
-              </a:rPr>
-              <a:t>surname</a:t>
-            </a:r>
-            <a:r>
-              <a:rPr lang="de-DE" altLang="de-DE" sz="1600" b="1" dirty="0">
-                <a:solidFill>
-                  <a:srgbClr val="008000"/>
-                </a:solidFill>
-                <a:latin typeface="Consolas" panose="020B0609020204030204" pitchFamily="49" charset="0"/>
-                <a:cs typeface="Consolas" panose="020B0609020204030204" pitchFamily="49" charset="0"/>
-              </a:rPr>
-              <a:t>"</a:t>
-            </a:r>
-            <a:r>
-              <a:rPr lang="de-DE" altLang="de-DE" sz="1600" dirty="0">
-                <a:solidFill>
-                  <a:srgbClr val="000000"/>
-                </a:solidFill>
-                <a:latin typeface="Consolas" panose="020B0609020204030204" pitchFamily="49" charset="0"/>
-                <a:cs typeface="Consolas" panose="020B0609020204030204" pitchFamily="49" charset="0"/>
-              </a:rPr>
-              <a:t>)));</a:t>
-            </a:r>
-            <a:br>
-              <a:rPr lang="de-DE" altLang="de-DE" sz="1600" dirty="0">
-                <a:solidFill>
-                  <a:srgbClr val="000000"/>
-                </a:solidFill>
-                <a:latin typeface="Consolas" panose="020B0609020204030204" pitchFamily="49" charset="0"/>
-                <a:cs typeface="Consolas" panose="020B0609020204030204" pitchFamily="49" charset="0"/>
-              </a:rPr>
-            </a:br>
-            <a:r>
-              <a:rPr lang="de-DE" altLang="de-DE" sz="1600" dirty="0" err="1">
-                <a:solidFill>
-                  <a:srgbClr val="000000"/>
-                </a:solidFill>
-                <a:latin typeface="Consolas" panose="020B0609020204030204" pitchFamily="49" charset="0"/>
-                <a:cs typeface="Consolas" panose="020B0609020204030204" pitchFamily="49" charset="0"/>
-              </a:rPr>
-              <a:t>add</a:t>
-            </a:r>
-            <a:r>
-              <a:rPr lang="de-DE" altLang="de-DE" sz="1600" dirty="0">
-                <a:solidFill>
-                  <a:srgbClr val="000000"/>
-                </a:solidFill>
-                <a:latin typeface="Consolas" panose="020B0609020204030204" pitchFamily="49" charset="0"/>
-                <a:cs typeface="Consolas" panose="020B0609020204030204" pitchFamily="49" charset="0"/>
-              </a:rPr>
-              <a:t>( </a:t>
-            </a:r>
-            <a:r>
-              <a:rPr lang="de-DE" altLang="de-DE" sz="1600" b="1" dirty="0" err="1">
-                <a:solidFill>
-                  <a:srgbClr val="000080"/>
-                </a:solidFill>
-                <a:latin typeface="Consolas" panose="020B0609020204030204" pitchFamily="49" charset="0"/>
-                <a:cs typeface="Consolas" panose="020B0609020204030204" pitchFamily="49" charset="0"/>
-              </a:rPr>
-              <a:t>new</a:t>
-            </a:r>
-            <a:r>
-              <a:rPr lang="de-DE" altLang="de-DE" sz="1600" b="1" dirty="0">
-                <a:solidFill>
-                  <a:srgbClr val="000080"/>
-                </a:solidFill>
-                <a:latin typeface="Consolas" panose="020B0609020204030204" pitchFamily="49" charset="0"/>
-                <a:cs typeface="Consolas" panose="020B0609020204030204" pitchFamily="49" charset="0"/>
-              </a:rPr>
-              <a:t> </a:t>
-            </a:r>
-            <a:r>
-              <a:rPr lang="de-DE" altLang="de-DE" sz="1600" dirty="0">
-                <a:solidFill>
-                  <a:srgbClr val="000000"/>
-                </a:solidFill>
-                <a:latin typeface="Consolas" panose="020B0609020204030204" pitchFamily="49" charset="0"/>
-                <a:cs typeface="Consolas" panose="020B0609020204030204" pitchFamily="49" charset="0"/>
-              </a:rPr>
-              <a:t>Label(</a:t>
-            </a:r>
-            <a:r>
-              <a:rPr lang="de-DE" altLang="de-DE" sz="1600" b="1" dirty="0">
-                <a:solidFill>
-                  <a:srgbClr val="008000"/>
-                </a:solidFill>
-                <a:latin typeface="Consolas" panose="020B0609020204030204" pitchFamily="49" charset="0"/>
-                <a:cs typeface="Consolas" panose="020B0609020204030204" pitchFamily="49" charset="0"/>
-              </a:rPr>
-              <a:t>"</a:t>
-            </a:r>
-            <a:r>
-              <a:rPr lang="de-DE" altLang="de-DE" sz="1600" b="1" dirty="0" err="1">
-                <a:solidFill>
-                  <a:srgbClr val="008000"/>
-                </a:solidFill>
-                <a:latin typeface="Consolas" panose="020B0609020204030204" pitchFamily="49" charset="0"/>
-                <a:cs typeface="Consolas" panose="020B0609020204030204" pitchFamily="49" charset="0"/>
-              </a:rPr>
-              <a:t>address</a:t>
-            </a:r>
-            <a:r>
-              <a:rPr lang="de-DE" altLang="de-DE" sz="1600" b="1" dirty="0">
-                <a:solidFill>
-                  <a:srgbClr val="008000"/>
-                </a:solidFill>
-                <a:latin typeface="Consolas" panose="020B0609020204030204" pitchFamily="49" charset="0"/>
-                <a:cs typeface="Consolas" panose="020B0609020204030204" pitchFamily="49" charset="0"/>
-              </a:rPr>
-              <a:t>"</a:t>
-            </a:r>
-            <a:r>
-              <a:rPr lang="de-DE" altLang="de-DE" sz="1600" dirty="0">
-                <a:solidFill>
-                  <a:srgbClr val="000000"/>
-                </a:solidFill>
-                <a:latin typeface="Consolas" panose="020B0609020204030204" pitchFamily="49" charset="0"/>
-                <a:cs typeface="Consolas" panose="020B0609020204030204" pitchFamily="49" charset="0"/>
-              </a:rPr>
-              <a:t>, </a:t>
-            </a:r>
-            <a:r>
-              <a:rPr lang="de-DE" altLang="de-DE" sz="1600" b="1" dirty="0" err="1">
-                <a:solidFill>
-                  <a:srgbClr val="000080"/>
-                </a:solidFill>
-                <a:latin typeface="Consolas" panose="020B0609020204030204" pitchFamily="49" charset="0"/>
-                <a:cs typeface="Consolas" panose="020B0609020204030204" pitchFamily="49" charset="0"/>
-              </a:rPr>
-              <a:t>new</a:t>
-            </a:r>
-            <a:r>
-              <a:rPr lang="de-DE" altLang="de-DE" sz="1600" b="1" dirty="0">
-                <a:solidFill>
-                  <a:srgbClr val="000080"/>
-                </a:solidFill>
-                <a:latin typeface="Consolas" panose="020B0609020204030204" pitchFamily="49" charset="0"/>
-                <a:cs typeface="Consolas" panose="020B0609020204030204" pitchFamily="49" charset="0"/>
-              </a:rPr>
-              <a:t> </a:t>
-            </a:r>
-            <a:r>
-              <a:rPr lang="de-DE" altLang="de-DE" sz="1600" dirty="0" err="1">
-                <a:solidFill>
-                  <a:srgbClr val="000000"/>
-                </a:solidFill>
-                <a:latin typeface="Consolas" panose="020B0609020204030204" pitchFamily="49" charset="0"/>
-                <a:cs typeface="Consolas" panose="020B0609020204030204" pitchFamily="49" charset="0"/>
-              </a:rPr>
-              <a:t>PropertyModel</a:t>
-            </a:r>
-            <a:r>
-              <a:rPr lang="de-DE" altLang="de-DE" sz="1600" dirty="0">
-                <a:solidFill>
-                  <a:srgbClr val="000000"/>
-                </a:solidFill>
-                <a:latin typeface="Consolas" panose="020B0609020204030204" pitchFamily="49" charset="0"/>
-                <a:cs typeface="Consolas" panose="020B0609020204030204" pitchFamily="49" charset="0"/>
-              </a:rPr>
-              <a:t>(</a:t>
-            </a:r>
-            <a:r>
-              <a:rPr lang="de-DE" altLang="de-DE" sz="1600" dirty="0" err="1">
-                <a:solidFill>
-                  <a:srgbClr val="000000"/>
-                </a:solidFill>
-                <a:latin typeface="Consolas" panose="020B0609020204030204" pitchFamily="49" charset="0"/>
-                <a:cs typeface="Consolas" panose="020B0609020204030204" pitchFamily="49" charset="0"/>
-              </a:rPr>
-              <a:t>person</a:t>
-            </a:r>
-            <a:r>
-              <a:rPr lang="de-DE" altLang="de-DE" sz="1600" dirty="0">
-                <a:solidFill>
-                  <a:srgbClr val="000000"/>
-                </a:solidFill>
-                <a:latin typeface="Consolas" panose="020B0609020204030204" pitchFamily="49" charset="0"/>
-                <a:cs typeface="Consolas" panose="020B0609020204030204" pitchFamily="49" charset="0"/>
-              </a:rPr>
-              <a:t>, </a:t>
-            </a:r>
-            <a:r>
-              <a:rPr lang="de-DE" altLang="de-DE" sz="1600" b="1" dirty="0">
-                <a:solidFill>
-                  <a:srgbClr val="008000"/>
-                </a:solidFill>
-                <a:latin typeface="Consolas" panose="020B0609020204030204" pitchFamily="49" charset="0"/>
-                <a:cs typeface="Consolas" panose="020B0609020204030204" pitchFamily="49" charset="0"/>
-              </a:rPr>
-              <a:t>"</a:t>
-            </a:r>
-            <a:r>
-              <a:rPr lang="de-DE" altLang="de-DE" sz="1600" b="1" dirty="0" err="1">
-                <a:solidFill>
-                  <a:srgbClr val="008000"/>
-                </a:solidFill>
-                <a:latin typeface="Consolas" panose="020B0609020204030204" pitchFamily="49" charset="0"/>
-                <a:cs typeface="Consolas" panose="020B0609020204030204" pitchFamily="49" charset="0"/>
-              </a:rPr>
-              <a:t>address</a:t>
-            </a:r>
-            <a:r>
-              <a:rPr lang="de-DE" altLang="de-DE" sz="1600" b="1" dirty="0">
-                <a:solidFill>
-                  <a:srgbClr val="008000"/>
-                </a:solidFill>
-                <a:latin typeface="Consolas" panose="020B0609020204030204" pitchFamily="49" charset="0"/>
-                <a:cs typeface="Consolas" panose="020B0609020204030204" pitchFamily="49" charset="0"/>
-              </a:rPr>
-              <a:t>"</a:t>
-            </a:r>
-            <a:r>
-              <a:rPr lang="de-DE" altLang="de-DE" sz="1600" dirty="0">
-                <a:solidFill>
-                  <a:srgbClr val="000000"/>
-                </a:solidFill>
-                <a:latin typeface="Consolas" panose="020B0609020204030204" pitchFamily="49" charset="0"/>
-                <a:cs typeface="Consolas" panose="020B0609020204030204" pitchFamily="49" charset="0"/>
-              </a:rPr>
-              <a:t>)));</a:t>
-            </a:r>
-            <a:br>
-              <a:rPr lang="de-DE" altLang="de-DE" sz="1600" dirty="0">
-                <a:solidFill>
-                  <a:srgbClr val="000000"/>
-                </a:solidFill>
-                <a:latin typeface="Consolas" panose="020B0609020204030204" pitchFamily="49" charset="0"/>
-                <a:cs typeface="Consolas" panose="020B0609020204030204" pitchFamily="49" charset="0"/>
-              </a:rPr>
-            </a:br>
-            <a:r>
-              <a:rPr lang="de-DE" altLang="de-DE" sz="1600" dirty="0" err="1">
-                <a:solidFill>
-                  <a:srgbClr val="000000"/>
-                </a:solidFill>
-                <a:latin typeface="Consolas" panose="020B0609020204030204" pitchFamily="49" charset="0"/>
-                <a:cs typeface="Consolas" panose="020B0609020204030204" pitchFamily="49" charset="0"/>
-              </a:rPr>
-              <a:t>add</a:t>
-            </a:r>
-            <a:r>
-              <a:rPr lang="de-DE" altLang="de-DE" sz="1600" dirty="0">
-                <a:solidFill>
-                  <a:srgbClr val="000000"/>
-                </a:solidFill>
-                <a:latin typeface="Consolas" panose="020B0609020204030204" pitchFamily="49" charset="0"/>
-                <a:cs typeface="Consolas" panose="020B0609020204030204" pitchFamily="49" charset="0"/>
-              </a:rPr>
-              <a:t>( </a:t>
-            </a:r>
-            <a:r>
-              <a:rPr lang="de-DE" altLang="de-DE" sz="1600" b="1" dirty="0" err="1">
-                <a:solidFill>
-                  <a:srgbClr val="000080"/>
-                </a:solidFill>
-                <a:latin typeface="Consolas" panose="020B0609020204030204" pitchFamily="49" charset="0"/>
-                <a:cs typeface="Consolas" panose="020B0609020204030204" pitchFamily="49" charset="0"/>
-              </a:rPr>
-              <a:t>new</a:t>
-            </a:r>
-            <a:r>
-              <a:rPr lang="de-DE" altLang="de-DE" sz="1600" b="1" dirty="0">
-                <a:solidFill>
-                  <a:srgbClr val="000080"/>
-                </a:solidFill>
-                <a:latin typeface="Consolas" panose="020B0609020204030204" pitchFamily="49" charset="0"/>
-                <a:cs typeface="Consolas" panose="020B0609020204030204" pitchFamily="49" charset="0"/>
-              </a:rPr>
-              <a:t> </a:t>
-            </a:r>
-            <a:r>
-              <a:rPr lang="de-DE" altLang="de-DE" sz="1600" dirty="0">
-                <a:solidFill>
-                  <a:srgbClr val="000000"/>
-                </a:solidFill>
-                <a:latin typeface="Consolas" panose="020B0609020204030204" pitchFamily="49" charset="0"/>
-                <a:cs typeface="Consolas" panose="020B0609020204030204" pitchFamily="49" charset="0"/>
-              </a:rPr>
-              <a:t>Label(</a:t>
-            </a:r>
-            <a:r>
-              <a:rPr lang="de-DE" altLang="de-DE" sz="1600" b="1" dirty="0">
-                <a:solidFill>
-                  <a:srgbClr val="008000"/>
-                </a:solidFill>
-                <a:latin typeface="Consolas" panose="020B0609020204030204" pitchFamily="49" charset="0"/>
-                <a:cs typeface="Consolas" panose="020B0609020204030204" pitchFamily="49" charset="0"/>
-              </a:rPr>
-              <a:t>"email"</a:t>
-            </a:r>
-            <a:r>
-              <a:rPr lang="de-DE" altLang="de-DE" sz="1600" dirty="0">
-                <a:solidFill>
-                  <a:srgbClr val="000000"/>
-                </a:solidFill>
-                <a:latin typeface="Consolas" panose="020B0609020204030204" pitchFamily="49" charset="0"/>
-                <a:cs typeface="Consolas" panose="020B0609020204030204" pitchFamily="49" charset="0"/>
-              </a:rPr>
-              <a:t>, </a:t>
-            </a:r>
-            <a:r>
-              <a:rPr lang="de-DE" altLang="de-DE" sz="1600" b="1" dirty="0" err="1">
-                <a:solidFill>
-                  <a:srgbClr val="000080"/>
-                </a:solidFill>
-                <a:latin typeface="Consolas" panose="020B0609020204030204" pitchFamily="49" charset="0"/>
-                <a:cs typeface="Consolas" panose="020B0609020204030204" pitchFamily="49" charset="0"/>
-              </a:rPr>
-              <a:t>new</a:t>
-            </a:r>
-            <a:r>
-              <a:rPr lang="de-DE" altLang="de-DE" sz="1600" b="1" dirty="0">
-                <a:solidFill>
-                  <a:srgbClr val="000080"/>
-                </a:solidFill>
-                <a:latin typeface="Consolas" panose="020B0609020204030204" pitchFamily="49" charset="0"/>
-                <a:cs typeface="Consolas" panose="020B0609020204030204" pitchFamily="49" charset="0"/>
-              </a:rPr>
-              <a:t> </a:t>
-            </a:r>
-            <a:r>
-              <a:rPr lang="de-DE" altLang="de-DE" sz="1600" dirty="0" err="1">
-                <a:solidFill>
-                  <a:srgbClr val="000000"/>
-                </a:solidFill>
-                <a:latin typeface="Consolas" panose="020B0609020204030204" pitchFamily="49" charset="0"/>
-                <a:cs typeface="Consolas" panose="020B0609020204030204" pitchFamily="49" charset="0"/>
-              </a:rPr>
-              <a:t>PropertyModel</a:t>
-            </a:r>
-            <a:r>
-              <a:rPr lang="de-DE" altLang="de-DE" sz="1600" dirty="0">
-                <a:solidFill>
-                  <a:srgbClr val="000000"/>
-                </a:solidFill>
-                <a:latin typeface="Consolas" panose="020B0609020204030204" pitchFamily="49" charset="0"/>
-                <a:cs typeface="Consolas" panose="020B0609020204030204" pitchFamily="49" charset="0"/>
-              </a:rPr>
-              <a:t>(</a:t>
-            </a:r>
-            <a:r>
-              <a:rPr lang="de-DE" altLang="de-DE" sz="1600" dirty="0" err="1">
-                <a:solidFill>
-                  <a:srgbClr val="000000"/>
-                </a:solidFill>
-                <a:latin typeface="Consolas" panose="020B0609020204030204" pitchFamily="49" charset="0"/>
-                <a:cs typeface="Consolas" panose="020B0609020204030204" pitchFamily="49" charset="0"/>
-              </a:rPr>
-              <a:t>person</a:t>
-            </a:r>
-            <a:r>
-              <a:rPr lang="de-DE" altLang="de-DE" sz="1600" dirty="0">
-                <a:solidFill>
-                  <a:srgbClr val="000000"/>
-                </a:solidFill>
-                <a:latin typeface="Consolas" panose="020B0609020204030204" pitchFamily="49" charset="0"/>
-                <a:cs typeface="Consolas" panose="020B0609020204030204" pitchFamily="49" charset="0"/>
-              </a:rPr>
-              <a:t>, </a:t>
-            </a:r>
-            <a:r>
-              <a:rPr lang="de-DE" altLang="de-DE" sz="1600" b="1" dirty="0">
-                <a:solidFill>
-                  <a:srgbClr val="008000"/>
-                </a:solidFill>
-                <a:latin typeface="Consolas" panose="020B0609020204030204" pitchFamily="49" charset="0"/>
-                <a:cs typeface="Consolas" panose="020B0609020204030204" pitchFamily="49" charset="0"/>
-              </a:rPr>
-              <a:t>"email"</a:t>
-            </a:r>
-            <a:r>
-              <a:rPr lang="de-DE" altLang="de-DE" sz="1600" dirty="0">
-                <a:solidFill>
-                  <a:srgbClr val="000000"/>
-                </a:solidFill>
-                <a:latin typeface="Consolas" panose="020B0609020204030204" pitchFamily="49" charset="0"/>
-                <a:cs typeface="Consolas" panose="020B0609020204030204" pitchFamily="49" charset="0"/>
-              </a:rPr>
-              <a:t>)));</a:t>
-            </a:r>
-            <a:br>
-              <a:rPr lang="de-DE" altLang="de-DE" sz="1600" dirty="0">
-                <a:solidFill>
-                  <a:srgbClr val="000000"/>
-                </a:solidFill>
-                <a:latin typeface="Consolas" panose="020B0609020204030204" pitchFamily="49" charset="0"/>
-                <a:cs typeface="Consolas" panose="020B0609020204030204" pitchFamily="49" charset="0"/>
-              </a:rPr>
-            </a:br>
-            <a:r>
-              <a:rPr lang="de-DE" altLang="de-DE" sz="1600" dirty="0" err="1">
-                <a:solidFill>
-                  <a:srgbClr val="000000"/>
-                </a:solidFill>
-                <a:latin typeface="Consolas" panose="020B0609020204030204" pitchFamily="49" charset="0"/>
-                <a:cs typeface="Consolas" panose="020B0609020204030204" pitchFamily="49" charset="0"/>
-              </a:rPr>
-              <a:t>add</a:t>
-            </a:r>
-            <a:r>
-              <a:rPr lang="de-DE" altLang="de-DE" sz="1600" dirty="0">
-                <a:solidFill>
-                  <a:srgbClr val="000000"/>
-                </a:solidFill>
-                <a:latin typeface="Consolas" panose="020B0609020204030204" pitchFamily="49" charset="0"/>
-                <a:cs typeface="Consolas" panose="020B0609020204030204" pitchFamily="49" charset="0"/>
-              </a:rPr>
-              <a:t>( </a:t>
-            </a:r>
-            <a:r>
-              <a:rPr lang="de-DE" altLang="de-DE" sz="1600" b="1" dirty="0" err="1">
-                <a:solidFill>
-                  <a:srgbClr val="000080"/>
-                </a:solidFill>
-                <a:latin typeface="Consolas" panose="020B0609020204030204" pitchFamily="49" charset="0"/>
-                <a:cs typeface="Consolas" panose="020B0609020204030204" pitchFamily="49" charset="0"/>
-              </a:rPr>
-              <a:t>new</a:t>
-            </a:r>
-            <a:r>
-              <a:rPr lang="de-DE" altLang="de-DE" sz="1600" b="1" dirty="0">
-                <a:solidFill>
-                  <a:srgbClr val="000080"/>
-                </a:solidFill>
-                <a:latin typeface="Consolas" panose="020B0609020204030204" pitchFamily="49" charset="0"/>
-                <a:cs typeface="Consolas" panose="020B0609020204030204" pitchFamily="49" charset="0"/>
-              </a:rPr>
-              <a:t> </a:t>
-            </a:r>
-            <a:r>
-              <a:rPr lang="de-DE" altLang="de-DE" sz="1600" dirty="0">
-                <a:solidFill>
-                  <a:srgbClr val="000000"/>
-                </a:solidFill>
-                <a:latin typeface="Consolas" panose="020B0609020204030204" pitchFamily="49" charset="0"/>
-                <a:cs typeface="Consolas" panose="020B0609020204030204" pitchFamily="49" charset="0"/>
-              </a:rPr>
-              <a:t>Label(</a:t>
-            </a:r>
-            <a:r>
-              <a:rPr lang="de-DE" altLang="de-DE" sz="1600" b="1" dirty="0">
-                <a:solidFill>
-                  <a:srgbClr val="008000"/>
-                </a:solidFill>
-                <a:latin typeface="Consolas" panose="020B0609020204030204" pitchFamily="49" charset="0"/>
-                <a:cs typeface="Consolas" panose="020B0609020204030204" pitchFamily="49" charset="0"/>
-              </a:rPr>
-              <a:t>"</a:t>
-            </a:r>
-            <a:r>
-              <a:rPr lang="de-DE" altLang="de-DE" sz="1600" b="1" dirty="0" err="1">
-                <a:solidFill>
-                  <a:srgbClr val="008000"/>
-                </a:solidFill>
-                <a:latin typeface="Consolas" panose="020B0609020204030204" pitchFamily="49" charset="0"/>
-                <a:cs typeface="Consolas" panose="020B0609020204030204" pitchFamily="49" charset="0"/>
-              </a:rPr>
-              <a:t>spouseName</a:t>
-            </a:r>
-            <a:r>
-              <a:rPr lang="de-DE" altLang="de-DE" sz="1600" b="1" dirty="0">
-                <a:solidFill>
-                  <a:srgbClr val="008000"/>
-                </a:solidFill>
-                <a:latin typeface="Consolas" panose="020B0609020204030204" pitchFamily="49" charset="0"/>
-                <a:cs typeface="Consolas" panose="020B0609020204030204" pitchFamily="49" charset="0"/>
-              </a:rPr>
-              <a:t>"</a:t>
-            </a:r>
-            <a:r>
-              <a:rPr lang="de-DE" altLang="de-DE" sz="1600" dirty="0">
-                <a:solidFill>
-                  <a:srgbClr val="000000"/>
-                </a:solidFill>
-                <a:latin typeface="Consolas" panose="020B0609020204030204" pitchFamily="49" charset="0"/>
-                <a:cs typeface="Consolas" panose="020B0609020204030204" pitchFamily="49" charset="0"/>
-              </a:rPr>
-              <a:t>, </a:t>
-            </a:r>
-            <a:r>
-              <a:rPr lang="de-DE" altLang="de-DE" sz="1600" b="1" dirty="0" err="1">
-                <a:solidFill>
-                  <a:srgbClr val="000080"/>
-                </a:solidFill>
-                <a:latin typeface="Consolas" panose="020B0609020204030204" pitchFamily="49" charset="0"/>
-                <a:cs typeface="Consolas" panose="020B0609020204030204" pitchFamily="49" charset="0"/>
-              </a:rPr>
-              <a:t>new</a:t>
-            </a:r>
-            <a:r>
-              <a:rPr lang="de-DE" altLang="de-DE" sz="1600" b="1" dirty="0">
-                <a:solidFill>
-                  <a:srgbClr val="000080"/>
-                </a:solidFill>
-                <a:latin typeface="Consolas" panose="020B0609020204030204" pitchFamily="49" charset="0"/>
-                <a:cs typeface="Consolas" panose="020B0609020204030204" pitchFamily="49" charset="0"/>
-              </a:rPr>
-              <a:t> </a:t>
-            </a:r>
-            <a:r>
-              <a:rPr lang="de-DE" altLang="de-DE" sz="1600" dirty="0" err="1">
-                <a:solidFill>
-                  <a:srgbClr val="000000"/>
-                </a:solidFill>
-                <a:latin typeface="Consolas" panose="020B0609020204030204" pitchFamily="49" charset="0"/>
-                <a:cs typeface="Consolas" panose="020B0609020204030204" pitchFamily="49" charset="0"/>
-              </a:rPr>
-              <a:t>PropertyModel</a:t>
-            </a:r>
-            <a:r>
-              <a:rPr lang="de-DE" altLang="de-DE" sz="1600" dirty="0">
-                <a:solidFill>
-                  <a:srgbClr val="000000"/>
-                </a:solidFill>
-                <a:latin typeface="Consolas" panose="020B0609020204030204" pitchFamily="49" charset="0"/>
-                <a:cs typeface="Consolas" panose="020B0609020204030204" pitchFamily="49" charset="0"/>
-              </a:rPr>
-              <a:t>(</a:t>
-            </a:r>
-            <a:r>
-              <a:rPr lang="de-DE" altLang="de-DE" sz="1600" dirty="0" err="1">
-                <a:solidFill>
-                  <a:srgbClr val="000000"/>
-                </a:solidFill>
-                <a:latin typeface="Consolas" panose="020B0609020204030204" pitchFamily="49" charset="0"/>
-                <a:cs typeface="Consolas" panose="020B0609020204030204" pitchFamily="49" charset="0"/>
-              </a:rPr>
-              <a:t>person</a:t>
-            </a:r>
-            <a:r>
-              <a:rPr lang="de-DE" altLang="de-DE" sz="1600" dirty="0">
-                <a:solidFill>
-                  <a:srgbClr val="000000"/>
-                </a:solidFill>
-                <a:latin typeface="Consolas" panose="020B0609020204030204" pitchFamily="49" charset="0"/>
-                <a:cs typeface="Consolas" panose="020B0609020204030204" pitchFamily="49" charset="0"/>
-              </a:rPr>
-              <a:t>, </a:t>
-            </a:r>
-            <a:r>
-              <a:rPr lang="de-DE" altLang="de-DE" sz="1600" b="1" dirty="0">
-                <a:solidFill>
-                  <a:srgbClr val="008000"/>
-                </a:solidFill>
-                <a:latin typeface="Consolas" panose="020B0609020204030204" pitchFamily="49" charset="0"/>
-                <a:cs typeface="Consolas" panose="020B0609020204030204" pitchFamily="49" charset="0"/>
-              </a:rPr>
-              <a:t>"spouse.name"</a:t>
-            </a:r>
-            <a:r>
-              <a:rPr lang="de-DE" altLang="de-DE" sz="1600" dirty="0">
-                <a:solidFill>
-                  <a:srgbClr val="000000"/>
-                </a:solidFill>
-                <a:latin typeface="Consolas" panose="020B0609020204030204" pitchFamily="49" charset="0"/>
-                <a:cs typeface="Consolas" panose="020B0609020204030204" pitchFamily="49" charset="0"/>
-              </a:rPr>
-              <a:t>)));</a:t>
-            </a:r>
-            <a:endParaRPr lang="de-DE" altLang="de-DE" sz="1600" dirty="0">
-              <a:latin typeface="Consolas" panose="020B0609020204030204" pitchFamily="49" charset="0"/>
-              <a:cs typeface="Consolas" panose="020B0609020204030204" pitchFamily="49" charset="0"/>
-            </a:endParaRPr>
-          </a:p>
-          <a:p>
-            <a:pPr marL="0" indent="0">
-              <a:buNone/>
+              <a:rPr lang="de-DE" sz="2000" dirty="0"/>
+              <a:t>Funktion</a:t>
+            </a:r>
+          </a:p>
+          <a:p>
+            <a:pPr lvl="1">
+              <a:buFont typeface="Arial" panose="020B0604020202020204" pitchFamily="34" charset="0"/>
+              <a:buChar char="•"/>
             </a:pPr>
-            <a:endParaRPr lang="de-DE" sz="2000" b="1" dirty="0"/>
+            <a:r>
+              <a:rPr lang="de-DE" sz="1600" dirty="0"/>
+              <a:t>Fungiert als „</a:t>
+            </a:r>
+            <a:r>
+              <a:rPr lang="de-DE" sz="1600" dirty="0" err="1"/>
+              <a:t>PropertyModelFactory</a:t>
+            </a:r>
+            <a:r>
+              <a:rPr lang="de-DE" sz="1600" dirty="0"/>
+              <a:t>“</a:t>
+            </a:r>
+          </a:p>
+          <a:p>
+            <a:pPr lvl="1">
+              <a:buFont typeface="Arial" panose="020B0604020202020204" pitchFamily="34" charset="0"/>
+              <a:buChar char="•"/>
+            </a:pPr>
+            <a:r>
+              <a:rPr lang="de-DE" sz="1600" dirty="0"/>
+              <a:t>ID der Komponenten-Nachfahren bestimmt Name der Property</a:t>
+            </a:r>
           </a:p>
         </p:txBody>
       </p:sp>
@@ -11294,7 +11577,7 @@
     </p:spTree>
     <p:extLst>
       <p:ext uri="{BB962C8B-B14F-4D97-AF65-F5344CB8AC3E}">
-        <p14:creationId xmlns:p14="http://schemas.microsoft.com/office/powerpoint/2010/main" val="514522632"/>
+        <p14:creationId xmlns:p14="http://schemas.microsoft.com/office/powerpoint/2010/main" val="3774607153"/>
       </p:ext>
     </p:extLst>
   </p:cSld>

--- a/slides/Tag-2_1-Bestandteile_Models.pptx
+++ b/slides/Tag-2_1-Bestandteile_Models.pptx
@@ -4934,7 +4934,7 @@
               <a:pPr algn="ctr">
                 <a:defRPr/>
               </a:pPr>
-              <a:t>25.05.2021</a:t>
+              <a:t>03.02.2023</a:t>
             </a:fld>
             <a:endParaRPr lang="de-DE" sz="1000" dirty="0">
               <a:solidFill>
@@ -5392,30 +5392,6 @@
           </a:p>
         </p:txBody>
       </p:sp>
-      <p:pic>
-        <p:nvPicPr>
-          <p:cNvPr id="14" name="Grafik 13" descr="logoGFU.jpg"/>
-          <p:cNvPicPr>
-            <a:picLocks noChangeAspect="1"/>
-          </p:cNvPicPr>
-          <p:nvPr/>
-        </p:nvPicPr>
-        <p:blipFill>
-          <a:blip r:embed="rId16" cstate="print"/>
-          <a:stretch>
-            <a:fillRect/>
-          </a:stretch>
-        </p:blipFill>
-        <p:spPr>
-          <a:xfrm>
-            <a:off x="6805628" y="572040"/>
-            <a:ext cx="1785950" cy="385205"/>
-          </a:xfrm>
-          <a:prstGeom prst="rect">
-            <a:avLst/>
-          </a:prstGeom>
-        </p:spPr>
-      </p:pic>
       <p:sp>
         <p:nvSpPr>
           <p:cNvPr id="15" name="Text Box 24"/>
@@ -5510,13 +5486,22 @@
               <a:defRPr/>
             </a:pPr>
             <a:r>
-              <a:rPr lang="de-DE" sz="1000" dirty="0" smtClean="0">
+              <a:rPr lang="de-DE" sz="1000" dirty="0">
                 <a:solidFill>
                   <a:schemeClr val="bg1"/>
                 </a:solidFill>
                 <a:latin typeface="Arial" charset="0"/>
               </a:rPr>
-              <a:t>Patrick Möbius</a:t>
+              <a:t>Patrick </a:t>
+            </a:r>
+            <a:r>
+              <a:rPr lang="de-DE" sz="1000" dirty="0" err="1">
+                <a:solidFill>
+                  <a:schemeClr val="bg1"/>
+                </a:solidFill>
+                <a:latin typeface="Arial" charset="0"/>
+              </a:rPr>
+              <a:t>Ungewiß</a:t>
             </a:r>
             <a:endParaRPr lang="de-DE" sz="1000" dirty="0">
               <a:solidFill>
@@ -6987,13 +6972,6 @@
   <p:clrMapOvr>
     <a:masterClrMapping/>
   </p:clrMapOvr>
-  <p:timing>
-    <p:tnLst>
-      <p:par>
-        <p:cTn id="1" dur="indefinite" restart="never" nodeType="tmRoot"/>
-      </p:par>
-    </p:tnLst>
-  </p:timing>
 </p:sld>
 </file>
 
@@ -7161,16 +7139,6 @@
             <a:pPr marL="0" lvl="0" indent="0">
               <a:buNone/>
             </a:pPr>
-            <a:r>
-              <a:rPr lang="de-DE" altLang="de-DE" sz="1600" dirty="0">
-                <a:solidFill>
-                  <a:srgbClr val="000000"/>
-                </a:solidFill>
-                <a:latin typeface="Consolas" panose="020B0609020204030204" pitchFamily="49" charset="0"/>
-                <a:cs typeface="Consolas" panose="020B0609020204030204" pitchFamily="49" charset="0"/>
-              </a:rPr>
-              <a:t/>
-            </a:r>
             <a:br>
               <a:rPr lang="de-DE" altLang="de-DE" sz="1600" dirty="0">
                 <a:solidFill>
@@ -8421,16 +8389,6 @@
                 <a:cs typeface="Consolas" panose="020B0609020204030204" pitchFamily="49" charset="0"/>
               </a:rPr>
             </a:br>
-            <a:r>
-              <a:rPr lang="de-DE" altLang="de-DE" sz="1600" dirty="0">
-                <a:solidFill>
-                  <a:srgbClr val="000000"/>
-                </a:solidFill>
-                <a:latin typeface="Consolas" panose="020B0609020204030204" pitchFamily="49" charset="0"/>
-                <a:cs typeface="Consolas" panose="020B0609020204030204" pitchFamily="49" charset="0"/>
-              </a:rPr>
-              <a:t/>
-            </a:r>
             <a:br>
               <a:rPr lang="de-DE" altLang="de-DE" sz="1600" dirty="0">
                 <a:solidFill>
@@ -10080,16 +10038,6 @@
                 <a:cs typeface="Consolas" panose="020B0609020204030204" pitchFamily="49" charset="0"/>
               </a:rPr>
             </a:br>
-            <a:r>
-              <a:rPr lang="de-DE" altLang="de-DE" sz="1600" i="1" dirty="0">
-                <a:solidFill>
-                  <a:srgbClr val="808080"/>
-                </a:solidFill>
-                <a:latin typeface="Consolas" panose="020B0609020204030204" pitchFamily="49" charset="0"/>
-                <a:cs typeface="Consolas" panose="020B0609020204030204" pitchFamily="49" charset="0"/>
-              </a:rPr>
-              <a:t/>
-            </a:r>
             <a:br>
               <a:rPr lang="de-DE" altLang="de-DE" sz="1600" i="1" dirty="0">
                 <a:solidFill>
@@ -10581,16 +10529,6 @@
                 <a:cs typeface="Consolas" panose="020B0609020204030204" pitchFamily="49" charset="0"/>
               </a:rPr>
             </a:br>
-            <a:r>
-              <a:rPr lang="de-DE" altLang="de-DE" sz="1600" i="1" dirty="0">
-                <a:solidFill>
-                  <a:srgbClr val="808080"/>
-                </a:solidFill>
-                <a:latin typeface="Consolas" panose="020B0609020204030204" pitchFamily="49" charset="0"/>
-                <a:cs typeface="Consolas" panose="020B0609020204030204" pitchFamily="49" charset="0"/>
-              </a:rPr>
-              <a:t/>
-            </a:r>
             <a:br>
               <a:rPr lang="de-DE" altLang="de-DE" sz="1600" i="1" dirty="0">
                 <a:solidFill>

--- a/slides/Tag-2_1-Bestandteile_Models.pptx
+++ b/slides/Tag-2_1-Bestandteile_Models.pptx
@@ -4934,7 +4934,7 @@
               <a:pPr algn="ctr">
                 <a:defRPr/>
               </a:pPr>
-              <a:t>03.02.2023</a:t>
+              <a:t>10.02.2023</a:t>
             </a:fld>
             <a:endParaRPr lang="de-DE" sz="1000" dirty="0">
               <a:solidFill>
